--- a/gameJamName/gameJamName - Image Files/gameJamName - Image Initializer.pptx
+++ b/gameJamName/gameJamName - Image Files/gameJamName - Image Initializer.pptx
@@ -104,6 +104,11 @@
       </a:defRPr>
     </a:lvl9pPr>
   </p:defaultTextStyle>
+  <p:extLst>
+    <p:ext uri="{EFAFB233-063F-42B5-8137-9DF3F51BA10A}">
+      <p15:sldGuideLst xmlns:p15="http://schemas.microsoft.com/office/powerpoint/2012/main"/>
+    </p:ext>
+  </p:extLst>
 </p:presentation>
 </file>
 
@@ -238,7 +243,7 @@
           <a:p>
             <a:fld id="{1CB1AD02-714A-4324-8EFD-214DDF861471}" type="datetimeFigureOut">
               <a:rPr lang="en-US" smtClean="0"/>
-              <a:t>9/10/2022</a:t>
+              <a:t>9/12/2022</a:t>
             </a:fld>
             <a:endParaRPr lang="en-US"/>
           </a:p>
@@ -408,7 +413,7 @@
           <a:p>
             <a:fld id="{1CB1AD02-714A-4324-8EFD-214DDF861471}" type="datetimeFigureOut">
               <a:rPr lang="en-US" smtClean="0"/>
-              <a:t>9/10/2022</a:t>
+              <a:t>9/12/2022</a:t>
             </a:fld>
             <a:endParaRPr lang="en-US"/>
           </a:p>
@@ -588,7 +593,7 @@
           <a:p>
             <a:fld id="{1CB1AD02-714A-4324-8EFD-214DDF861471}" type="datetimeFigureOut">
               <a:rPr lang="en-US" smtClean="0"/>
-              <a:t>9/10/2022</a:t>
+              <a:t>9/12/2022</a:t>
             </a:fld>
             <a:endParaRPr lang="en-US"/>
           </a:p>
@@ -758,7 +763,7 @@
           <a:p>
             <a:fld id="{1CB1AD02-714A-4324-8EFD-214DDF861471}" type="datetimeFigureOut">
               <a:rPr lang="en-US" smtClean="0"/>
-              <a:t>9/10/2022</a:t>
+              <a:t>9/12/2022</a:t>
             </a:fld>
             <a:endParaRPr lang="en-US"/>
           </a:p>
@@ -1004,7 +1009,7 @@
           <a:p>
             <a:fld id="{1CB1AD02-714A-4324-8EFD-214DDF861471}" type="datetimeFigureOut">
               <a:rPr lang="en-US" smtClean="0"/>
-              <a:t>9/10/2022</a:t>
+              <a:t>9/12/2022</a:t>
             </a:fld>
             <a:endParaRPr lang="en-US"/>
           </a:p>
@@ -1236,7 +1241,7 @@
           <a:p>
             <a:fld id="{1CB1AD02-714A-4324-8EFD-214DDF861471}" type="datetimeFigureOut">
               <a:rPr lang="en-US" smtClean="0"/>
-              <a:t>9/10/2022</a:t>
+              <a:t>9/12/2022</a:t>
             </a:fld>
             <a:endParaRPr lang="en-US"/>
           </a:p>
@@ -1603,7 +1608,7 @@
           <a:p>
             <a:fld id="{1CB1AD02-714A-4324-8EFD-214DDF861471}" type="datetimeFigureOut">
               <a:rPr lang="en-US" smtClean="0"/>
-              <a:t>9/10/2022</a:t>
+              <a:t>9/12/2022</a:t>
             </a:fld>
             <a:endParaRPr lang="en-US"/>
           </a:p>
@@ -1721,7 +1726,7 @@
           <a:p>
             <a:fld id="{1CB1AD02-714A-4324-8EFD-214DDF861471}" type="datetimeFigureOut">
               <a:rPr lang="en-US" smtClean="0"/>
-              <a:t>9/10/2022</a:t>
+              <a:t>9/12/2022</a:t>
             </a:fld>
             <a:endParaRPr lang="en-US"/>
           </a:p>
@@ -1816,7 +1821,7 @@
           <a:p>
             <a:fld id="{1CB1AD02-714A-4324-8EFD-214DDF861471}" type="datetimeFigureOut">
               <a:rPr lang="en-US" smtClean="0"/>
-              <a:t>9/10/2022</a:t>
+              <a:t>9/12/2022</a:t>
             </a:fld>
             <a:endParaRPr lang="en-US"/>
           </a:p>
@@ -2093,7 +2098,7 @@
           <a:p>
             <a:fld id="{1CB1AD02-714A-4324-8EFD-214DDF861471}" type="datetimeFigureOut">
               <a:rPr lang="en-US" smtClean="0"/>
-              <a:t>9/10/2022</a:t>
+              <a:t>9/12/2022</a:t>
             </a:fld>
             <a:endParaRPr lang="en-US"/>
           </a:p>
@@ -2346,7 +2351,7 @@
           <a:p>
             <a:fld id="{1CB1AD02-714A-4324-8EFD-214DDF861471}" type="datetimeFigureOut">
               <a:rPr lang="en-US" smtClean="0"/>
-              <a:t>9/10/2022</a:t>
+              <a:t>9/12/2022</a:t>
             </a:fld>
             <a:endParaRPr lang="en-US"/>
           </a:p>
@@ -2559,7 +2564,7 @@
           <a:p>
             <a:fld id="{1CB1AD02-714A-4324-8EFD-214DDF861471}" type="datetimeFigureOut">
               <a:rPr lang="en-US" smtClean="0"/>
-              <a:t>9/10/2022</a:t>
+              <a:t>9/12/2022</a:t>
             </a:fld>
             <a:endParaRPr lang="en-US"/>
           </a:p>
@@ -2964,44 +2969,3054 @@
           <a:chExt cx="0" cy="0"/>
         </a:xfrm>
       </p:grpSpPr>
-      <p:sp>
-        <p:nvSpPr>
-          <p:cNvPr id="2" name="Title 1"/>
-          <p:cNvSpPr>
-            <a:spLocks noGrp="1"/>
-          </p:cNvSpPr>
-          <p:nvPr>
-            <p:ph type="ctrTitle"/>
-          </p:nvPr>
-        </p:nvSpPr>
-        <p:spPr/>
-        <p:txBody>
-          <a:bodyPr/>
+      <p:grpSp>
+        <p:nvGrpSpPr>
+          <p:cNvPr id="18" name="Group 17"/>
+          <p:cNvGrpSpPr/>
+          <p:nvPr/>
+        </p:nvGrpSpPr>
+        <p:grpSpPr>
+          <a:xfrm>
+            <a:off x="0" y="-9484"/>
+            <a:ext cx="4059936" cy="2286000"/>
+            <a:chOff x="0" y="3107"/>
+            <a:chExt cx="4740752" cy="2846708"/>
+          </a:xfrm>
+        </p:grpSpPr>
+        <p:sp>
+          <p:nvSpPr>
+            <p:cNvPr id="17" name="Rectangle 16"/>
+            <p:cNvSpPr/>
+            <p:nvPr/>
+          </p:nvSpPr>
+          <p:spPr>
+            <a:xfrm>
+              <a:off x="0" y="3107"/>
+              <a:ext cx="4740752" cy="2131801"/>
+            </a:xfrm>
+            <a:prstGeom prst="rect">
+              <a:avLst/>
+            </a:prstGeom>
+            <a:solidFill>
+              <a:schemeClr val="accent1">
+                <a:lumMod val="40000"/>
+                <a:lumOff val="60000"/>
+              </a:schemeClr>
+            </a:solidFill>
+            <a:ln>
+              <a:solidFill>
+                <a:schemeClr val="tx1"/>
+              </a:solidFill>
+            </a:ln>
+          </p:spPr>
+          <p:style>
+            <a:lnRef idx="2">
+              <a:schemeClr val="accent1">
+                <a:shade val="50000"/>
+              </a:schemeClr>
+            </a:lnRef>
+            <a:fillRef idx="1">
+              <a:schemeClr val="accent1"/>
+            </a:fillRef>
+            <a:effectRef idx="0">
+              <a:schemeClr val="accent1"/>
+            </a:effectRef>
+            <a:fontRef idx="minor">
+              <a:schemeClr val="lt1"/>
+            </a:fontRef>
+          </p:style>
+          <p:txBody>
+            <a:bodyPr rtlCol="0" anchor="ctr"/>
+            <a:lstStyle/>
+            <a:p>
+              <a:pPr algn="ctr"/>
+              <a:endParaRPr lang="en-US"/>
+            </a:p>
+          </p:txBody>
+        </p:sp>
+        <p:sp>
+          <p:nvSpPr>
+            <p:cNvPr id="9" name="Rectangle 8"/>
+            <p:cNvSpPr/>
+            <p:nvPr/>
+          </p:nvSpPr>
+          <p:spPr>
+            <a:xfrm>
+              <a:off x="0" y="2418124"/>
+              <a:ext cx="4740752" cy="431691"/>
+            </a:xfrm>
+            <a:prstGeom prst="rect">
+              <a:avLst/>
+            </a:prstGeom>
+            <a:solidFill>
+              <a:schemeClr val="accent6">
+                <a:lumMod val="60000"/>
+                <a:lumOff val="40000"/>
+              </a:schemeClr>
+            </a:solidFill>
+            <a:ln>
+              <a:solidFill>
+                <a:schemeClr val="tx1"/>
+              </a:solidFill>
+            </a:ln>
+          </p:spPr>
+          <p:style>
+            <a:lnRef idx="2">
+              <a:schemeClr val="accent1">
+                <a:shade val="50000"/>
+              </a:schemeClr>
+            </a:lnRef>
+            <a:fillRef idx="1">
+              <a:schemeClr val="accent1"/>
+            </a:fillRef>
+            <a:effectRef idx="0">
+              <a:schemeClr val="accent1"/>
+            </a:effectRef>
+            <a:fontRef idx="minor">
+              <a:schemeClr val="lt1"/>
+            </a:fontRef>
+          </p:style>
+          <p:txBody>
+            <a:bodyPr rtlCol="0" anchor="ctr"/>
+            <a:lstStyle/>
+            <a:p>
+              <a:pPr algn="ctr"/>
+              <a:endParaRPr lang="en-US"/>
+            </a:p>
+          </p:txBody>
+        </p:sp>
+        <p:sp>
+          <p:nvSpPr>
+            <p:cNvPr id="8" name="Rectangle 7"/>
+            <p:cNvSpPr/>
+            <p:nvPr/>
+          </p:nvSpPr>
+          <p:spPr>
+            <a:xfrm>
+              <a:off x="0" y="2134908"/>
+              <a:ext cx="4740752" cy="283216"/>
+            </a:xfrm>
+            <a:prstGeom prst="rect">
+              <a:avLst/>
+            </a:prstGeom>
+            <a:pattFill prst="wdUpDiag">
+              <a:fgClr>
+                <a:schemeClr val="accent6">
+                  <a:lumMod val="60000"/>
+                  <a:lumOff val="40000"/>
+                </a:schemeClr>
+              </a:fgClr>
+              <a:bgClr>
+                <a:schemeClr val="bg1"/>
+              </a:bgClr>
+            </a:pattFill>
+            <a:ln>
+              <a:solidFill>
+                <a:schemeClr val="tx1"/>
+              </a:solidFill>
+            </a:ln>
+          </p:spPr>
+          <p:style>
+            <a:lnRef idx="2">
+              <a:schemeClr val="accent1">
+                <a:shade val="50000"/>
+              </a:schemeClr>
+            </a:lnRef>
+            <a:fillRef idx="1">
+              <a:schemeClr val="accent1"/>
+            </a:fillRef>
+            <a:effectRef idx="0">
+              <a:schemeClr val="accent1"/>
+            </a:effectRef>
+            <a:fontRef idx="minor">
+              <a:schemeClr val="lt1"/>
+            </a:fontRef>
+          </p:style>
+          <p:txBody>
+            <a:bodyPr rtlCol="0" anchor="ctr"/>
+            <a:lstStyle/>
+            <a:p>
+              <a:pPr algn="ctr"/>
+              <a:endParaRPr lang="en-US"/>
+            </a:p>
+          </p:txBody>
+        </p:sp>
+      </p:grpSp>
+      <p:grpSp>
+        <p:nvGrpSpPr>
+          <p:cNvPr id="27" name="Group 26"/>
+          <p:cNvGrpSpPr/>
+          <p:nvPr/>
+        </p:nvGrpSpPr>
+        <p:grpSpPr>
+          <a:xfrm>
+            <a:off x="4066032" y="-9484"/>
+            <a:ext cx="4059936" cy="2286000"/>
+            <a:chOff x="0" y="3107"/>
+            <a:chExt cx="4740752" cy="2846708"/>
+          </a:xfrm>
+        </p:grpSpPr>
+        <p:sp>
+          <p:nvSpPr>
+            <p:cNvPr id="28" name="Rectangle 27"/>
+            <p:cNvSpPr/>
+            <p:nvPr/>
+          </p:nvSpPr>
+          <p:spPr>
+            <a:xfrm>
+              <a:off x="0" y="3107"/>
+              <a:ext cx="4740752" cy="2131801"/>
+            </a:xfrm>
+            <a:prstGeom prst="rect">
+              <a:avLst/>
+            </a:prstGeom>
+            <a:solidFill>
+              <a:schemeClr val="accent5">
+                <a:lumMod val="60000"/>
+                <a:lumOff val="40000"/>
+              </a:schemeClr>
+            </a:solidFill>
+            <a:ln>
+              <a:solidFill>
+                <a:schemeClr val="tx1"/>
+              </a:solidFill>
+            </a:ln>
+          </p:spPr>
+          <p:style>
+            <a:lnRef idx="2">
+              <a:schemeClr val="accent1">
+                <a:shade val="50000"/>
+              </a:schemeClr>
+            </a:lnRef>
+            <a:fillRef idx="1">
+              <a:schemeClr val="accent1"/>
+            </a:fillRef>
+            <a:effectRef idx="0">
+              <a:schemeClr val="accent1"/>
+            </a:effectRef>
+            <a:fontRef idx="minor">
+              <a:schemeClr val="lt1"/>
+            </a:fontRef>
+          </p:style>
+          <p:txBody>
+            <a:bodyPr rtlCol="0" anchor="ctr"/>
+            <a:lstStyle/>
+            <a:p>
+              <a:pPr algn="ctr"/>
+              <a:endParaRPr lang="en-US"/>
+            </a:p>
+          </p:txBody>
+        </p:sp>
+        <p:sp>
+          <p:nvSpPr>
+            <p:cNvPr id="29" name="Rectangle 28"/>
+            <p:cNvSpPr/>
+            <p:nvPr/>
+          </p:nvSpPr>
+          <p:spPr>
+            <a:xfrm>
+              <a:off x="0" y="2418124"/>
+              <a:ext cx="4740752" cy="431691"/>
+            </a:xfrm>
+            <a:prstGeom prst="rect">
+              <a:avLst/>
+            </a:prstGeom>
+            <a:solidFill>
+              <a:schemeClr val="accent6"/>
+            </a:solidFill>
+            <a:ln>
+              <a:solidFill>
+                <a:schemeClr val="tx1"/>
+              </a:solidFill>
+            </a:ln>
+          </p:spPr>
+          <p:style>
+            <a:lnRef idx="2">
+              <a:schemeClr val="accent1">
+                <a:shade val="50000"/>
+              </a:schemeClr>
+            </a:lnRef>
+            <a:fillRef idx="1">
+              <a:schemeClr val="accent1"/>
+            </a:fillRef>
+            <a:effectRef idx="0">
+              <a:schemeClr val="accent1"/>
+            </a:effectRef>
+            <a:fontRef idx="minor">
+              <a:schemeClr val="lt1"/>
+            </a:fontRef>
+          </p:style>
+          <p:txBody>
+            <a:bodyPr rtlCol="0" anchor="ctr"/>
+            <a:lstStyle/>
+            <a:p>
+              <a:pPr algn="ctr"/>
+              <a:endParaRPr lang="en-US"/>
+            </a:p>
+          </p:txBody>
+        </p:sp>
+        <p:sp>
+          <p:nvSpPr>
+            <p:cNvPr id="30" name="Rectangle 29"/>
+            <p:cNvSpPr/>
+            <p:nvPr/>
+          </p:nvSpPr>
+          <p:spPr>
+            <a:xfrm>
+              <a:off x="0" y="2134908"/>
+              <a:ext cx="4740752" cy="283216"/>
+            </a:xfrm>
+            <a:prstGeom prst="rect">
+              <a:avLst/>
+            </a:prstGeom>
+            <a:pattFill prst="wdUpDiag">
+              <a:fgClr>
+                <a:schemeClr val="accent6"/>
+              </a:fgClr>
+              <a:bgClr>
+                <a:schemeClr val="bg1"/>
+              </a:bgClr>
+            </a:pattFill>
+            <a:ln>
+              <a:solidFill>
+                <a:schemeClr val="tx1"/>
+              </a:solidFill>
+            </a:ln>
+          </p:spPr>
+          <p:style>
+            <a:lnRef idx="2">
+              <a:schemeClr val="accent1">
+                <a:shade val="50000"/>
+              </a:schemeClr>
+            </a:lnRef>
+            <a:fillRef idx="1">
+              <a:schemeClr val="accent1"/>
+            </a:fillRef>
+            <a:effectRef idx="0">
+              <a:schemeClr val="accent1"/>
+            </a:effectRef>
+            <a:fontRef idx="minor">
+              <a:schemeClr val="lt1"/>
+            </a:fontRef>
+          </p:style>
+          <p:txBody>
+            <a:bodyPr rtlCol="0" anchor="ctr"/>
+            <a:lstStyle/>
+            <a:p>
+              <a:pPr algn="ctr"/>
+              <a:endParaRPr lang="en-US"/>
+            </a:p>
+          </p:txBody>
+        </p:sp>
+      </p:grpSp>
+      <p:grpSp>
+        <p:nvGrpSpPr>
+          <p:cNvPr id="43" name="Group 42"/>
+          <p:cNvGrpSpPr/>
+          <p:nvPr/>
+        </p:nvGrpSpPr>
+        <p:grpSpPr>
+          <a:xfrm>
+            <a:off x="8132064" y="-9484"/>
+            <a:ext cx="4059936" cy="2286000"/>
+            <a:chOff x="0" y="3107"/>
+            <a:chExt cx="4740752" cy="2846708"/>
+          </a:xfrm>
+        </p:grpSpPr>
+        <p:sp>
+          <p:nvSpPr>
+            <p:cNvPr id="44" name="Rectangle 43"/>
+            <p:cNvSpPr/>
+            <p:nvPr/>
+          </p:nvSpPr>
+          <p:spPr>
+            <a:xfrm>
+              <a:off x="0" y="3107"/>
+              <a:ext cx="4740752" cy="2131801"/>
+            </a:xfrm>
+            <a:prstGeom prst="rect">
+              <a:avLst/>
+            </a:prstGeom>
+            <a:solidFill>
+              <a:schemeClr val="accent5">
+                <a:lumMod val="75000"/>
+              </a:schemeClr>
+            </a:solidFill>
+            <a:ln>
+              <a:solidFill>
+                <a:schemeClr val="tx1"/>
+              </a:solidFill>
+            </a:ln>
+          </p:spPr>
+          <p:style>
+            <a:lnRef idx="2">
+              <a:schemeClr val="accent1">
+                <a:shade val="50000"/>
+              </a:schemeClr>
+            </a:lnRef>
+            <a:fillRef idx="1">
+              <a:schemeClr val="accent1"/>
+            </a:fillRef>
+            <a:effectRef idx="0">
+              <a:schemeClr val="accent1"/>
+            </a:effectRef>
+            <a:fontRef idx="minor">
+              <a:schemeClr val="lt1"/>
+            </a:fontRef>
+          </p:style>
+          <p:txBody>
+            <a:bodyPr rtlCol="0" anchor="ctr"/>
+            <a:lstStyle/>
+            <a:p>
+              <a:pPr algn="ctr"/>
+              <a:endParaRPr lang="en-US"/>
+            </a:p>
+          </p:txBody>
+        </p:sp>
+        <p:sp>
+          <p:nvSpPr>
+            <p:cNvPr id="45" name="Rectangle 44"/>
+            <p:cNvSpPr/>
+            <p:nvPr/>
+          </p:nvSpPr>
+          <p:spPr>
+            <a:xfrm>
+              <a:off x="0" y="2418124"/>
+              <a:ext cx="4740752" cy="431691"/>
+            </a:xfrm>
+            <a:prstGeom prst="rect">
+              <a:avLst/>
+            </a:prstGeom>
+            <a:solidFill>
+              <a:schemeClr val="accent6">
+                <a:lumMod val="75000"/>
+              </a:schemeClr>
+            </a:solidFill>
+            <a:ln>
+              <a:solidFill>
+                <a:schemeClr val="tx1"/>
+              </a:solidFill>
+            </a:ln>
+          </p:spPr>
+          <p:style>
+            <a:lnRef idx="2">
+              <a:schemeClr val="accent1">
+                <a:shade val="50000"/>
+              </a:schemeClr>
+            </a:lnRef>
+            <a:fillRef idx="1">
+              <a:schemeClr val="accent1"/>
+            </a:fillRef>
+            <a:effectRef idx="0">
+              <a:schemeClr val="accent1"/>
+            </a:effectRef>
+            <a:fontRef idx="minor">
+              <a:schemeClr val="lt1"/>
+            </a:fontRef>
+          </p:style>
+          <p:txBody>
+            <a:bodyPr rtlCol="0" anchor="ctr"/>
+            <a:lstStyle/>
+            <a:p>
+              <a:pPr algn="ctr"/>
+              <a:endParaRPr lang="en-US"/>
+            </a:p>
+          </p:txBody>
+        </p:sp>
+        <p:sp>
+          <p:nvSpPr>
+            <p:cNvPr id="46" name="Rectangle 45"/>
+            <p:cNvSpPr/>
+            <p:nvPr/>
+          </p:nvSpPr>
+          <p:spPr>
+            <a:xfrm>
+              <a:off x="0" y="2134908"/>
+              <a:ext cx="4740752" cy="283216"/>
+            </a:xfrm>
+            <a:prstGeom prst="rect">
+              <a:avLst/>
+            </a:prstGeom>
+            <a:pattFill prst="wdUpDiag">
+              <a:fgClr>
+                <a:schemeClr val="accent6">
+                  <a:lumMod val="75000"/>
+                </a:schemeClr>
+              </a:fgClr>
+              <a:bgClr>
+                <a:schemeClr val="bg1"/>
+              </a:bgClr>
+            </a:pattFill>
+            <a:ln>
+              <a:solidFill>
+                <a:schemeClr val="tx1"/>
+              </a:solidFill>
+            </a:ln>
+          </p:spPr>
+          <p:style>
+            <a:lnRef idx="2">
+              <a:schemeClr val="accent1">
+                <a:shade val="50000"/>
+              </a:schemeClr>
+            </a:lnRef>
+            <a:fillRef idx="1">
+              <a:schemeClr val="accent1"/>
+            </a:fillRef>
+            <a:effectRef idx="0">
+              <a:schemeClr val="accent1"/>
+            </a:effectRef>
+            <a:fontRef idx="minor">
+              <a:schemeClr val="lt1"/>
+            </a:fontRef>
+          </p:style>
+          <p:txBody>
+            <a:bodyPr rtlCol="0" anchor="ctr"/>
+            <a:lstStyle/>
+            <a:p>
+              <a:pPr algn="ctr"/>
+              <a:endParaRPr lang="en-US"/>
+            </a:p>
+          </p:txBody>
+        </p:sp>
+      </p:grpSp>
+      <p:grpSp>
+        <p:nvGrpSpPr>
+          <p:cNvPr id="47" name="Group 46"/>
+          <p:cNvGrpSpPr/>
+          <p:nvPr/>
+        </p:nvGrpSpPr>
+        <p:grpSpPr>
+          <a:xfrm>
+            <a:off x="0" y="2284709"/>
+            <a:ext cx="4059936" cy="2286000"/>
+            <a:chOff x="0" y="3107"/>
+            <a:chExt cx="4740752" cy="2846708"/>
+          </a:xfrm>
+        </p:grpSpPr>
+        <p:sp>
+          <p:nvSpPr>
+            <p:cNvPr id="48" name="Rectangle 47"/>
+            <p:cNvSpPr/>
+            <p:nvPr/>
+          </p:nvSpPr>
+          <p:spPr>
+            <a:xfrm>
+              <a:off x="0" y="3107"/>
+              <a:ext cx="4740752" cy="2131801"/>
+            </a:xfrm>
+            <a:prstGeom prst="rect">
+              <a:avLst/>
+            </a:prstGeom>
+            <a:pattFill prst="pct90">
+              <a:fgClr>
+                <a:srgbClr val="996633"/>
+              </a:fgClr>
+              <a:bgClr>
+                <a:srgbClr val="663300"/>
+              </a:bgClr>
+            </a:pattFill>
+            <a:ln>
+              <a:solidFill>
+                <a:schemeClr val="tx1"/>
+              </a:solidFill>
+            </a:ln>
+          </p:spPr>
+          <p:style>
+            <a:lnRef idx="2">
+              <a:schemeClr val="accent1">
+                <a:shade val="50000"/>
+              </a:schemeClr>
+            </a:lnRef>
+            <a:fillRef idx="1">
+              <a:schemeClr val="accent1"/>
+            </a:fillRef>
+            <a:effectRef idx="0">
+              <a:schemeClr val="accent1"/>
+            </a:effectRef>
+            <a:fontRef idx="minor">
+              <a:schemeClr val="lt1"/>
+            </a:fontRef>
+          </p:style>
+          <p:txBody>
+            <a:bodyPr rtlCol="0" anchor="ctr"/>
+            <a:lstStyle/>
+            <a:p>
+              <a:pPr algn="ctr"/>
+              <a:endParaRPr lang="en-US"/>
+            </a:p>
+          </p:txBody>
+        </p:sp>
+        <p:sp>
+          <p:nvSpPr>
+            <p:cNvPr id="49" name="Rectangle 48"/>
+            <p:cNvSpPr/>
+            <p:nvPr/>
+          </p:nvSpPr>
+          <p:spPr>
+            <a:xfrm>
+              <a:off x="0" y="2418124"/>
+              <a:ext cx="4740752" cy="431691"/>
+            </a:xfrm>
+            <a:prstGeom prst="rect">
+              <a:avLst/>
+            </a:prstGeom>
+            <a:solidFill>
+              <a:srgbClr val="663300"/>
+            </a:solidFill>
+            <a:ln>
+              <a:solidFill>
+                <a:schemeClr val="tx1"/>
+              </a:solidFill>
+            </a:ln>
+          </p:spPr>
+          <p:style>
+            <a:lnRef idx="2">
+              <a:schemeClr val="accent1">
+                <a:shade val="50000"/>
+              </a:schemeClr>
+            </a:lnRef>
+            <a:fillRef idx="1">
+              <a:schemeClr val="accent1"/>
+            </a:fillRef>
+            <a:effectRef idx="0">
+              <a:schemeClr val="accent1"/>
+            </a:effectRef>
+            <a:fontRef idx="minor">
+              <a:schemeClr val="lt1"/>
+            </a:fontRef>
+          </p:style>
+          <p:txBody>
+            <a:bodyPr rtlCol="0" anchor="ctr"/>
+            <a:lstStyle/>
+            <a:p>
+              <a:pPr algn="ctr"/>
+              <a:endParaRPr lang="en-US"/>
+            </a:p>
+          </p:txBody>
+        </p:sp>
+        <p:sp>
+          <p:nvSpPr>
+            <p:cNvPr id="50" name="Rectangle 49"/>
+            <p:cNvSpPr/>
+            <p:nvPr/>
+          </p:nvSpPr>
+          <p:spPr>
+            <a:xfrm>
+              <a:off x="0" y="2134908"/>
+              <a:ext cx="4740752" cy="283216"/>
+            </a:xfrm>
+            <a:prstGeom prst="rect">
+              <a:avLst/>
+            </a:prstGeom>
+            <a:pattFill prst="wdUpDiag">
+              <a:fgClr>
+                <a:srgbClr val="663300"/>
+              </a:fgClr>
+              <a:bgClr>
+                <a:srgbClr val="CC9900"/>
+              </a:bgClr>
+            </a:pattFill>
+            <a:ln>
+              <a:solidFill>
+                <a:schemeClr val="tx1"/>
+              </a:solidFill>
+            </a:ln>
+          </p:spPr>
+          <p:style>
+            <a:lnRef idx="2">
+              <a:schemeClr val="accent1">
+                <a:shade val="50000"/>
+              </a:schemeClr>
+            </a:lnRef>
+            <a:fillRef idx="1">
+              <a:schemeClr val="accent1"/>
+            </a:fillRef>
+            <a:effectRef idx="0">
+              <a:schemeClr val="accent1"/>
+            </a:effectRef>
+            <a:fontRef idx="minor">
+              <a:schemeClr val="lt1"/>
+            </a:fontRef>
+          </p:style>
+          <p:txBody>
+            <a:bodyPr rtlCol="0" anchor="ctr"/>
+            <a:lstStyle/>
+            <a:p>
+              <a:pPr algn="ctr"/>
+              <a:endParaRPr lang="en-US"/>
+            </a:p>
+          </p:txBody>
+        </p:sp>
+      </p:grpSp>
+      <p:grpSp>
+        <p:nvGrpSpPr>
+          <p:cNvPr id="51" name="Group 50"/>
+          <p:cNvGrpSpPr/>
+          <p:nvPr/>
+        </p:nvGrpSpPr>
+        <p:grpSpPr>
+          <a:xfrm>
+            <a:off x="4066032" y="2284709"/>
+            <a:ext cx="4059936" cy="2286000"/>
+            <a:chOff x="0" y="3107"/>
+            <a:chExt cx="4740752" cy="2846708"/>
+          </a:xfrm>
+        </p:grpSpPr>
+        <p:sp>
+          <p:nvSpPr>
+            <p:cNvPr id="52" name="Rectangle 51"/>
+            <p:cNvSpPr/>
+            <p:nvPr/>
+          </p:nvSpPr>
+          <p:spPr>
+            <a:xfrm>
+              <a:off x="0" y="3107"/>
+              <a:ext cx="4740752" cy="2131801"/>
+            </a:xfrm>
+            <a:prstGeom prst="rect">
+              <a:avLst/>
+            </a:prstGeom>
+            <a:solidFill>
+              <a:schemeClr val="accent1">
+                <a:lumMod val="40000"/>
+                <a:lumOff val="60000"/>
+              </a:schemeClr>
+            </a:solidFill>
+            <a:ln>
+              <a:solidFill>
+                <a:schemeClr val="tx1"/>
+              </a:solidFill>
+            </a:ln>
+          </p:spPr>
+          <p:style>
+            <a:lnRef idx="2">
+              <a:schemeClr val="accent1">
+                <a:shade val="50000"/>
+              </a:schemeClr>
+            </a:lnRef>
+            <a:fillRef idx="1">
+              <a:schemeClr val="accent1"/>
+            </a:fillRef>
+            <a:effectRef idx="0">
+              <a:schemeClr val="accent1"/>
+            </a:effectRef>
+            <a:fontRef idx="minor">
+              <a:schemeClr val="lt1"/>
+            </a:fontRef>
+          </p:style>
+          <p:txBody>
+            <a:bodyPr rtlCol="0" anchor="ctr"/>
+            <a:lstStyle/>
+            <a:p>
+              <a:pPr algn="ctr"/>
+              <a:endParaRPr lang="en-US"/>
+            </a:p>
+          </p:txBody>
+        </p:sp>
+        <p:sp>
+          <p:nvSpPr>
+            <p:cNvPr id="53" name="Rectangle 52"/>
+            <p:cNvSpPr/>
+            <p:nvPr/>
+          </p:nvSpPr>
+          <p:spPr>
+            <a:xfrm>
+              <a:off x="0" y="2418124"/>
+              <a:ext cx="4740752" cy="431691"/>
+            </a:xfrm>
+            <a:prstGeom prst="rect">
+              <a:avLst/>
+            </a:prstGeom>
+            <a:solidFill>
+              <a:schemeClr val="accent6"/>
+            </a:solidFill>
+            <a:ln>
+              <a:solidFill>
+                <a:schemeClr val="tx1"/>
+              </a:solidFill>
+            </a:ln>
+          </p:spPr>
+          <p:style>
+            <a:lnRef idx="2">
+              <a:schemeClr val="accent1">
+                <a:shade val="50000"/>
+              </a:schemeClr>
+            </a:lnRef>
+            <a:fillRef idx="1">
+              <a:schemeClr val="accent1"/>
+            </a:fillRef>
+            <a:effectRef idx="0">
+              <a:schemeClr val="accent1"/>
+            </a:effectRef>
+            <a:fontRef idx="minor">
+              <a:schemeClr val="lt1"/>
+            </a:fontRef>
+          </p:style>
+          <p:txBody>
+            <a:bodyPr rtlCol="0" anchor="ctr"/>
+            <a:lstStyle/>
+            <a:p>
+              <a:pPr algn="ctr"/>
+              <a:endParaRPr lang="en-US"/>
+            </a:p>
+          </p:txBody>
+        </p:sp>
+        <p:sp>
+          <p:nvSpPr>
+            <p:cNvPr id="54" name="Rectangle 53"/>
+            <p:cNvSpPr/>
+            <p:nvPr/>
+          </p:nvSpPr>
+          <p:spPr>
+            <a:xfrm>
+              <a:off x="0" y="2134908"/>
+              <a:ext cx="4740752" cy="283216"/>
+            </a:xfrm>
+            <a:prstGeom prst="rect">
+              <a:avLst/>
+            </a:prstGeom>
+            <a:pattFill prst="wdUpDiag">
+              <a:fgClr>
+                <a:schemeClr val="accent6"/>
+              </a:fgClr>
+              <a:bgClr>
+                <a:schemeClr val="bg1"/>
+              </a:bgClr>
+            </a:pattFill>
+            <a:ln>
+              <a:solidFill>
+                <a:schemeClr val="tx1"/>
+              </a:solidFill>
+            </a:ln>
+          </p:spPr>
+          <p:style>
+            <a:lnRef idx="2">
+              <a:schemeClr val="accent1">
+                <a:shade val="50000"/>
+              </a:schemeClr>
+            </a:lnRef>
+            <a:fillRef idx="1">
+              <a:schemeClr val="accent1"/>
+            </a:fillRef>
+            <a:effectRef idx="0">
+              <a:schemeClr val="accent1"/>
+            </a:effectRef>
+            <a:fontRef idx="minor">
+              <a:schemeClr val="lt1"/>
+            </a:fontRef>
+          </p:style>
+          <p:txBody>
+            <a:bodyPr rtlCol="0" anchor="ctr"/>
+            <a:lstStyle/>
+            <a:p>
+              <a:pPr algn="ctr"/>
+              <a:endParaRPr lang="en-US"/>
+            </a:p>
+          </p:txBody>
+        </p:sp>
+      </p:grpSp>
+      <p:grpSp>
+        <p:nvGrpSpPr>
+          <p:cNvPr id="55" name="Group 54"/>
+          <p:cNvGrpSpPr/>
+          <p:nvPr/>
+        </p:nvGrpSpPr>
+        <p:grpSpPr>
+          <a:xfrm>
+            <a:off x="8132064" y="2284709"/>
+            <a:ext cx="4059936" cy="2286000"/>
+            <a:chOff x="0" y="3107"/>
+            <a:chExt cx="4740752" cy="2846708"/>
+          </a:xfrm>
+        </p:grpSpPr>
+        <p:sp>
+          <p:nvSpPr>
+            <p:cNvPr id="56" name="Rectangle 55"/>
+            <p:cNvSpPr/>
+            <p:nvPr/>
+          </p:nvSpPr>
+          <p:spPr>
+            <a:xfrm>
+              <a:off x="0" y="3107"/>
+              <a:ext cx="4740752" cy="2131801"/>
+            </a:xfrm>
+            <a:prstGeom prst="rect">
+              <a:avLst/>
+            </a:prstGeom>
+            <a:solidFill>
+              <a:schemeClr val="accent1">
+                <a:lumMod val="40000"/>
+                <a:lumOff val="60000"/>
+              </a:schemeClr>
+            </a:solidFill>
+            <a:ln>
+              <a:solidFill>
+                <a:schemeClr val="tx1"/>
+              </a:solidFill>
+            </a:ln>
+          </p:spPr>
+          <p:style>
+            <a:lnRef idx="2">
+              <a:schemeClr val="accent1">
+                <a:shade val="50000"/>
+              </a:schemeClr>
+            </a:lnRef>
+            <a:fillRef idx="1">
+              <a:schemeClr val="accent1"/>
+            </a:fillRef>
+            <a:effectRef idx="0">
+              <a:schemeClr val="accent1"/>
+            </a:effectRef>
+            <a:fontRef idx="minor">
+              <a:schemeClr val="lt1"/>
+            </a:fontRef>
+          </p:style>
+          <p:txBody>
+            <a:bodyPr rtlCol="0" anchor="ctr"/>
+            <a:lstStyle/>
+            <a:p>
+              <a:pPr algn="ctr"/>
+              <a:endParaRPr lang="en-US"/>
+            </a:p>
+          </p:txBody>
+        </p:sp>
+        <p:sp>
+          <p:nvSpPr>
+            <p:cNvPr id="57" name="Rectangle 56"/>
+            <p:cNvSpPr/>
+            <p:nvPr/>
+          </p:nvSpPr>
+          <p:spPr>
+            <a:xfrm>
+              <a:off x="0" y="2418124"/>
+              <a:ext cx="4740752" cy="431691"/>
+            </a:xfrm>
+            <a:prstGeom prst="rect">
+              <a:avLst/>
+            </a:prstGeom>
+            <a:solidFill>
+              <a:schemeClr val="accent6"/>
+            </a:solidFill>
+            <a:ln>
+              <a:solidFill>
+                <a:schemeClr val="tx1"/>
+              </a:solidFill>
+            </a:ln>
+          </p:spPr>
+          <p:style>
+            <a:lnRef idx="2">
+              <a:schemeClr val="accent1">
+                <a:shade val="50000"/>
+              </a:schemeClr>
+            </a:lnRef>
+            <a:fillRef idx="1">
+              <a:schemeClr val="accent1"/>
+            </a:fillRef>
+            <a:effectRef idx="0">
+              <a:schemeClr val="accent1"/>
+            </a:effectRef>
+            <a:fontRef idx="minor">
+              <a:schemeClr val="lt1"/>
+            </a:fontRef>
+          </p:style>
+          <p:txBody>
+            <a:bodyPr rtlCol="0" anchor="ctr"/>
+            <a:lstStyle/>
+            <a:p>
+              <a:pPr algn="ctr"/>
+              <a:endParaRPr lang="en-US"/>
+            </a:p>
+          </p:txBody>
+        </p:sp>
+        <p:sp>
+          <p:nvSpPr>
+            <p:cNvPr id="58" name="Rectangle 57"/>
+            <p:cNvSpPr/>
+            <p:nvPr/>
+          </p:nvSpPr>
+          <p:spPr>
+            <a:xfrm>
+              <a:off x="0" y="2134908"/>
+              <a:ext cx="4740752" cy="283216"/>
+            </a:xfrm>
+            <a:prstGeom prst="rect">
+              <a:avLst/>
+            </a:prstGeom>
+            <a:pattFill prst="wdUpDiag">
+              <a:fgClr>
+                <a:schemeClr val="accent6"/>
+              </a:fgClr>
+              <a:bgClr>
+                <a:schemeClr val="bg1"/>
+              </a:bgClr>
+            </a:pattFill>
+            <a:ln>
+              <a:solidFill>
+                <a:schemeClr val="tx1"/>
+              </a:solidFill>
+            </a:ln>
+          </p:spPr>
+          <p:style>
+            <a:lnRef idx="2">
+              <a:schemeClr val="accent1">
+                <a:shade val="50000"/>
+              </a:schemeClr>
+            </a:lnRef>
+            <a:fillRef idx="1">
+              <a:schemeClr val="accent1"/>
+            </a:fillRef>
+            <a:effectRef idx="0">
+              <a:schemeClr val="accent1"/>
+            </a:effectRef>
+            <a:fontRef idx="minor">
+              <a:schemeClr val="lt1"/>
+            </a:fontRef>
+          </p:style>
+          <p:txBody>
+            <a:bodyPr rtlCol="0" anchor="ctr"/>
+            <a:lstStyle/>
+            <a:p>
+              <a:pPr algn="ctr"/>
+              <a:endParaRPr lang="en-US"/>
+            </a:p>
+          </p:txBody>
+        </p:sp>
+      </p:grpSp>
+      <p:grpSp>
+        <p:nvGrpSpPr>
+          <p:cNvPr id="59" name="Group 58"/>
+          <p:cNvGrpSpPr/>
+          <p:nvPr/>
+        </p:nvGrpSpPr>
+        <p:grpSpPr>
+          <a:xfrm>
+            <a:off x="0" y="4565521"/>
+            <a:ext cx="4059936" cy="2286000"/>
+            <a:chOff x="0" y="3107"/>
+            <a:chExt cx="4740752" cy="2846708"/>
+          </a:xfrm>
+        </p:grpSpPr>
+        <p:sp>
+          <p:nvSpPr>
+            <p:cNvPr id="60" name="Rectangle 59"/>
+            <p:cNvSpPr/>
+            <p:nvPr/>
+          </p:nvSpPr>
+          <p:spPr>
+            <a:xfrm>
+              <a:off x="0" y="3107"/>
+              <a:ext cx="4740752" cy="2131801"/>
+            </a:xfrm>
+            <a:prstGeom prst="rect">
+              <a:avLst/>
+            </a:prstGeom>
+            <a:solidFill>
+              <a:schemeClr val="accent1">
+                <a:lumMod val="40000"/>
+                <a:lumOff val="60000"/>
+              </a:schemeClr>
+            </a:solidFill>
+            <a:ln>
+              <a:solidFill>
+                <a:schemeClr val="tx1"/>
+              </a:solidFill>
+            </a:ln>
+          </p:spPr>
+          <p:style>
+            <a:lnRef idx="2">
+              <a:schemeClr val="accent1">
+                <a:shade val="50000"/>
+              </a:schemeClr>
+            </a:lnRef>
+            <a:fillRef idx="1">
+              <a:schemeClr val="accent1"/>
+            </a:fillRef>
+            <a:effectRef idx="0">
+              <a:schemeClr val="accent1"/>
+            </a:effectRef>
+            <a:fontRef idx="minor">
+              <a:schemeClr val="lt1"/>
+            </a:fontRef>
+          </p:style>
+          <p:txBody>
+            <a:bodyPr rtlCol="0" anchor="ctr"/>
+            <a:lstStyle/>
+            <a:p>
+              <a:pPr algn="ctr"/>
+              <a:endParaRPr lang="en-US"/>
+            </a:p>
+          </p:txBody>
+        </p:sp>
+        <p:sp>
+          <p:nvSpPr>
+            <p:cNvPr id="61" name="Rectangle 60"/>
+            <p:cNvSpPr/>
+            <p:nvPr/>
+          </p:nvSpPr>
+          <p:spPr>
+            <a:xfrm>
+              <a:off x="0" y="2418124"/>
+              <a:ext cx="4740752" cy="431691"/>
+            </a:xfrm>
+            <a:prstGeom prst="rect">
+              <a:avLst/>
+            </a:prstGeom>
+            <a:solidFill>
+              <a:schemeClr val="accent6"/>
+            </a:solidFill>
+            <a:ln>
+              <a:solidFill>
+                <a:schemeClr val="tx1"/>
+              </a:solidFill>
+            </a:ln>
+          </p:spPr>
+          <p:style>
+            <a:lnRef idx="2">
+              <a:schemeClr val="accent1">
+                <a:shade val="50000"/>
+              </a:schemeClr>
+            </a:lnRef>
+            <a:fillRef idx="1">
+              <a:schemeClr val="accent1"/>
+            </a:fillRef>
+            <a:effectRef idx="0">
+              <a:schemeClr val="accent1"/>
+            </a:effectRef>
+            <a:fontRef idx="minor">
+              <a:schemeClr val="lt1"/>
+            </a:fontRef>
+          </p:style>
+          <p:txBody>
+            <a:bodyPr rtlCol="0" anchor="ctr"/>
+            <a:lstStyle/>
+            <a:p>
+              <a:pPr algn="ctr"/>
+              <a:endParaRPr lang="en-US"/>
+            </a:p>
+          </p:txBody>
+        </p:sp>
+        <p:sp>
+          <p:nvSpPr>
+            <p:cNvPr id="62" name="Rectangle 61"/>
+            <p:cNvSpPr/>
+            <p:nvPr/>
+          </p:nvSpPr>
+          <p:spPr>
+            <a:xfrm>
+              <a:off x="0" y="2134908"/>
+              <a:ext cx="4740752" cy="283216"/>
+            </a:xfrm>
+            <a:prstGeom prst="rect">
+              <a:avLst/>
+            </a:prstGeom>
+            <a:pattFill prst="wdUpDiag">
+              <a:fgClr>
+                <a:schemeClr val="accent6"/>
+              </a:fgClr>
+              <a:bgClr>
+                <a:schemeClr val="bg1"/>
+              </a:bgClr>
+            </a:pattFill>
+            <a:ln>
+              <a:solidFill>
+                <a:schemeClr val="tx1"/>
+              </a:solidFill>
+            </a:ln>
+          </p:spPr>
+          <p:style>
+            <a:lnRef idx="2">
+              <a:schemeClr val="accent1">
+                <a:shade val="50000"/>
+              </a:schemeClr>
+            </a:lnRef>
+            <a:fillRef idx="1">
+              <a:schemeClr val="accent1"/>
+            </a:fillRef>
+            <a:effectRef idx="0">
+              <a:schemeClr val="accent1"/>
+            </a:effectRef>
+            <a:fontRef idx="minor">
+              <a:schemeClr val="lt1"/>
+            </a:fontRef>
+          </p:style>
+          <p:txBody>
+            <a:bodyPr rtlCol="0" anchor="ctr"/>
+            <a:lstStyle/>
+            <a:p>
+              <a:pPr algn="ctr"/>
+              <a:endParaRPr lang="en-US"/>
+            </a:p>
+          </p:txBody>
+        </p:sp>
+      </p:grpSp>
+      <p:grpSp>
+        <p:nvGrpSpPr>
+          <p:cNvPr id="63" name="Group 62"/>
+          <p:cNvGrpSpPr/>
+          <p:nvPr/>
+        </p:nvGrpSpPr>
+        <p:grpSpPr>
+          <a:xfrm>
+            <a:off x="4066032" y="4565521"/>
+            <a:ext cx="4059936" cy="2286000"/>
+            <a:chOff x="0" y="3107"/>
+            <a:chExt cx="4740752" cy="2846708"/>
+          </a:xfrm>
+        </p:grpSpPr>
+        <p:sp>
+          <p:nvSpPr>
+            <p:cNvPr id="64" name="Rectangle 63"/>
+            <p:cNvSpPr/>
+            <p:nvPr/>
+          </p:nvSpPr>
+          <p:spPr>
+            <a:xfrm>
+              <a:off x="0" y="3107"/>
+              <a:ext cx="4740752" cy="2131801"/>
+            </a:xfrm>
+            <a:prstGeom prst="rect">
+              <a:avLst/>
+            </a:prstGeom>
+            <a:solidFill>
+              <a:schemeClr val="accent1">
+                <a:lumMod val="40000"/>
+                <a:lumOff val="60000"/>
+              </a:schemeClr>
+            </a:solidFill>
+            <a:ln>
+              <a:solidFill>
+                <a:schemeClr val="tx1"/>
+              </a:solidFill>
+            </a:ln>
+          </p:spPr>
+          <p:style>
+            <a:lnRef idx="2">
+              <a:schemeClr val="accent1">
+                <a:shade val="50000"/>
+              </a:schemeClr>
+            </a:lnRef>
+            <a:fillRef idx="1">
+              <a:schemeClr val="accent1"/>
+            </a:fillRef>
+            <a:effectRef idx="0">
+              <a:schemeClr val="accent1"/>
+            </a:effectRef>
+            <a:fontRef idx="minor">
+              <a:schemeClr val="lt1"/>
+            </a:fontRef>
+          </p:style>
+          <p:txBody>
+            <a:bodyPr rtlCol="0" anchor="ctr"/>
+            <a:lstStyle/>
+            <a:p>
+              <a:pPr algn="ctr"/>
+              <a:endParaRPr lang="en-US"/>
+            </a:p>
+          </p:txBody>
+        </p:sp>
+        <p:sp>
+          <p:nvSpPr>
+            <p:cNvPr id="65" name="Rectangle 64"/>
+            <p:cNvSpPr/>
+            <p:nvPr/>
+          </p:nvSpPr>
+          <p:spPr>
+            <a:xfrm>
+              <a:off x="0" y="2418124"/>
+              <a:ext cx="4740752" cy="431691"/>
+            </a:xfrm>
+            <a:prstGeom prst="rect">
+              <a:avLst/>
+            </a:prstGeom>
+            <a:solidFill>
+              <a:schemeClr val="accent6"/>
+            </a:solidFill>
+            <a:ln>
+              <a:solidFill>
+                <a:schemeClr val="tx1"/>
+              </a:solidFill>
+            </a:ln>
+          </p:spPr>
+          <p:style>
+            <a:lnRef idx="2">
+              <a:schemeClr val="accent1">
+                <a:shade val="50000"/>
+              </a:schemeClr>
+            </a:lnRef>
+            <a:fillRef idx="1">
+              <a:schemeClr val="accent1"/>
+            </a:fillRef>
+            <a:effectRef idx="0">
+              <a:schemeClr val="accent1"/>
+            </a:effectRef>
+            <a:fontRef idx="minor">
+              <a:schemeClr val="lt1"/>
+            </a:fontRef>
+          </p:style>
+          <p:txBody>
+            <a:bodyPr rtlCol="0" anchor="ctr"/>
+            <a:lstStyle/>
+            <a:p>
+              <a:pPr algn="ctr"/>
+              <a:endParaRPr lang="en-US"/>
+            </a:p>
+          </p:txBody>
+        </p:sp>
+        <p:sp>
+          <p:nvSpPr>
+            <p:cNvPr id="66" name="Rectangle 65"/>
+            <p:cNvSpPr/>
+            <p:nvPr/>
+          </p:nvSpPr>
+          <p:spPr>
+            <a:xfrm>
+              <a:off x="0" y="2134908"/>
+              <a:ext cx="4740752" cy="283216"/>
+            </a:xfrm>
+            <a:prstGeom prst="rect">
+              <a:avLst/>
+            </a:prstGeom>
+            <a:pattFill prst="wdUpDiag">
+              <a:fgClr>
+                <a:schemeClr val="accent6"/>
+              </a:fgClr>
+              <a:bgClr>
+                <a:schemeClr val="bg1"/>
+              </a:bgClr>
+            </a:pattFill>
+            <a:ln>
+              <a:solidFill>
+                <a:schemeClr val="tx1"/>
+              </a:solidFill>
+            </a:ln>
+          </p:spPr>
+          <p:style>
+            <a:lnRef idx="2">
+              <a:schemeClr val="accent1">
+                <a:shade val="50000"/>
+              </a:schemeClr>
+            </a:lnRef>
+            <a:fillRef idx="1">
+              <a:schemeClr val="accent1"/>
+            </a:fillRef>
+            <a:effectRef idx="0">
+              <a:schemeClr val="accent1"/>
+            </a:effectRef>
+            <a:fontRef idx="minor">
+              <a:schemeClr val="lt1"/>
+            </a:fontRef>
+          </p:style>
+          <p:txBody>
+            <a:bodyPr rtlCol="0" anchor="ctr"/>
+            <a:lstStyle/>
+            <a:p>
+              <a:pPr algn="ctr"/>
+              <a:endParaRPr lang="en-US"/>
+            </a:p>
+          </p:txBody>
+        </p:sp>
+      </p:grpSp>
+      <p:grpSp>
+        <p:nvGrpSpPr>
+          <p:cNvPr id="67" name="Group 66"/>
+          <p:cNvGrpSpPr/>
+          <p:nvPr/>
+        </p:nvGrpSpPr>
+        <p:grpSpPr>
+          <a:xfrm>
+            <a:off x="8132064" y="4565521"/>
+            <a:ext cx="4059936" cy="2286000"/>
+            <a:chOff x="0" y="3107"/>
+            <a:chExt cx="4740752" cy="2846708"/>
+          </a:xfrm>
+        </p:grpSpPr>
+        <p:sp>
+          <p:nvSpPr>
+            <p:cNvPr id="68" name="Rectangle 67"/>
+            <p:cNvSpPr/>
+            <p:nvPr/>
+          </p:nvSpPr>
+          <p:spPr>
+            <a:xfrm>
+              <a:off x="0" y="3107"/>
+              <a:ext cx="4740752" cy="2131801"/>
+            </a:xfrm>
+            <a:prstGeom prst="rect">
+              <a:avLst/>
+            </a:prstGeom>
+            <a:solidFill>
+              <a:schemeClr val="accent1">
+                <a:lumMod val="40000"/>
+                <a:lumOff val="60000"/>
+              </a:schemeClr>
+            </a:solidFill>
+            <a:ln>
+              <a:solidFill>
+                <a:schemeClr val="tx1"/>
+              </a:solidFill>
+            </a:ln>
+          </p:spPr>
+          <p:style>
+            <a:lnRef idx="2">
+              <a:schemeClr val="accent1">
+                <a:shade val="50000"/>
+              </a:schemeClr>
+            </a:lnRef>
+            <a:fillRef idx="1">
+              <a:schemeClr val="accent1"/>
+            </a:fillRef>
+            <a:effectRef idx="0">
+              <a:schemeClr val="accent1"/>
+            </a:effectRef>
+            <a:fontRef idx="minor">
+              <a:schemeClr val="lt1"/>
+            </a:fontRef>
+          </p:style>
+          <p:txBody>
+            <a:bodyPr rtlCol="0" anchor="ctr"/>
+            <a:lstStyle/>
+            <a:p>
+              <a:pPr algn="ctr"/>
+              <a:endParaRPr lang="en-US"/>
+            </a:p>
+          </p:txBody>
+        </p:sp>
+        <p:sp>
+          <p:nvSpPr>
+            <p:cNvPr id="69" name="Rectangle 68"/>
+            <p:cNvSpPr/>
+            <p:nvPr/>
+          </p:nvSpPr>
+          <p:spPr>
+            <a:xfrm>
+              <a:off x="0" y="2418124"/>
+              <a:ext cx="4740752" cy="431691"/>
+            </a:xfrm>
+            <a:prstGeom prst="rect">
+              <a:avLst/>
+            </a:prstGeom>
+            <a:solidFill>
+              <a:schemeClr val="accent6"/>
+            </a:solidFill>
+            <a:ln>
+              <a:solidFill>
+                <a:schemeClr val="tx1"/>
+              </a:solidFill>
+            </a:ln>
+          </p:spPr>
+          <p:style>
+            <a:lnRef idx="2">
+              <a:schemeClr val="accent1">
+                <a:shade val="50000"/>
+              </a:schemeClr>
+            </a:lnRef>
+            <a:fillRef idx="1">
+              <a:schemeClr val="accent1"/>
+            </a:fillRef>
+            <a:effectRef idx="0">
+              <a:schemeClr val="accent1"/>
+            </a:effectRef>
+            <a:fontRef idx="minor">
+              <a:schemeClr val="lt1"/>
+            </a:fontRef>
+          </p:style>
+          <p:txBody>
+            <a:bodyPr rtlCol="0" anchor="ctr"/>
+            <a:lstStyle/>
+            <a:p>
+              <a:pPr algn="ctr"/>
+              <a:endParaRPr lang="en-US"/>
+            </a:p>
+          </p:txBody>
+        </p:sp>
+        <p:sp>
+          <p:nvSpPr>
+            <p:cNvPr id="70" name="Rectangle 69"/>
+            <p:cNvSpPr/>
+            <p:nvPr/>
+          </p:nvSpPr>
+          <p:spPr>
+            <a:xfrm>
+              <a:off x="0" y="2134908"/>
+              <a:ext cx="4740752" cy="283216"/>
+            </a:xfrm>
+            <a:prstGeom prst="rect">
+              <a:avLst/>
+            </a:prstGeom>
+            <a:pattFill prst="wdUpDiag">
+              <a:fgClr>
+                <a:schemeClr val="accent6"/>
+              </a:fgClr>
+              <a:bgClr>
+                <a:schemeClr val="bg1"/>
+              </a:bgClr>
+            </a:pattFill>
+            <a:ln>
+              <a:solidFill>
+                <a:schemeClr val="tx1"/>
+              </a:solidFill>
+            </a:ln>
+          </p:spPr>
+          <p:style>
+            <a:lnRef idx="2">
+              <a:schemeClr val="accent1">
+                <a:shade val="50000"/>
+              </a:schemeClr>
+            </a:lnRef>
+            <a:fillRef idx="1">
+              <a:schemeClr val="accent1"/>
+            </a:fillRef>
+            <a:effectRef idx="0">
+              <a:schemeClr val="accent1"/>
+            </a:effectRef>
+            <a:fontRef idx="minor">
+              <a:schemeClr val="lt1"/>
+            </a:fontRef>
+          </p:style>
+          <p:txBody>
+            <a:bodyPr rtlCol="0" anchor="ctr"/>
+            <a:lstStyle/>
+            <a:p>
+              <a:pPr algn="ctr"/>
+              <a:endParaRPr lang="en-US"/>
+            </a:p>
+          </p:txBody>
+        </p:sp>
+      </p:grpSp>
+      <p:sp>
+        <p:nvSpPr>
+          <p:cNvPr id="4" name="TextBox 3"/>
+          <p:cNvSpPr txBox="1"/>
+          <p:nvPr/>
+        </p:nvSpPr>
+        <p:spPr>
+          <a:xfrm>
+            <a:off x="153055" y="72991"/>
+            <a:ext cx="3695045" cy="338554"/>
+          </a:xfrm>
+          <a:prstGeom prst="rect">
+            <a:avLst/>
+          </a:prstGeom>
+          <a:noFill/>
+        </p:spPr>
+        <p:txBody>
+          <a:bodyPr wrap="square" rtlCol="0">
+            <a:spAutoFit/>
+          </a:bodyPr>
           <a:lstStyle/>
           <a:p>
-            <a:endParaRPr lang="en-US"/>
-          </a:p>
-        </p:txBody>
-      </p:sp>
-      <p:sp>
-        <p:nvSpPr>
-          <p:cNvPr id="3" name="Subtitle 2"/>
-          <p:cNvSpPr>
-            <a:spLocks noGrp="1"/>
-          </p:cNvSpPr>
-          <p:nvPr>
-            <p:ph type="subTitle" idx="1"/>
-          </p:nvPr>
-        </p:nvSpPr>
-        <p:spPr/>
-        <p:txBody>
-          <a:bodyPr/>
+            <a:r>
+              <a:rPr lang="en-US" sz="1600" dirty="0" smtClean="0">
+                <a:latin typeface="Comic Sans MS" panose="030F0702030302020204" pitchFamily="66" charset="0"/>
+              </a:rPr>
+              <a:t>Welcome, to the New World!</a:t>
+            </a:r>
+          </a:p>
+        </p:txBody>
+      </p:sp>
+      <p:grpSp>
+        <p:nvGrpSpPr>
+          <p:cNvPr id="7" name="Group 6"/>
+          <p:cNvGrpSpPr/>
+          <p:nvPr/>
+        </p:nvGrpSpPr>
+        <p:grpSpPr>
+          <a:xfrm>
+            <a:off x="259504" y="1267498"/>
+            <a:ext cx="365760" cy="548640"/>
+            <a:chOff x="961494" y="1216584"/>
+            <a:chExt cx="643612" cy="690705"/>
+          </a:xfrm>
+        </p:grpSpPr>
+        <p:sp>
+          <p:nvSpPr>
+            <p:cNvPr id="5" name="Rectangle 4"/>
+            <p:cNvSpPr/>
+            <p:nvPr/>
+          </p:nvSpPr>
+          <p:spPr>
+            <a:xfrm>
+              <a:off x="961494" y="1216584"/>
+              <a:ext cx="643612" cy="690705"/>
+            </a:xfrm>
+            <a:prstGeom prst="rect">
+              <a:avLst/>
+            </a:prstGeom>
+            <a:solidFill>
+              <a:srgbClr val="0070C0"/>
+            </a:solidFill>
+            <a:ln>
+              <a:solidFill>
+                <a:schemeClr val="tx1"/>
+              </a:solidFill>
+            </a:ln>
+          </p:spPr>
+          <p:style>
+            <a:lnRef idx="2">
+              <a:schemeClr val="accent1">
+                <a:shade val="50000"/>
+              </a:schemeClr>
+            </a:lnRef>
+            <a:fillRef idx="1">
+              <a:schemeClr val="accent1"/>
+            </a:fillRef>
+            <a:effectRef idx="0">
+              <a:schemeClr val="accent1"/>
+            </a:effectRef>
+            <a:fontRef idx="minor">
+              <a:schemeClr val="lt1"/>
+            </a:fontRef>
+          </p:style>
+          <p:txBody>
+            <a:bodyPr rtlCol="0" anchor="ctr"/>
+            <a:lstStyle/>
+            <a:p>
+              <a:pPr algn="ctr"/>
+              <a:endParaRPr lang="en-US"/>
+            </a:p>
+          </p:txBody>
+        </p:sp>
+        <p:sp>
+          <p:nvSpPr>
+            <p:cNvPr id="6" name="Rectangle 5"/>
+            <p:cNvSpPr/>
+            <p:nvPr/>
+          </p:nvSpPr>
+          <p:spPr>
+            <a:xfrm>
+              <a:off x="1213313" y="1342709"/>
+              <a:ext cx="391793" cy="195569"/>
+            </a:xfrm>
+            <a:prstGeom prst="rect">
+              <a:avLst/>
+            </a:prstGeom>
+            <a:solidFill>
+              <a:schemeClr val="tx1"/>
+            </a:solidFill>
+            <a:ln>
+              <a:solidFill>
+                <a:schemeClr val="tx1"/>
+              </a:solidFill>
+            </a:ln>
+          </p:spPr>
+          <p:style>
+            <a:lnRef idx="2">
+              <a:schemeClr val="accent1">
+                <a:shade val="50000"/>
+              </a:schemeClr>
+            </a:lnRef>
+            <a:fillRef idx="1">
+              <a:schemeClr val="accent1"/>
+            </a:fillRef>
+            <a:effectRef idx="0">
+              <a:schemeClr val="accent1"/>
+            </a:effectRef>
+            <a:fontRef idx="minor">
+              <a:schemeClr val="lt1"/>
+            </a:fontRef>
+          </p:style>
+          <p:txBody>
+            <a:bodyPr rtlCol="0" anchor="ctr"/>
+            <a:lstStyle/>
+            <a:p>
+              <a:pPr algn="ctr"/>
+              <a:endParaRPr lang="en-US"/>
+            </a:p>
+          </p:txBody>
+        </p:sp>
+      </p:grpSp>
+      <p:sp>
+        <p:nvSpPr>
+          <p:cNvPr id="25" name="TextBox 24"/>
+          <p:cNvSpPr txBox="1"/>
+          <p:nvPr/>
+        </p:nvSpPr>
+        <p:spPr>
+          <a:xfrm>
+            <a:off x="884768" y="792283"/>
+            <a:ext cx="2747432" cy="215444"/>
+          </a:xfrm>
+          <a:prstGeom prst="rect">
+            <a:avLst/>
+          </a:prstGeom>
+          <a:solidFill>
+            <a:srgbClr val="CC9900"/>
+          </a:solidFill>
+        </p:spPr>
+        <p:txBody>
+          <a:bodyPr wrap="square" rtlCol="0">
+            <a:spAutoFit/>
+          </a:bodyPr>
           <a:lstStyle/>
           <a:p>
-            <a:endParaRPr lang="en-US"/>
-          </a:p>
-        </p:txBody>
-      </p:sp>
+            <a:r>
+              <a:rPr lang="en-US" sz="800" dirty="0" smtClean="0">
+                <a:latin typeface="Comic Sans MS" panose="030F0702030302020204" pitchFamily="66" charset="0"/>
+              </a:rPr>
+              <a:t>Begin your travel to finding a place to stay at.</a:t>
+            </a:r>
+          </a:p>
+        </p:txBody>
+      </p:sp>
+      <p:sp>
+        <p:nvSpPr>
+          <p:cNvPr id="26" name="TextBox 25"/>
+          <p:cNvSpPr txBox="1"/>
+          <p:nvPr/>
+        </p:nvSpPr>
+        <p:spPr>
+          <a:xfrm>
+            <a:off x="884768" y="1173470"/>
+            <a:ext cx="2544233" cy="215444"/>
+          </a:xfrm>
+          <a:prstGeom prst="rect">
+            <a:avLst/>
+          </a:prstGeom>
+          <a:solidFill>
+            <a:srgbClr val="CC9900"/>
+          </a:solidFill>
+        </p:spPr>
+        <p:txBody>
+          <a:bodyPr wrap="square" rtlCol="0">
+            <a:spAutoFit/>
+          </a:bodyPr>
+          <a:lstStyle/>
+          <a:p>
+            <a:r>
+              <a:rPr lang="en-US" sz="800" dirty="0">
+                <a:latin typeface="Comic Sans MS" panose="030F0702030302020204" pitchFamily="66" charset="0"/>
+              </a:rPr>
+              <a:t>S</a:t>
+            </a:r>
+            <a:r>
+              <a:rPr lang="en-US" sz="800" dirty="0" smtClean="0">
+                <a:latin typeface="Comic Sans MS" panose="030F0702030302020204" pitchFamily="66" charset="0"/>
+              </a:rPr>
+              <a:t>ay nah I am not playing this game. (Exit Game)</a:t>
+            </a:r>
+          </a:p>
+        </p:txBody>
+      </p:sp>
+      <p:sp>
+        <p:nvSpPr>
+          <p:cNvPr id="15" name="Rounded Rectangle 14"/>
+          <p:cNvSpPr/>
+          <p:nvPr/>
+        </p:nvSpPr>
+        <p:spPr>
+          <a:xfrm>
+            <a:off x="3299460" y="766854"/>
+            <a:ext cx="548640" cy="274713"/>
+          </a:xfrm>
+          <a:prstGeom prst="roundRect">
+            <a:avLst/>
+          </a:prstGeom>
+          <a:solidFill>
+            <a:schemeClr val="accent3"/>
+          </a:solidFill>
+          <a:ln>
+            <a:solidFill>
+              <a:schemeClr val="tx1"/>
+            </a:solidFill>
+          </a:ln>
+        </p:spPr>
+        <p:style>
+          <a:lnRef idx="2">
+            <a:schemeClr val="accent1">
+              <a:shade val="50000"/>
+            </a:schemeClr>
+          </a:lnRef>
+          <a:fillRef idx="1">
+            <a:schemeClr val="accent1"/>
+          </a:fillRef>
+          <a:effectRef idx="0">
+            <a:schemeClr val="accent1"/>
+          </a:effectRef>
+          <a:fontRef idx="minor">
+            <a:schemeClr val="lt1"/>
+          </a:fontRef>
+        </p:style>
+        <p:txBody>
+          <a:bodyPr rtlCol="0" anchor="ctr"/>
+          <a:lstStyle/>
+          <a:p>
+            <a:pPr algn="ctr"/>
+            <a:r>
+              <a:rPr lang="en-US" sz="1000" dirty="0" smtClean="0">
+                <a:solidFill>
+                  <a:schemeClr val="tx1"/>
+                </a:solidFill>
+              </a:rPr>
+              <a:t>Start</a:t>
+            </a:r>
+            <a:endParaRPr lang="en-US" sz="1000" dirty="0">
+              <a:solidFill>
+                <a:schemeClr val="tx1"/>
+              </a:solidFill>
+            </a:endParaRPr>
+          </a:p>
+        </p:txBody>
+      </p:sp>
+      <p:sp>
+        <p:nvSpPr>
+          <p:cNvPr id="16" name="Rounded Rectangle 15"/>
+          <p:cNvSpPr/>
+          <p:nvPr/>
+        </p:nvSpPr>
+        <p:spPr>
+          <a:xfrm>
+            <a:off x="3299460" y="1131613"/>
+            <a:ext cx="548640" cy="274713"/>
+          </a:xfrm>
+          <a:prstGeom prst="roundRect">
+            <a:avLst/>
+          </a:prstGeom>
+          <a:solidFill>
+            <a:schemeClr val="accent3"/>
+          </a:solidFill>
+          <a:ln>
+            <a:solidFill>
+              <a:schemeClr val="tx1"/>
+            </a:solidFill>
+          </a:ln>
+        </p:spPr>
+        <p:style>
+          <a:lnRef idx="2">
+            <a:schemeClr val="accent1">
+              <a:shade val="50000"/>
+            </a:schemeClr>
+          </a:lnRef>
+          <a:fillRef idx="1">
+            <a:schemeClr val="accent1"/>
+          </a:fillRef>
+          <a:effectRef idx="0">
+            <a:schemeClr val="accent1"/>
+          </a:effectRef>
+          <a:fontRef idx="minor">
+            <a:schemeClr val="lt1"/>
+          </a:fontRef>
+        </p:style>
+        <p:txBody>
+          <a:bodyPr rtlCol="0" anchor="ctr"/>
+          <a:lstStyle/>
+          <a:p>
+            <a:pPr algn="ctr"/>
+            <a:r>
+              <a:rPr lang="en-US" sz="1000" dirty="0" smtClean="0">
+                <a:solidFill>
+                  <a:schemeClr val="tx1"/>
+                </a:solidFill>
+              </a:rPr>
+              <a:t>Exit</a:t>
+            </a:r>
+            <a:endParaRPr lang="en-US" sz="1000" dirty="0">
+              <a:solidFill>
+                <a:schemeClr val="tx1"/>
+              </a:solidFill>
+            </a:endParaRPr>
+          </a:p>
+        </p:txBody>
+      </p:sp>
+      <p:grpSp>
+        <p:nvGrpSpPr>
+          <p:cNvPr id="31" name="Group 30"/>
+          <p:cNvGrpSpPr/>
+          <p:nvPr/>
+        </p:nvGrpSpPr>
+        <p:grpSpPr>
+          <a:xfrm>
+            <a:off x="4382770" y="1267498"/>
+            <a:ext cx="365760" cy="548640"/>
+            <a:chOff x="961494" y="1216584"/>
+            <a:chExt cx="643612" cy="690705"/>
+          </a:xfrm>
+        </p:grpSpPr>
+        <p:sp>
+          <p:nvSpPr>
+            <p:cNvPr id="32" name="Rectangle 31"/>
+            <p:cNvSpPr/>
+            <p:nvPr/>
+          </p:nvSpPr>
+          <p:spPr>
+            <a:xfrm>
+              <a:off x="961494" y="1216584"/>
+              <a:ext cx="643612" cy="690705"/>
+            </a:xfrm>
+            <a:prstGeom prst="rect">
+              <a:avLst/>
+            </a:prstGeom>
+            <a:solidFill>
+              <a:srgbClr val="0070C0"/>
+            </a:solidFill>
+            <a:ln>
+              <a:solidFill>
+                <a:schemeClr val="tx1"/>
+              </a:solidFill>
+            </a:ln>
+          </p:spPr>
+          <p:style>
+            <a:lnRef idx="2">
+              <a:schemeClr val="accent1">
+                <a:shade val="50000"/>
+              </a:schemeClr>
+            </a:lnRef>
+            <a:fillRef idx="1">
+              <a:schemeClr val="accent1"/>
+            </a:fillRef>
+            <a:effectRef idx="0">
+              <a:schemeClr val="accent1"/>
+            </a:effectRef>
+            <a:fontRef idx="minor">
+              <a:schemeClr val="lt1"/>
+            </a:fontRef>
+          </p:style>
+          <p:txBody>
+            <a:bodyPr rtlCol="0" anchor="ctr"/>
+            <a:lstStyle/>
+            <a:p>
+              <a:pPr algn="ctr"/>
+              <a:endParaRPr lang="en-US"/>
+            </a:p>
+          </p:txBody>
+        </p:sp>
+        <p:sp>
+          <p:nvSpPr>
+            <p:cNvPr id="33" name="Rectangle 32"/>
+            <p:cNvSpPr/>
+            <p:nvPr/>
+          </p:nvSpPr>
+          <p:spPr>
+            <a:xfrm>
+              <a:off x="1213313" y="1342709"/>
+              <a:ext cx="391793" cy="195569"/>
+            </a:xfrm>
+            <a:prstGeom prst="rect">
+              <a:avLst/>
+            </a:prstGeom>
+            <a:solidFill>
+              <a:schemeClr val="tx1"/>
+            </a:solidFill>
+            <a:ln>
+              <a:solidFill>
+                <a:schemeClr val="tx1"/>
+              </a:solidFill>
+            </a:ln>
+          </p:spPr>
+          <p:style>
+            <a:lnRef idx="2">
+              <a:schemeClr val="accent1">
+                <a:shade val="50000"/>
+              </a:schemeClr>
+            </a:lnRef>
+            <a:fillRef idx="1">
+              <a:schemeClr val="accent1"/>
+            </a:fillRef>
+            <a:effectRef idx="0">
+              <a:schemeClr val="accent1"/>
+            </a:effectRef>
+            <a:fontRef idx="minor">
+              <a:schemeClr val="lt1"/>
+            </a:fontRef>
+          </p:style>
+          <p:txBody>
+            <a:bodyPr rtlCol="0" anchor="ctr"/>
+            <a:lstStyle/>
+            <a:p>
+              <a:pPr algn="ctr"/>
+              <a:endParaRPr lang="en-US"/>
+            </a:p>
+          </p:txBody>
+        </p:sp>
+      </p:grpSp>
+      <p:grpSp>
+        <p:nvGrpSpPr>
+          <p:cNvPr id="14" name="Group 13"/>
+          <p:cNvGrpSpPr/>
+          <p:nvPr/>
+        </p:nvGrpSpPr>
+        <p:grpSpPr>
+          <a:xfrm>
+            <a:off x="7542276" y="1267498"/>
+            <a:ext cx="365760" cy="548640"/>
+            <a:chOff x="3347569" y="1585810"/>
+            <a:chExt cx="643612" cy="690705"/>
+          </a:xfrm>
+        </p:grpSpPr>
+        <p:sp>
+          <p:nvSpPr>
+            <p:cNvPr id="12" name="Rectangle 11"/>
+            <p:cNvSpPr/>
+            <p:nvPr/>
+          </p:nvSpPr>
+          <p:spPr>
+            <a:xfrm>
+              <a:off x="3347569" y="1585810"/>
+              <a:ext cx="643612" cy="690705"/>
+            </a:xfrm>
+            <a:prstGeom prst="rect">
+              <a:avLst/>
+            </a:prstGeom>
+            <a:solidFill>
+              <a:srgbClr val="A50021"/>
+            </a:solidFill>
+            <a:ln>
+              <a:solidFill>
+                <a:schemeClr val="tx1"/>
+              </a:solidFill>
+            </a:ln>
+          </p:spPr>
+          <p:style>
+            <a:lnRef idx="2">
+              <a:schemeClr val="accent1">
+                <a:shade val="50000"/>
+              </a:schemeClr>
+            </a:lnRef>
+            <a:fillRef idx="1">
+              <a:schemeClr val="accent1"/>
+            </a:fillRef>
+            <a:effectRef idx="0">
+              <a:schemeClr val="accent1"/>
+            </a:effectRef>
+            <a:fontRef idx="minor">
+              <a:schemeClr val="lt1"/>
+            </a:fontRef>
+          </p:style>
+          <p:txBody>
+            <a:bodyPr rtlCol="0" anchor="ctr"/>
+            <a:lstStyle/>
+            <a:p>
+              <a:pPr algn="ctr"/>
+              <a:endParaRPr lang="en-US"/>
+            </a:p>
+          </p:txBody>
+        </p:sp>
+        <p:sp>
+          <p:nvSpPr>
+            <p:cNvPr id="13" name="Rectangle 12"/>
+            <p:cNvSpPr/>
+            <p:nvPr/>
+          </p:nvSpPr>
+          <p:spPr>
+            <a:xfrm>
+              <a:off x="3347569" y="1711935"/>
+              <a:ext cx="391793" cy="195569"/>
+            </a:xfrm>
+            <a:prstGeom prst="rect">
+              <a:avLst/>
+            </a:prstGeom>
+            <a:solidFill>
+              <a:schemeClr val="tx1"/>
+            </a:solidFill>
+            <a:ln>
+              <a:solidFill>
+                <a:schemeClr val="tx1"/>
+              </a:solidFill>
+            </a:ln>
+          </p:spPr>
+          <p:style>
+            <a:lnRef idx="2">
+              <a:schemeClr val="accent1">
+                <a:shade val="50000"/>
+              </a:schemeClr>
+            </a:lnRef>
+            <a:fillRef idx="1">
+              <a:schemeClr val="accent1"/>
+            </a:fillRef>
+            <a:effectRef idx="0">
+              <a:schemeClr val="accent1"/>
+            </a:effectRef>
+            <a:fontRef idx="minor">
+              <a:schemeClr val="lt1"/>
+            </a:fontRef>
+          </p:style>
+          <p:txBody>
+            <a:bodyPr rtlCol="0" anchor="ctr"/>
+            <a:lstStyle/>
+            <a:p>
+              <a:pPr algn="ctr"/>
+              <a:endParaRPr lang="en-US"/>
+            </a:p>
+          </p:txBody>
+        </p:sp>
+      </p:grpSp>
+      <p:sp>
+        <p:nvSpPr>
+          <p:cNvPr id="34" name="TextBox 33"/>
+          <p:cNvSpPr txBox="1"/>
+          <p:nvPr/>
+        </p:nvSpPr>
+        <p:spPr>
+          <a:xfrm>
+            <a:off x="4145089" y="72991"/>
+            <a:ext cx="3695045" cy="276999"/>
+          </a:xfrm>
+          <a:prstGeom prst="rect">
+            <a:avLst/>
+          </a:prstGeom>
+          <a:noFill/>
+        </p:spPr>
+        <p:txBody>
+          <a:bodyPr wrap="square" rtlCol="0">
+            <a:spAutoFit/>
+          </a:bodyPr>
+          <a:lstStyle/>
+          <a:p>
+            <a:r>
+              <a:rPr lang="en-US" sz="1200" dirty="0" smtClean="0">
+                <a:latin typeface="Comic Sans MS" panose="030F0702030302020204" pitchFamily="66" charset="0"/>
+              </a:rPr>
+              <a:t>Encountered a red character.</a:t>
+            </a:r>
+          </a:p>
+        </p:txBody>
+      </p:sp>
+      <p:grpSp>
+        <p:nvGrpSpPr>
+          <p:cNvPr id="39" name="Group 38"/>
+          <p:cNvGrpSpPr/>
+          <p:nvPr/>
+        </p:nvGrpSpPr>
+        <p:grpSpPr>
+          <a:xfrm>
+            <a:off x="4463354" y="499999"/>
+            <a:ext cx="3296072" cy="274713"/>
+            <a:chOff x="4463354" y="466219"/>
+            <a:chExt cx="3296072" cy="274713"/>
+          </a:xfrm>
+        </p:grpSpPr>
+        <p:sp>
+          <p:nvSpPr>
+            <p:cNvPr id="37" name="TextBox 36"/>
+            <p:cNvSpPr txBox="1"/>
+            <p:nvPr/>
+          </p:nvSpPr>
+          <p:spPr>
+            <a:xfrm>
+              <a:off x="4463354" y="495853"/>
+              <a:ext cx="2747432" cy="215444"/>
+            </a:xfrm>
+            <a:prstGeom prst="rect">
+              <a:avLst/>
+            </a:prstGeom>
+            <a:solidFill>
+              <a:srgbClr val="CC9900"/>
+            </a:solidFill>
+          </p:spPr>
+          <p:txBody>
+            <a:bodyPr wrap="square" rtlCol="0">
+              <a:spAutoFit/>
+            </a:bodyPr>
+            <a:lstStyle/>
+            <a:p>
+              <a:r>
+                <a:rPr lang="en-US" sz="800" dirty="0" smtClean="0">
+                  <a:latin typeface="Comic Sans MS" panose="030F0702030302020204" pitchFamily="66" charset="0"/>
+                </a:rPr>
+                <a:t>Speak to obtain possibly some beneficial information.</a:t>
+              </a:r>
+            </a:p>
+          </p:txBody>
+        </p:sp>
+        <p:sp>
+          <p:nvSpPr>
+            <p:cNvPr id="35" name="Rounded Rectangle 34"/>
+            <p:cNvSpPr/>
+            <p:nvPr/>
+          </p:nvSpPr>
+          <p:spPr>
+            <a:xfrm>
+              <a:off x="7210786" y="466219"/>
+              <a:ext cx="548640" cy="274713"/>
+            </a:xfrm>
+            <a:prstGeom prst="roundRect">
+              <a:avLst/>
+            </a:prstGeom>
+            <a:solidFill>
+              <a:schemeClr val="accent3"/>
+            </a:solidFill>
+            <a:ln>
+              <a:solidFill>
+                <a:schemeClr val="tx1"/>
+              </a:solidFill>
+            </a:ln>
+          </p:spPr>
+          <p:style>
+            <a:lnRef idx="2">
+              <a:schemeClr val="accent1">
+                <a:shade val="50000"/>
+              </a:schemeClr>
+            </a:lnRef>
+            <a:fillRef idx="1">
+              <a:schemeClr val="accent1"/>
+            </a:fillRef>
+            <a:effectRef idx="0">
+              <a:schemeClr val="accent1"/>
+            </a:effectRef>
+            <a:fontRef idx="minor">
+              <a:schemeClr val="lt1"/>
+            </a:fontRef>
+          </p:style>
+          <p:txBody>
+            <a:bodyPr rtlCol="0" anchor="ctr"/>
+            <a:lstStyle/>
+            <a:p>
+              <a:pPr algn="ctr"/>
+              <a:r>
+                <a:rPr lang="en-US" sz="1000" dirty="0" smtClean="0">
+                  <a:solidFill>
+                    <a:schemeClr val="tx1"/>
+                  </a:solidFill>
+                </a:rPr>
+                <a:t>Talk</a:t>
+              </a:r>
+              <a:endParaRPr lang="en-US" sz="1000" dirty="0">
+                <a:solidFill>
+                  <a:schemeClr val="tx1"/>
+                </a:solidFill>
+              </a:endParaRPr>
+            </a:p>
+          </p:txBody>
+        </p:sp>
+      </p:grpSp>
+      <p:grpSp>
+        <p:nvGrpSpPr>
+          <p:cNvPr id="40" name="Group 39"/>
+          <p:cNvGrpSpPr/>
+          <p:nvPr/>
+        </p:nvGrpSpPr>
+        <p:grpSpPr>
+          <a:xfrm>
+            <a:off x="4463354" y="839830"/>
+            <a:ext cx="3296072" cy="274713"/>
+            <a:chOff x="4463354" y="466219"/>
+            <a:chExt cx="3296072" cy="274713"/>
+          </a:xfrm>
+        </p:grpSpPr>
+        <p:sp>
+          <p:nvSpPr>
+            <p:cNvPr id="41" name="TextBox 40"/>
+            <p:cNvSpPr txBox="1"/>
+            <p:nvPr/>
+          </p:nvSpPr>
+          <p:spPr>
+            <a:xfrm>
+              <a:off x="4463354" y="495853"/>
+              <a:ext cx="2747432" cy="215444"/>
+            </a:xfrm>
+            <a:prstGeom prst="rect">
+              <a:avLst/>
+            </a:prstGeom>
+            <a:solidFill>
+              <a:srgbClr val="CC9900"/>
+            </a:solidFill>
+          </p:spPr>
+          <p:txBody>
+            <a:bodyPr wrap="square" rtlCol="0">
+              <a:spAutoFit/>
+            </a:bodyPr>
+            <a:lstStyle/>
+            <a:p>
+              <a:r>
+                <a:rPr lang="en-US" sz="800" dirty="0" smtClean="0">
+                  <a:latin typeface="Comic Sans MS" panose="030F0702030302020204" pitchFamily="66" charset="0"/>
+                </a:rPr>
+                <a:t>Don’t bother with this young beggar.</a:t>
+              </a:r>
+            </a:p>
+          </p:txBody>
+        </p:sp>
+        <p:sp>
+          <p:nvSpPr>
+            <p:cNvPr id="42" name="Rounded Rectangle 41"/>
+            <p:cNvSpPr/>
+            <p:nvPr/>
+          </p:nvSpPr>
+          <p:spPr>
+            <a:xfrm>
+              <a:off x="7210786" y="466219"/>
+              <a:ext cx="548640" cy="274713"/>
+            </a:xfrm>
+            <a:prstGeom prst="roundRect">
+              <a:avLst/>
+            </a:prstGeom>
+            <a:solidFill>
+              <a:schemeClr val="accent3"/>
+            </a:solidFill>
+            <a:ln>
+              <a:solidFill>
+                <a:schemeClr val="tx1"/>
+              </a:solidFill>
+            </a:ln>
+          </p:spPr>
+          <p:style>
+            <a:lnRef idx="2">
+              <a:schemeClr val="accent1">
+                <a:shade val="50000"/>
+              </a:schemeClr>
+            </a:lnRef>
+            <a:fillRef idx="1">
+              <a:schemeClr val="accent1"/>
+            </a:fillRef>
+            <a:effectRef idx="0">
+              <a:schemeClr val="accent1"/>
+            </a:effectRef>
+            <a:fontRef idx="minor">
+              <a:schemeClr val="lt1"/>
+            </a:fontRef>
+          </p:style>
+          <p:txBody>
+            <a:bodyPr rtlCol="0" anchor="ctr"/>
+            <a:lstStyle/>
+            <a:p>
+              <a:pPr algn="ctr"/>
+              <a:r>
+                <a:rPr lang="en-US" sz="1000" dirty="0" smtClean="0">
+                  <a:solidFill>
+                    <a:schemeClr val="tx1"/>
+                  </a:solidFill>
+                </a:rPr>
+                <a:t>Leave</a:t>
+              </a:r>
+              <a:endParaRPr lang="en-US" sz="1000" dirty="0">
+                <a:solidFill>
+                  <a:schemeClr val="tx1"/>
+                </a:solidFill>
+              </a:endParaRPr>
+            </a:p>
+          </p:txBody>
+        </p:sp>
+      </p:grpSp>
+      <p:grpSp>
+        <p:nvGrpSpPr>
+          <p:cNvPr id="71" name="Group 70"/>
+          <p:cNvGrpSpPr/>
+          <p:nvPr/>
+        </p:nvGrpSpPr>
+        <p:grpSpPr>
+          <a:xfrm>
+            <a:off x="10025803" y="1257163"/>
+            <a:ext cx="365760" cy="548640"/>
+            <a:chOff x="961494" y="1216584"/>
+            <a:chExt cx="643612" cy="690705"/>
+          </a:xfrm>
+        </p:grpSpPr>
+        <p:sp>
+          <p:nvSpPr>
+            <p:cNvPr id="72" name="Rectangle 71"/>
+            <p:cNvSpPr/>
+            <p:nvPr/>
+          </p:nvSpPr>
+          <p:spPr>
+            <a:xfrm>
+              <a:off x="961494" y="1216584"/>
+              <a:ext cx="643612" cy="690705"/>
+            </a:xfrm>
+            <a:prstGeom prst="rect">
+              <a:avLst/>
+            </a:prstGeom>
+            <a:solidFill>
+              <a:srgbClr val="0070C0"/>
+            </a:solidFill>
+            <a:ln>
+              <a:solidFill>
+                <a:schemeClr val="tx1"/>
+              </a:solidFill>
+            </a:ln>
+          </p:spPr>
+          <p:style>
+            <a:lnRef idx="2">
+              <a:schemeClr val="accent1">
+                <a:shade val="50000"/>
+              </a:schemeClr>
+            </a:lnRef>
+            <a:fillRef idx="1">
+              <a:schemeClr val="accent1"/>
+            </a:fillRef>
+            <a:effectRef idx="0">
+              <a:schemeClr val="accent1"/>
+            </a:effectRef>
+            <a:fontRef idx="minor">
+              <a:schemeClr val="lt1"/>
+            </a:fontRef>
+          </p:style>
+          <p:txBody>
+            <a:bodyPr rtlCol="0" anchor="ctr"/>
+            <a:lstStyle/>
+            <a:p>
+              <a:pPr algn="ctr"/>
+              <a:endParaRPr lang="en-US"/>
+            </a:p>
+          </p:txBody>
+        </p:sp>
+        <p:sp>
+          <p:nvSpPr>
+            <p:cNvPr id="73" name="Rectangle 72"/>
+            <p:cNvSpPr/>
+            <p:nvPr/>
+          </p:nvSpPr>
+          <p:spPr>
+            <a:xfrm>
+              <a:off x="1213313" y="1342709"/>
+              <a:ext cx="391793" cy="195569"/>
+            </a:xfrm>
+            <a:prstGeom prst="rect">
+              <a:avLst/>
+            </a:prstGeom>
+            <a:solidFill>
+              <a:schemeClr val="tx1"/>
+            </a:solidFill>
+            <a:ln>
+              <a:solidFill>
+                <a:schemeClr val="tx1"/>
+              </a:solidFill>
+            </a:ln>
+          </p:spPr>
+          <p:style>
+            <a:lnRef idx="2">
+              <a:schemeClr val="accent1">
+                <a:shade val="50000"/>
+              </a:schemeClr>
+            </a:lnRef>
+            <a:fillRef idx="1">
+              <a:schemeClr val="accent1"/>
+            </a:fillRef>
+            <a:effectRef idx="0">
+              <a:schemeClr val="accent1"/>
+            </a:effectRef>
+            <a:fontRef idx="minor">
+              <a:schemeClr val="lt1"/>
+            </a:fontRef>
+          </p:style>
+          <p:txBody>
+            <a:bodyPr rtlCol="0" anchor="ctr"/>
+            <a:lstStyle/>
+            <a:p>
+              <a:pPr algn="ctr"/>
+              <a:endParaRPr lang="en-US"/>
+            </a:p>
+          </p:txBody>
+        </p:sp>
+      </p:grpSp>
+      <p:sp>
+        <p:nvSpPr>
+          <p:cNvPr id="74" name="TextBox 73"/>
+          <p:cNvSpPr txBox="1"/>
+          <p:nvPr/>
+        </p:nvSpPr>
+        <p:spPr>
+          <a:xfrm>
+            <a:off x="8205025" y="72991"/>
+            <a:ext cx="3695045" cy="461665"/>
+          </a:xfrm>
+          <a:prstGeom prst="rect">
+            <a:avLst/>
+          </a:prstGeom>
+          <a:noFill/>
+        </p:spPr>
+        <p:txBody>
+          <a:bodyPr wrap="square" rtlCol="0">
+            <a:spAutoFit/>
+          </a:bodyPr>
+          <a:lstStyle/>
+          <a:p>
+            <a:r>
+              <a:rPr lang="en-US" sz="1200" dirty="0" smtClean="0">
+                <a:latin typeface="Comic Sans MS" panose="030F0702030302020204" pitchFamily="66" charset="0"/>
+              </a:rPr>
+              <a:t>You obtained useful information about where to rest this night.</a:t>
+            </a:r>
+          </a:p>
+        </p:txBody>
+      </p:sp>
+      <p:grpSp>
+        <p:nvGrpSpPr>
+          <p:cNvPr id="78" name="Group 77"/>
+          <p:cNvGrpSpPr/>
+          <p:nvPr/>
+        </p:nvGrpSpPr>
+        <p:grpSpPr>
+          <a:xfrm>
+            <a:off x="8488848" y="499999"/>
+            <a:ext cx="3411222" cy="274713"/>
+            <a:chOff x="4377840" y="466219"/>
+            <a:chExt cx="3411222" cy="274713"/>
+          </a:xfrm>
+        </p:grpSpPr>
+        <p:sp>
+          <p:nvSpPr>
+            <p:cNvPr id="79" name="TextBox 78"/>
+            <p:cNvSpPr txBox="1"/>
+            <p:nvPr/>
+          </p:nvSpPr>
+          <p:spPr>
+            <a:xfrm>
+              <a:off x="4377840" y="495853"/>
+              <a:ext cx="2832946" cy="215444"/>
+            </a:xfrm>
+            <a:prstGeom prst="rect">
+              <a:avLst/>
+            </a:prstGeom>
+            <a:solidFill>
+              <a:srgbClr val="CC9900"/>
+            </a:solidFill>
+          </p:spPr>
+          <p:txBody>
+            <a:bodyPr wrap="square" rtlCol="0">
+              <a:spAutoFit/>
+            </a:bodyPr>
+            <a:lstStyle/>
+            <a:p>
+              <a:r>
+                <a:rPr lang="en-US" sz="800" dirty="0" smtClean="0">
+                  <a:latin typeface="Comic Sans MS" panose="030F0702030302020204" pitchFamily="66" charset="0"/>
+                </a:rPr>
+                <a:t>Nearest tavern. (</a:t>
+              </a:r>
+              <a:r>
+                <a:rPr lang="en-US" sz="800" dirty="0">
+                  <a:latin typeface="Comic Sans MS" panose="030F0702030302020204" pitchFamily="66" charset="0"/>
+                </a:rPr>
+                <a:t>Cost </a:t>
+              </a:r>
+              <a:r>
+                <a:rPr lang="en-US" sz="800" dirty="0" smtClean="0">
+                  <a:latin typeface="Comic Sans MS" panose="030F0702030302020204" pitchFamily="66" charset="0"/>
+                </a:rPr>
+                <a:t>is negotiable + information)</a:t>
+              </a:r>
+            </a:p>
+          </p:txBody>
+        </p:sp>
+        <p:sp>
+          <p:nvSpPr>
+            <p:cNvPr id="80" name="Rounded Rectangle 79"/>
+            <p:cNvSpPr/>
+            <p:nvPr/>
+          </p:nvSpPr>
+          <p:spPr>
+            <a:xfrm>
+              <a:off x="7210786" y="466219"/>
+              <a:ext cx="578276" cy="274713"/>
+            </a:xfrm>
+            <a:prstGeom prst="roundRect">
+              <a:avLst/>
+            </a:prstGeom>
+            <a:solidFill>
+              <a:schemeClr val="accent3"/>
+            </a:solidFill>
+            <a:ln>
+              <a:solidFill>
+                <a:schemeClr val="tx1"/>
+              </a:solidFill>
+            </a:ln>
+          </p:spPr>
+          <p:style>
+            <a:lnRef idx="2">
+              <a:schemeClr val="accent1">
+                <a:shade val="50000"/>
+              </a:schemeClr>
+            </a:lnRef>
+            <a:fillRef idx="1">
+              <a:schemeClr val="accent1"/>
+            </a:fillRef>
+            <a:effectRef idx="0">
+              <a:schemeClr val="accent1"/>
+            </a:effectRef>
+            <a:fontRef idx="minor">
+              <a:schemeClr val="lt1"/>
+            </a:fontRef>
+          </p:style>
+          <p:txBody>
+            <a:bodyPr rtlCol="0" anchor="ctr"/>
+            <a:lstStyle/>
+            <a:p>
+              <a:pPr algn="ctr"/>
+              <a:r>
+                <a:rPr lang="en-US" sz="1000" dirty="0" smtClean="0">
+                  <a:solidFill>
+                    <a:schemeClr val="tx1"/>
+                  </a:solidFill>
+                </a:rPr>
+                <a:t>Tavern</a:t>
+              </a:r>
+              <a:endParaRPr lang="en-US" sz="1000" dirty="0">
+                <a:solidFill>
+                  <a:schemeClr val="tx1"/>
+                </a:solidFill>
+              </a:endParaRPr>
+            </a:p>
+          </p:txBody>
+        </p:sp>
+      </p:grpSp>
+      <p:grpSp>
+        <p:nvGrpSpPr>
+          <p:cNvPr id="82" name="Group 81"/>
+          <p:cNvGrpSpPr/>
+          <p:nvPr/>
+        </p:nvGrpSpPr>
+        <p:grpSpPr>
+          <a:xfrm>
+            <a:off x="8488848" y="839830"/>
+            <a:ext cx="3411222" cy="274713"/>
+            <a:chOff x="4377840" y="466219"/>
+            <a:chExt cx="3411222" cy="274713"/>
+          </a:xfrm>
+        </p:grpSpPr>
+        <p:sp>
+          <p:nvSpPr>
+            <p:cNvPr id="83" name="TextBox 82"/>
+            <p:cNvSpPr txBox="1"/>
+            <p:nvPr/>
+          </p:nvSpPr>
+          <p:spPr>
+            <a:xfrm>
+              <a:off x="4377840" y="495853"/>
+              <a:ext cx="2832946" cy="215444"/>
+            </a:xfrm>
+            <a:prstGeom prst="rect">
+              <a:avLst/>
+            </a:prstGeom>
+            <a:solidFill>
+              <a:srgbClr val="CC9900"/>
+            </a:solidFill>
+          </p:spPr>
+          <p:txBody>
+            <a:bodyPr wrap="square" rtlCol="0">
+              <a:spAutoFit/>
+            </a:bodyPr>
+            <a:lstStyle/>
+            <a:p>
+              <a:r>
+                <a:rPr lang="en-US" sz="800" dirty="0" smtClean="0">
+                  <a:latin typeface="Comic Sans MS" panose="030F0702030302020204" pitchFamily="66" charset="0"/>
+                </a:rPr>
+                <a:t>At a local farmers hut. (Free of charge if persuaded)</a:t>
+              </a:r>
+            </a:p>
+          </p:txBody>
+        </p:sp>
+        <p:sp>
+          <p:nvSpPr>
+            <p:cNvPr id="84" name="Rounded Rectangle 83"/>
+            <p:cNvSpPr/>
+            <p:nvPr/>
+          </p:nvSpPr>
+          <p:spPr>
+            <a:xfrm>
+              <a:off x="7210786" y="466219"/>
+              <a:ext cx="578276" cy="274713"/>
+            </a:xfrm>
+            <a:prstGeom prst="roundRect">
+              <a:avLst/>
+            </a:prstGeom>
+            <a:solidFill>
+              <a:schemeClr val="accent3"/>
+            </a:solidFill>
+            <a:ln>
+              <a:solidFill>
+                <a:schemeClr val="tx1"/>
+              </a:solidFill>
+            </a:ln>
+          </p:spPr>
+          <p:style>
+            <a:lnRef idx="2">
+              <a:schemeClr val="accent1">
+                <a:shade val="50000"/>
+              </a:schemeClr>
+            </a:lnRef>
+            <a:fillRef idx="1">
+              <a:schemeClr val="accent1"/>
+            </a:fillRef>
+            <a:effectRef idx="0">
+              <a:schemeClr val="accent1"/>
+            </a:effectRef>
+            <a:fontRef idx="minor">
+              <a:schemeClr val="lt1"/>
+            </a:fontRef>
+          </p:style>
+          <p:txBody>
+            <a:bodyPr rtlCol="0" anchor="ctr"/>
+            <a:lstStyle/>
+            <a:p>
+              <a:pPr algn="ctr"/>
+              <a:r>
+                <a:rPr lang="en-US" sz="1000" dirty="0" smtClean="0">
+                  <a:solidFill>
+                    <a:schemeClr val="tx1"/>
+                  </a:solidFill>
+                </a:rPr>
+                <a:t>Hut</a:t>
+              </a:r>
+              <a:endParaRPr lang="en-US" sz="1000" dirty="0">
+                <a:solidFill>
+                  <a:schemeClr val="tx1"/>
+                </a:solidFill>
+              </a:endParaRPr>
+            </a:p>
+          </p:txBody>
+        </p:sp>
+      </p:grpSp>
+      <p:grpSp>
+        <p:nvGrpSpPr>
+          <p:cNvPr id="85" name="Group 84"/>
+          <p:cNvGrpSpPr/>
+          <p:nvPr/>
+        </p:nvGrpSpPr>
+        <p:grpSpPr>
+          <a:xfrm>
+            <a:off x="1080769" y="3561691"/>
+            <a:ext cx="365760" cy="548640"/>
+            <a:chOff x="961494" y="1216584"/>
+            <a:chExt cx="643612" cy="690705"/>
+          </a:xfrm>
+        </p:grpSpPr>
+        <p:sp>
+          <p:nvSpPr>
+            <p:cNvPr id="86" name="Rectangle 85"/>
+            <p:cNvSpPr/>
+            <p:nvPr/>
+          </p:nvSpPr>
+          <p:spPr>
+            <a:xfrm>
+              <a:off x="961494" y="1216584"/>
+              <a:ext cx="643612" cy="690705"/>
+            </a:xfrm>
+            <a:prstGeom prst="rect">
+              <a:avLst/>
+            </a:prstGeom>
+            <a:solidFill>
+              <a:srgbClr val="0070C0"/>
+            </a:solidFill>
+            <a:ln>
+              <a:solidFill>
+                <a:schemeClr val="tx1"/>
+              </a:solidFill>
+            </a:ln>
+          </p:spPr>
+          <p:style>
+            <a:lnRef idx="2">
+              <a:schemeClr val="accent1">
+                <a:shade val="50000"/>
+              </a:schemeClr>
+            </a:lnRef>
+            <a:fillRef idx="1">
+              <a:schemeClr val="accent1"/>
+            </a:fillRef>
+            <a:effectRef idx="0">
+              <a:schemeClr val="accent1"/>
+            </a:effectRef>
+            <a:fontRef idx="minor">
+              <a:schemeClr val="lt1"/>
+            </a:fontRef>
+          </p:style>
+          <p:txBody>
+            <a:bodyPr rtlCol="0" anchor="ctr"/>
+            <a:lstStyle/>
+            <a:p>
+              <a:pPr algn="ctr"/>
+              <a:endParaRPr lang="en-US"/>
+            </a:p>
+          </p:txBody>
+        </p:sp>
+        <p:sp>
+          <p:nvSpPr>
+            <p:cNvPr id="87" name="Rectangle 86"/>
+            <p:cNvSpPr/>
+            <p:nvPr/>
+          </p:nvSpPr>
+          <p:spPr>
+            <a:xfrm>
+              <a:off x="1213313" y="1342709"/>
+              <a:ext cx="391793" cy="195569"/>
+            </a:xfrm>
+            <a:prstGeom prst="rect">
+              <a:avLst/>
+            </a:prstGeom>
+            <a:solidFill>
+              <a:schemeClr val="tx1"/>
+            </a:solidFill>
+            <a:ln>
+              <a:solidFill>
+                <a:schemeClr val="tx1"/>
+              </a:solidFill>
+            </a:ln>
+          </p:spPr>
+          <p:style>
+            <a:lnRef idx="2">
+              <a:schemeClr val="accent1">
+                <a:shade val="50000"/>
+              </a:schemeClr>
+            </a:lnRef>
+            <a:fillRef idx="1">
+              <a:schemeClr val="accent1"/>
+            </a:fillRef>
+            <a:effectRef idx="0">
+              <a:schemeClr val="accent1"/>
+            </a:effectRef>
+            <a:fontRef idx="minor">
+              <a:schemeClr val="lt1"/>
+            </a:fontRef>
+          </p:style>
+          <p:txBody>
+            <a:bodyPr rtlCol="0" anchor="ctr"/>
+            <a:lstStyle/>
+            <a:p>
+              <a:pPr algn="ctr"/>
+              <a:endParaRPr lang="en-US"/>
+            </a:p>
+          </p:txBody>
+        </p:sp>
+      </p:grpSp>
+      <p:sp>
+        <p:nvSpPr>
+          <p:cNvPr id="88" name="TextBox 87"/>
+          <p:cNvSpPr txBox="1"/>
+          <p:nvPr/>
+        </p:nvSpPr>
+        <p:spPr>
+          <a:xfrm>
+            <a:off x="153054" y="2407527"/>
+            <a:ext cx="3695045" cy="461665"/>
+          </a:xfrm>
+          <a:prstGeom prst="rect">
+            <a:avLst/>
+          </a:prstGeom>
+          <a:noFill/>
+        </p:spPr>
+        <p:txBody>
+          <a:bodyPr wrap="square" rtlCol="0">
+            <a:spAutoFit/>
+          </a:bodyPr>
+          <a:lstStyle/>
+          <a:p>
+            <a:r>
+              <a:rPr lang="en-US" sz="1200" dirty="0" smtClean="0">
+                <a:latin typeface="Comic Sans MS" panose="030F0702030302020204" pitchFamily="66" charset="0"/>
+              </a:rPr>
+              <a:t>You reach the tavern and ask the owner about staying tonight. The cost is 10 gold coins.</a:t>
+            </a:r>
+          </a:p>
+        </p:txBody>
+      </p:sp>
+      <p:grpSp>
+        <p:nvGrpSpPr>
+          <p:cNvPr id="89" name="Group 88"/>
+          <p:cNvGrpSpPr/>
+          <p:nvPr/>
+        </p:nvGrpSpPr>
+        <p:grpSpPr>
+          <a:xfrm>
+            <a:off x="218396" y="2923125"/>
+            <a:ext cx="1724746" cy="274713"/>
+            <a:chOff x="6064316" y="466219"/>
+            <a:chExt cx="1724746" cy="274713"/>
+          </a:xfrm>
+        </p:grpSpPr>
+        <p:sp>
+          <p:nvSpPr>
+            <p:cNvPr id="90" name="TextBox 89"/>
+            <p:cNvSpPr txBox="1"/>
+            <p:nvPr/>
+          </p:nvSpPr>
+          <p:spPr>
+            <a:xfrm>
+              <a:off x="6064316" y="495853"/>
+              <a:ext cx="1146470" cy="215444"/>
+            </a:xfrm>
+            <a:prstGeom prst="rect">
+              <a:avLst/>
+            </a:prstGeom>
+            <a:solidFill>
+              <a:srgbClr val="CC9900"/>
+            </a:solidFill>
+          </p:spPr>
+          <p:txBody>
+            <a:bodyPr wrap="square" rtlCol="0">
+              <a:spAutoFit/>
+            </a:bodyPr>
+            <a:lstStyle/>
+            <a:p>
+              <a:r>
+                <a:rPr lang="en-US" sz="800" dirty="0" smtClean="0">
+                  <a:latin typeface="Comic Sans MS" panose="030F0702030302020204" pitchFamily="66" charset="0"/>
+                </a:rPr>
+                <a:t>Give him the money.</a:t>
+              </a:r>
+            </a:p>
+          </p:txBody>
+        </p:sp>
+        <p:sp>
+          <p:nvSpPr>
+            <p:cNvPr id="91" name="Rounded Rectangle 90"/>
+            <p:cNvSpPr/>
+            <p:nvPr/>
+          </p:nvSpPr>
+          <p:spPr>
+            <a:xfrm>
+              <a:off x="7210786" y="466219"/>
+              <a:ext cx="578276" cy="274713"/>
+            </a:xfrm>
+            <a:prstGeom prst="roundRect">
+              <a:avLst/>
+            </a:prstGeom>
+            <a:solidFill>
+              <a:schemeClr val="accent3"/>
+            </a:solidFill>
+            <a:ln>
+              <a:solidFill>
+                <a:schemeClr val="tx1"/>
+              </a:solidFill>
+            </a:ln>
+          </p:spPr>
+          <p:style>
+            <a:lnRef idx="2">
+              <a:schemeClr val="accent1">
+                <a:shade val="50000"/>
+              </a:schemeClr>
+            </a:lnRef>
+            <a:fillRef idx="1">
+              <a:schemeClr val="accent1"/>
+            </a:fillRef>
+            <a:effectRef idx="0">
+              <a:schemeClr val="accent1"/>
+            </a:effectRef>
+            <a:fontRef idx="minor">
+              <a:schemeClr val="lt1"/>
+            </a:fontRef>
+          </p:style>
+          <p:txBody>
+            <a:bodyPr rtlCol="0" anchor="ctr"/>
+            <a:lstStyle/>
+            <a:p>
+              <a:pPr algn="ctr"/>
+              <a:r>
+                <a:rPr lang="en-US" sz="1000" dirty="0" smtClean="0">
+                  <a:solidFill>
+                    <a:schemeClr val="tx1"/>
+                  </a:solidFill>
+                </a:rPr>
+                <a:t>Pay</a:t>
+              </a:r>
+              <a:endParaRPr lang="en-US" sz="1000" dirty="0">
+                <a:solidFill>
+                  <a:schemeClr val="tx1"/>
+                </a:solidFill>
+              </a:endParaRPr>
+            </a:p>
+          </p:txBody>
+        </p:sp>
+      </p:grpSp>
+      <p:grpSp>
+        <p:nvGrpSpPr>
+          <p:cNvPr id="92" name="Group 91"/>
+          <p:cNvGrpSpPr/>
+          <p:nvPr/>
+        </p:nvGrpSpPr>
+        <p:grpSpPr>
+          <a:xfrm>
+            <a:off x="3299460" y="3542898"/>
+            <a:ext cx="365760" cy="548640"/>
+            <a:chOff x="3347569" y="1585810"/>
+            <a:chExt cx="643612" cy="690705"/>
+          </a:xfrm>
+        </p:grpSpPr>
+        <p:sp>
+          <p:nvSpPr>
+            <p:cNvPr id="93" name="Rectangle 92"/>
+            <p:cNvSpPr/>
+            <p:nvPr/>
+          </p:nvSpPr>
+          <p:spPr>
+            <a:xfrm>
+              <a:off x="3347569" y="1585810"/>
+              <a:ext cx="643612" cy="690705"/>
+            </a:xfrm>
+            <a:prstGeom prst="rect">
+              <a:avLst/>
+            </a:prstGeom>
+            <a:solidFill>
+              <a:srgbClr val="A50021"/>
+            </a:solidFill>
+            <a:ln>
+              <a:solidFill>
+                <a:schemeClr val="tx1"/>
+              </a:solidFill>
+            </a:ln>
+          </p:spPr>
+          <p:style>
+            <a:lnRef idx="2">
+              <a:schemeClr val="accent1">
+                <a:shade val="50000"/>
+              </a:schemeClr>
+            </a:lnRef>
+            <a:fillRef idx="1">
+              <a:schemeClr val="accent1"/>
+            </a:fillRef>
+            <a:effectRef idx="0">
+              <a:schemeClr val="accent1"/>
+            </a:effectRef>
+            <a:fontRef idx="minor">
+              <a:schemeClr val="lt1"/>
+            </a:fontRef>
+          </p:style>
+          <p:txBody>
+            <a:bodyPr rtlCol="0" anchor="ctr"/>
+            <a:lstStyle/>
+            <a:p>
+              <a:pPr algn="ctr"/>
+              <a:endParaRPr lang="en-US"/>
+            </a:p>
+          </p:txBody>
+        </p:sp>
+        <p:sp>
+          <p:nvSpPr>
+            <p:cNvPr id="94" name="Rectangle 93"/>
+            <p:cNvSpPr/>
+            <p:nvPr/>
+          </p:nvSpPr>
+          <p:spPr>
+            <a:xfrm>
+              <a:off x="3347569" y="1711935"/>
+              <a:ext cx="391793" cy="195569"/>
+            </a:xfrm>
+            <a:prstGeom prst="rect">
+              <a:avLst/>
+            </a:prstGeom>
+            <a:solidFill>
+              <a:schemeClr val="tx1"/>
+            </a:solidFill>
+            <a:ln>
+              <a:solidFill>
+                <a:schemeClr val="tx1"/>
+              </a:solidFill>
+            </a:ln>
+          </p:spPr>
+          <p:style>
+            <a:lnRef idx="2">
+              <a:schemeClr val="accent1">
+                <a:shade val="50000"/>
+              </a:schemeClr>
+            </a:lnRef>
+            <a:fillRef idx="1">
+              <a:schemeClr val="accent1"/>
+            </a:fillRef>
+            <a:effectRef idx="0">
+              <a:schemeClr val="accent1"/>
+            </a:effectRef>
+            <a:fontRef idx="minor">
+              <a:schemeClr val="lt1"/>
+            </a:fontRef>
+          </p:style>
+          <p:txBody>
+            <a:bodyPr rtlCol="0" anchor="ctr"/>
+            <a:lstStyle/>
+            <a:p>
+              <a:pPr algn="ctr"/>
+              <a:endParaRPr lang="en-US"/>
+            </a:p>
+          </p:txBody>
+        </p:sp>
+      </p:grpSp>
     </p:spTree>
     <p:extLst>
       <p:ext uri="{BB962C8B-B14F-4D97-AF65-F5344CB8AC3E}">

--- a/gameJamName/gameJamName - Image Files/gameJamName - Image Initializer.pptx
+++ b/gameJamName/gameJamName - Image Files/gameJamName - Image Initializer.pptx
@@ -6,6 +6,8 @@
   </p:sldMasterIdLst>
   <p:sldIdLst>
     <p:sldId id="256" r:id="rId2"/>
+    <p:sldId id="257" r:id="rId3"/>
+    <p:sldId id="259" r:id="rId4"/>
   </p:sldIdLst>
   <p:sldSz cx="12192000" cy="6858000"/>
   <p:notesSz cx="6858000" cy="9144000"/>
@@ -243,7 +245,7 @@
           <a:p>
             <a:fld id="{1CB1AD02-714A-4324-8EFD-214DDF861471}" type="datetimeFigureOut">
               <a:rPr lang="en-US" smtClean="0"/>
-              <a:t>9/12/2022</a:t>
+              <a:t>9/15/2022</a:t>
             </a:fld>
             <a:endParaRPr lang="en-US"/>
           </a:p>
@@ -413,7 +415,7 @@
           <a:p>
             <a:fld id="{1CB1AD02-714A-4324-8EFD-214DDF861471}" type="datetimeFigureOut">
               <a:rPr lang="en-US" smtClean="0"/>
-              <a:t>9/12/2022</a:t>
+              <a:t>9/15/2022</a:t>
             </a:fld>
             <a:endParaRPr lang="en-US"/>
           </a:p>
@@ -593,7 +595,7 @@
           <a:p>
             <a:fld id="{1CB1AD02-714A-4324-8EFD-214DDF861471}" type="datetimeFigureOut">
               <a:rPr lang="en-US" smtClean="0"/>
-              <a:t>9/12/2022</a:t>
+              <a:t>9/15/2022</a:t>
             </a:fld>
             <a:endParaRPr lang="en-US"/>
           </a:p>
@@ -763,7 +765,7 @@
           <a:p>
             <a:fld id="{1CB1AD02-714A-4324-8EFD-214DDF861471}" type="datetimeFigureOut">
               <a:rPr lang="en-US" smtClean="0"/>
-              <a:t>9/12/2022</a:t>
+              <a:t>9/15/2022</a:t>
             </a:fld>
             <a:endParaRPr lang="en-US"/>
           </a:p>
@@ -1009,7 +1011,7 @@
           <a:p>
             <a:fld id="{1CB1AD02-714A-4324-8EFD-214DDF861471}" type="datetimeFigureOut">
               <a:rPr lang="en-US" smtClean="0"/>
-              <a:t>9/12/2022</a:t>
+              <a:t>9/15/2022</a:t>
             </a:fld>
             <a:endParaRPr lang="en-US"/>
           </a:p>
@@ -1241,7 +1243,7 @@
           <a:p>
             <a:fld id="{1CB1AD02-714A-4324-8EFD-214DDF861471}" type="datetimeFigureOut">
               <a:rPr lang="en-US" smtClean="0"/>
-              <a:t>9/12/2022</a:t>
+              <a:t>9/15/2022</a:t>
             </a:fld>
             <a:endParaRPr lang="en-US"/>
           </a:p>
@@ -1608,7 +1610,7 @@
           <a:p>
             <a:fld id="{1CB1AD02-714A-4324-8EFD-214DDF861471}" type="datetimeFigureOut">
               <a:rPr lang="en-US" smtClean="0"/>
-              <a:t>9/12/2022</a:t>
+              <a:t>9/15/2022</a:t>
             </a:fld>
             <a:endParaRPr lang="en-US"/>
           </a:p>
@@ -1726,7 +1728,7 @@
           <a:p>
             <a:fld id="{1CB1AD02-714A-4324-8EFD-214DDF861471}" type="datetimeFigureOut">
               <a:rPr lang="en-US" smtClean="0"/>
-              <a:t>9/12/2022</a:t>
+              <a:t>9/15/2022</a:t>
             </a:fld>
             <a:endParaRPr lang="en-US"/>
           </a:p>
@@ -1821,7 +1823,7 @@
           <a:p>
             <a:fld id="{1CB1AD02-714A-4324-8EFD-214DDF861471}" type="datetimeFigureOut">
               <a:rPr lang="en-US" smtClean="0"/>
-              <a:t>9/12/2022</a:t>
+              <a:t>9/15/2022</a:t>
             </a:fld>
             <a:endParaRPr lang="en-US"/>
           </a:p>
@@ -2098,7 +2100,7 @@
           <a:p>
             <a:fld id="{1CB1AD02-714A-4324-8EFD-214DDF861471}" type="datetimeFigureOut">
               <a:rPr lang="en-US" smtClean="0"/>
-              <a:t>9/12/2022</a:t>
+              <a:t>9/15/2022</a:t>
             </a:fld>
             <a:endParaRPr lang="en-US"/>
           </a:p>
@@ -2351,7 +2353,7 @@
           <a:p>
             <a:fld id="{1CB1AD02-714A-4324-8EFD-214DDF861471}" type="datetimeFigureOut">
               <a:rPr lang="en-US" smtClean="0"/>
-              <a:t>9/12/2022</a:t>
+              <a:t>9/15/2022</a:t>
             </a:fld>
             <a:endParaRPr lang="en-US"/>
           </a:p>
@@ -2564,7 +2566,7 @@
           <a:p>
             <a:fld id="{1CB1AD02-714A-4324-8EFD-214DDF861471}" type="datetimeFigureOut">
               <a:rPr lang="en-US" smtClean="0"/>
-              <a:t>9/12/2022</a:t>
+              <a:t>9/15/2022</a:t>
             </a:fld>
             <a:endParaRPr lang="en-US"/>
           </a:p>
@@ -6030,6 +6032,8515 @@
 </p:sld>
 </file>
 
+<file path=ppt/slides/slide2.xml><?xml version="1.0" encoding="utf-8"?>
+<p:sld xmlns:a="http://schemas.openxmlformats.org/drawingml/2006/main" xmlns:r="http://schemas.openxmlformats.org/officeDocument/2006/relationships" xmlns:p="http://schemas.openxmlformats.org/presentationml/2006/main">
+  <p:cSld>
+    <p:spTree>
+      <p:nvGrpSpPr>
+        <p:cNvPr id="1" name=""/>
+        <p:cNvGrpSpPr/>
+        <p:nvPr/>
+      </p:nvGrpSpPr>
+      <p:grpSpPr>
+        <a:xfrm>
+          <a:off x="0" y="0"/>
+          <a:ext cx="0" cy="0"/>
+          <a:chOff x="0" y="0"/>
+          <a:chExt cx="0" cy="0"/>
+        </a:xfrm>
+      </p:grpSpPr>
+      <p:sp>
+        <p:nvSpPr>
+          <p:cNvPr id="9" name="Rectangle 8"/>
+          <p:cNvSpPr>
+            <a:spLocks/>
+          </p:cNvSpPr>
+          <p:nvPr/>
+        </p:nvSpPr>
+        <p:spPr>
+          <a:xfrm>
+            <a:off x="486408" y="706965"/>
+            <a:ext cx="5212080" cy="5394960"/>
+          </a:xfrm>
+          <a:prstGeom prst="rect">
+            <a:avLst/>
+          </a:prstGeom>
+          <a:solidFill>
+            <a:schemeClr val="accent4">
+              <a:lumMod val="20000"/>
+              <a:lumOff val="80000"/>
+            </a:schemeClr>
+          </a:solidFill>
+          <a:ln w="38100">
+            <a:solidFill>
+              <a:schemeClr val="tx1"/>
+            </a:solidFill>
+          </a:ln>
+        </p:spPr>
+        <p:style>
+          <a:lnRef idx="2">
+            <a:schemeClr val="accent1">
+              <a:shade val="50000"/>
+            </a:schemeClr>
+          </a:lnRef>
+          <a:fillRef idx="1">
+            <a:schemeClr val="accent1"/>
+          </a:fillRef>
+          <a:effectRef idx="0">
+            <a:schemeClr val="accent1"/>
+          </a:effectRef>
+          <a:fontRef idx="minor">
+            <a:schemeClr val="lt1"/>
+          </a:fontRef>
+        </p:style>
+        <p:txBody>
+          <a:bodyPr rtlCol="0" anchor="ctr"/>
+          <a:lstStyle/>
+          <a:p>
+            <a:pPr algn="ctr"/>
+            <a:endParaRPr lang="en-US"/>
+          </a:p>
+        </p:txBody>
+      </p:sp>
+      <p:sp>
+        <p:nvSpPr>
+          <p:cNvPr id="10" name="TextBox 9"/>
+          <p:cNvSpPr txBox="1"/>
+          <p:nvPr/>
+        </p:nvSpPr>
+        <p:spPr>
+          <a:xfrm>
+            <a:off x="715431" y="922867"/>
+            <a:ext cx="4707467" cy="800219"/>
+          </a:xfrm>
+          <a:prstGeom prst="rect">
+            <a:avLst/>
+          </a:prstGeom>
+          <a:noFill/>
+        </p:spPr>
+        <p:txBody>
+          <a:bodyPr wrap="square" rtlCol="0">
+            <a:spAutoFit/>
+          </a:bodyPr>
+          <a:lstStyle/>
+          <a:p>
+            <a:r>
+              <a:rPr lang="en-US" b="1" dirty="0" smtClean="0">
+                <a:latin typeface="Bell MT" panose="02020503060305020303" pitchFamily="18" charset="0"/>
+              </a:rPr>
+              <a:t>Title</a:t>
+            </a:r>
+          </a:p>
+          <a:p>
+            <a:endParaRPr lang="en-US" sz="1400" dirty="0" smtClean="0">
+              <a:latin typeface="Bell MT" panose="02020503060305020303" pitchFamily="18" charset="0"/>
+            </a:endParaRPr>
+          </a:p>
+          <a:p>
+            <a:r>
+              <a:rPr lang="en-US" sz="1400" dirty="0" smtClean="0">
+                <a:latin typeface="Bell MT" panose="02020503060305020303" pitchFamily="18" charset="0"/>
+              </a:rPr>
+              <a:t>Read Text Event on Tile Selected by Player</a:t>
+            </a:r>
+            <a:endParaRPr lang="en-US" sz="1400" dirty="0">
+              <a:latin typeface="Bell MT" panose="02020503060305020303" pitchFamily="18" charset="0"/>
+            </a:endParaRPr>
+          </a:p>
+        </p:txBody>
+      </p:sp>
+      <p:sp>
+        <p:nvSpPr>
+          <p:cNvPr id="11" name="TextBox 10"/>
+          <p:cNvSpPr txBox="1"/>
+          <p:nvPr/>
+        </p:nvSpPr>
+        <p:spPr>
+          <a:xfrm>
+            <a:off x="884340" y="4377993"/>
+            <a:ext cx="1280160" cy="461665"/>
+          </a:xfrm>
+          <a:prstGeom prst="rect">
+            <a:avLst/>
+          </a:prstGeom>
+          <a:noFill/>
+        </p:spPr>
+        <p:txBody>
+          <a:bodyPr wrap="square" rtlCol="0">
+            <a:spAutoFit/>
+          </a:bodyPr>
+          <a:lstStyle/>
+          <a:p>
+            <a:r>
+              <a:rPr lang="en-US" sz="1200" dirty="0" smtClean="0">
+                <a:latin typeface="Bell MT" panose="02020503060305020303" pitchFamily="18" charset="0"/>
+              </a:rPr>
+              <a:t>Result of Action Button Clicked</a:t>
+            </a:r>
+          </a:p>
+        </p:txBody>
+      </p:sp>
+      <p:sp>
+        <p:nvSpPr>
+          <p:cNvPr id="12" name="Rectangle 11"/>
+          <p:cNvSpPr>
+            <a:spLocks/>
+          </p:cNvSpPr>
+          <p:nvPr/>
+        </p:nvSpPr>
+        <p:spPr>
+          <a:xfrm>
+            <a:off x="965197" y="2102968"/>
+            <a:ext cx="4254503" cy="1418167"/>
+          </a:xfrm>
+          <a:prstGeom prst="rect">
+            <a:avLst/>
+          </a:prstGeom>
+          <a:solidFill>
+            <a:schemeClr val="accent1">
+              <a:lumMod val="20000"/>
+              <a:lumOff val="80000"/>
+            </a:schemeClr>
+          </a:solidFill>
+          <a:ln w="38100">
+            <a:solidFill>
+              <a:schemeClr val="tx1"/>
+            </a:solidFill>
+          </a:ln>
+        </p:spPr>
+        <p:style>
+          <a:lnRef idx="2">
+            <a:schemeClr val="accent1">
+              <a:shade val="50000"/>
+            </a:schemeClr>
+          </a:lnRef>
+          <a:fillRef idx="1">
+            <a:schemeClr val="accent1"/>
+          </a:fillRef>
+          <a:effectRef idx="0">
+            <a:schemeClr val="accent1"/>
+          </a:effectRef>
+          <a:fontRef idx="minor">
+            <a:schemeClr val="lt1"/>
+          </a:fontRef>
+        </p:style>
+        <p:txBody>
+          <a:bodyPr rtlCol="0" anchor="ctr"/>
+          <a:lstStyle/>
+          <a:p>
+            <a:pPr algn="ctr"/>
+            <a:endParaRPr lang="en-US"/>
+          </a:p>
+        </p:txBody>
+      </p:sp>
+      <p:sp>
+        <p:nvSpPr>
+          <p:cNvPr id="13" name="Rectangle 12"/>
+          <p:cNvSpPr>
+            <a:spLocks/>
+          </p:cNvSpPr>
+          <p:nvPr/>
+        </p:nvSpPr>
+        <p:spPr>
+          <a:xfrm>
+            <a:off x="884340" y="3975101"/>
+            <a:ext cx="1280160" cy="332195"/>
+          </a:xfrm>
+          <a:prstGeom prst="rect">
+            <a:avLst/>
+          </a:prstGeom>
+          <a:solidFill>
+            <a:schemeClr val="accent6">
+              <a:lumMod val="20000"/>
+              <a:lumOff val="80000"/>
+            </a:schemeClr>
+          </a:solidFill>
+          <a:ln w="38100">
+            <a:solidFill>
+              <a:schemeClr val="tx1"/>
+            </a:solidFill>
+          </a:ln>
+        </p:spPr>
+        <p:style>
+          <a:lnRef idx="2">
+            <a:schemeClr val="accent1">
+              <a:shade val="50000"/>
+            </a:schemeClr>
+          </a:lnRef>
+          <a:fillRef idx="1">
+            <a:schemeClr val="accent1"/>
+          </a:fillRef>
+          <a:effectRef idx="0">
+            <a:schemeClr val="accent1"/>
+          </a:effectRef>
+          <a:fontRef idx="minor">
+            <a:schemeClr val="lt1"/>
+          </a:fontRef>
+        </p:style>
+        <p:txBody>
+          <a:bodyPr rtlCol="0" anchor="ctr"/>
+          <a:lstStyle/>
+          <a:p>
+            <a:pPr algn="ctr"/>
+            <a:r>
+              <a:rPr lang="en-US" dirty="0" err="1" smtClean="0">
+                <a:solidFill>
+                  <a:schemeClr val="tx1"/>
+                </a:solidFill>
+              </a:rPr>
+              <a:t>ActnBtn</a:t>
+            </a:r>
+            <a:endParaRPr lang="en-US" dirty="0">
+              <a:solidFill>
+                <a:schemeClr val="tx1"/>
+              </a:solidFill>
+            </a:endParaRPr>
+          </a:p>
+        </p:txBody>
+      </p:sp>
+      <p:pic>
+        <p:nvPicPr>
+          <p:cNvPr id="14" name="Picture 13"/>
+          <p:cNvPicPr>
+            <a:picLocks noChangeAspect="1"/>
+          </p:cNvPicPr>
+          <p:nvPr/>
+        </p:nvPicPr>
+        <p:blipFill>
+          <a:blip r:embed="rId2"/>
+          <a:stretch>
+            <a:fillRect/>
+          </a:stretch>
+        </p:blipFill>
+        <p:spPr>
+          <a:xfrm>
+            <a:off x="6219825" y="525992"/>
+            <a:ext cx="590550" cy="590550"/>
+          </a:xfrm>
+          <a:prstGeom prst="rect">
+            <a:avLst/>
+          </a:prstGeom>
+        </p:spPr>
+      </p:pic>
+      <p:pic>
+        <p:nvPicPr>
+          <p:cNvPr id="15" name="Picture 14"/>
+          <p:cNvPicPr>
+            <a:picLocks noChangeAspect="1"/>
+          </p:cNvPicPr>
+          <p:nvPr/>
+        </p:nvPicPr>
+        <p:blipFill>
+          <a:blip r:embed="rId3"/>
+          <a:stretch>
+            <a:fillRect/>
+          </a:stretch>
+        </p:blipFill>
+        <p:spPr>
+          <a:xfrm>
+            <a:off x="6219825" y="1232958"/>
+            <a:ext cx="590550" cy="590550"/>
+          </a:xfrm>
+          <a:prstGeom prst="rect">
+            <a:avLst/>
+          </a:prstGeom>
+        </p:spPr>
+      </p:pic>
+      <p:pic>
+        <p:nvPicPr>
+          <p:cNvPr id="16" name="Picture 15"/>
+          <p:cNvPicPr>
+            <a:picLocks noChangeAspect="1"/>
+          </p:cNvPicPr>
+          <p:nvPr/>
+        </p:nvPicPr>
+        <p:blipFill>
+          <a:blip r:embed="rId4"/>
+          <a:stretch>
+            <a:fillRect/>
+          </a:stretch>
+        </p:blipFill>
+        <p:spPr>
+          <a:xfrm>
+            <a:off x="6219825" y="1973791"/>
+            <a:ext cx="590550" cy="590550"/>
+          </a:xfrm>
+          <a:prstGeom prst="rect">
+            <a:avLst/>
+          </a:prstGeom>
+        </p:spPr>
+      </p:pic>
+      <p:sp>
+        <p:nvSpPr>
+          <p:cNvPr id="17" name="Rectangle 16"/>
+          <p:cNvSpPr>
+            <a:spLocks/>
+          </p:cNvSpPr>
+          <p:nvPr/>
+        </p:nvSpPr>
+        <p:spPr>
+          <a:xfrm>
+            <a:off x="6933772" y="655169"/>
+            <a:ext cx="4280327" cy="332195"/>
+          </a:xfrm>
+          <a:prstGeom prst="rect">
+            <a:avLst/>
+          </a:prstGeom>
+          <a:noFill/>
+          <a:ln w="12700">
+            <a:solidFill>
+              <a:schemeClr val="tx1"/>
+            </a:solidFill>
+          </a:ln>
+        </p:spPr>
+        <p:style>
+          <a:lnRef idx="2">
+            <a:schemeClr val="accent1">
+              <a:shade val="50000"/>
+            </a:schemeClr>
+          </a:lnRef>
+          <a:fillRef idx="1">
+            <a:schemeClr val="accent1"/>
+          </a:fillRef>
+          <a:effectRef idx="0">
+            <a:schemeClr val="accent1"/>
+          </a:effectRef>
+          <a:fontRef idx="minor">
+            <a:schemeClr val="lt1"/>
+          </a:fontRef>
+        </p:style>
+        <p:txBody>
+          <a:bodyPr rtlCol="0" anchor="ctr"/>
+          <a:lstStyle/>
+          <a:p>
+            <a:r>
+              <a:rPr lang="en-US" dirty="0" smtClean="0">
+                <a:solidFill>
+                  <a:schemeClr val="tx1"/>
+                </a:solidFill>
+              </a:rPr>
+              <a:t>Solid:</a:t>
+            </a:r>
+            <a:endParaRPr lang="en-US" dirty="0">
+              <a:solidFill>
+                <a:schemeClr val="tx1"/>
+              </a:solidFill>
+            </a:endParaRPr>
+          </a:p>
+        </p:txBody>
+      </p:sp>
+      <p:sp>
+        <p:nvSpPr>
+          <p:cNvPr id="18" name="Rectangle 17"/>
+          <p:cNvSpPr>
+            <a:spLocks/>
+          </p:cNvSpPr>
+          <p:nvPr/>
+        </p:nvSpPr>
+        <p:spPr>
+          <a:xfrm>
+            <a:off x="6933772" y="1362135"/>
+            <a:ext cx="4280327" cy="332195"/>
+          </a:xfrm>
+          <a:prstGeom prst="rect">
+            <a:avLst/>
+          </a:prstGeom>
+          <a:noFill/>
+          <a:ln w="12700">
+            <a:solidFill>
+              <a:schemeClr val="tx1"/>
+            </a:solidFill>
+          </a:ln>
+        </p:spPr>
+        <p:style>
+          <a:lnRef idx="2">
+            <a:schemeClr val="accent1">
+              <a:shade val="50000"/>
+            </a:schemeClr>
+          </a:lnRef>
+          <a:fillRef idx="1">
+            <a:schemeClr val="accent1"/>
+          </a:fillRef>
+          <a:effectRef idx="0">
+            <a:schemeClr val="accent1"/>
+          </a:effectRef>
+          <a:fontRef idx="minor">
+            <a:schemeClr val="lt1"/>
+          </a:fontRef>
+        </p:style>
+        <p:txBody>
+          <a:bodyPr rtlCol="0" anchor="ctr"/>
+          <a:lstStyle/>
+          <a:p>
+            <a:r>
+              <a:rPr lang="en-US" dirty="0" smtClean="0">
+                <a:solidFill>
+                  <a:schemeClr val="tx1"/>
+                </a:solidFill>
+              </a:rPr>
+              <a:t>Ice:</a:t>
+            </a:r>
+            <a:endParaRPr lang="en-US" dirty="0">
+              <a:solidFill>
+                <a:schemeClr val="tx1"/>
+              </a:solidFill>
+            </a:endParaRPr>
+          </a:p>
+        </p:txBody>
+      </p:sp>
+      <p:sp>
+        <p:nvSpPr>
+          <p:cNvPr id="19" name="Rectangle 18"/>
+          <p:cNvSpPr>
+            <a:spLocks/>
+          </p:cNvSpPr>
+          <p:nvPr/>
+        </p:nvSpPr>
+        <p:spPr>
+          <a:xfrm>
+            <a:off x="6933772" y="2102968"/>
+            <a:ext cx="4280327" cy="332195"/>
+          </a:xfrm>
+          <a:prstGeom prst="rect">
+            <a:avLst/>
+          </a:prstGeom>
+          <a:noFill/>
+          <a:ln w="12700">
+            <a:solidFill>
+              <a:schemeClr val="tx1"/>
+            </a:solidFill>
+          </a:ln>
+        </p:spPr>
+        <p:style>
+          <a:lnRef idx="2">
+            <a:schemeClr val="accent1">
+              <a:shade val="50000"/>
+            </a:schemeClr>
+          </a:lnRef>
+          <a:fillRef idx="1">
+            <a:schemeClr val="accent1"/>
+          </a:fillRef>
+          <a:effectRef idx="0">
+            <a:schemeClr val="accent1"/>
+          </a:effectRef>
+          <a:fontRef idx="minor">
+            <a:schemeClr val="lt1"/>
+          </a:fontRef>
+        </p:style>
+        <p:txBody>
+          <a:bodyPr rtlCol="0" anchor="ctr"/>
+          <a:lstStyle/>
+          <a:p>
+            <a:r>
+              <a:rPr lang="en-US" dirty="0" smtClean="0">
+                <a:solidFill>
+                  <a:schemeClr val="tx1"/>
+                </a:solidFill>
+              </a:rPr>
+              <a:t>Area:</a:t>
+            </a:r>
+            <a:endParaRPr lang="en-US" dirty="0">
+              <a:solidFill>
+                <a:schemeClr val="tx1"/>
+              </a:solidFill>
+            </a:endParaRPr>
+          </a:p>
+        </p:txBody>
+      </p:sp>
+    </p:spTree>
+    <p:extLst>
+      <p:ext uri="{BB962C8B-B14F-4D97-AF65-F5344CB8AC3E}">
+        <p14:creationId xmlns:p14="http://schemas.microsoft.com/office/powerpoint/2010/main" val="3069206232"/>
+      </p:ext>
+    </p:extLst>
+  </p:cSld>
+  <p:clrMapOvr>
+    <a:masterClrMapping/>
+  </p:clrMapOvr>
+</p:sld>
+</file>
+
+<file path=ppt/slides/slide3.xml><?xml version="1.0" encoding="utf-8"?>
+<p:sld xmlns:a="http://schemas.openxmlformats.org/drawingml/2006/main" xmlns:r="http://schemas.openxmlformats.org/officeDocument/2006/relationships" xmlns:p="http://schemas.openxmlformats.org/presentationml/2006/main">
+  <p:cSld>
+    <p:spTree>
+      <p:nvGrpSpPr>
+        <p:cNvPr id="1" name=""/>
+        <p:cNvGrpSpPr/>
+        <p:nvPr/>
+      </p:nvGrpSpPr>
+      <p:grpSpPr>
+        <a:xfrm>
+          <a:off x="0" y="0"/>
+          <a:ext cx="0" cy="0"/>
+          <a:chOff x="0" y="0"/>
+          <a:chExt cx="0" cy="0"/>
+        </a:xfrm>
+      </p:grpSpPr>
+      <p:sp>
+        <p:nvSpPr>
+          <p:cNvPr id="58" name="Rectangle 57"/>
+          <p:cNvSpPr>
+            <a:spLocks/>
+          </p:cNvSpPr>
+          <p:nvPr/>
+        </p:nvSpPr>
+        <p:spPr>
+          <a:xfrm>
+            <a:off x="2874146" y="3338496"/>
+            <a:ext cx="2661418" cy="2754800"/>
+          </a:xfrm>
+          <a:prstGeom prst="rect">
+            <a:avLst/>
+          </a:prstGeom>
+          <a:solidFill>
+            <a:schemeClr val="accent4">
+              <a:lumMod val="20000"/>
+              <a:lumOff val="80000"/>
+            </a:schemeClr>
+          </a:solidFill>
+          <a:ln w="38100">
+            <a:solidFill>
+              <a:schemeClr val="tx1"/>
+            </a:solidFill>
+          </a:ln>
+        </p:spPr>
+        <p:style>
+          <a:lnRef idx="2">
+            <a:schemeClr val="accent1">
+              <a:shade val="50000"/>
+            </a:schemeClr>
+          </a:lnRef>
+          <a:fillRef idx="1">
+            <a:schemeClr val="accent1"/>
+          </a:fillRef>
+          <a:effectRef idx="0">
+            <a:schemeClr val="accent1"/>
+          </a:effectRef>
+          <a:fontRef idx="minor">
+            <a:schemeClr val="lt1"/>
+          </a:fontRef>
+        </p:style>
+        <p:txBody>
+          <a:bodyPr rtlCol="0" anchor="ctr"/>
+          <a:lstStyle/>
+          <a:p>
+            <a:pPr algn="ctr"/>
+            <a:endParaRPr lang="en-US"/>
+          </a:p>
+        </p:txBody>
+      </p:sp>
+      <p:sp>
+        <p:nvSpPr>
+          <p:cNvPr id="59" name="TextBox 58"/>
+          <p:cNvSpPr txBox="1"/>
+          <p:nvPr/>
+        </p:nvSpPr>
+        <p:spPr>
+          <a:xfrm>
+            <a:off x="2991091" y="3448741"/>
+            <a:ext cx="2403750" cy="615553"/>
+          </a:xfrm>
+          <a:prstGeom prst="rect">
+            <a:avLst/>
+          </a:prstGeom>
+          <a:noFill/>
+        </p:spPr>
+        <p:txBody>
+          <a:bodyPr wrap="square" rtlCol="0">
+            <a:spAutoFit/>
+          </a:bodyPr>
+          <a:lstStyle/>
+          <a:p>
+            <a:r>
+              <a:rPr lang="en-US" sz="1000" b="1" dirty="0">
+                <a:latin typeface="Bell MT" panose="02020503060305020303" pitchFamily="18" charset="0"/>
+              </a:rPr>
+              <a:t>Abandoned Shelter</a:t>
+            </a:r>
+          </a:p>
+          <a:p>
+            <a:endParaRPr lang="en-US" sz="800" dirty="0">
+              <a:latin typeface="Bell MT" panose="02020503060305020303" pitchFamily="18" charset="0"/>
+            </a:endParaRPr>
+          </a:p>
+          <a:p>
+            <a:r>
+              <a:rPr lang="en-US" sz="800" dirty="0">
+                <a:latin typeface="Bell MT" panose="02020503060305020303" pitchFamily="18" charset="0"/>
+              </a:rPr>
+              <a:t>The inspection was a </a:t>
+            </a:r>
+            <a:r>
+              <a:rPr lang="en-US" sz="800" b="1" dirty="0">
+                <a:solidFill>
+                  <a:srgbClr val="00B050"/>
+                </a:solidFill>
+                <a:latin typeface="Bell MT" panose="02020503060305020303" pitchFamily="18" charset="0"/>
+              </a:rPr>
+              <a:t>success</a:t>
+            </a:r>
+            <a:r>
+              <a:rPr lang="en-US" sz="800" dirty="0">
+                <a:latin typeface="Bell MT" panose="02020503060305020303" pitchFamily="18" charset="0"/>
+              </a:rPr>
+              <a:t>, the area is safe and has x fuel and y supplies for scavenge. </a:t>
+            </a:r>
+          </a:p>
+        </p:txBody>
+      </p:sp>
+      <p:sp>
+        <p:nvSpPr>
+          <p:cNvPr id="60" name="TextBox 59"/>
+          <p:cNvSpPr txBox="1"/>
+          <p:nvPr/>
+        </p:nvSpPr>
+        <p:spPr>
+          <a:xfrm>
+            <a:off x="3086121" y="4895375"/>
+            <a:ext cx="712306" cy="167828"/>
+          </a:xfrm>
+          <a:prstGeom prst="rect">
+            <a:avLst/>
+          </a:prstGeom>
+          <a:noFill/>
+        </p:spPr>
+        <p:txBody>
+          <a:bodyPr wrap="square" rtlCol="0">
+            <a:spAutoFit/>
+          </a:bodyPr>
+          <a:lstStyle/>
+          <a:p>
+            <a:r>
+              <a:rPr lang="en-US" sz="800" dirty="0" smtClean="0">
+                <a:latin typeface="Bell MT" panose="02020503060305020303" pitchFamily="18" charset="0"/>
+              </a:rPr>
+              <a:t>-</a:t>
+            </a:r>
+          </a:p>
+        </p:txBody>
+      </p:sp>
+      <p:sp>
+        <p:nvSpPr>
+          <p:cNvPr id="61" name="Rectangle 60"/>
+          <p:cNvSpPr>
+            <a:spLocks/>
+          </p:cNvSpPr>
+          <p:nvPr/>
+        </p:nvSpPr>
+        <p:spPr>
+          <a:xfrm>
+            <a:off x="3086121" y="4051330"/>
+            <a:ext cx="2248533" cy="591891"/>
+          </a:xfrm>
+          <a:prstGeom prst="rect">
+            <a:avLst/>
+          </a:prstGeom>
+          <a:solidFill>
+            <a:schemeClr val="accent1">
+              <a:lumMod val="20000"/>
+              <a:lumOff val="80000"/>
+            </a:schemeClr>
+          </a:solidFill>
+          <a:ln w="38100">
+            <a:solidFill>
+              <a:schemeClr val="tx1"/>
+            </a:solidFill>
+          </a:ln>
+        </p:spPr>
+        <p:style>
+          <a:lnRef idx="2">
+            <a:schemeClr val="accent1">
+              <a:shade val="50000"/>
+            </a:schemeClr>
+          </a:lnRef>
+          <a:fillRef idx="1">
+            <a:schemeClr val="accent1"/>
+          </a:fillRef>
+          <a:effectRef idx="0">
+            <a:schemeClr val="accent1"/>
+          </a:effectRef>
+          <a:fontRef idx="minor">
+            <a:schemeClr val="lt1"/>
+          </a:fontRef>
+        </p:style>
+        <p:txBody>
+          <a:bodyPr rtlCol="0" anchor="ctr"/>
+          <a:lstStyle/>
+          <a:p>
+            <a:pPr algn="ctr"/>
+            <a:endParaRPr lang="en-US"/>
+          </a:p>
+        </p:txBody>
+      </p:sp>
+      <p:sp>
+        <p:nvSpPr>
+          <p:cNvPr id="62" name="Rectangle 61"/>
+          <p:cNvSpPr>
+            <a:spLocks/>
+          </p:cNvSpPr>
+          <p:nvPr/>
+        </p:nvSpPr>
+        <p:spPr>
+          <a:xfrm>
+            <a:off x="3086121" y="4703683"/>
+            <a:ext cx="712306" cy="169627"/>
+          </a:xfrm>
+          <a:prstGeom prst="rect">
+            <a:avLst/>
+          </a:prstGeom>
+          <a:solidFill>
+            <a:schemeClr val="accent6">
+              <a:lumMod val="20000"/>
+              <a:lumOff val="80000"/>
+            </a:schemeClr>
+          </a:solidFill>
+          <a:ln w="38100">
+            <a:solidFill>
+              <a:schemeClr val="tx1"/>
+            </a:solidFill>
+          </a:ln>
+        </p:spPr>
+        <p:style>
+          <a:lnRef idx="2">
+            <a:schemeClr val="accent1">
+              <a:shade val="50000"/>
+            </a:schemeClr>
+          </a:lnRef>
+          <a:fillRef idx="1">
+            <a:schemeClr val="accent1"/>
+          </a:fillRef>
+          <a:effectRef idx="0">
+            <a:schemeClr val="accent1"/>
+          </a:effectRef>
+          <a:fontRef idx="minor">
+            <a:schemeClr val="lt1"/>
+          </a:fontRef>
+        </p:style>
+        <p:txBody>
+          <a:bodyPr rtlCol="0" anchor="ctr"/>
+          <a:lstStyle/>
+          <a:p>
+            <a:pPr algn="ctr"/>
+            <a:r>
+              <a:rPr lang="en-US" sz="1200" dirty="0" smtClean="0">
+                <a:solidFill>
+                  <a:schemeClr val="tx1"/>
+                </a:solidFill>
+              </a:rPr>
+              <a:t>-</a:t>
+            </a:r>
+            <a:endParaRPr lang="en-US" sz="1200" dirty="0">
+              <a:solidFill>
+                <a:schemeClr val="tx1"/>
+              </a:solidFill>
+            </a:endParaRPr>
+          </a:p>
+        </p:txBody>
+      </p:sp>
+      <p:pic>
+        <p:nvPicPr>
+          <p:cNvPr id="63" name="Picture 62"/>
+          <p:cNvPicPr>
+            <a:picLocks noChangeAspect="1"/>
+          </p:cNvPicPr>
+          <p:nvPr/>
+        </p:nvPicPr>
+        <p:blipFill>
+          <a:blip r:embed="rId2"/>
+          <a:stretch>
+            <a:fillRect/>
+          </a:stretch>
+        </p:blipFill>
+        <p:spPr>
+          <a:xfrm>
+            <a:off x="4054080" y="4196500"/>
+            <a:ext cx="301549" cy="301550"/>
+          </a:xfrm>
+          <a:prstGeom prst="rect">
+            <a:avLst/>
+          </a:prstGeom>
+        </p:spPr>
+      </p:pic>
+      <p:sp>
+        <p:nvSpPr>
+          <p:cNvPr id="64" name="Rectangle 63"/>
+          <p:cNvSpPr>
+            <a:spLocks/>
+          </p:cNvSpPr>
+          <p:nvPr/>
+        </p:nvSpPr>
+        <p:spPr>
+          <a:xfrm>
+            <a:off x="3865638" y="4703683"/>
+            <a:ext cx="712306" cy="169627"/>
+          </a:xfrm>
+          <a:prstGeom prst="rect">
+            <a:avLst/>
+          </a:prstGeom>
+          <a:solidFill>
+            <a:schemeClr val="accent6">
+              <a:lumMod val="20000"/>
+              <a:lumOff val="80000"/>
+            </a:schemeClr>
+          </a:solidFill>
+          <a:ln w="38100">
+            <a:solidFill>
+              <a:schemeClr val="tx1"/>
+            </a:solidFill>
+          </a:ln>
+        </p:spPr>
+        <p:style>
+          <a:lnRef idx="2">
+            <a:schemeClr val="accent1">
+              <a:shade val="50000"/>
+            </a:schemeClr>
+          </a:lnRef>
+          <a:fillRef idx="1">
+            <a:schemeClr val="accent1"/>
+          </a:fillRef>
+          <a:effectRef idx="0">
+            <a:schemeClr val="accent1"/>
+          </a:effectRef>
+          <a:fontRef idx="minor">
+            <a:schemeClr val="lt1"/>
+          </a:fontRef>
+        </p:style>
+        <p:txBody>
+          <a:bodyPr rtlCol="0" anchor="ctr"/>
+          <a:lstStyle/>
+          <a:p>
+            <a:pPr algn="ctr"/>
+            <a:r>
+              <a:rPr lang="en-US" sz="800" dirty="0" smtClean="0">
+                <a:solidFill>
+                  <a:schemeClr val="tx1"/>
+                </a:solidFill>
+              </a:rPr>
+              <a:t>Collect</a:t>
+            </a:r>
+            <a:endParaRPr lang="en-US" sz="800" dirty="0">
+              <a:solidFill>
+                <a:schemeClr val="tx1"/>
+              </a:solidFill>
+            </a:endParaRPr>
+          </a:p>
+        </p:txBody>
+      </p:sp>
+      <p:sp>
+        <p:nvSpPr>
+          <p:cNvPr id="65" name="Rectangle 64"/>
+          <p:cNvSpPr>
+            <a:spLocks/>
+          </p:cNvSpPr>
+          <p:nvPr/>
+        </p:nvSpPr>
+        <p:spPr>
+          <a:xfrm>
+            <a:off x="4622348" y="4703683"/>
+            <a:ext cx="712306" cy="169627"/>
+          </a:xfrm>
+          <a:prstGeom prst="rect">
+            <a:avLst/>
+          </a:prstGeom>
+          <a:solidFill>
+            <a:schemeClr val="accent6">
+              <a:lumMod val="20000"/>
+              <a:lumOff val="80000"/>
+            </a:schemeClr>
+          </a:solidFill>
+          <a:ln w="38100">
+            <a:solidFill>
+              <a:schemeClr val="tx1"/>
+            </a:solidFill>
+          </a:ln>
+        </p:spPr>
+        <p:style>
+          <a:lnRef idx="2">
+            <a:schemeClr val="accent1">
+              <a:shade val="50000"/>
+            </a:schemeClr>
+          </a:lnRef>
+          <a:fillRef idx="1">
+            <a:schemeClr val="accent1"/>
+          </a:fillRef>
+          <a:effectRef idx="0">
+            <a:schemeClr val="accent1"/>
+          </a:effectRef>
+          <a:fontRef idx="minor">
+            <a:schemeClr val="lt1"/>
+          </a:fontRef>
+        </p:style>
+        <p:txBody>
+          <a:bodyPr rtlCol="0" anchor="ctr"/>
+          <a:lstStyle/>
+          <a:p>
+            <a:pPr algn="ctr"/>
+            <a:r>
+              <a:rPr lang="en-US" sz="800" dirty="0" smtClean="0">
+                <a:solidFill>
+                  <a:schemeClr val="tx1"/>
+                </a:solidFill>
+              </a:rPr>
+              <a:t>Set Sail</a:t>
+            </a:r>
+            <a:endParaRPr lang="en-US" sz="800" dirty="0">
+              <a:solidFill>
+                <a:schemeClr val="tx1"/>
+              </a:solidFill>
+            </a:endParaRPr>
+          </a:p>
+        </p:txBody>
+      </p:sp>
+      <p:sp>
+        <p:nvSpPr>
+          <p:cNvPr id="66" name="TextBox 65"/>
+          <p:cNvSpPr txBox="1"/>
+          <p:nvPr/>
+        </p:nvSpPr>
+        <p:spPr>
+          <a:xfrm>
+            <a:off x="3865638" y="4893138"/>
+            <a:ext cx="712306" cy="369332"/>
+          </a:xfrm>
+          <a:prstGeom prst="rect">
+            <a:avLst/>
+          </a:prstGeom>
+          <a:noFill/>
+        </p:spPr>
+        <p:txBody>
+          <a:bodyPr wrap="square" rtlCol="0">
+            <a:spAutoFit/>
+          </a:bodyPr>
+          <a:lstStyle/>
+          <a:p>
+            <a:r>
+              <a:rPr lang="en-US" sz="600" dirty="0" smtClean="0">
+                <a:latin typeface="Bell MT" panose="02020503060305020303" pitchFamily="18" charset="0"/>
+              </a:rPr>
+              <a:t>Send your crew to collect fuel and supplies.</a:t>
+            </a:r>
+          </a:p>
+        </p:txBody>
+      </p:sp>
+      <p:sp>
+        <p:nvSpPr>
+          <p:cNvPr id="67" name="TextBox 66"/>
+          <p:cNvSpPr txBox="1"/>
+          <p:nvPr/>
+        </p:nvSpPr>
+        <p:spPr>
+          <a:xfrm>
+            <a:off x="4622348" y="4893138"/>
+            <a:ext cx="712306" cy="276999"/>
+          </a:xfrm>
+          <a:prstGeom prst="rect">
+            <a:avLst/>
+          </a:prstGeom>
+          <a:noFill/>
+        </p:spPr>
+        <p:txBody>
+          <a:bodyPr wrap="square" rtlCol="0">
+            <a:spAutoFit/>
+          </a:bodyPr>
+          <a:lstStyle/>
+          <a:p>
+            <a:r>
+              <a:rPr lang="en-US" sz="600" dirty="0" smtClean="0">
+                <a:latin typeface="Bell MT" panose="02020503060305020303" pitchFamily="18" charset="0"/>
+              </a:rPr>
+              <a:t>Seems safe why leave now?</a:t>
+            </a:r>
+          </a:p>
+        </p:txBody>
+      </p:sp>
+      <p:sp>
+        <p:nvSpPr>
+          <p:cNvPr id="68" name="TextBox 67"/>
+          <p:cNvSpPr txBox="1"/>
+          <p:nvPr/>
+        </p:nvSpPr>
+        <p:spPr>
+          <a:xfrm>
+            <a:off x="3723324" y="5812033"/>
+            <a:ext cx="375563" cy="246221"/>
+          </a:xfrm>
+          <a:prstGeom prst="rect">
+            <a:avLst/>
+          </a:prstGeom>
+          <a:noFill/>
+        </p:spPr>
+        <p:txBody>
+          <a:bodyPr wrap="square" rtlCol="0">
+            <a:spAutoFit/>
+          </a:bodyPr>
+          <a:lstStyle/>
+          <a:p>
+            <a:pPr algn="ctr"/>
+            <a:r>
+              <a:rPr lang="en-US" sz="1000" dirty="0" smtClean="0">
+                <a:solidFill>
+                  <a:srgbClr val="FF0000"/>
+                </a:solidFill>
+                <a:latin typeface="Bell MT" panose="02020503060305020303" pitchFamily="18" charset="0"/>
+              </a:rPr>
+              <a:t>-1</a:t>
+            </a:r>
+          </a:p>
+        </p:txBody>
+      </p:sp>
+      <p:sp>
+        <p:nvSpPr>
+          <p:cNvPr id="69" name="Rectangle 68"/>
+          <p:cNvSpPr>
+            <a:spLocks/>
+          </p:cNvSpPr>
+          <p:nvPr/>
+        </p:nvSpPr>
+        <p:spPr>
+          <a:xfrm>
+            <a:off x="2884629" y="5582048"/>
+            <a:ext cx="712306" cy="169627"/>
+          </a:xfrm>
+          <a:prstGeom prst="rect">
+            <a:avLst/>
+          </a:prstGeom>
+          <a:solidFill>
+            <a:srgbClr val="00B050"/>
+          </a:solidFill>
+          <a:ln w="38100">
+            <a:solidFill>
+              <a:schemeClr val="tx1"/>
+            </a:solidFill>
+          </a:ln>
+        </p:spPr>
+        <p:style>
+          <a:lnRef idx="2">
+            <a:schemeClr val="accent1">
+              <a:shade val="50000"/>
+            </a:schemeClr>
+          </a:lnRef>
+          <a:fillRef idx="1">
+            <a:schemeClr val="accent1"/>
+          </a:fillRef>
+          <a:effectRef idx="0">
+            <a:schemeClr val="accent1"/>
+          </a:effectRef>
+          <a:fontRef idx="minor">
+            <a:schemeClr val="lt1"/>
+          </a:fontRef>
+        </p:style>
+        <p:txBody>
+          <a:bodyPr rtlCol="0" anchor="ctr"/>
+          <a:lstStyle/>
+          <a:p>
+            <a:pPr algn="ctr"/>
+            <a:r>
+              <a:rPr lang="en-US" sz="1200" dirty="0" smtClean="0">
+                <a:solidFill>
+                  <a:schemeClr val="tx1"/>
+                </a:solidFill>
+              </a:rPr>
+              <a:t>Success</a:t>
+            </a:r>
+            <a:endParaRPr lang="en-US" sz="1200" dirty="0">
+              <a:solidFill>
+                <a:schemeClr val="tx1"/>
+              </a:solidFill>
+            </a:endParaRPr>
+          </a:p>
+        </p:txBody>
+      </p:sp>
+      <p:sp>
+        <p:nvSpPr>
+          <p:cNvPr id="70" name="Rectangle 69"/>
+          <p:cNvSpPr>
+            <a:spLocks/>
+          </p:cNvSpPr>
+          <p:nvPr/>
+        </p:nvSpPr>
+        <p:spPr>
+          <a:xfrm>
+            <a:off x="4811959" y="5582048"/>
+            <a:ext cx="712306" cy="169627"/>
+          </a:xfrm>
+          <a:prstGeom prst="rect">
+            <a:avLst/>
+          </a:prstGeom>
+          <a:solidFill>
+            <a:srgbClr val="FF0000"/>
+          </a:solidFill>
+          <a:ln w="38100">
+            <a:solidFill>
+              <a:schemeClr val="tx1"/>
+            </a:solidFill>
+          </a:ln>
+        </p:spPr>
+        <p:style>
+          <a:lnRef idx="2">
+            <a:schemeClr val="accent1">
+              <a:shade val="50000"/>
+            </a:schemeClr>
+          </a:lnRef>
+          <a:fillRef idx="1">
+            <a:schemeClr val="accent1"/>
+          </a:fillRef>
+          <a:effectRef idx="0">
+            <a:schemeClr val="accent1"/>
+          </a:effectRef>
+          <a:fontRef idx="minor">
+            <a:schemeClr val="lt1"/>
+          </a:fontRef>
+        </p:style>
+        <p:txBody>
+          <a:bodyPr rtlCol="0" anchor="ctr"/>
+          <a:lstStyle/>
+          <a:p>
+            <a:pPr algn="ctr"/>
+            <a:r>
+              <a:rPr lang="en-US" sz="1200" dirty="0" smtClean="0">
+                <a:solidFill>
+                  <a:schemeClr val="tx1"/>
+                </a:solidFill>
+              </a:rPr>
+              <a:t>Fail</a:t>
+            </a:r>
+            <a:endParaRPr lang="en-US" sz="1200" dirty="0">
+              <a:solidFill>
+                <a:schemeClr val="tx1"/>
+              </a:solidFill>
+            </a:endParaRPr>
+          </a:p>
+        </p:txBody>
+      </p:sp>
+      <p:grpSp>
+        <p:nvGrpSpPr>
+          <p:cNvPr id="71" name="Group 70"/>
+          <p:cNvGrpSpPr/>
+          <p:nvPr/>
+        </p:nvGrpSpPr>
+        <p:grpSpPr>
+          <a:xfrm>
+            <a:off x="4461248" y="4840191"/>
+            <a:ext cx="211402" cy="225880"/>
+            <a:chOff x="2519086" y="4255462"/>
+            <a:chExt cx="309033" cy="330200"/>
+          </a:xfrm>
+        </p:grpSpPr>
+        <p:sp>
+          <p:nvSpPr>
+            <p:cNvPr id="72" name="Freeform 71"/>
+            <p:cNvSpPr/>
+            <p:nvPr/>
+          </p:nvSpPr>
+          <p:spPr>
+            <a:xfrm>
+              <a:off x="2519086" y="4255462"/>
+              <a:ext cx="309033" cy="330200"/>
+            </a:xfrm>
+            <a:custGeom>
+              <a:avLst/>
+              <a:gdLst>
+                <a:gd name="connsiteX0" fmla="*/ 0 w 309033"/>
+                <a:gd name="connsiteY0" fmla="*/ 0 h 330200"/>
+                <a:gd name="connsiteX1" fmla="*/ 63500 w 309033"/>
+                <a:gd name="connsiteY1" fmla="*/ 330200 h 330200"/>
+                <a:gd name="connsiteX2" fmla="*/ 173567 w 309033"/>
+                <a:gd name="connsiteY2" fmla="*/ 182033 h 330200"/>
+                <a:gd name="connsiteX3" fmla="*/ 309033 w 309033"/>
+                <a:gd name="connsiteY3" fmla="*/ 165100 h 330200"/>
+                <a:gd name="connsiteX4" fmla="*/ 0 w 309033"/>
+                <a:gd name="connsiteY4" fmla="*/ 0 h 330200"/>
+              </a:gdLst>
+              <a:ahLst/>
+              <a:cxnLst>
+                <a:cxn ang="0">
+                  <a:pos x="connsiteX0" y="connsiteY0"/>
+                </a:cxn>
+                <a:cxn ang="0">
+                  <a:pos x="connsiteX1" y="connsiteY1"/>
+                </a:cxn>
+                <a:cxn ang="0">
+                  <a:pos x="connsiteX2" y="connsiteY2"/>
+                </a:cxn>
+                <a:cxn ang="0">
+                  <a:pos x="connsiteX3" y="connsiteY3"/>
+                </a:cxn>
+                <a:cxn ang="0">
+                  <a:pos x="connsiteX4" y="connsiteY4"/>
+                </a:cxn>
+              </a:cxnLst>
+              <a:rect l="l" t="t" r="r" b="b"/>
+              <a:pathLst>
+                <a:path w="309033" h="330200">
+                  <a:moveTo>
+                    <a:pt x="0" y="0"/>
+                  </a:moveTo>
+                  <a:lnTo>
+                    <a:pt x="63500" y="330200"/>
+                  </a:lnTo>
+                  <a:lnTo>
+                    <a:pt x="173567" y="182033"/>
+                  </a:lnTo>
+                  <a:lnTo>
+                    <a:pt x="309033" y="165100"/>
+                  </a:lnTo>
+                  <a:lnTo>
+                    <a:pt x="0" y="0"/>
+                  </a:lnTo>
+                  <a:close/>
+                </a:path>
+              </a:pathLst>
+            </a:custGeom>
+            <a:ln w="28575">
+              <a:solidFill>
+                <a:schemeClr val="tx1"/>
+              </a:solidFill>
+            </a:ln>
+          </p:spPr>
+          <p:style>
+            <a:lnRef idx="2">
+              <a:schemeClr val="accent1">
+                <a:shade val="50000"/>
+              </a:schemeClr>
+            </a:lnRef>
+            <a:fillRef idx="1">
+              <a:schemeClr val="accent1"/>
+            </a:fillRef>
+            <a:effectRef idx="0">
+              <a:schemeClr val="accent1"/>
+            </a:effectRef>
+            <a:fontRef idx="minor">
+              <a:schemeClr val="lt1"/>
+            </a:fontRef>
+          </p:style>
+          <p:txBody>
+            <a:bodyPr rtlCol="0" anchor="ctr"/>
+            <a:lstStyle/>
+            <a:p>
+              <a:pPr algn="ctr"/>
+              <a:endParaRPr lang="en-US"/>
+            </a:p>
+          </p:txBody>
+        </p:sp>
+        <p:cxnSp>
+          <p:nvCxnSpPr>
+            <p:cNvPr id="73" name="Straight Connector 72"/>
+            <p:cNvCxnSpPr>
+              <a:stCxn id="72" idx="0"/>
+              <a:endCxn id="72" idx="2"/>
+            </p:cNvCxnSpPr>
+            <p:nvPr/>
+          </p:nvCxnSpPr>
+          <p:spPr>
+            <a:xfrm>
+              <a:off x="2519086" y="4255462"/>
+              <a:ext cx="173567" cy="182033"/>
+            </a:xfrm>
+            <a:prstGeom prst="line">
+              <a:avLst/>
+            </a:prstGeom>
+            <a:ln w="28575"/>
+          </p:spPr>
+          <p:style>
+            <a:lnRef idx="1">
+              <a:schemeClr val="dk1"/>
+            </a:lnRef>
+            <a:fillRef idx="0">
+              <a:schemeClr val="dk1"/>
+            </a:fillRef>
+            <a:effectRef idx="0">
+              <a:schemeClr val="dk1"/>
+            </a:effectRef>
+            <a:fontRef idx="minor">
+              <a:schemeClr val="tx1"/>
+            </a:fontRef>
+          </p:style>
+        </p:cxnSp>
+      </p:grpSp>
+      <p:sp>
+        <p:nvSpPr>
+          <p:cNvPr id="74" name="TextBox 73"/>
+          <p:cNvSpPr txBox="1"/>
+          <p:nvPr/>
+        </p:nvSpPr>
+        <p:spPr>
+          <a:xfrm>
+            <a:off x="2822637" y="5812033"/>
+            <a:ext cx="375563" cy="246221"/>
+          </a:xfrm>
+          <a:prstGeom prst="rect">
+            <a:avLst/>
+          </a:prstGeom>
+          <a:noFill/>
+        </p:spPr>
+        <p:txBody>
+          <a:bodyPr wrap="square" rtlCol="0">
+            <a:spAutoFit/>
+          </a:bodyPr>
+          <a:lstStyle/>
+          <a:p>
+            <a:pPr algn="ctr"/>
+            <a:r>
+              <a:rPr lang="en-US" sz="1000" dirty="0" smtClean="0">
+                <a:solidFill>
+                  <a:srgbClr val="00B050"/>
+                </a:solidFill>
+                <a:latin typeface="Bell MT" panose="02020503060305020303" pitchFamily="18" charset="0"/>
+              </a:rPr>
+              <a:t>+x</a:t>
+            </a:r>
+          </a:p>
+        </p:txBody>
+      </p:sp>
+      <p:pic>
+        <p:nvPicPr>
+          <p:cNvPr id="77" name="Picture 76"/>
+          <p:cNvPicPr>
+            <a:picLocks noChangeAspect="1"/>
+          </p:cNvPicPr>
+          <p:nvPr/>
+        </p:nvPicPr>
+        <p:blipFill>
+          <a:blip r:embed="rId3"/>
+          <a:stretch>
+            <a:fillRect/>
+          </a:stretch>
+        </p:blipFill>
+        <p:spPr>
+          <a:xfrm>
+            <a:off x="3990736" y="5806928"/>
+            <a:ext cx="256430" cy="256430"/>
+          </a:xfrm>
+          <a:prstGeom prst="rect">
+            <a:avLst/>
+          </a:prstGeom>
+        </p:spPr>
+      </p:pic>
+      <p:pic>
+        <p:nvPicPr>
+          <p:cNvPr id="78" name="Picture 77"/>
+          <p:cNvPicPr>
+            <a:picLocks noChangeAspect="1"/>
+          </p:cNvPicPr>
+          <p:nvPr/>
+        </p:nvPicPr>
+        <p:blipFill>
+          <a:blip r:embed="rId4"/>
+          <a:stretch>
+            <a:fillRect/>
+          </a:stretch>
+        </p:blipFill>
+        <p:spPr>
+          <a:xfrm>
+            <a:off x="3107762" y="5806928"/>
+            <a:ext cx="256430" cy="256430"/>
+          </a:xfrm>
+          <a:prstGeom prst="rect">
+            <a:avLst/>
+          </a:prstGeom>
+        </p:spPr>
+      </p:pic>
+      <p:pic>
+        <p:nvPicPr>
+          <p:cNvPr id="79" name="Picture 78"/>
+          <p:cNvPicPr>
+            <a:picLocks noChangeAspect="1"/>
+          </p:cNvPicPr>
+          <p:nvPr/>
+        </p:nvPicPr>
+        <p:blipFill>
+          <a:blip r:embed="rId5"/>
+          <a:stretch>
+            <a:fillRect/>
+          </a:stretch>
+        </p:blipFill>
+        <p:spPr>
+          <a:xfrm>
+            <a:off x="3563318" y="5806928"/>
+            <a:ext cx="256430" cy="256430"/>
+          </a:xfrm>
+          <a:prstGeom prst="rect">
+            <a:avLst/>
+          </a:prstGeom>
+        </p:spPr>
+      </p:pic>
+      <p:sp>
+        <p:nvSpPr>
+          <p:cNvPr id="80" name="TextBox 79"/>
+          <p:cNvSpPr txBox="1"/>
+          <p:nvPr/>
+        </p:nvSpPr>
+        <p:spPr>
+          <a:xfrm>
+            <a:off x="3268365" y="5812033"/>
+            <a:ext cx="375563" cy="246221"/>
+          </a:xfrm>
+          <a:prstGeom prst="rect">
+            <a:avLst/>
+          </a:prstGeom>
+          <a:noFill/>
+        </p:spPr>
+        <p:txBody>
+          <a:bodyPr wrap="square" rtlCol="0">
+            <a:spAutoFit/>
+          </a:bodyPr>
+          <a:lstStyle/>
+          <a:p>
+            <a:pPr algn="ctr"/>
+            <a:r>
+              <a:rPr lang="en-US" sz="1000" dirty="0" smtClean="0">
+                <a:solidFill>
+                  <a:srgbClr val="00B050"/>
+                </a:solidFill>
+                <a:latin typeface="Bell MT" panose="02020503060305020303" pitchFamily="18" charset="0"/>
+              </a:rPr>
+              <a:t>+y</a:t>
+            </a:r>
+          </a:p>
+        </p:txBody>
+      </p:sp>
+      <p:sp>
+        <p:nvSpPr>
+          <p:cNvPr id="9" name="Rectangle 8"/>
+          <p:cNvSpPr>
+            <a:spLocks/>
+          </p:cNvSpPr>
+          <p:nvPr/>
+        </p:nvSpPr>
+        <p:spPr>
+          <a:xfrm>
+            <a:off x="53808" y="56357"/>
+            <a:ext cx="2661418" cy="2754800"/>
+          </a:xfrm>
+          <a:prstGeom prst="rect">
+            <a:avLst/>
+          </a:prstGeom>
+          <a:solidFill>
+            <a:schemeClr val="accent4">
+              <a:lumMod val="20000"/>
+              <a:lumOff val="80000"/>
+            </a:schemeClr>
+          </a:solidFill>
+          <a:ln w="38100">
+            <a:solidFill>
+              <a:schemeClr val="tx1"/>
+            </a:solidFill>
+          </a:ln>
+        </p:spPr>
+        <p:style>
+          <a:lnRef idx="2">
+            <a:schemeClr val="accent1">
+              <a:shade val="50000"/>
+            </a:schemeClr>
+          </a:lnRef>
+          <a:fillRef idx="1">
+            <a:schemeClr val="accent1"/>
+          </a:fillRef>
+          <a:effectRef idx="0">
+            <a:schemeClr val="accent1"/>
+          </a:effectRef>
+          <a:fontRef idx="minor">
+            <a:schemeClr val="lt1"/>
+          </a:fontRef>
+        </p:style>
+        <p:txBody>
+          <a:bodyPr rtlCol="0" anchor="ctr"/>
+          <a:lstStyle/>
+          <a:p>
+            <a:pPr algn="ctr"/>
+            <a:endParaRPr lang="en-US"/>
+          </a:p>
+        </p:txBody>
+      </p:sp>
+      <p:sp>
+        <p:nvSpPr>
+          <p:cNvPr id="10" name="TextBox 9"/>
+          <p:cNvSpPr txBox="1"/>
+          <p:nvPr/>
+        </p:nvSpPr>
+        <p:spPr>
+          <a:xfrm>
+            <a:off x="170753" y="166602"/>
+            <a:ext cx="2403750" cy="615553"/>
+          </a:xfrm>
+          <a:prstGeom prst="rect">
+            <a:avLst/>
+          </a:prstGeom>
+          <a:noFill/>
+        </p:spPr>
+        <p:txBody>
+          <a:bodyPr wrap="square" rtlCol="0">
+            <a:spAutoFit/>
+          </a:bodyPr>
+          <a:lstStyle/>
+          <a:p>
+            <a:r>
+              <a:rPr lang="en-US" sz="1000" b="1" dirty="0" smtClean="0">
+                <a:latin typeface="Bell MT" panose="02020503060305020303" pitchFamily="18" charset="0"/>
+              </a:rPr>
+              <a:t>Abandoned Shelter</a:t>
+            </a:r>
+          </a:p>
+          <a:p>
+            <a:endParaRPr lang="en-US" sz="800" dirty="0" smtClean="0">
+              <a:latin typeface="Bell MT" panose="02020503060305020303" pitchFamily="18" charset="0"/>
+            </a:endParaRPr>
+          </a:p>
+          <a:p>
+            <a:r>
+              <a:rPr lang="en-US" sz="800" dirty="0" smtClean="0">
+                <a:latin typeface="Bell MT" panose="02020503060305020303" pitchFamily="18" charset="0"/>
+              </a:rPr>
+              <a:t>You and your crew stubble across on what appears to be like an abandoned shelter.</a:t>
+            </a:r>
+            <a:endParaRPr lang="en-US" sz="800" dirty="0">
+              <a:latin typeface="Bell MT" panose="02020503060305020303" pitchFamily="18" charset="0"/>
+            </a:endParaRPr>
+          </a:p>
+        </p:txBody>
+      </p:sp>
+      <p:sp>
+        <p:nvSpPr>
+          <p:cNvPr id="11" name="TextBox 10"/>
+          <p:cNvSpPr txBox="1"/>
+          <p:nvPr/>
+        </p:nvSpPr>
+        <p:spPr>
+          <a:xfrm>
+            <a:off x="265783" y="1613236"/>
+            <a:ext cx="712306" cy="461665"/>
+          </a:xfrm>
+          <a:prstGeom prst="rect">
+            <a:avLst/>
+          </a:prstGeom>
+          <a:noFill/>
+        </p:spPr>
+        <p:txBody>
+          <a:bodyPr wrap="square" rtlCol="0">
+            <a:spAutoFit/>
+          </a:bodyPr>
+          <a:lstStyle/>
+          <a:p>
+            <a:r>
+              <a:rPr lang="en-US" sz="600" dirty="0" smtClean="0">
+                <a:latin typeface="Bell MT" panose="02020503060305020303" pitchFamily="18" charset="0"/>
+              </a:rPr>
+              <a:t>Send one soul to inspect and get a solid report of the area.</a:t>
+            </a:r>
+          </a:p>
+        </p:txBody>
+      </p:sp>
+      <p:sp>
+        <p:nvSpPr>
+          <p:cNvPr id="12" name="Rectangle 11"/>
+          <p:cNvSpPr>
+            <a:spLocks/>
+          </p:cNvSpPr>
+          <p:nvPr/>
+        </p:nvSpPr>
+        <p:spPr>
+          <a:xfrm>
+            <a:off x="265783" y="769191"/>
+            <a:ext cx="2248533" cy="591891"/>
+          </a:xfrm>
+          <a:prstGeom prst="rect">
+            <a:avLst/>
+          </a:prstGeom>
+          <a:solidFill>
+            <a:schemeClr val="accent1">
+              <a:lumMod val="20000"/>
+              <a:lumOff val="80000"/>
+            </a:schemeClr>
+          </a:solidFill>
+          <a:ln w="38100">
+            <a:solidFill>
+              <a:schemeClr val="tx1"/>
+            </a:solidFill>
+          </a:ln>
+        </p:spPr>
+        <p:style>
+          <a:lnRef idx="2">
+            <a:schemeClr val="accent1">
+              <a:shade val="50000"/>
+            </a:schemeClr>
+          </a:lnRef>
+          <a:fillRef idx="1">
+            <a:schemeClr val="accent1"/>
+          </a:fillRef>
+          <a:effectRef idx="0">
+            <a:schemeClr val="accent1"/>
+          </a:effectRef>
+          <a:fontRef idx="minor">
+            <a:schemeClr val="lt1"/>
+          </a:fontRef>
+        </p:style>
+        <p:txBody>
+          <a:bodyPr rtlCol="0" anchor="ctr"/>
+          <a:lstStyle/>
+          <a:p>
+            <a:pPr algn="ctr"/>
+            <a:endParaRPr lang="en-US"/>
+          </a:p>
+        </p:txBody>
+      </p:sp>
+      <p:sp>
+        <p:nvSpPr>
+          <p:cNvPr id="13" name="Rectangle 12"/>
+          <p:cNvSpPr>
+            <a:spLocks/>
+          </p:cNvSpPr>
+          <p:nvPr/>
+        </p:nvSpPr>
+        <p:spPr>
+          <a:xfrm>
+            <a:off x="265783" y="1421544"/>
+            <a:ext cx="712306" cy="169627"/>
+          </a:xfrm>
+          <a:prstGeom prst="rect">
+            <a:avLst/>
+          </a:prstGeom>
+          <a:solidFill>
+            <a:schemeClr val="accent6">
+              <a:lumMod val="20000"/>
+              <a:lumOff val="80000"/>
+            </a:schemeClr>
+          </a:solidFill>
+          <a:ln w="38100">
+            <a:solidFill>
+              <a:schemeClr val="tx1"/>
+            </a:solidFill>
+          </a:ln>
+        </p:spPr>
+        <p:style>
+          <a:lnRef idx="2">
+            <a:schemeClr val="accent1">
+              <a:shade val="50000"/>
+            </a:schemeClr>
+          </a:lnRef>
+          <a:fillRef idx="1">
+            <a:schemeClr val="accent1"/>
+          </a:fillRef>
+          <a:effectRef idx="0">
+            <a:schemeClr val="accent1"/>
+          </a:effectRef>
+          <a:fontRef idx="minor">
+            <a:schemeClr val="lt1"/>
+          </a:fontRef>
+        </p:style>
+        <p:txBody>
+          <a:bodyPr rtlCol="0" anchor="ctr"/>
+          <a:lstStyle/>
+          <a:p>
+            <a:pPr algn="ctr"/>
+            <a:r>
+              <a:rPr lang="en-US" sz="800" dirty="0" smtClean="0">
+                <a:solidFill>
+                  <a:schemeClr val="tx1"/>
+                </a:solidFill>
+              </a:rPr>
+              <a:t>Inspect</a:t>
+            </a:r>
+            <a:endParaRPr lang="en-US" sz="800" dirty="0">
+              <a:solidFill>
+                <a:schemeClr val="tx1"/>
+              </a:solidFill>
+            </a:endParaRPr>
+          </a:p>
+        </p:txBody>
+      </p:sp>
+      <p:pic>
+        <p:nvPicPr>
+          <p:cNvPr id="20" name="Picture 19"/>
+          <p:cNvPicPr>
+            <a:picLocks noChangeAspect="1"/>
+          </p:cNvPicPr>
+          <p:nvPr/>
+        </p:nvPicPr>
+        <p:blipFill>
+          <a:blip r:embed="rId2"/>
+          <a:stretch>
+            <a:fillRect/>
+          </a:stretch>
+        </p:blipFill>
+        <p:spPr>
+          <a:xfrm>
+            <a:off x="1233742" y="914361"/>
+            <a:ext cx="301549" cy="301550"/>
+          </a:xfrm>
+          <a:prstGeom prst="rect">
+            <a:avLst/>
+          </a:prstGeom>
+        </p:spPr>
+      </p:pic>
+      <p:sp>
+        <p:nvSpPr>
+          <p:cNvPr id="26" name="Rectangle 25"/>
+          <p:cNvSpPr>
+            <a:spLocks/>
+          </p:cNvSpPr>
+          <p:nvPr/>
+        </p:nvSpPr>
+        <p:spPr>
+          <a:xfrm>
+            <a:off x="1045299" y="1421544"/>
+            <a:ext cx="712306" cy="169627"/>
+          </a:xfrm>
+          <a:prstGeom prst="rect">
+            <a:avLst/>
+          </a:prstGeom>
+          <a:solidFill>
+            <a:schemeClr val="accent6">
+              <a:lumMod val="20000"/>
+              <a:lumOff val="80000"/>
+            </a:schemeClr>
+          </a:solidFill>
+          <a:ln w="38100">
+            <a:solidFill>
+              <a:schemeClr val="tx1"/>
+            </a:solidFill>
+          </a:ln>
+        </p:spPr>
+        <p:style>
+          <a:lnRef idx="2">
+            <a:schemeClr val="accent1">
+              <a:shade val="50000"/>
+            </a:schemeClr>
+          </a:lnRef>
+          <a:fillRef idx="1">
+            <a:schemeClr val="accent1"/>
+          </a:fillRef>
+          <a:effectRef idx="0">
+            <a:schemeClr val="accent1"/>
+          </a:effectRef>
+          <a:fontRef idx="minor">
+            <a:schemeClr val="lt1"/>
+          </a:fontRef>
+        </p:style>
+        <p:txBody>
+          <a:bodyPr rtlCol="0" anchor="ctr"/>
+          <a:lstStyle/>
+          <a:p>
+            <a:pPr algn="ctr"/>
+            <a:r>
+              <a:rPr lang="en-US" sz="800" dirty="0" smtClean="0">
+                <a:solidFill>
+                  <a:schemeClr val="tx1"/>
+                </a:solidFill>
+              </a:rPr>
+              <a:t>Search</a:t>
+            </a:r>
+            <a:endParaRPr lang="en-US" sz="800" dirty="0">
+              <a:solidFill>
+                <a:schemeClr val="tx1"/>
+              </a:solidFill>
+            </a:endParaRPr>
+          </a:p>
+        </p:txBody>
+      </p:sp>
+      <p:sp>
+        <p:nvSpPr>
+          <p:cNvPr id="27" name="Rectangle 26"/>
+          <p:cNvSpPr>
+            <a:spLocks/>
+          </p:cNvSpPr>
+          <p:nvPr/>
+        </p:nvSpPr>
+        <p:spPr>
+          <a:xfrm>
+            <a:off x="1802010" y="1421544"/>
+            <a:ext cx="712306" cy="169627"/>
+          </a:xfrm>
+          <a:prstGeom prst="rect">
+            <a:avLst/>
+          </a:prstGeom>
+          <a:solidFill>
+            <a:schemeClr val="accent6">
+              <a:lumMod val="20000"/>
+              <a:lumOff val="80000"/>
+            </a:schemeClr>
+          </a:solidFill>
+          <a:ln w="38100">
+            <a:solidFill>
+              <a:schemeClr val="tx1"/>
+            </a:solidFill>
+          </a:ln>
+        </p:spPr>
+        <p:style>
+          <a:lnRef idx="2">
+            <a:schemeClr val="accent1">
+              <a:shade val="50000"/>
+            </a:schemeClr>
+          </a:lnRef>
+          <a:fillRef idx="1">
+            <a:schemeClr val="accent1"/>
+          </a:fillRef>
+          <a:effectRef idx="0">
+            <a:schemeClr val="accent1"/>
+          </a:effectRef>
+          <a:fontRef idx="minor">
+            <a:schemeClr val="lt1"/>
+          </a:fontRef>
+        </p:style>
+        <p:txBody>
+          <a:bodyPr rtlCol="0" anchor="ctr"/>
+          <a:lstStyle/>
+          <a:p>
+            <a:pPr algn="ctr"/>
+            <a:r>
+              <a:rPr lang="en-US" sz="800" dirty="0" smtClean="0">
+                <a:solidFill>
+                  <a:schemeClr val="tx1"/>
+                </a:solidFill>
+              </a:rPr>
+              <a:t>Leave</a:t>
+            </a:r>
+            <a:endParaRPr lang="en-US" sz="800" dirty="0">
+              <a:solidFill>
+                <a:schemeClr val="tx1"/>
+              </a:solidFill>
+            </a:endParaRPr>
+          </a:p>
+        </p:txBody>
+      </p:sp>
+      <p:sp>
+        <p:nvSpPr>
+          <p:cNvPr id="28" name="TextBox 27"/>
+          <p:cNvSpPr txBox="1"/>
+          <p:nvPr/>
+        </p:nvSpPr>
+        <p:spPr>
+          <a:xfrm>
+            <a:off x="1045299" y="1610999"/>
+            <a:ext cx="712306" cy="461665"/>
+          </a:xfrm>
+          <a:prstGeom prst="rect">
+            <a:avLst/>
+          </a:prstGeom>
+          <a:noFill/>
+        </p:spPr>
+        <p:txBody>
+          <a:bodyPr wrap="square" rtlCol="0">
+            <a:spAutoFit/>
+          </a:bodyPr>
+          <a:lstStyle/>
+          <a:p>
+            <a:r>
+              <a:rPr lang="en-US" sz="600" dirty="0" smtClean="0">
+                <a:latin typeface="Bell MT" panose="02020503060305020303" pitchFamily="18" charset="0"/>
+              </a:rPr>
+              <a:t>Send your crew to scavenge for fuel and supplies.</a:t>
+            </a:r>
+          </a:p>
+        </p:txBody>
+      </p:sp>
+      <p:sp>
+        <p:nvSpPr>
+          <p:cNvPr id="29" name="TextBox 28"/>
+          <p:cNvSpPr txBox="1"/>
+          <p:nvPr/>
+        </p:nvSpPr>
+        <p:spPr>
+          <a:xfrm>
+            <a:off x="1802010" y="1610999"/>
+            <a:ext cx="712306" cy="369332"/>
+          </a:xfrm>
+          <a:prstGeom prst="rect">
+            <a:avLst/>
+          </a:prstGeom>
+          <a:noFill/>
+        </p:spPr>
+        <p:txBody>
+          <a:bodyPr wrap="square" rtlCol="0">
+            <a:spAutoFit/>
+          </a:bodyPr>
+          <a:lstStyle/>
+          <a:p>
+            <a:r>
+              <a:rPr lang="en-US" sz="600" dirty="0" smtClean="0">
+                <a:latin typeface="Bell MT" panose="02020503060305020303" pitchFamily="18" charset="0"/>
+              </a:rPr>
+              <a:t>It is to risky let try another time when its safe.</a:t>
+            </a:r>
+          </a:p>
+        </p:txBody>
+      </p:sp>
+      <p:sp>
+        <p:nvSpPr>
+          <p:cNvPr id="51" name="TextBox 50"/>
+          <p:cNvSpPr txBox="1"/>
+          <p:nvPr/>
+        </p:nvSpPr>
+        <p:spPr>
+          <a:xfrm>
+            <a:off x="1763542" y="2531281"/>
+            <a:ext cx="375563" cy="246221"/>
+          </a:xfrm>
+          <a:prstGeom prst="rect">
+            <a:avLst/>
+          </a:prstGeom>
+          <a:noFill/>
+        </p:spPr>
+        <p:txBody>
+          <a:bodyPr wrap="square" rtlCol="0">
+            <a:spAutoFit/>
+          </a:bodyPr>
+          <a:lstStyle/>
+          <a:p>
+            <a:pPr algn="ctr"/>
+            <a:r>
+              <a:rPr lang="en-US" sz="1000" dirty="0" smtClean="0">
+                <a:solidFill>
+                  <a:srgbClr val="FF0000"/>
+                </a:solidFill>
+                <a:latin typeface="Bell MT" panose="02020503060305020303" pitchFamily="18" charset="0"/>
+              </a:rPr>
+              <a:t>-1</a:t>
+            </a:r>
+          </a:p>
+        </p:txBody>
+      </p:sp>
+      <p:sp>
+        <p:nvSpPr>
+          <p:cNvPr id="52" name="Rectangle 51"/>
+          <p:cNvSpPr>
+            <a:spLocks/>
+          </p:cNvSpPr>
+          <p:nvPr/>
+        </p:nvSpPr>
+        <p:spPr>
+          <a:xfrm>
+            <a:off x="64291" y="2316860"/>
+            <a:ext cx="712306" cy="169627"/>
+          </a:xfrm>
+          <a:prstGeom prst="rect">
+            <a:avLst/>
+          </a:prstGeom>
+          <a:solidFill>
+            <a:srgbClr val="00B050"/>
+          </a:solidFill>
+          <a:ln w="38100">
+            <a:solidFill>
+              <a:schemeClr val="tx1"/>
+            </a:solidFill>
+          </a:ln>
+        </p:spPr>
+        <p:style>
+          <a:lnRef idx="2">
+            <a:schemeClr val="accent1">
+              <a:shade val="50000"/>
+            </a:schemeClr>
+          </a:lnRef>
+          <a:fillRef idx="1">
+            <a:schemeClr val="accent1"/>
+          </a:fillRef>
+          <a:effectRef idx="0">
+            <a:schemeClr val="accent1"/>
+          </a:effectRef>
+          <a:fontRef idx="minor">
+            <a:schemeClr val="lt1"/>
+          </a:fontRef>
+        </p:style>
+        <p:txBody>
+          <a:bodyPr rtlCol="0" anchor="ctr"/>
+          <a:lstStyle/>
+          <a:p>
+            <a:pPr algn="ctr"/>
+            <a:r>
+              <a:rPr lang="en-US" sz="1200" dirty="0" smtClean="0">
+                <a:solidFill>
+                  <a:schemeClr val="tx1"/>
+                </a:solidFill>
+              </a:rPr>
+              <a:t>Success</a:t>
+            </a:r>
+            <a:endParaRPr lang="en-US" sz="1200" dirty="0">
+              <a:solidFill>
+                <a:schemeClr val="tx1"/>
+              </a:solidFill>
+            </a:endParaRPr>
+          </a:p>
+        </p:txBody>
+      </p:sp>
+      <p:sp>
+        <p:nvSpPr>
+          <p:cNvPr id="53" name="Rectangle 52"/>
+          <p:cNvSpPr>
+            <a:spLocks/>
+          </p:cNvSpPr>
+          <p:nvPr/>
+        </p:nvSpPr>
+        <p:spPr>
+          <a:xfrm>
+            <a:off x="1991621" y="2316860"/>
+            <a:ext cx="712306" cy="169627"/>
+          </a:xfrm>
+          <a:prstGeom prst="rect">
+            <a:avLst/>
+          </a:prstGeom>
+          <a:solidFill>
+            <a:srgbClr val="FF0000"/>
+          </a:solidFill>
+          <a:ln w="38100">
+            <a:solidFill>
+              <a:schemeClr val="tx1"/>
+            </a:solidFill>
+          </a:ln>
+        </p:spPr>
+        <p:style>
+          <a:lnRef idx="2">
+            <a:schemeClr val="accent1">
+              <a:shade val="50000"/>
+            </a:schemeClr>
+          </a:lnRef>
+          <a:fillRef idx="1">
+            <a:schemeClr val="accent1"/>
+          </a:fillRef>
+          <a:effectRef idx="0">
+            <a:schemeClr val="accent1"/>
+          </a:effectRef>
+          <a:fontRef idx="minor">
+            <a:schemeClr val="lt1"/>
+          </a:fontRef>
+        </p:style>
+        <p:txBody>
+          <a:bodyPr rtlCol="0" anchor="ctr"/>
+          <a:lstStyle/>
+          <a:p>
+            <a:pPr algn="ctr"/>
+            <a:r>
+              <a:rPr lang="en-US" sz="1200" dirty="0" smtClean="0">
+                <a:solidFill>
+                  <a:schemeClr val="tx1"/>
+                </a:solidFill>
+              </a:rPr>
+              <a:t>Fail</a:t>
+            </a:r>
+            <a:endParaRPr lang="en-US" sz="1200" dirty="0">
+              <a:solidFill>
+                <a:schemeClr val="tx1"/>
+              </a:solidFill>
+            </a:endParaRPr>
+          </a:p>
+        </p:txBody>
+      </p:sp>
+      <p:grpSp>
+        <p:nvGrpSpPr>
+          <p:cNvPr id="8" name="Group 7"/>
+          <p:cNvGrpSpPr/>
+          <p:nvPr/>
+        </p:nvGrpSpPr>
+        <p:grpSpPr>
+          <a:xfrm>
+            <a:off x="852477" y="1538694"/>
+            <a:ext cx="211402" cy="225880"/>
+            <a:chOff x="2519086" y="4255462"/>
+            <a:chExt cx="309033" cy="330200"/>
+          </a:xfrm>
+        </p:grpSpPr>
+        <p:sp>
+          <p:nvSpPr>
+            <p:cNvPr id="4" name="Freeform 3"/>
+            <p:cNvSpPr/>
+            <p:nvPr/>
+          </p:nvSpPr>
+          <p:spPr>
+            <a:xfrm>
+              <a:off x="2519086" y="4255462"/>
+              <a:ext cx="309033" cy="330200"/>
+            </a:xfrm>
+            <a:custGeom>
+              <a:avLst/>
+              <a:gdLst>
+                <a:gd name="connsiteX0" fmla="*/ 0 w 309033"/>
+                <a:gd name="connsiteY0" fmla="*/ 0 h 330200"/>
+                <a:gd name="connsiteX1" fmla="*/ 63500 w 309033"/>
+                <a:gd name="connsiteY1" fmla="*/ 330200 h 330200"/>
+                <a:gd name="connsiteX2" fmla="*/ 173567 w 309033"/>
+                <a:gd name="connsiteY2" fmla="*/ 182033 h 330200"/>
+                <a:gd name="connsiteX3" fmla="*/ 309033 w 309033"/>
+                <a:gd name="connsiteY3" fmla="*/ 165100 h 330200"/>
+                <a:gd name="connsiteX4" fmla="*/ 0 w 309033"/>
+                <a:gd name="connsiteY4" fmla="*/ 0 h 330200"/>
+              </a:gdLst>
+              <a:ahLst/>
+              <a:cxnLst>
+                <a:cxn ang="0">
+                  <a:pos x="connsiteX0" y="connsiteY0"/>
+                </a:cxn>
+                <a:cxn ang="0">
+                  <a:pos x="connsiteX1" y="connsiteY1"/>
+                </a:cxn>
+                <a:cxn ang="0">
+                  <a:pos x="connsiteX2" y="connsiteY2"/>
+                </a:cxn>
+                <a:cxn ang="0">
+                  <a:pos x="connsiteX3" y="connsiteY3"/>
+                </a:cxn>
+                <a:cxn ang="0">
+                  <a:pos x="connsiteX4" y="connsiteY4"/>
+                </a:cxn>
+              </a:cxnLst>
+              <a:rect l="l" t="t" r="r" b="b"/>
+              <a:pathLst>
+                <a:path w="309033" h="330200">
+                  <a:moveTo>
+                    <a:pt x="0" y="0"/>
+                  </a:moveTo>
+                  <a:lnTo>
+                    <a:pt x="63500" y="330200"/>
+                  </a:lnTo>
+                  <a:lnTo>
+                    <a:pt x="173567" y="182033"/>
+                  </a:lnTo>
+                  <a:lnTo>
+                    <a:pt x="309033" y="165100"/>
+                  </a:lnTo>
+                  <a:lnTo>
+                    <a:pt x="0" y="0"/>
+                  </a:lnTo>
+                  <a:close/>
+                </a:path>
+              </a:pathLst>
+            </a:custGeom>
+            <a:ln w="28575">
+              <a:solidFill>
+                <a:schemeClr val="tx1"/>
+              </a:solidFill>
+            </a:ln>
+          </p:spPr>
+          <p:style>
+            <a:lnRef idx="2">
+              <a:schemeClr val="accent1">
+                <a:shade val="50000"/>
+              </a:schemeClr>
+            </a:lnRef>
+            <a:fillRef idx="1">
+              <a:schemeClr val="accent1"/>
+            </a:fillRef>
+            <a:effectRef idx="0">
+              <a:schemeClr val="accent1"/>
+            </a:effectRef>
+            <a:fontRef idx="minor">
+              <a:schemeClr val="lt1"/>
+            </a:fontRef>
+          </p:style>
+          <p:txBody>
+            <a:bodyPr rtlCol="0" anchor="ctr"/>
+            <a:lstStyle/>
+            <a:p>
+              <a:pPr algn="ctr"/>
+              <a:endParaRPr lang="en-US"/>
+            </a:p>
+          </p:txBody>
+        </p:sp>
+        <p:cxnSp>
+          <p:nvCxnSpPr>
+            <p:cNvPr id="6" name="Straight Connector 5"/>
+            <p:cNvCxnSpPr>
+              <a:stCxn id="4" idx="0"/>
+              <a:endCxn id="4" idx="2"/>
+            </p:cNvCxnSpPr>
+            <p:nvPr/>
+          </p:nvCxnSpPr>
+          <p:spPr>
+            <a:xfrm>
+              <a:off x="2519086" y="4255462"/>
+              <a:ext cx="173567" cy="182033"/>
+            </a:xfrm>
+            <a:prstGeom prst="line">
+              <a:avLst/>
+            </a:prstGeom>
+            <a:ln w="28575"/>
+          </p:spPr>
+          <p:style>
+            <a:lnRef idx="1">
+              <a:schemeClr val="dk1"/>
+            </a:lnRef>
+            <a:fillRef idx="0">
+              <a:schemeClr val="dk1"/>
+            </a:fillRef>
+            <a:effectRef idx="0">
+              <a:schemeClr val="dk1"/>
+            </a:effectRef>
+            <a:fontRef idx="minor">
+              <a:schemeClr val="tx1"/>
+            </a:fontRef>
+          </p:style>
+        </p:cxnSp>
+      </p:grpSp>
+      <p:sp>
+        <p:nvSpPr>
+          <p:cNvPr id="55" name="TextBox 54"/>
+          <p:cNvSpPr txBox="1"/>
+          <p:nvPr/>
+        </p:nvSpPr>
+        <p:spPr>
+          <a:xfrm>
+            <a:off x="-1" y="2531281"/>
+            <a:ext cx="375563" cy="246221"/>
+          </a:xfrm>
+          <a:prstGeom prst="rect">
+            <a:avLst/>
+          </a:prstGeom>
+          <a:noFill/>
+        </p:spPr>
+        <p:txBody>
+          <a:bodyPr wrap="square" rtlCol="0">
+            <a:spAutoFit/>
+          </a:bodyPr>
+          <a:lstStyle/>
+          <a:p>
+            <a:pPr algn="ctr"/>
+            <a:r>
+              <a:rPr lang="en-US" sz="1000" dirty="0" smtClean="0">
+                <a:solidFill>
+                  <a:srgbClr val="00B050"/>
+                </a:solidFill>
+                <a:latin typeface="Bell MT" panose="02020503060305020303" pitchFamily="18" charset="0"/>
+              </a:rPr>
+              <a:t>+1</a:t>
+            </a:r>
+          </a:p>
+        </p:txBody>
+      </p:sp>
+      <p:pic>
+        <p:nvPicPr>
+          <p:cNvPr id="56" name="Picture 55"/>
+          <p:cNvPicPr>
+            <a:picLocks noChangeAspect="1"/>
+          </p:cNvPicPr>
+          <p:nvPr/>
+        </p:nvPicPr>
+        <p:blipFill>
+          <a:blip r:embed="rId6"/>
+          <a:stretch>
+            <a:fillRect/>
+          </a:stretch>
+        </p:blipFill>
+        <p:spPr>
+          <a:xfrm>
+            <a:off x="262770" y="2526176"/>
+            <a:ext cx="256430" cy="256430"/>
+          </a:xfrm>
+          <a:prstGeom prst="rect">
+            <a:avLst/>
+          </a:prstGeom>
+        </p:spPr>
+      </p:pic>
+      <p:pic>
+        <p:nvPicPr>
+          <p:cNvPr id="57" name="Picture 56"/>
+          <p:cNvPicPr>
+            <a:picLocks noChangeAspect="1"/>
+          </p:cNvPicPr>
+          <p:nvPr/>
+        </p:nvPicPr>
+        <p:blipFill>
+          <a:blip r:embed="rId7"/>
+          <a:stretch>
+            <a:fillRect/>
+          </a:stretch>
+        </p:blipFill>
+        <p:spPr>
+          <a:xfrm>
+            <a:off x="2017309" y="2526176"/>
+            <a:ext cx="256430" cy="256430"/>
+          </a:xfrm>
+          <a:prstGeom prst="rect">
+            <a:avLst/>
+          </a:prstGeom>
+        </p:spPr>
+      </p:pic>
+      <p:sp>
+        <p:nvSpPr>
+          <p:cNvPr id="102" name="TextBox 101"/>
+          <p:cNvSpPr txBox="1"/>
+          <p:nvPr/>
+        </p:nvSpPr>
+        <p:spPr>
+          <a:xfrm>
+            <a:off x="440696" y="2531281"/>
+            <a:ext cx="375563" cy="246221"/>
+          </a:xfrm>
+          <a:prstGeom prst="rect">
+            <a:avLst/>
+          </a:prstGeom>
+          <a:noFill/>
+        </p:spPr>
+        <p:txBody>
+          <a:bodyPr wrap="square" rtlCol="0">
+            <a:spAutoFit/>
+          </a:bodyPr>
+          <a:lstStyle/>
+          <a:p>
+            <a:pPr algn="ctr"/>
+            <a:r>
+              <a:rPr lang="en-US" sz="1000" dirty="0" smtClean="0">
+                <a:solidFill>
+                  <a:srgbClr val="FF0000"/>
+                </a:solidFill>
+                <a:latin typeface="Bell MT" panose="02020503060305020303" pitchFamily="18" charset="0"/>
+              </a:rPr>
+              <a:t>-1</a:t>
+            </a:r>
+          </a:p>
+        </p:txBody>
+      </p:sp>
+      <p:pic>
+        <p:nvPicPr>
+          <p:cNvPr id="103" name="Picture 102"/>
+          <p:cNvPicPr>
+            <a:picLocks noChangeAspect="1"/>
+          </p:cNvPicPr>
+          <p:nvPr/>
+        </p:nvPicPr>
+        <p:blipFill>
+          <a:blip r:embed="rId3"/>
+          <a:stretch>
+            <a:fillRect/>
+          </a:stretch>
+        </p:blipFill>
+        <p:spPr>
+          <a:xfrm>
+            <a:off x="677003" y="2526176"/>
+            <a:ext cx="256430" cy="256430"/>
+          </a:xfrm>
+          <a:prstGeom prst="rect">
+            <a:avLst/>
+          </a:prstGeom>
+        </p:spPr>
+      </p:pic>
+      <p:sp>
+        <p:nvSpPr>
+          <p:cNvPr id="104" name="TextBox 103"/>
+          <p:cNvSpPr txBox="1"/>
+          <p:nvPr/>
+        </p:nvSpPr>
+        <p:spPr>
+          <a:xfrm>
+            <a:off x="2190473" y="2531281"/>
+            <a:ext cx="375563" cy="246221"/>
+          </a:xfrm>
+          <a:prstGeom prst="rect">
+            <a:avLst/>
+          </a:prstGeom>
+          <a:noFill/>
+        </p:spPr>
+        <p:txBody>
+          <a:bodyPr wrap="square" rtlCol="0">
+            <a:spAutoFit/>
+          </a:bodyPr>
+          <a:lstStyle/>
+          <a:p>
+            <a:pPr algn="ctr"/>
+            <a:r>
+              <a:rPr lang="en-US" sz="1000" dirty="0" smtClean="0">
+                <a:solidFill>
+                  <a:srgbClr val="FF0000"/>
+                </a:solidFill>
+                <a:latin typeface="Bell MT" panose="02020503060305020303" pitchFamily="18" charset="0"/>
+              </a:rPr>
+              <a:t>-1</a:t>
+            </a:r>
+          </a:p>
+        </p:txBody>
+      </p:sp>
+      <p:pic>
+        <p:nvPicPr>
+          <p:cNvPr id="105" name="Picture 104"/>
+          <p:cNvPicPr>
+            <a:picLocks noChangeAspect="1"/>
+          </p:cNvPicPr>
+          <p:nvPr/>
+        </p:nvPicPr>
+        <p:blipFill>
+          <a:blip r:embed="rId3"/>
+          <a:stretch>
+            <a:fillRect/>
+          </a:stretch>
+        </p:blipFill>
+        <p:spPr>
+          <a:xfrm>
+            <a:off x="2444240" y="2526176"/>
+            <a:ext cx="256430" cy="256430"/>
+          </a:xfrm>
+          <a:prstGeom prst="rect">
+            <a:avLst/>
+          </a:prstGeom>
+        </p:spPr>
+      </p:pic>
+      <p:sp>
+        <p:nvSpPr>
+          <p:cNvPr id="81" name="Rectangle 80"/>
+          <p:cNvSpPr>
+            <a:spLocks/>
+          </p:cNvSpPr>
+          <p:nvPr/>
+        </p:nvSpPr>
+        <p:spPr>
+          <a:xfrm>
+            <a:off x="54134" y="3338496"/>
+            <a:ext cx="2661418" cy="2754800"/>
+          </a:xfrm>
+          <a:prstGeom prst="rect">
+            <a:avLst/>
+          </a:prstGeom>
+          <a:solidFill>
+            <a:schemeClr val="accent4">
+              <a:lumMod val="20000"/>
+              <a:lumOff val="80000"/>
+            </a:schemeClr>
+          </a:solidFill>
+          <a:ln w="38100">
+            <a:solidFill>
+              <a:schemeClr val="tx1"/>
+            </a:solidFill>
+          </a:ln>
+        </p:spPr>
+        <p:style>
+          <a:lnRef idx="2">
+            <a:schemeClr val="accent1">
+              <a:shade val="50000"/>
+            </a:schemeClr>
+          </a:lnRef>
+          <a:fillRef idx="1">
+            <a:schemeClr val="accent1"/>
+          </a:fillRef>
+          <a:effectRef idx="0">
+            <a:schemeClr val="accent1"/>
+          </a:effectRef>
+          <a:fontRef idx="minor">
+            <a:schemeClr val="lt1"/>
+          </a:fontRef>
+        </p:style>
+        <p:txBody>
+          <a:bodyPr rtlCol="0" anchor="ctr"/>
+          <a:lstStyle/>
+          <a:p>
+            <a:pPr algn="ctr"/>
+            <a:endParaRPr lang="en-US"/>
+          </a:p>
+        </p:txBody>
+      </p:sp>
+      <p:sp>
+        <p:nvSpPr>
+          <p:cNvPr id="82" name="TextBox 81"/>
+          <p:cNvSpPr txBox="1"/>
+          <p:nvPr/>
+        </p:nvSpPr>
+        <p:spPr>
+          <a:xfrm>
+            <a:off x="171079" y="3448741"/>
+            <a:ext cx="2403750" cy="615553"/>
+          </a:xfrm>
+          <a:prstGeom prst="rect">
+            <a:avLst/>
+          </a:prstGeom>
+          <a:noFill/>
+        </p:spPr>
+        <p:txBody>
+          <a:bodyPr wrap="square" rtlCol="0">
+            <a:spAutoFit/>
+          </a:bodyPr>
+          <a:lstStyle/>
+          <a:p>
+            <a:r>
+              <a:rPr lang="en-US" sz="1000" b="1" dirty="0">
+                <a:latin typeface="Bell MT" panose="02020503060305020303" pitchFamily="18" charset="0"/>
+              </a:rPr>
+              <a:t>Abandoned Shelter</a:t>
+            </a:r>
+          </a:p>
+          <a:p>
+            <a:endParaRPr lang="en-US" sz="800" dirty="0">
+              <a:latin typeface="Bell MT" panose="02020503060305020303" pitchFamily="18" charset="0"/>
+            </a:endParaRPr>
+          </a:p>
+          <a:p>
+            <a:r>
+              <a:rPr lang="en-US" sz="800" dirty="0">
+                <a:latin typeface="Bell MT" panose="02020503060305020303" pitchFamily="18" charset="0"/>
+              </a:rPr>
+              <a:t>The inspection was a </a:t>
+            </a:r>
+            <a:r>
+              <a:rPr lang="en-US" sz="800" b="1" dirty="0" smtClean="0">
+                <a:solidFill>
+                  <a:srgbClr val="FF0000"/>
+                </a:solidFill>
+                <a:latin typeface="Bell MT" panose="02020503060305020303" pitchFamily="18" charset="0"/>
+              </a:rPr>
+              <a:t>fail</a:t>
+            </a:r>
+            <a:r>
+              <a:rPr lang="en-US" sz="800" dirty="0" smtClean="0">
+                <a:latin typeface="Bell MT" panose="02020503060305020303" pitchFamily="18" charset="0"/>
+              </a:rPr>
+              <a:t>, our crew mate never returned and we have no information on this area.</a:t>
+            </a:r>
+            <a:endParaRPr lang="en-US" sz="800" dirty="0">
+              <a:latin typeface="Bell MT" panose="02020503060305020303" pitchFamily="18" charset="0"/>
+            </a:endParaRPr>
+          </a:p>
+        </p:txBody>
+      </p:sp>
+      <p:sp>
+        <p:nvSpPr>
+          <p:cNvPr id="83" name="TextBox 82"/>
+          <p:cNvSpPr txBox="1"/>
+          <p:nvPr/>
+        </p:nvSpPr>
+        <p:spPr>
+          <a:xfrm>
+            <a:off x="266109" y="4895375"/>
+            <a:ext cx="712306" cy="461665"/>
+          </a:xfrm>
+          <a:prstGeom prst="rect">
+            <a:avLst/>
+          </a:prstGeom>
+          <a:noFill/>
+        </p:spPr>
+        <p:txBody>
+          <a:bodyPr wrap="square" rtlCol="0">
+            <a:spAutoFit/>
+          </a:bodyPr>
+          <a:lstStyle/>
+          <a:p>
+            <a:r>
+              <a:rPr lang="en-US" sz="600" dirty="0" smtClean="0">
+                <a:latin typeface="Bell MT" panose="02020503060305020303" pitchFamily="18" charset="0"/>
+              </a:rPr>
+              <a:t>We could try and find the lost soul, but there is no guarantee.</a:t>
+            </a:r>
+            <a:endParaRPr lang="en-US" sz="600" dirty="0">
+              <a:latin typeface="Bell MT" panose="02020503060305020303" pitchFamily="18" charset="0"/>
+            </a:endParaRPr>
+          </a:p>
+        </p:txBody>
+      </p:sp>
+      <p:sp>
+        <p:nvSpPr>
+          <p:cNvPr id="84" name="Rectangle 83"/>
+          <p:cNvSpPr>
+            <a:spLocks/>
+          </p:cNvSpPr>
+          <p:nvPr/>
+        </p:nvSpPr>
+        <p:spPr>
+          <a:xfrm>
+            <a:off x="266109" y="4051330"/>
+            <a:ext cx="2248533" cy="591891"/>
+          </a:xfrm>
+          <a:prstGeom prst="rect">
+            <a:avLst/>
+          </a:prstGeom>
+          <a:solidFill>
+            <a:schemeClr val="accent1">
+              <a:lumMod val="20000"/>
+              <a:lumOff val="80000"/>
+            </a:schemeClr>
+          </a:solidFill>
+          <a:ln w="38100">
+            <a:solidFill>
+              <a:schemeClr val="tx1"/>
+            </a:solidFill>
+          </a:ln>
+        </p:spPr>
+        <p:style>
+          <a:lnRef idx="2">
+            <a:schemeClr val="accent1">
+              <a:shade val="50000"/>
+            </a:schemeClr>
+          </a:lnRef>
+          <a:fillRef idx="1">
+            <a:schemeClr val="accent1"/>
+          </a:fillRef>
+          <a:effectRef idx="0">
+            <a:schemeClr val="accent1"/>
+          </a:effectRef>
+          <a:fontRef idx="minor">
+            <a:schemeClr val="lt1"/>
+          </a:fontRef>
+        </p:style>
+        <p:txBody>
+          <a:bodyPr rtlCol="0" anchor="ctr"/>
+          <a:lstStyle/>
+          <a:p>
+            <a:pPr algn="ctr"/>
+            <a:endParaRPr lang="en-US"/>
+          </a:p>
+        </p:txBody>
+      </p:sp>
+      <p:sp>
+        <p:nvSpPr>
+          <p:cNvPr id="85" name="Rectangle 84"/>
+          <p:cNvSpPr>
+            <a:spLocks/>
+          </p:cNvSpPr>
+          <p:nvPr/>
+        </p:nvSpPr>
+        <p:spPr>
+          <a:xfrm>
+            <a:off x="266109" y="4703683"/>
+            <a:ext cx="712306" cy="169627"/>
+          </a:xfrm>
+          <a:prstGeom prst="rect">
+            <a:avLst/>
+          </a:prstGeom>
+          <a:solidFill>
+            <a:schemeClr val="accent6">
+              <a:lumMod val="20000"/>
+              <a:lumOff val="80000"/>
+            </a:schemeClr>
+          </a:solidFill>
+          <a:ln w="38100">
+            <a:solidFill>
+              <a:schemeClr val="tx1"/>
+            </a:solidFill>
+          </a:ln>
+        </p:spPr>
+        <p:style>
+          <a:lnRef idx="2">
+            <a:schemeClr val="accent1">
+              <a:shade val="50000"/>
+            </a:schemeClr>
+          </a:lnRef>
+          <a:fillRef idx="1">
+            <a:schemeClr val="accent1"/>
+          </a:fillRef>
+          <a:effectRef idx="0">
+            <a:schemeClr val="accent1"/>
+          </a:effectRef>
+          <a:fontRef idx="minor">
+            <a:schemeClr val="lt1"/>
+          </a:fontRef>
+        </p:style>
+        <p:txBody>
+          <a:bodyPr rtlCol="0" anchor="ctr"/>
+          <a:lstStyle/>
+          <a:p>
+            <a:pPr algn="ctr"/>
+            <a:r>
+              <a:rPr lang="en-US" sz="800" dirty="0" smtClean="0">
+                <a:solidFill>
+                  <a:schemeClr val="tx1"/>
+                </a:solidFill>
+              </a:rPr>
+              <a:t>Scout</a:t>
+            </a:r>
+            <a:endParaRPr lang="en-US" sz="800" dirty="0">
+              <a:solidFill>
+                <a:schemeClr val="tx1"/>
+              </a:solidFill>
+            </a:endParaRPr>
+          </a:p>
+        </p:txBody>
+      </p:sp>
+      <p:pic>
+        <p:nvPicPr>
+          <p:cNvPr id="86" name="Picture 85"/>
+          <p:cNvPicPr>
+            <a:picLocks noChangeAspect="1"/>
+          </p:cNvPicPr>
+          <p:nvPr/>
+        </p:nvPicPr>
+        <p:blipFill>
+          <a:blip r:embed="rId2"/>
+          <a:stretch>
+            <a:fillRect/>
+          </a:stretch>
+        </p:blipFill>
+        <p:spPr>
+          <a:xfrm>
+            <a:off x="1234068" y="4196500"/>
+            <a:ext cx="301549" cy="301550"/>
+          </a:xfrm>
+          <a:prstGeom prst="rect">
+            <a:avLst/>
+          </a:prstGeom>
+        </p:spPr>
+      </p:pic>
+      <p:sp>
+        <p:nvSpPr>
+          <p:cNvPr id="87" name="Rectangle 86"/>
+          <p:cNvSpPr>
+            <a:spLocks/>
+          </p:cNvSpPr>
+          <p:nvPr/>
+        </p:nvSpPr>
+        <p:spPr>
+          <a:xfrm>
+            <a:off x="1045626" y="4703683"/>
+            <a:ext cx="712306" cy="169627"/>
+          </a:xfrm>
+          <a:prstGeom prst="rect">
+            <a:avLst/>
+          </a:prstGeom>
+          <a:solidFill>
+            <a:schemeClr val="accent6">
+              <a:lumMod val="20000"/>
+              <a:lumOff val="80000"/>
+            </a:schemeClr>
+          </a:solidFill>
+          <a:ln w="38100">
+            <a:solidFill>
+              <a:schemeClr val="tx1"/>
+            </a:solidFill>
+          </a:ln>
+        </p:spPr>
+        <p:style>
+          <a:lnRef idx="2">
+            <a:schemeClr val="accent1">
+              <a:shade val="50000"/>
+            </a:schemeClr>
+          </a:lnRef>
+          <a:fillRef idx="1">
+            <a:schemeClr val="accent1"/>
+          </a:fillRef>
+          <a:effectRef idx="0">
+            <a:schemeClr val="accent1"/>
+          </a:effectRef>
+          <a:fontRef idx="minor">
+            <a:schemeClr val="lt1"/>
+          </a:fontRef>
+        </p:style>
+        <p:txBody>
+          <a:bodyPr rtlCol="0" anchor="ctr"/>
+          <a:lstStyle/>
+          <a:p>
+            <a:pPr algn="ctr"/>
+            <a:r>
+              <a:rPr lang="en-US" sz="800" dirty="0" smtClean="0">
+                <a:solidFill>
+                  <a:schemeClr val="tx1"/>
+                </a:solidFill>
+              </a:rPr>
+              <a:t>Investigate</a:t>
+            </a:r>
+            <a:endParaRPr lang="en-US" sz="800" dirty="0">
+              <a:solidFill>
+                <a:schemeClr val="tx1"/>
+              </a:solidFill>
+            </a:endParaRPr>
+          </a:p>
+        </p:txBody>
+      </p:sp>
+      <p:sp>
+        <p:nvSpPr>
+          <p:cNvPr id="88" name="Rectangle 87"/>
+          <p:cNvSpPr>
+            <a:spLocks/>
+          </p:cNvSpPr>
+          <p:nvPr/>
+        </p:nvSpPr>
+        <p:spPr>
+          <a:xfrm>
+            <a:off x="1802336" y="4703683"/>
+            <a:ext cx="712306" cy="169627"/>
+          </a:xfrm>
+          <a:prstGeom prst="rect">
+            <a:avLst/>
+          </a:prstGeom>
+          <a:solidFill>
+            <a:schemeClr val="accent6">
+              <a:lumMod val="20000"/>
+              <a:lumOff val="80000"/>
+            </a:schemeClr>
+          </a:solidFill>
+          <a:ln w="38100">
+            <a:solidFill>
+              <a:schemeClr val="tx1"/>
+            </a:solidFill>
+          </a:ln>
+        </p:spPr>
+        <p:style>
+          <a:lnRef idx="2">
+            <a:schemeClr val="accent1">
+              <a:shade val="50000"/>
+            </a:schemeClr>
+          </a:lnRef>
+          <a:fillRef idx="1">
+            <a:schemeClr val="accent1"/>
+          </a:fillRef>
+          <a:effectRef idx="0">
+            <a:schemeClr val="accent1"/>
+          </a:effectRef>
+          <a:fontRef idx="minor">
+            <a:schemeClr val="lt1"/>
+          </a:fontRef>
+        </p:style>
+        <p:txBody>
+          <a:bodyPr rtlCol="0" anchor="ctr"/>
+          <a:lstStyle/>
+          <a:p>
+            <a:pPr algn="ctr"/>
+            <a:r>
+              <a:rPr lang="en-US" sz="800" dirty="0" smtClean="0">
+                <a:solidFill>
+                  <a:schemeClr val="tx1"/>
+                </a:solidFill>
+              </a:rPr>
+              <a:t>Abandon</a:t>
+            </a:r>
+            <a:endParaRPr lang="en-US" sz="800" dirty="0">
+              <a:solidFill>
+                <a:schemeClr val="tx1"/>
+              </a:solidFill>
+            </a:endParaRPr>
+          </a:p>
+        </p:txBody>
+      </p:sp>
+      <p:sp>
+        <p:nvSpPr>
+          <p:cNvPr id="89" name="TextBox 88"/>
+          <p:cNvSpPr txBox="1"/>
+          <p:nvPr/>
+        </p:nvSpPr>
+        <p:spPr>
+          <a:xfrm>
+            <a:off x="1045626" y="4893138"/>
+            <a:ext cx="712306" cy="369332"/>
+          </a:xfrm>
+          <a:prstGeom prst="rect">
+            <a:avLst/>
+          </a:prstGeom>
+          <a:noFill/>
+        </p:spPr>
+        <p:txBody>
+          <a:bodyPr wrap="square" rtlCol="0">
+            <a:spAutoFit/>
+          </a:bodyPr>
+          <a:lstStyle/>
+          <a:p>
+            <a:r>
+              <a:rPr lang="en-US" sz="600" dirty="0" smtClean="0">
+                <a:latin typeface="Bell MT" panose="02020503060305020303" pitchFamily="18" charset="0"/>
+              </a:rPr>
+              <a:t>Send your crew to find out what the problem is?</a:t>
+            </a:r>
+          </a:p>
+        </p:txBody>
+      </p:sp>
+      <p:sp>
+        <p:nvSpPr>
+          <p:cNvPr id="90" name="TextBox 89"/>
+          <p:cNvSpPr txBox="1"/>
+          <p:nvPr/>
+        </p:nvSpPr>
+        <p:spPr>
+          <a:xfrm>
+            <a:off x="1802336" y="4893138"/>
+            <a:ext cx="712306" cy="369332"/>
+          </a:xfrm>
+          <a:prstGeom prst="rect">
+            <a:avLst/>
+          </a:prstGeom>
+          <a:noFill/>
+        </p:spPr>
+        <p:txBody>
+          <a:bodyPr wrap="square" rtlCol="0">
+            <a:spAutoFit/>
+          </a:bodyPr>
+          <a:lstStyle/>
+          <a:p>
+            <a:r>
+              <a:rPr lang="en-US" sz="600" dirty="0" smtClean="0">
+                <a:latin typeface="Bell MT" panose="02020503060305020303" pitchFamily="18" charset="0"/>
+              </a:rPr>
+              <a:t>Definitely not worth going in there.</a:t>
+            </a:r>
+          </a:p>
+        </p:txBody>
+      </p:sp>
+      <p:sp>
+        <p:nvSpPr>
+          <p:cNvPr id="91" name="TextBox 90"/>
+          <p:cNvSpPr txBox="1"/>
+          <p:nvPr/>
+        </p:nvSpPr>
+        <p:spPr>
+          <a:xfrm>
+            <a:off x="887179" y="5812033"/>
+            <a:ext cx="375563" cy="246221"/>
+          </a:xfrm>
+          <a:prstGeom prst="rect">
+            <a:avLst/>
+          </a:prstGeom>
+          <a:noFill/>
+        </p:spPr>
+        <p:txBody>
+          <a:bodyPr wrap="square" rtlCol="0">
+            <a:spAutoFit/>
+          </a:bodyPr>
+          <a:lstStyle/>
+          <a:p>
+            <a:pPr algn="ctr"/>
+            <a:r>
+              <a:rPr lang="en-US" sz="1000" dirty="0" smtClean="0">
+                <a:solidFill>
+                  <a:srgbClr val="FF0000"/>
+                </a:solidFill>
+                <a:latin typeface="Bell MT" panose="02020503060305020303" pitchFamily="18" charset="0"/>
+              </a:rPr>
+              <a:t>-1</a:t>
+            </a:r>
+          </a:p>
+        </p:txBody>
+      </p:sp>
+      <p:sp>
+        <p:nvSpPr>
+          <p:cNvPr id="92" name="Rectangle 91"/>
+          <p:cNvSpPr>
+            <a:spLocks/>
+          </p:cNvSpPr>
+          <p:nvPr/>
+        </p:nvSpPr>
+        <p:spPr>
+          <a:xfrm>
+            <a:off x="64617" y="5582048"/>
+            <a:ext cx="712306" cy="169627"/>
+          </a:xfrm>
+          <a:prstGeom prst="rect">
+            <a:avLst/>
+          </a:prstGeom>
+          <a:solidFill>
+            <a:srgbClr val="00B050"/>
+          </a:solidFill>
+          <a:ln w="38100">
+            <a:solidFill>
+              <a:schemeClr val="tx1"/>
+            </a:solidFill>
+          </a:ln>
+        </p:spPr>
+        <p:style>
+          <a:lnRef idx="2">
+            <a:schemeClr val="accent1">
+              <a:shade val="50000"/>
+            </a:schemeClr>
+          </a:lnRef>
+          <a:fillRef idx="1">
+            <a:schemeClr val="accent1"/>
+          </a:fillRef>
+          <a:effectRef idx="0">
+            <a:schemeClr val="accent1"/>
+          </a:effectRef>
+          <a:fontRef idx="minor">
+            <a:schemeClr val="lt1"/>
+          </a:fontRef>
+        </p:style>
+        <p:txBody>
+          <a:bodyPr rtlCol="0" anchor="ctr"/>
+          <a:lstStyle/>
+          <a:p>
+            <a:pPr algn="ctr"/>
+            <a:r>
+              <a:rPr lang="en-US" sz="1200" dirty="0" smtClean="0">
+                <a:solidFill>
+                  <a:schemeClr val="tx1"/>
+                </a:solidFill>
+              </a:rPr>
+              <a:t>Success</a:t>
+            </a:r>
+            <a:endParaRPr lang="en-US" sz="1200" dirty="0">
+              <a:solidFill>
+                <a:schemeClr val="tx1"/>
+              </a:solidFill>
+            </a:endParaRPr>
+          </a:p>
+        </p:txBody>
+      </p:sp>
+      <p:sp>
+        <p:nvSpPr>
+          <p:cNvPr id="93" name="Rectangle 92"/>
+          <p:cNvSpPr>
+            <a:spLocks/>
+          </p:cNvSpPr>
+          <p:nvPr/>
+        </p:nvSpPr>
+        <p:spPr>
+          <a:xfrm>
+            <a:off x="1991947" y="5582048"/>
+            <a:ext cx="712306" cy="169627"/>
+          </a:xfrm>
+          <a:prstGeom prst="rect">
+            <a:avLst/>
+          </a:prstGeom>
+          <a:solidFill>
+            <a:srgbClr val="FF0000"/>
+          </a:solidFill>
+          <a:ln w="38100">
+            <a:solidFill>
+              <a:schemeClr val="tx1"/>
+            </a:solidFill>
+          </a:ln>
+        </p:spPr>
+        <p:style>
+          <a:lnRef idx="2">
+            <a:schemeClr val="accent1">
+              <a:shade val="50000"/>
+            </a:schemeClr>
+          </a:lnRef>
+          <a:fillRef idx="1">
+            <a:schemeClr val="accent1"/>
+          </a:fillRef>
+          <a:effectRef idx="0">
+            <a:schemeClr val="accent1"/>
+          </a:effectRef>
+          <a:fontRef idx="minor">
+            <a:schemeClr val="lt1"/>
+          </a:fontRef>
+        </p:style>
+        <p:txBody>
+          <a:bodyPr rtlCol="0" anchor="ctr"/>
+          <a:lstStyle/>
+          <a:p>
+            <a:pPr algn="ctr"/>
+            <a:r>
+              <a:rPr lang="en-US" sz="1200" dirty="0" smtClean="0">
+                <a:solidFill>
+                  <a:schemeClr val="tx1"/>
+                </a:solidFill>
+              </a:rPr>
+              <a:t>Fail</a:t>
+            </a:r>
+            <a:endParaRPr lang="en-US" sz="1200" dirty="0">
+              <a:solidFill>
+                <a:schemeClr val="tx1"/>
+              </a:solidFill>
+            </a:endParaRPr>
+          </a:p>
+        </p:txBody>
+      </p:sp>
+      <p:grpSp>
+        <p:nvGrpSpPr>
+          <p:cNvPr id="94" name="Group 93"/>
+          <p:cNvGrpSpPr/>
+          <p:nvPr/>
+        </p:nvGrpSpPr>
+        <p:grpSpPr>
+          <a:xfrm>
+            <a:off x="1641236" y="4840191"/>
+            <a:ext cx="211402" cy="225880"/>
+            <a:chOff x="2519086" y="4255462"/>
+            <a:chExt cx="309033" cy="330200"/>
+          </a:xfrm>
+        </p:grpSpPr>
+        <p:sp>
+          <p:nvSpPr>
+            <p:cNvPr id="95" name="Freeform 94"/>
+            <p:cNvSpPr/>
+            <p:nvPr/>
+          </p:nvSpPr>
+          <p:spPr>
+            <a:xfrm>
+              <a:off x="2519086" y="4255462"/>
+              <a:ext cx="309033" cy="330200"/>
+            </a:xfrm>
+            <a:custGeom>
+              <a:avLst/>
+              <a:gdLst>
+                <a:gd name="connsiteX0" fmla="*/ 0 w 309033"/>
+                <a:gd name="connsiteY0" fmla="*/ 0 h 330200"/>
+                <a:gd name="connsiteX1" fmla="*/ 63500 w 309033"/>
+                <a:gd name="connsiteY1" fmla="*/ 330200 h 330200"/>
+                <a:gd name="connsiteX2" fmla="*/ 173567 w 309033"/>
+                <a:gd name="connsiteY2" fmla="*/ 182033 h 330200"/>
+                <a:gd name="connsiteX3" fmla="*/ 309033 w 309033"/>
+                <a:gd name="connsiteY3" fmla="*/ 165100 h 330200"/>
+                <a:gd name="connsiteX4" fmla="*/ 0 w 309033"/>
+                <a:gd name="connsiteY4" fmla="*/ 0 h 330200"/>
+              </a:gdLst>
+              <a:ahLst/>
+              <a:cxnLst>
+                <a:cxn ang="0">
+                  <a:pos x="connsiteX0" y="connsiteY0"/>
+                </a:cxn>
+                <a:cxn ang="0">
+                  <a:pos x="connsiteX1" y="connsiteY1"/>
+                </a:cxn>
+                <a:cxn ang="0">
+                  <a:pos x="connsiteX2" y="connsiteY2"/>
+                </a:cxn>
+                <a:cxn ang="0">
+                  <a:pos x="connsiteX3" y="connsiteY3"/>
+                </a:cxn>
+                <a:cxn ang="0">
+                  <a:pos x="connsiteX4" y="connsiteY4"/>
+                </a:cxn>
+              </a:cxnLst>
+              <a:rect l="l" t="t" r="r" b="b"/>
+              <a:pathLst>
+                <a:path w="309033" h="330200">
+                  <a:moveTo>
+                    <a:pt x="0" y="0"/>
+                  </a:moveTo>
+                  <a:lnTo>
+                    <a:pt x="63500" y="330200"/>
+                  </a:lnTo>
+                  <a:lnTo>
+                    <a:pt x="173567" y="182033"/>
+                  </a:lnTo>
+                  <a:lnTo>
+                    <a:pt x="309033" y="165100"/>
+                  </a:lnTo>
+                  <a:lnTo>
+                    <a:pt x="0" y="0"/>
+                  </a:lnTo>
+                  <a:close/>
+                </a:path>
+              </a:pathLst>
+            </a:custGeom>
+            <a:ln w="28575">
+              <a:solidFill>
+                <a:schemeClr val="tx1"/>
+              </a:solidFill>
+            </a:ln>
+          </p:spPr>
+          <p:style>
+            <a:lnRef idx="2">
+              <a:schemeClr val="accent1">
+                <a:shade val="50000"/>
+              </a:schemeClr>
+            </a:lnRef>
+            <a:fillRef idx="1">
+              <a:schemeClr val="accent1"/>
+            </a:fillRef>
+            <a:effectRef idx="0">
+              <a:schemeClr val="accent1"/>
+            </a:effectRef>
+            <a:fontRef idx="minor">
+              <a:schemeClr val="lt1"/>
+            </a:fontRef>
+          </p:style>
+          <p:txBody>
+            <a:bodyPr rtlCol="0" anchor="ctr"/>
+            <a:lstStyle/>
+            <a:p>
+              <a:pPr algn="ctr"/>
+              <a:endParaRPr lang="en-US"/>
+            </a:p>
+          </p:txBody>
+        </p:sp>
+        <p:cxnSp>
+          <p:nvCxnSpPr>
+            <p:cNvPr id="96" name="Straight Connector 95"/>
+            <p:cNvCxnSpPr>
+              <a:stCxn id="95" idx="0"/>
+              <a:endCxn id="95" idx="2"/>
+            </p:cNvCxnSpPr>
+            <p:nvPr/>
+          </p:nvCxnSpPr>
+          <p:spPr>
+            <a:xfrm>
+              <a:off x="2519086" y="4255462"/>
+              <a:ext cx="173567" cy="182033"/>
+            </a:xfrm>
+            <a:prstGeom prst="line">
+              <a:avLst/>
+            </a:prstGeom>
+            <a:ln w="28575"/>
+          </p:spPr>
+          <p:style>
+            <a:lnRef idx="1">
+              <a:schemeClr val="dk1"/>
+            </a:lnRef>
+            <a:fillRef idx="0">
+              <a:schemeClr val="dk1"/>
+            </a:fillRef>
+            <a:effectRef idx="0">
+              <a:schemeClr val="dk1"/>
+            </a:effectRef>
+            <a:fontRef idx="minor">
+              <a:schemeClr val="tx1"/>
+            </a:fontRef>
+          </p:style>
+        </p:cxnSp>
+      </p:grpSp>
+      <p:sp>
+        <p:nvSpPr>
+          <p:cNvPr id="97" name="TextBox 96"/>
+          <p:cNvSpPr txBox="1"/>
+          <p:nvPr/>
+        </p:nvSpPr>
+        <p:spPr>
+          <a:xfrm>
+            <a:off x="2625" y="5812033"/>
+            <a:ext cx="375563" cy="246221"/>
+          </a:xfrm>
+          <a:prstGeom prst="rect">
+            <a:avLst/>
+          </a:prstGeom>
+          <a:noFill/>
+        </p:spPr>
+        <p:txBody>
+          <a:bodyPr wrap="square" rtlCol="0">
+            <a:spAutoFit/>
+          </a:bodyPr>
+          <a:lstStyle/>
+          <a:p>
+            <a:pPr algn="ctr"/>
+            <a:r>
+              <a:rPr lang="en-US" sz="1000" dirty="0" smtClean="0">
+                <a:solidFill>
+                  <a:srgbClr val="00B050"/>
+                </a:solidFill>
+                <a:latin typeface="Bell MT" panose="02020503060305020303" pitchFamily="18" charset="0"/>
+              </a:rPr>
+              <a:t>+?</a:t>
+            </a:r>
+          </a:p>
+        </p:txBody>
+      </p:sp>
+      <p:pic>
+        <p:nvPicPr>
+          <p:cNvPr id="98" name="Picture 97"/>
+          <p:cNvPicPr>
+            <a:picLocks noChangeAspect="1"/>
+          </p:cNvPicPr>
+          <p:nvPr/>
+        </p:nvPicPr>
+        <p:blipFill>
+          <a:blip r:embed="rId3"/>
+          <a:stretch>
+            <a:fillRect/>
+          </a:stretch>
+        </p:blipFill>
+        <p:spPr>
+          <a:xfrm>
+            <a:off x="1140417" y="5806928"/>
+            <a:ext cx="256430" cy="256430"/>
+          </a:xfrm>
+          <a:prstGeom prst="rect">
+            <a:avLst/>
+          </a:prstGeom>
+        </p:spPr>
+      </p:pic>
+      <p:pic>
+        <p:nvPicPr>
+          <p:cNvPr id="99" name="Picture 98"/>
+          <p:cNvPicPr>
+            <a:picLocks noChangeAspect="1"/>
+          </p:cNvPicPr>
+          <p:nvPr/>
+        </p:nvPicPr>
+        <p:blipFill>
+          <a:blip r:embed="rId4"/>
+          <a:stretch>
+            <a:fillRect/>
+          </a:stretch>
+        </p:blipFill>
+        <p:spPr>
+          <a:xfrm>
+            <a:off x="287750" y="5806928"/>
+            <a:ext cx="256430" cy="256430"/>
+          </a:xfrm>
+          <a:prstGeom prst="rect">
+            <a:avLst/>
+          </a:prstGeom>
+        </p:spPr>
+      </p:pic>
+      <p:pic>
+        <p:nvPicPr>
+          <p:cNvPr id="100" name="Picture 99"/>
+          <p:cNvPicPr>
+            <a:picLocks noChangeAspect="1"/>
+          </p:cNvPicPr>
+          <p:nvPr/>
+        </p:nvPicPr>
+        <p:blipFill>
+          <a:blip r:embed="rId5"/>
+          <a:stretch>
+            <a:fillRect/>
+          </a:stretch>
+        </p:blipFill>
+        <p:spPr>
+          <a:xfrm>
+            <a:off x="743306" y="5806928"/>
+            <a:ext cx="256430" cy="256430"/>
+          </a:xfrm>
+          <a:prstGeom prst="rect">
+            <a:avLst/>
+          </a:prstGeom>
+        </p:spPr>
+      </p:pic>
+      <p:sp>
+        <p:nvSpPr>
+          <p:cNvPr id="101" name="TextBox 100"/>
+          <p:cNvSpPr txBox="1"/>
+          <p:nvPr/>
+        </p:nvSpPr>
+        <p:spPr>
+          <a:xfrm>
+            <a:off x="448353" y="5812033"/>
+            <a:ext cx="375563" cy="246221"/>
+          </a:xfrm>
+          <a:prstGeom prst="rect">
+            <a:avLst/>
+          </a:prstGeom>
+          <a:noFill/>
+        </p:spPr>
+        <p:txBody>
+          <a:bodyPr wrap="square" rtlCol="0">
+            <a:spAutoFit/>
+          </a:bodyPr>
+          <a:lstStyle/>
+          <a:p>
+            <a:pPr algn="ctr"/>
+            <a:r>
+              <a:rPr lang="en-US" sz="1000" dirty="0" smtClean="0">
+                <a:solidFill>
+                  <a:srgbClr val="00B050"/>
+                </a:solidFill>
+                <a:latin typeface="Bell MT" panose="02020503060305020303" pitchFamily="18" charset="0"/>
+              </a:rPr>
+              <a:t>+?</a:t>
+            </a:r>
+          </a:p>
+        </p:txBody>
+      </p:sp>
+      <p:sp>
+        <p:nvSpPr>
+          <p:cNvPr id="106" name="TextBox 105"/>
+          <p:cNvSpPr txBox="1"/>
+          <p:nvPr/>
+        </p:nvSpPr>
+        <p:spPr>
+          <a:xfrm>
+            <a:off x="2173203" y="5812033"/>
+            <a:ext cx="375563" cy="246221"/>
+          </a:xfrm>
+          <a:prstGeom prst="rect">
+            <a:avLst/>
+          </a:prstGeom>
+          <a:noFill/>
+        </p:spPr>
+        <p:txBody>
+          <a:bodyPr wrap="square" rtlCol="0">
+            <a:spAutoFit/>
+          </a:bodyPr>
+          <a:lstStyle/>
+          <a:p>
+            <a:pPr algn="ctr"/>
+            <a:r>
+              <a:rPr lang="en-US" sz="1000" dirty="0" smtClean="0">
+                <a:solidFill>
+                  <a:srgbClr val="FF0000"/>
+                </a:solidFill>
+                <a:latin typeface="Bell MT" panose="02020503060305020303" pitchFamily="18" charset="0"/>
+              </a:rPr>
+              <a:t>-1</a:t>
+            </a:r>
+          </a:p>
+        </p:txBody>
+      </p:sp>
+      <p:pic>
+        <p:nvPicPr>
+          <p:cNvPr id="107" name="Picture 106"/>
+          <p:cNvPicPr>
+            <a:picLocks noChangeAspect="1"/>
+          </p:cNvPicPr>
+          <p:nvPr/>
+        </p:nvPicPr>
+        <p:blipFill>
+          <a:blip r:embed="rId3"/>
+          <a:stretch>
+            <a:fillRect/>
+          </a:stretch>
+        </p:blipFill>
+        <p:spPr>
+          <a:xfrm>
+            <a:off x="2416058" y="5806928"/>
+            <a:ext cx="256430" cy="256430"/>
+          </a:xfrm>
+          <a:prstGeom prst="rect">
+            <a:avLst/>
+          </a:prstGeom>
+        </p:spPr>
+      </p:pic>
+      <p:sp>
+        <p:nvSpPr>
+          <p:cNvPr id="108" name="TextBox 107"/>
+          <p:cNvSpPr txBox="1"/>
+          <p:nvPr/>
+        </p:nvSpPr>
+        <p:spPr>
+          <a:xfrm>
+            <a:off x="1736523" y="5812033"/>
+            <a:ext cx="375563" cy="246221"/>
+          </a:xfrm>
+          <a:prstGeom prst="rect">
+            <a:avLst/>
+          </a:prstGeom>
+          <a:noFill/>
+        </p:spPr>
+        <p:txBody>
+          <a:bodyPr wrap="square" rtlCol="0">
+            <a:spAutoFit/>
+          </a:bodyPr>
+          <a:lstStyle/>
+          <a:p>
+            <a:pPr algn="ctr"/>
+            <a:r>
+              <a:rPr lang="en-US" sz="1000" dirty="0" smtClean="0">
+                <a:solidFill>
+                  <a:srgbClr val="FF0000"/>
+                </a:solidFill>
+                <a:latin typeface="Bell MT" panose="02020503060305020303" pitchFamily="18" charset="0"/>
+              </a:rPr>
+              <a:t>-?</a:t>
+            </a:r>
+          </a:p>
+        </p:txBody>
+      </p:sp>
+      <p:pic>
+        <p:nvPicPr>
+          <p:cNvPr id="109" name="Picture 108"/>
+          <p:cNvPicPr>
+            <a:picLocks noChangeAspect="1"/>
+          </p:cNvPicPr>
+          <p:nvPr/>
+        </p:nvPicPr>
+        <p:blipFill>
+          <a:blip r:embed="rId7"/>
+          <a:stretch>
+            <a:fillRect/>
+          </a:stretch>
+        </p:blipFill>
+        <p:spPr>
+          <a:xfrm>
+            <a:off x="2001034" y="5806928"/>
+            <a:ext cx="256430" cy="256430"/>
+          </a:xfrm>
+          <a:prstGeom prst="rect">
+            <a:avLst/>
+          </a:prstGeom>
+        </p:spPr>
+      </p:pic>
+      <p:sp>
+        <p:nvSpPr>
+          <p:cNvPr id="110" name="Rectangle 109"/>
+          <p:cNvSpPr>
+            <a:spLocks/>
+          </p:cNvSpPr>
+          <p:nvPr/>
+        </p:nvSpPr>
+        <p:spPr>
+          <a:xfrm>
+            <a:off x="3101010" y="56357"/>
+            <a:ext cx="2661418" cy="2754800"/>
+          </a:xfrm>
+          <a:prstGeom prst="rect">
+            <a:avLst/>
+          </a:prstGeom>
+          <a:solidFill>
+            <a:schemeClr val="accent4">
+              <a:lumMod val="20000"/>
+              <a:lumOff val="80000"/>
+            </a:schemeClr>
+          </a:solidFill>
+          <a:ln w="38100">
+            <a:solidFill>
+              <a:schemeClr val="tx1"/>
+            </a:solidFill>
+          </a:ln>
+        </p:spPr>
+        <p:style>
+          <a:lnRef idx="2">
+            <a:schemeClr val="accent1">
+              <a:shade val="50000"/>
+            </a:schemeClr>
+          </a:lnRef>
+          <a:fillRef idx="1">
+            <a:schemeClr val="accent1"/>
+          </a:fillRef>
+          <a:effectRef idx="0">
+            <a:schemeClr val="accent1"/>
+          </a:effectRef>
+          <a:fontRef idx="minor">
+            <a:schemeClr val="lt1"/>
+          </a:fontRef>
+        </p:style>
+        <p:txBody>
+          <a:bodyPr rtlCol="0" anchor="ctr"/>
+          <a:lstStyle/>
+          <a:p>
+            <a:pPr algn="ctr"/>
+            <a:endParaRPr lang="en-US"/>
+          </a:p>
+        </p:txBody>
+      </p:sp>
+      <p:sp>
+        <p:nvSpPr>
+          <p:cNvPr id="111" name="TextBox 110"/>
+          <p:cNvSpPr txBox="1"/>
+          <p:nvPr/>
+        </p:nvSpPr>
+        <p:spPr>
+          <a:xfrm>
+            <a:off x="3217955" y="166602"/>
+            <a:ext cx="2403750" cy="615553"/>
+          </a:xfrm>
+          <a:prstGeom prst="rect">
+            <a:avLst/>
+          </a:prstGeom>
+          <a:noFill/>
+        </p:spPr>
+        <p:txBody>
+          <a:bodyPr wrap="square" rtlCol="0">
+            <a:spAutoFit/>
+          </a:bodyPr>
+          <a:lstStyle/>
+          <a:p>
+            <a:r>
+              <a:rPr lang="en-US" sz="1000" b="1" dirty="0" smtClean="0">
+                <a:latin typeface="Bell MT" panose="02020503060305020303" pitchFamily="18" charset="0"/>
+              </a:rPr>
+              <a:t>Abandoned Shelter</a:t>
+            </a:r>
+          </a:p>
+          <a:p>
+            <a:endParaRPr lang="en-US" sz="800" dirty="0" smtClean="0">
+              <a:latin typeface="Bell MT" panose="02020503060305020303" pitchFamily="18" charset="0"/>
+            </a:endParaRPr>
+          </a:p>
+          <a:p>
+            <a:r>
+              <a:rPr lang="en-US" sz="800" dirty="0" smtClean="0">
+                <a:latin typeface="Bell MT" panose="02020503060305020303" pitchFamily="18" charset="0"/>
+              </a:rPr>
+              <a:t>You and your crew stubble across on what appears to be like an abandoned shelter.</a:t>
+            </a:r>
+            <a:endParaRPr lang="en-US" sz="800" dirty="0">
+              <a:latin typeface="Bell MT" panose="02020503060305020303" pitchFamily="18" charset="0"/>
+            </a:endParaRPr>
+          </a:p>
+        </p:txBody>
+      </p:sp>
+      <p:sp>
+        <p:nvSpPr>
+          <p:cNvPr id="112" name="TextBox 111"/>
+          <p:cNvSpPr txBox="1"/>
+          <p:nvPr/>
+        </p:nvSpPr>
+        <p:spPr>
+          <a:xfrm>
+            <a:off x="3312985" y="1613236"/>
+            <a:ext cx="712306" cy="461665"/>
+          </a:xfrm>
+          <a:prstGeom prst="rect">
+            <a:avLst/>
+          </a:prstGeom>
+          <a:noFill/>
+        </p:spPr>
+        <p:txBody>
+          <a:bodyPr wrap="square" rtlCol="0">
+            <a:spAutoFit/>
+          </a:bodyPr>
+          <a:lstStyle/>
+          <a:p>
+            <a:r>
+              <a:rPr lang="en-US" sz="600" dirty="0" smtClean="0">
+                <a:latin typeface="Bell MT" panose="02020503060305020303" pitchFamily="18" charset="0"/>
+              </a:rPr>
+              <a:t>Send one soul to inspect and get a solid report of the area.</a:t>
+            </a:r>
+          </a:p>
+        </p:txBody>
+      </p:sp>
+      <p:sp>
+        <p:nvSpPr>
+          <p:cNvPr id="113" name="Rectangle 112"/>
+          <p:cNvSpPr>
+            <a:spLocks/>
+          </p:cNvSpPr>
+          <p:nvPr/>
+        </p:nvSpPr>
+        <p:spPr>
+          <a:xfrm>
+            <a:off x="3312985" y="769191"/>
+            <a:ext cx="2248533" cy="591891"/>
+          </a:xfrm>
+          <a:prstGeom prst="rect">
+            <a:avLst/>
+          </a:prstGeom>
+          <a:solidFill>
+            <a:schemeClr val="accent1">
+              <a:lumMod val="20000"/>
+              <a:lumOff val="80000"/>
+            </a:schemeClr>
+          </a:solidFill>
+          <a:ln w="38100">
+            <a:solidFill>
+              <a:schemeClr val="tx1"/>
+            </a:solidFill>
+          </a:ln>
+        </p:spPr>
+        <p:style>
+          <a:lnRef idx="2">
+            <a:schemeClr val="accent1">
+              <a:shade val="50000"/>
+            </a:schemeClr>
+          </a:lnRef>
+          <a:fillRef idx="1">
+            <a:schemeClr val="accent1"/>
+          </a:fillRef>
+          <a:effectRef idx="0">
+            <a:schemeClr val="accent1"/>
+          </a:effectRef>
+          <a:fontRef idx="minor">
+            <a:schemeClr val="lt1"/>
+          </a:fontRef>
+        </p:style>
+        <p:txBody>
+          <a:bodyPr rtlCol="0" anchor="ctr"/>
+          <a:lstStyle/>
+          <a:p>
+            <a:pPr algn="ctr"/>
+            <a:endParaRPr lang="en-US"/>
+          </a:p>
+        </p:txBody>
+      </p:sp>
+      <p:sp>
+        <p:nvSpPr>
+          <p:cNvPr id="114" name="Rectangle 113"/>
+          <p:cNvSpPr>
+            <a:spLocks/>
+          </p:cNvSpPr>
+          <p:nvPr/>
+        </p:nvSpPr>
+        <p:spPr>
+          <a:xfrm>
+            <a:off x="3312985" y="1421544"/>
+            <a:ext cx="712306" cy="169627"/>
+          </a:xfrm>
+          <a:prstGeom prst="rect">
+            <a:avLst/>
+          </a:prstGeom>
+          <a:solidFill>
+            <a:schemeClr val="accent6">
+              <a:lumMod val="20000"/>
+              <a:lumOff val="80000"/>
+            </a:schemeClr>
+          </a:solidFill>
+          <a:ln w="38100">
+            <a:solidFill>
+              <a:schemeClr val="tx1"/>
+            </a:solidFill>
+          </a:ln>
+        </p:spPr>
+        <p:style>
+          <a:lnRef idx="2">
+            <a:schemeClr val="accent1">
+              <a:shade val="50000"/>
+            </a:schemeClr>
+          </a:lnRef>
+          <a:fillRef idx="1">
+            <a:schemeClr val="accent1"/>
+          </a:fillRef>
+          <a:effectRef idx="0">
+            <a:schemeClr val="accent1"/>
+          </a:effectRef>
+          <a:fontRef idx="minor">
+            <a:schemeClr val="lt1"/>
+          </a:fontRef>
+        </p:style>
+        <p:txBody>
+          <a:bodyPr rtlCol="0" anchor="ctr"/>
+          <a:lstStyle/>
+          <a:p>
+            <a:pPr algn="ctr"/>
+            <a:r>
+              <a:rPr lang="en-US" sz="800" dirty="0" smtClean="0">
+                <a:solidFill>
+                  <a:schemeClr val="tx1"/>
+                </a:solidFill>
+              </a:rPr>
+              <a:t>Inspect</a:t>
+            </a:r>
+            <a:endParaRPr lang="en-US" sz="800" dirty="0">
+              <a:solidFill>
+                <a:schemeClr val="tx1"/>
+              </a:solidFill>
+            </a:endParaRPr>
+          </a:p>
+        </p:txBody>
+      </p:sp>
+      <p:pic>
+        <p:nvPicPr>
+          <p:cNvPr id="115" name="Picture 114"/>
+          <p:cNvPicPr>
+            <a:picLocks noChangeAspect="1"/>
+          </p:cNvPicPr>
+          <p:nvPr/>
+        </p:nvPicPr>
+        <p:blipFill>
+          <a:blip r:embed="rId2"/>
+          <a:stretch>
+            <a:fillRect/>
+          </a:stretch>
+        </p:blipFill>
+        <p:spPr>
+          <a:xfrm>
+            <a:off x="4280944" y="914361"/>
+            <a:ext cx="301549" cy="301550"/>
+          </a:xfrm>
+          <a:prstGeom prst="rect">
+            <a:avLst/>
+          </a:prstGeom>
+        </p:spPr>
+      </p:pic>
+      <p:sp>
+        <p:nvSpPr>
+          <p:cNvPr id="116" name="Rectangle 115"/>
+          <p:cNvSpPr>
+            <a:spLocks/>
+          </p:cNvSpPr>
+          <p:nvPr/>
+        </p:nvSpPr>
+        <p:spPr>
+          <a:xfrm>
+            <a:off x="4092502" y="1421544"/>
+            <a:ext cx="712306" cy="169627"/>
+          </a:xfrm>
+          <a:prstGeom prst="rect">
+            <a:avLst/>
+          </a:prstGeom>
+          <a:solidFill>
+            <a:schemeClr val="accent6">
+              <a:lumMod val="20000"/>
+              <a:lumOff val="80000"/>
+            </a:schemeClr>
+          </a:solidFill>
+          <a:ln w="38100">
+            <a:solidFill>
+              <a:schemeClr val="tx1"/>
+            </a:solidFill>
+          </a:ln>
+        </p:spPr>
+        <p:style>
+          <a:lnRef idx="2">
+            <a:schemeClr val="accent1">
+              <a:shade val="50000"/>
+            </a:schemeClr>
+          </a:lnRef>
+          <a:fillRef idx="1">
+            <a:schemeClr val="accent1"/>
+          </a:fillRef>
+          <a:effectRef idx="0">
+            <a:schemeClr val="accent1"/>
+          </a:effectRef>
+          <a:fontRef idx="minor">
+            <a:schemeClr val="lt1"/>
+          </a:fontRef>
+        </p:style>
+        <p:txBody>
+          <a:bodyPr rtlCol="0" anchor="ctr"/>
+          <a:lstStyle/>
+          <a:p>
+            <a:pPr algn="ctr"/>
+            <a:r>
+              <a:rPr lang="en-US" sz="800" dirty="0" smtClean="0">
+                <a:solidFill>
+                  <a:schemeClr val="tx1"/>
+                </a:solidFill>
+              </a:rPr>
+              <a:t>Search</a:t>
+            </a:r>
+            <a:endParaRPr lang="en-US" sz="800" dirty="0">
+              <a:solidFill>
+                <a:schemeClr val="tx1"/>
+              </a:solidFill>
+            </a:endParaRPr>
+          </a:p>
+        </p:txBody>
+      </p:sp>
+      <p:sp>
+        <p:nvSpPr>
+          <p:cNvPr id="117" name="Rectangle 116"/>
+          <p:cNvSpPr>
+            <a:spLocks/>
+          </p:cNvSpPr>
+          <p:nvPr/>
+        </p:nvSpPr>
+        <p:spPr>
+          <a:xfrm>
+            <a:off x="4849212" y="1421544"/>
+            <a:ext cx="712306" cy="169627"/>
+          </a:xfrm>
+          <a:prstGeom prst="rect">
+            <a:avLst/>
+          </a:prstGeom>
+          <a:solidFill>
+            <a:schemeClr val="accent6">
+              <a:lumMod val="20000"/>
+              <a:lumOff val="80000"/>
+            </a:schemeClr>
+          </a:solidFill>
+          <a:ln w="38100">
+            <a:solidFill>
+              <a:schemeClr val="tx1"/>
+            </a:solidFill>
+          </a:ln>
+        </p:spPr>
+        <p:style>
+          <a:lnRef idx="2">
+            <a:schemeClr val="accent1">
+              <a:shade val="50000"/>
+            </a:schemeClr>
+          </a:lnRef>
+          <a:fillRef idx="1">
+            <a:schemeClr val="accent1"/>
+          </a:fillRef>
+          <a:effectRef idx="0">
+            <a:schemeClr val="accent1"/>
+          </a:effectRef>
+          <a:fontRef idx="minor">
+            <a:schemeClr val="lt1"/>
+          </a:fontRef>
+        </p:style>
+        <p:txBody>
+          <a:bodyPr rtlCol="0" anchor="ctr"/>
+          <a:lstStyle/>
+          <a:p>
+            <a:pPr algn="ctr"/>
+            <a:r>
+              <a:rPr lang="en-US" sz="800" dirty="0" smtClean="0">
+                <a:solidFill>
+                  <a:schemeClr val="tx1"/>
+                </a:solidFill>
+              </a:rPr>
+              <a:t>Leave</a:t>
+            </a:r>
+            <a:endParaRPr lang="en-US" sz="800" dirty="0">
+              <a:solidFill>
+                <a:schemeClr val="tx1"/>
+              </a:solidFill>
+            </a:endParaRPr>
+          </a:p>
+        </p:txBody>
+      </p:sp>
+      <p:sp>
+        <p:nvSpPr>
+          <p:cNvPr id="118" name="TextBox 117"/>
+          <p:cNvSpPr txBox="1"/>
+          <p:nvPr/>
+        </p:nvSpPr>
+        <p:spPr>
+          <a:xfrm>
+            <a:off x="4092502" y="1610999"/>
+            <a:ext cx="712306" cy="461665"/>
+          </a:xfrm>
+          <a:prstGeom prst="rect">
+            <a:avLst/>
+          </a:prstGeom>
+          <a:noFill/>
+        </p:spPr>
+        <p:txBody>
+          <a:bodyPr wrap="square" rtlCol="0">
+            <a:spAutoFit/>
+          </a:bodyPr>
+          <a:lstStyle/>
+          <a:p>
+            <a:r>
+              <a:rPr lang="en-US" sz="600" dirty="0" smtClean="0">
+                <a:latin typeface="Bell MT" panose="02020503060305020303" pitchFamily="18" charset="0"/>
+              </a:rPr>
+              <a:t>Send your crew to scavenge for fuel and supplies.</a:t>
+            </a:r>
+          </a:p>
+        </p:txBody>
+      </p:sp>
+      <p:sp>
+        <p:nvSpPr>
+          <p:cNvPr id="119" name="TextBox 118"/>
+          <p:cNvSpPr txBox="1"/>
+          <p:nvPr/>
+        </p:nvSpPr>
+        <p:spPr>
+          <a:xfrm>
+            <a:off x="4849212" y="1610999"/>
+            <a:ext cx="712306" cy="369332"/>
+          </a:xfrm>
+          <a:prstGeom prst="rect">
+            <a:avLst/>
+          </a:prstGeom>
+          <a:noFill/>
+        </p:spPr>
+        <p:txBody>
+          <a:bodyPr wrap="square" rtlCol="0">
+            <a:spAutoFit/>
+          </a:bodyPr>
+          <a:lstStyle/>
+          <a:p>
+            <a:r>
+              <a:rPr lang="en-US" sz="600" dirty="0" smtClean="0">
+                <a:latin typeface="Bell MT" panose="02020503060305020303" pitchFamily="18" charset="0"/>
+              </a:rPr>
+              <a:t>It is to risky let try another time when its safe.</a:t>
+            </a:r>
+          </a:p>
+        </p:txBody>
+      </p:sp>
+      <p:sp>
+        <p:nvSpPr>
+          <p:cNvPr id="121" name="Rectangle 120"/>
+          <p:cNvSpPr>
+            <a:spLocks/>
+          </p:cNvSpPr>
+          <p:nvPr/>
+        </p:nvSpPr>
+        <p:spPr>
+          <a:xfrm>
+            <a:off x="3111493" y="2289701"/>
+            <a:ext cx="712306" cy="169627"/>
+          </a:xfrm>
+          <a:prstGeom prst="rect">
+            <a:avLst/>
+          </a:prstGeom>
+          <a:solidFill>
+            <a:srgbClr val="00B050"/>
+          </a:solidFill>
+          <a:ln w="38100">
+            <a:solidFill>
+              <a:schemeClr val="tx1"/>
+            </a:solidFill>
+          </a:ln>
+        </p:spPr>
+        <p:style>
+          <a:lnRef idx="2">
+            <a:schemeClr val="accent1">
+              <a:shade val="50000"/>
+            </a:schemeClr>
+          </a:lnRef>
+          <a:fillRef idx="1">
+            <a:schemeClr val="accent1"/>
+          </a:fillRef>
+          <a:effectRef idx="0">
+            <a:schemeClr val="accent1"/>
+          </a:effectRef>
+          <a:fontRef idx="minor">
+            <a:schemeClr val="lt1"/>
+          </a:fontRef>
+        </p:style>
+        <p:txBody>
+          <a:bodyPr rtlCol="0" anchor="ctr"/>
+          <a:lstStyle/>
+          <a:p>
+            <a:pPr algn="ctr"/>
+            <a:r>
+              <a:rPr lang="en-US" sz="1200" dirty="0" smtClean="0">
+                <a:solidFill>
+                  <a:schemeClr val="tx1"/>
+                </a:solidFill>
+              </a:rPr>
+              <a:t>Success</a:t>
+            </a:r>
+            <a:endParaRPr lang="en-US" sz="1200" dirty="0">
+              <a:solidFill>
+                <a:schemeClr val="tx1"/>
+              </a:solidFill>
+            </a:endParaRPr>
+          </a:p>
+        </p:txBody>
+      </p:sp>
+      <p:sp>
+        <p:nvSpPr>
+          <p:cNvPr id="122" name="Rectangle 121"/>
+          <p:cNvSpPr>
+            <a:spLocks/>
+          </p:cNvSpPr>
+          <p:nvPr/>
+        </p:nvSpPr>
+        <p:spPr>
+          <a:xfrm>
+            <a:off x="5038823" y="2289701"/>
+            <a:ext cx="712306" cy="169627"/>
+          </a:xfrm>
+          <a:prstGeom prst="rect">
+            <a:avLst/>
+          </a:prstGeom>
+          <a:solidFill>
+            <a:srgbClr val="FF0000"/>
+          </a:solidFill>
+          <a:ln w="38100">
+            <a:solidFill>
+              <a:schemeClr val="tx1"/>
+            </a:solidFill>
+          </a:ln>
+        </p:spPr>
+        <p:style>
+          <a:lnRef idx="2">
+            <a:schemeClr val="accent1">
+              <a:shade val="50000"/>
+            </a:schemeClr>
+          </a:lnRef>
+          <a:fillRef idx="1">
+            <a:schemeClr val="accent1"/>
+          </a:fillRef>
+          <a:effectRef idx="0">
+            <a:schemeClr val="accent1"/>
+          </a:effectRef>
+          <a:fontRef idx="minor">
+            <a:schemeClr val="lt1"/>
+          </a:fontRef>
+        </p:style>
+        <p:txBody>
+          <a:bodyPr rtlCol="0" anchor="ctr"/>
+          <a:lstStyle/>
+          <a:p>
+            <a:pPr algn="ctr"/>
+            <a:r>
+              <a:rPr lang="en-US" sz="1200" dirty="0" smtClean="0">
+                <a:solidFill>
+                  <a:schemeClr val="tx1"/>
+                </a:solidFill>
+              </a:rPr>
+              <a:t>Fail</a:t>
+            </a:r>
+            <a:endParaRPr lang="en-US" sz="1200" dirty="0">
+              <a:solidFill>
+                <a:schemeClr val="tx1"/>
+              </a:solidFill>
+            </a:endParaRPr>
+          </a:p>
+        </p:txBody>
+      </p:sp>
+      <p:grpSp>
+        <p:nvGrpSpPr>
+          <p:cNvPr id="123" name="Group 122"/>
+          <p:cNvGrpSpPr/>
+          <p:nvPr/>
+        </p:nvGrpSpPr>
+        <p:grpSpPr>
+          <a:xfrm>
+            <a:off x="4669459" y="1538694"/>
+            <a:ext cx="211402" cy="225880"/>
+            <a:chOff x="2519086" y="4255462"/>
+            <a:chExt cx="309033" cy="330200"/>
+          </a:xfrm>
+        </p:grpSpPr>
+        <p:sp>
+          <p:nvSpPr>
+            <p:cNvPr id="124" name="Freeform 123"/>
+            <p:cNvSpPr/>
+            <p:nvPr/>
+          </p:nvSpPr>
+          <p:spPr>
+            <a:xfrm>
+              <a:off x="2519086" y="4255462"/>
+              <a:ext cx="309033" cy="330200"/>
+            </a:xfrm>
+            <a:custGeom>
+              <a:avLst/>
+              <a:gdLst>
+                <a:gd name="connsiteX0" fmla="*/ 0 w 309033"/>
+                <a:gd name="connsiteY0" fmla="*/ 0 h 330200"/>
+                <a:gd name="connsiteX1" fmla="*/ 63500 w 309033"/>
+                <a:gd name="connsiteY1" fmla="*/ 330200 h 330200"/>
+                <a:gd name="connsiteX2" fmla="*/ 173567 w 309033"/>
+                <a:gd name="connsiteY2" fmla="*/ 182033 h 330200"/>
+                <a:gd name="connsiteX3" fmla="*/ 309033 w 309033"/>
+                <a:gd name="connsiteY3" fmla="*/ 165100 h 330200"/>
+                <a:gd name="connsiteX4" fmla="*/ 0 w 309033"/>
+                <a:gd name="connsiteY4" fmla="*/ 0 h 330200"/>
+              </a:gdLst>
+              <a:ahLst/>
+              <a:cxnLst>
+                <a:cxn ang="0">
+                  <a:pos x="connsiteX0" y="connsiteY0"/>
+                </a:cxn>
+                <a:cxn ang="0">
+                  <a:pos x="connsiteX1" y="connsiteY1"/>
+                </a:cxn>
+                <a:cxn ang="0">
+                  <a:pos x="connsiteX2" y="connsiteY2"/>
+                </a:cxn>
+                <a:cxn ang="0">
+                  <a:pos x="connsiteX3" y="connsiteY3"/>
+                </a:cxn>
+                <a:cxn ang="0">
+                  <a:pos x="connsiteX4" y="connsiteY4"/>
+                </a:cxn>
+              </a:cxnLst>
+              <a:rect l="l" t="t" r="r" b="b"/>
+              <a:pathLst>
+                <a:path w="309033" h="330200">
+                  <a:moveTo>
+                    <a:pt x="0" y="0"/>
+                  </a:moveTo>
+                  <a:lnTo>
+                    <a:pt x="63500" y="330200"/>
+                  </a:lnTo>
+                  <a:lnTo>
+                    <a:pt x="173567" y="182033"/>
+                  </a:lnTo>
+                  <a:lnTo>
+                    <a:pt x="309033" y="165100"/>
+                  </a:lnTo>
+                  <a:lnTo>
+                    <a:pt x="0" y="0"/>
+                  </a:lnTo>
+                  <a:close/>
+                </a:path>
+              </a:pathLst>
+            </a:custGeom>
+            <a:ln w="28575">
+              <a:solidFill>
+                <a:schemeClr val="tx1"/>
+              </a:solidFill>
+            </a:ln>
+          </p:spPr>
+          <p:style>
+            <a:lnRef idx="2">
+              <a:schemeClr val="accent1">
+                <a:shade val="50000"/>
+              </a:schemeClr>
+            </a:lnRef>
+            <a:fillRef idx="1">
+              <a:schemeClr val="accent1"/>
+            </a:fillRef>
+            <a:effectRef idx="0">
+              <a:schemeClr val="accent1"/>
+            </a:effectRef>
+            <a:fontRef idx="minor">
+              <a:schemeClr val="lt1"/>
+            </a:fontRef>
+          </p:style>
+          <p:txBody>
+            <a:bodyPr rtlCol="0" anchor="ctr"/>
+            <a:lstStyle/>
+            <a:p>
+              <a:pPr algn="ctr"/>
+              <a:endParaRPr lang="en-US"/>
+            </a:p>
+          </p:txBody>
+        </p:sp>
+        <p:cxnSp>
+          <p:nvCxnSpPr>
+            <p:cNvPr id="125" name="Straight Connector 124"/>
+            <p:cNvCxnSpPr>
+              <a:stCxn id="124" idx="0"/>
+              <a:endCxn id="124" idx="2"/>
+            </p:cNvCxnSpPr>
+            <p:nvPr/>
+          </p:nvCxnSpPr>
+          <p:spPr>
+            <a:xfrm>
+              <a:off x="2519086" y="4255462"/>
+              <a:ext cx="173567" cy="182033"/>
+            </a:xfrm>
+            <a:prstGeom prst="line">
+              <a:avLst/>
+            </a:prstGeom>
+            <a:ln w="28575"/>
+          </p:spPr>
+          <p:style>
+            <a:lnRef idx="1">
+              <a:schemeClr val="dk1"/>
+            </a:lnRef>
+            <a:fillRef idx="0">
+              <a:schemeClr val="dk1"/>
+            </a:fillRef>
+            <a:effectRef idx="0">
+              <a:schemeClr val="dk1"/>
+            </a:effectRef>
+            <a:fontRef idx="minor">
+              <a:schemeClr val="tx1"/>
+            </a:fontRef>
+          </p:style>
+        </p:cxnSp>
+      </p:grpSp>
+      <p:sp>
+        <p:nvSpPr>
+          <p:cNvPr id="135" name="TextBox 134"/>
+          <p:cNvSpPr txBox="1"/>
+          <p:nvPr/>
+        </p:nvSpPr>
+        <p:spPr>
+          <a:xfrm>
+            <a:off x="3934055" y="2531281"/>
+            <a:ext cx="375563" cy="246221"/>
+          </a:xfrm>
+          <a:prstGeom prst="rect">
+            <a:avLst/>
+          </a:prstGeom>
+          <a:noFill/>
+        </p:spPr>
+        <p:txBody>
+          <a:bodyPr wrap="square" rtlCol="0">
+            <a:spAutoFit/>
+          </a:bodyPr>
+          <a:lstStyle/>
+          <a:p>
+            <a:pPr algn="ctr"/>
+            <a:r>
+              <a:rPr lang="en-US" sz="1000" dirty="0" smtClean="0">
+                <a:solidFill>
+                  <a:srgbClr val="FF0000"/>
+                </a:solidFill>
+                <a:latin typeface="Bell MT" panose="02020503060305020303" pitchFamily="18" charset="0"/>
+              </a:rPr>
+              <a:t>-1</a:t>
+            </a:r>
+          </a:p>
+        </p:txBody>
+      </p:sp>
+      <p:sp>
+        <p:nvSpPr>
+          <p:cNvPr id="136" name="TextBox 135"/>
+          <p:cNvSpPr txBox="1"/>
+          <p:nvPr/>
+        </p:nvSpPr>
+        <p:spPr>
+          <a:xfrm>
+            <a:off x="3049501" y="2531281"/>
+            <a:ext cx="375563" cy="246221"/>
+          </a:xfrm>
+          <a:prstGeom prst="rect">
+            <a:avLst/>
+          </a:prstGeom>
+          <a:noFill/>
+        </p:spPr>
+        <p:txBody>
+          <a:bodyPr wrap="square" rtlCol="0">
+            <a:spAutoFit/>
+          </a:bodyPr>
+          <a:lstStyle/>
+          <a:p>
+            <a:pPr algn="ctr"/>
+            <a:r>
+              <a:rPr lang="en-US" sz="1000" dirty="0" smtClean="0">
+                <a:solidFill>
+                  <a:srgbClr val="00B050"/>
+                </a:solidFill>
+                <a:latin typeface="Bell MT" panose="02020503060305020303" pitchFamily="18" charset="0"/>
+              </a:rPr>
+              <a:t>+?</a:t>
+            </a:r>
+          </a:p>
+        </p:txBody>
+      </p:sp>
+      <p:pic>
+        <p:nvPicPr>
+          <p:cNvPr id="137" name="Picture 136"/>
+          <p:cNvPicPr>
+            <a:picLocks noChangeAspect="1"/>
+          </p:cNvPicPr>
+          <p:nvPr/>
+        </p:nvPicPr>
+        <p:blipFill>
+          <a:blip r:embed="rId3"/>
+          <a:stretch>
+            <a:fillRect/>
+          </a:stretch>
+        </p:blipFill>
+        <p:spPr>
+          <a:xfrm>
+            <a:off x="4201468" y="2526176"/>
+            <a:ext cx="256430" cy="256430"/>
+          </a:xfrm>
+          <a:prstGeom prst="rect">
+            <a:avLst/>
+          </a:prstGeom>
+        </p:spPr>
+      </p:pic>
+      <p:pic>
+        <p:nvPicPr>
+          <p:cNvPr id="138" name="Picture 137"/>
+          <p:cNvPicPr>
+            <a:picLocks noChangeAspect="1"/>
+          </p:cNvPicPr>
+          <p:nvPr/>
+        </p:nvPicPr>
+        <p:blipFill>
+          <a:blip r:embed="rId4"/>
+          <a:stretch>
+            <a:fillRect/>
+          </a:stretch>
+        </p:blipFill>
+        <p:spPr>
+          <a:xfrm>
+            <a:off x="3326160" y="2526176"/>
+            <a:ext cx="256430" cy="256430"/>
+          </a:xfrm>
+          <a:prstGeom prst="rect">
+            <a:avLst/>
+          </a:prstGeom>
+        </p:spPr>
+      </p:pic>
+      <p:pic>
+        <p:nvPicPr>
+          <p:cNvPr id="139" name="Picture 138"/>
+          <p:cNvPicPr>
+            <a:picLocks noChangeAspect="1"/>
+          </p:cNvPicPr>
+          <p:nvPr/>
+        </p:nvPicPr>
+        <p:blipFill>
+          <a:blip r:embed="rId5"/>
+          <a:stretch>
+            <a:fillRect/>
+          </a:stretch>
+        </p:blipFill>
+        <p:spPr>
+          <a:xfrm>
+            <a:off x="3769017" y="2526176"/>
+            <a:ext cx="256430" cy="256430"/>
+          </a:xfrm>
+          <a:prstGeom prst="rect">
+            <a:avLst/>
+          </a:prstGeom>
+        </p:spPr>
+      </p:pic>
+      <p:sp>
+        <p:nvSpPr>
+          <p:cNvPr id="140" name="TextBox 139"/>
+          <p:cNvSpPr txBox="1"/>
+          <p:nvPr/>
+        </p:nvSpPr>
+        <p:spPr>
+          <a:xfrm>
+            <a:off x="3495229" y="2531281"/>
+            <a:ext cx="375563" cy="246221"/>
+          </a:xfrm>
+          <a:prstGeom prst="rect">
+            <a:avLst/>
+          </a:prstGeom>
+          <a:noFill/>
+        </p:spPr>
+        <p:txBody>
+          <a:bodyPr wrap="square" rtlCol="0">
+            <a:spAutoFit/>
+          </a:bodyPr>
+          <a:lstStyle/>
+          <a:p>
+            <a:pPr algn="ctr"/>
+            <a:r>
+              <a:rPr lang="en-US" sz="1000" dirty="0" smtClean="0">
+                <a:solidFill>
+                  <a:srgbClr val="00B050"/>
+                </a:solidFill>
+                <a:latin typeface="Bell MT" panose="02020503060305020303" pitchFamily="18" charset="0"/>
+              </a:rPr>
+              <a:t>+?</a:t>
+            </a:r>
+          </a:p>
+        </p:txBody>
+      </p:sp>
+      <p:sp>
+        <p:nvSpPr>
+          <p:cNvPr id="141" name="TextBox 140"/>
+          <p:cNvSpPr txBox="1"/>
+          <p:nvPr/>
+        </p:nvSpPr>
+        <p:spPr>
+          <a:xfrm>
+            <a:off x="5220079" y="2531281"/>
+            <a:ext cx="375563" cy="246221"/>
+          </a:xfrm>
+          <a:prstGeom prst="rect">
+            <a:avLst/>
+          </a:prstGeom>
+          <a:noFill/>
+        </p:spPr>
+        <p:txBody>
+          <a:bodyPr wrap="square" rtlCol="0">
+            <a:spAutoFit/>
+          </a:bodyPr>
+          <a:lstStyle/>
+          <a:p>
+            <a:pPr algn="ctr"/>
+            <a:r>
+              <a:rPr lang="en-US" sz="1000" dirty="0" smtClean="0">
+                <a:solidFill>
+                  <a:srgbClr val="FF0000"/>
+                </a:solidFill>
+                <a:latin typeface="Bell MT" panose="02020503060305020303" pitchFamily="18" charset="0"/>
+              </a:rPr>
+              <a:t>-1</a:t>
+            </a:r>
+          </a:p>
+        </p:txBody>
+      </p:sp>
+      <p:pic>
+        <p:nvPicPr>
+          <p:cNvPr id="142" name="Picture 141"/>
+          <p:cNvPicPr>
+            <a:picLocks noChangeAspect="1"/>
+          </p:cNvPicPr>
+          <p:nvPr/>
+        </p:nvPicPr>
+        <p:blipFill>
+          <a:blip r:embed="rId3"/>
+          <a:stretch>
+            <a:fillRect/>
+          </a:stretch>
+        </p:blipFill>
+        <p:spPr>
+          <a:xfrm>
+            <a:off x="5462934" y="2526176"/>
+            <a:ext cx="256430" cy="256430"/>
+          </a:xfrm>
+          <a:prstGeom prst="rect">
+            <a:avLst/>
+          </a:prstGeom>
+        </p:spPr>
+      </p:pic>
+      <p:sp>
+        <p:nvSpPr>
+          <p:cNvPr id="143" name="TextBox 142"/>
+          <p:cNvSpPr txBox="1"/>
+          <p:nvPr/>
+        </p:nvSpPr>
+        <p:spPr>
+          <a:xfrm>
+            <a:off x="4783399" y="2531281"/>
+            <a:ext cx="375563" cy="246221"/>
+          </a:xfrm>
+          <a:prstGeom prst="rect">
+            <a:avLst/>
+          </a:prstGeom>
+          <a:noFill/>
+        </p:spPr>
+        <p:txBody>
+          <a:bodyPr wrap="square" rtlCol="0">
+            <a:spAutoFit/>
+          </a:bodyPr>
+          <a:lstStyle/>
+          <a:p>
+            <a:pPr algn="ctr"/>
+            <a:r>
+              <a:rPr lang="en-US" sz="1000" dirty="0" smtClean="0">
+                <a:solidFill>
+                  <a:srgbClr val="FF0000"/>
+                </a:solidFill>
+                <a:latin typeface="Bell MT" panose="02020503060305020303" pitchFamily="18" charset="0"/>
+              </a:rPr>
+              <a:t>-?</a:t>
+            </a:r>
+          </a:p>
+        </p:txBody>
+      </p:sp>
+      <p:pic>
+        <p:nvPicPr>
+          <p:cNvPr id="144" name="Picture 143"/>
+          <p:cNvPicPr>
+            <a:picLocks noChangeAspect="1"/>
+          </p:cNvPicPr>
+          <p:nvPr/>
+        </p:nvPicPr>
+        <p:blipFill>
+          <a:blip r:embed="rId7"/>
+          <a:stretch>
+            <a:fillRect/>
+          </a:stretch>
+        </p:blipFill>
+        <p:spPr>
+          <a:xfrm>
+            <a:off x="5035211" y="2526176"/>
+            <a:ext cx="256430" cy="256430"/>
+          </a:xfrm>
+          <a:prstGeom prst="rect">
+            <a:avLst/>
+          </a:prstGeom>
+        </p:spPr>
+      </p:pic>
+      <p:cxnSp>
+        <p:nvCxnSpPr>
+          <p:cNvPr id="150" name="Elbow Connector 149"/>
+          <p:cNvCxnSpPr>
+            <a:stCxn id="9" idx="2"/>
+            <a:endCxn id="81" idx="0"/>
+          </p:cNvCxnSpPr>
+          <p:nvPr/>
+        </p:nvCxnSpPr>
+        <p:spPr>
+          <a:xfrm rot="16200000" flipH="1">
+            <a:off x="1121011" y="3074663"/>
+            <a:ext cx="527339" cy="326"/>
+          </a:xfrm>
+          <a:prstGeom prst="bentConnector3">
+            <a:avLst/>
+          </a:prstGeom>
+          <a:ln>
+            <a:solidFill>
+              <a:srgbClr val="7030A0"/>
+            </a:solidFill>
+            <a:tailEnd type="triangle"/>
+          </a:ln>
+        </p:spPr>
+        <p:style>
+          <a:lnRef idx="1">
+            <a:schemeClr val="accent1"/>
+          </a:lnRef>
+          <a:fillRef idx="0">
+            <a:schemeClr val="accent1"/>
+          </a:fillRef>
+          <a:effectRef idx="0">
+            <a:schemeClr val="accent1"/>
+          </a:effectRef>
+          <a:fontRef idx="minor">
+            <a:schemeClr val="tx1"/>
+          </a:fontRef>
+        </p:style>
+      </p:cxnSp>
+      <p:cxnSp>
+        <p:nvCxnSpPr>
+          <p:cNvPr id="151" name="Elbow Connector 150"/>
+          <p:cNvCxnSpPr>
+            <a:stCxn id="9" idx="2"/>
+            <a:endCxn id="58" idx="0"/>
+          </p:cNvCxnSpPr>
+          <p:nvPr/>
+        </p:nvCxnSpPr>
+        <p:spPr>
+          <a:xfrm rot="16200000" flipH="1">
+            <a:off x="2531017" y="1664657"/>
+            <a:ext cx="527339" cy="2820338"/>
+          </a:xfrm>
+          <a:prstGeom prst="bentConnector3">
+            <a:avLst/>
+          </a:prstGeom>
+          <a:ln>
+            <a:solidFill>
+              <a:srgbClr val="7030A0"/>
+            </a:solidFill>
+            <a:tailEnd type="triangle"/>
+          </a:ln>
+        </p:spPr>
+        <p:style>
+          <a:lnRef idx="1">
+            <a:schemeClr val="accent1"/>
+          </a:lnRef>
+          <a:fillRef idx="0">
+            <a:schemeClr val="accent1"/>
+          </a:fillRef>
+          <a:effectRef idx="0">
+            <a:schemeClr val="accent1"/>
+          </a:effectRef>
+          <a:fontRef idx="minor">
+            <a:schemeClr val="tx1"/>
+          </a:fontRef>
+        </p:style>
+      </p:cxnSp>
+      <p:sp>
+        <p:nvSpPr>
+          <p:cNvPr id="157" name="TextBox 156"/>
+          <p:cNvSpPr txBox="1"/>
+          <p:nvPr/>
+        </p:nvSpPr>
+        <p:spPr>
+          <a:xfrm>
+            <a:off x="2742748" y="1392237"/>
+            <a:ext cx="333559" cy="246221"/>
+          </a:xfrm>
+          <a:prstGeom prst="rect">
+            <a:avLst/>
+          </a:prstGeom>
+          <a:noFill/>
+        </p:spPr>
+        <p:txBody>
+          <a:bodyPr wrap="square" rtlCol="0">
+            <a:spAutoFit/>
+          </a:bodyPr>
+          <a:lstStyle/>
+          <a:p>
+            <a:r>
+              <a:rPr lang="en-US" sz="1000" b="1" dirty="0" smtClean="0">
+                <a:latin typeface="Bell MT" panose="02020503060305020303" pitchFamily="18" charset="0"/>
+              </a:rPr>
+              <a:t>or</a:t>
+            </a:r>
+            <a:endParaRPr lang="en-US" sz="800" dirty="0">
+              <a:latin typeface="Bell MT" panose="02020503060305020303" pitchFamily="18" charset="0"/>
+            </a:endParaRPr>
+          </a:p>
+        </p:txBody>
+      </p:sp>
+      <p:sp>
+        <p:nvSpPr>
+          <p:cNvPr id="120" name="TextBox 119"/>
+          <p:cNvSpPr txBox="1"/>
+          <p:nvPr/>
+        </p:nvSpPr>
+        <p:spPr>
+          <a:xfrm>
+            <a:off x="954451" y="3076857"/>
+            <a:ext cx="404312" cy="246221"/>
+          </a:xfrm>
+          <a:prstGeom prst="rect">
+            <a:avLst/>
+          </a:prstGeom>
+          <a:noFill/>
+        </p:spPr>
+        <p:txBody>
+          <a:bodyPr wrap="square" rtlCol="0">
+            <a:spAutoFit/>
+          </a:bodyPr>
+          <a:lstStyle/>
+          <a:p>
+            <a:r>
+              <a:rPr lang="en-US" sz="1000" b="1" dirty="0" smtClean="0">
+                <a:solidFill>
+                  <a:srgbClr val="FF0000"/>
+                </a:solidFill>
+                <a:latin typeface="Bell MT" panose="02020503060305020303" pitchFamily="18" charset="0"/>
+              </a:rPr>
+              <a:t>Fail</a:t>
+            </a:r>
+            <a:endParaRPr lang="en-US" sz="800" dirty="0">
+              <a:solidFill>
+                <a:srgbClr val="FF0000"/>
+              </a:solidFill>
+              <a:latin typeface="Bell MT" panose="02020503060305020303" pitchFamily="18" charset="0"/>
+            </a:endParaRPr>
+          </a:p>
+        </p:txBody>
+      </p:sp>
+      <p:sp>
+        <p:nvSpPr>
+          <p:cNvPr id="126" name="TextBox 125"/>
+          <p:cNvSpPr txBox="1"/>
+          <p:nvPr/>
+        </p:nvSpPr>
+        <p:spPr>
+          <a:xfrm>
+            <a:off x="3546403" y="3076857"/>
+            <a:ext cx="640532" cy="246221"/>
+          </a:xfrm>
+          <a:prstGeom prst="rect">
+            <a:avLst/>
+          </a:prstGeom>
+          <a:noFill/>
+        </p:spPr>
+        <p:txBody>
+          <a:bodyPr wrap="square" rtlCol="0">
+            <a:spAutoFit/>
+          </a:bodyPr>
+          <a:lstStyle/>
+          <a:p>
+            <a:r>
+              <a:rPr lang="en-US" sz="1000" b="1" dirty="0" smtClean="0">
+                <a:solidFill>
+                  <a:srgbClr val="00B050"/>
+                </a:solidFill>
+                <a:latin typeface="Bell MT" panose="02020503060305020303" pitchFamily="18" charset="0"/>
+              </a:rPr>
+              <a:t>Success</a:t>
+            </a:r>
+            <a:endParaRPr lang="en-US" sz="800" dirty="0">
+              <a:solidFill>
+                <a:srgbClr val="00B050"/>
+              </a:solidFill>
+              <a:latin typeface="Bell MT" panose="02020503060305020303" pitchFamily="18" charset="0"/>
+            </a:endParaRPr>
+          </a:p>
+        </p:txBody>
+      </p:sp>
+      <p:sp>
+        <p:nvSpPr>
+          <p:cNvPr id="127" name="TextBox 126"/>
+          <p:cNvSpPr txBox="1"/>
+          <p:nvPr/>
+        </p:nvSpPr>
+        <p:spPr>
+          <a:xfrm>
+            <a:off x="773888" y="2278563"/>
+            <a:ext cx="457200" cy="246221"/>
+          </a:xfrm>
+          <a:prstGeom prst="rect">
+            <a:avLst/>
+          </a:prstGeom>
+          <a:noFill/>
+        </p:spPr>
+        <p:txBody>
+          <a:bodyPr wrap="square" rtlCol="0">
+            <a:spAutoFit/>
+          </a:bodyPr>
+          <a:lstStyle/>
+          <a:p>
+            <a:pPr algn="ctr"/>
+            <a:r>
+              <a:rPr lang="en-US" sz="1000" dirty="0" smtClean="0">
+                <a:solidFill>
+                  <a:srgbClr val="00B050"/>
+                </a:solidFill>
+                <a:latin typeface="Bell MT" panose="02020503060305020303" pitchFamily="18" charset="0"/>
+              </a:rPr>
+              <a:t>50%</a:t>
+            </a:r>
+          </a:p>
+        </p:txBody>
+      </p:sp>
+      <p:sp>
+        <p:nvSpPr>
+          <p:cNvPr id="128" name="TextBox 127"/>
+          <p:cNvSpPr txBox="1"/>
+          <p:nvPr/>
+        </p:nvSpPr>
+        <p:spPr>
+          <a:xfrm>
+            <a:off x="1536349" y="2278563"/>
+            <a:ext cx="457200" cy="246221"/>
+          </a:xfrm>
+          <a:prstGeom prst="rect">
+            <a:avLst/>
+          </a:prstGeom>
+          <a:noFill/>
+        </p:spPr>
+        <p:txBody>
+          <a:bodyPr wrap="square" rtlCol="0">
+            <a:spAutoFit/>
+          </a:bodyPr>
+          <a:lstStyle/>
+          <a:p>
+            <a:pPr algn="ctr"/>
+            <a:r>
+              <a:rPr lang="en-US" sz="1000" dirty="0" smtClean="0">
+                <a:solidFill>
+                  <a:srgbClr val="FF0000"/>
+                </a:solidFill>
+                <a:latin typeface="Bell MT" panose="02020503060305020303" pitchFamily="18" charset="0"/>
+              </a:rPr>
+              <a:t>50%</a:t>
+            </a:r>
+          </a:p>
+        </p:txBody>
+      </p:sp>
+      <p:sp>
+        <p:nvSpPr>
+          <p:cNvPr id="131" name="TextBox 130"/>
+          <p:cNvSpPr txBox="1"/>
+          <p:nvPr/>
+        </p:nvSpPr>
+        <p:spPr>
+          <a:xfrm>
+            <a:off x="3830234" y="2251404"/>
+            <a:ext cx="457200" cy="246221"/>
+          </a:xfrm>
+          <a:prstGeom prst="rect">
+            <a:avLst/>
+          </a:prstGeom>
+          <a:noFill/>
+        </p:spPr>
+        <p:txBody>
+          <a:bodyPr wrap="square" rtlCol="0">
+            <a:spAutoFit/>
+          </a:bodyPr>
+          <a:lstStyle/>
+          <a:p>
+            <a:pPr algn="ctr"/>
+            <a:r>
+              <a:rPr lang="en-US" sz="1000" dirty="0" smtClean="0">
+                <a:solidFill>
+                  <a:srgbClr val="00B050"/>
+                </a:solidFill>
+                <a:latin typeface="Bell MT" panose="02020503060305020303" pitchFamily="18" charset="0"/>
+              </a:rPr>
+              <a:t>50%</a:t>
+            </a:r>
+          </a:p>
+        </p:txBody>
+      </p:sp>
+      <p:sp>
+        <p:nvSpPr>
+          <p:cNvPr id="132" name="TextBox 131"/>
+          <p:cNvSpPr txBox="1"/>
+          <p:nvPr/>
+        </p:nvSpPr>
+        <p:spPr>
+          <a:xfrm>
+            <a:off x="4592695" y="2251404"/>
+            <a:ext cx="457200" cy="246221"/>
+          </a:xfrm>
+          <a:prstGeom prst="rect">
+            <a:avLst/>
+          </a:prstGeom>
+          <a:noFill/>
+        </p:spPr>
+        <p:txBody>
+          <a:bodyPr wrap="square" rtlCol="0">
+            <a:spAutoFit/>
+          </a:bodyPr>
+          <a:lstStyle/>
+          <a:p>
+            <a:pPr algn="ctr"/>
+            <a:r>
+              <a:rPr lang="en-US" sz="1000" dirty="0" smtClean="0">
+                <a:solidFill>
+                  <a:srgbClr val="FF0000"/>
+                </a:solidFill>
+                <a:latin typeface="Bell MT" panose="02020503060305020303" pitchFamily="18" charset="0"/>
+              </a:rPr>
+              <a:t>50%</a:t>
+            </a:r>
+          </a:p>
+        </p:txBody>
+      </p:sp>
+      <p:sp>
+        <p:nvSpPr>
+          <p:cNvPr id="133" name="TextBox 132"/>
+          <p:cNvSpPr txBox="1"/>
+          <p:nvPr/>
+        </p:nvSpPr>
+        <p:spPr>
+          <a:xfrm>
+            <a:off x="800531" y="5543751"/>
+            <a:ext cx="457200" cy="246221"/>
+          </a:xfrm>
+          <a:prstGeom prst="rect">
+            <a:avLst/>
+          </a:prstGeom>
+          <a:noFill/>
+        </p:spPr>
+        <p:txBody>
+          <a:bodyPr wrap="square" rtlCol="0">
+            <a:spAutoFit/>
+          </a:bodyPr>
+          <a:lstStyle/>
+          <a:p>
+            <a:pPr algn="ctr"/>
+            <a:r>
+              <a:rPr lang="en-US" sz="1000" dirty="0" smtClean="0">
+                <a:solidFill>
+                  <a:srgbClr val="00B050"/>
+                </a:solidFill>
+                <a:latin typeface="Bell MT" panose="02020503060305020303" pitchFamily="18" charset="0"/>
+              </a:rPr>
+              <a:t>25%</a:t>
+            </a:r>
+          </a:p>
+        </p:txBody>
+      </p:sp>
+      <p:sp>
+        <p:nvSpPr>
+          <p:cNvPr id="134" name="TextBox 133"/>
+          <p:cNvSpPr txBox="1"/>
+          <p:nvPr/>
+        </p:nvSpPr>
+        <p:spPr>
+          <a:xfrm>
+            <a:off x="1562992" y="5543751"/>
+            <a:ext cx="457200" cy="246221"/>
+          </a:xfrm>
+          <a:prstGeom prst="rect">
+            <a:avLst/>
+          </a:prstGeom>
+          <a:noFill/>
+        </p:spPr>
+        <p:txBody>
+          <a:bodyPr wrap="square" rtlCol="0">
+            <a:spAutoFit/>
+          </a:bodyPr>
+          <a:lstStyle/>
+          <a:p>
+            <a:pPr algn="ctr"/>
+            <a:r>
+              <a:rPr lang="en-US" sz="1000" dirty="0" smtClean="0">
+                <a:solidFill>
+                  <a:srgbClr val="FF0000"/>
+                </a:solidFill>
+                <a:latin typeface="Bell MT" panose="02020503060305020303" pitchFamily="18" charset="0"/>
+              </a:rPr>
+              <a:t>75%</a:t>
+            </a:r>
+          </a:p>
+        </p:txBody>
+      </p:sp>
+      <p:sp>
+        <p:nvSpPr>
+          <p:cNvPr id="145" name="TextBox 144"/>
+          <p:cNvSpPr txBox="1"/>
+          <p:nvPr/>
+        </p:nvSpPr>
+        <p:spPr>
+          <a:xfrm>
+            <a:off x="3596755" y="5543751"/>
+            <a:ext cx="522196" cy="246221"/>
+          </a:xfrm>
+          <a:prstGeom prst="rect">
+            <a:avLst/>
+          </a:prstGeom>
+          <a:noFill/>
+        </p:spPr>
+        <p:txBody>
+          <a:bodyPr wrap="square" rtlCol="0">
+            <a:spAutoFit/>
+          </a:bodyPr>
+          <a:lstStyle/>
+          <a:p>
+            <a:pPr algn="ctr"/>
+            <a:r>
+              <a:rPr lang="en-US" sz="1000" dirty="0" smtClean="0">
+                <a:solidFill>
+                  <a:srgbClr val="00B050"/>
+                </a:solidFill>
+                <a:latin typeface="Bell MT" panose="02020503060305020303" pitchFamily="18" charset="0"/>
+              </a:rPr>
+              <a:t>100%</a:t>
+            </a:r>
+          </a:p>
+        </p:txBody>
+      </p:sp>
+      <p:sp>
+        <p:nvSpPr>
+          <p:cNvPr id="146" name="TextBox 145"/>
+          <p:cNvSpPr txBox="1"/>
+          <p:nvPr/>
+        </p:nvSpPr>
+        <p:spPr>
+          <a:xfrm>
+            <a:off x="4390661" y="5543751"/>
+            <a:ext cx="457200" cy="246221"/>
+          </a:xfrm>
+          <a:prstGeom prst="rect">
+            <a:avLst/>
+          </a:prstGeom>
+          <a:noFill/>
+        </p:spPr>
+        <p:txBody>
+          <a:bodyPr wrap="square" rtlCol="0">
+            <a:spAutoFit/>
+          </a:bodyPr>
+          <a:lstStyle/>
+          <a:p>
+            <a:pPr algn="ctr"/>
+            <a:r>
+              <a:rPr lang="en-US" sz="1000" dirty="0" smtClean="0">
+                <a:solidFill>
+                  <a:srgbClr val="FF0000"/>
+                </a:solidFill>
+                <a:latin typeface="Bell MT" panose="02020503060305020303" pitchFamily="18" charset="0"/>
+              </a:rPr>
+              <a:t>0%</a:t>
+            </a:r>
+          </a:p>
+        </p:txBody>
+      </p:sp>
+      <p:sp>
+        <p:nvSpPr>
+          <p:cNvPr id="147" name="Rectangle 146"/>
+          <p:cNvSpPr>
+            <a:spLocks/>
+          </p:cNvSpPr>
+          <p:nvPr/>
+        </p:nvSpPr>
+        <p:spPr>
+          <a:xfrm>
+            <a:off x="5879373" y="1870177"/>
+            <a:ext cx="4350477" cy="813114"/>
+          </a:xfrm>
+          <a:prstGeom prst="rect">
+            <a:avLst/>
+          </a:prstGeom>
+          <a:noFill/>
+          <a:ln w="12700">
+            <a:solidFill>
+              <a:schemeClr val="tx1"/>
+            </a:solidFill>
+          </a:ln>
+        </p:spPr>
+        <p:style>
+          <a:lnRef idx="2">
+            <a:schemeClr val="accent1">
+              <a:shade val="50000"/>
+            </a:schemeClr>
+          </a:lnRef>
+          <a:fillRef idx="1">
+            <a:schemeClr val="accent1"/>
+          </a:fillRef>
+          <a:effectRef idx="0">
+            <a:schemeClr val="accent1"/>
+          </a:effectRef>
+          <a:fontRef idx="minor">
+            <a:schemeClr val="lt1"/>
+          </a:fontRef>
+        </p:style>
+        <p:txBody>
+          <a:bodyPr rtlCol="0" anchor="t"/>
+          <a:lstStyle/>
+          <a:p>
+            <a:r>
+              <a:rPr lang="en-US" sz="800" dirty="0" smtClean="0">
+                <a:solidFill>
+                  <a:schemeClr val="tx1"/>
+                </a:solidFill>
+              </a:rPr>
+              <a:t>Stage, Title, RdTxt1, RdImg1, </a:t>
+            </a:r>
+            <a:r>
+              <a:rPr lang="en-US" sz="800" dirty="0" err="1" smtClean="0">
+                <a:solidFill>
+                  <a:schemeClr val="tx1"/>
+                </a:solidFill>
+              </a:rPr>
+              <a:t>ActionBtns</a:t>
+            </a:r>
+            <a:r>
+              <a:rPr lang="en-US" sz="800" dirty="0" smtClean="0">
+                <a:solidFill>
+                  <a:schemeClr val="tx1"/>
+                </a:solidFill>
+              </a:rPr>
+              <a:t>, Success, Fail</a:t>
+            </a:r>
+          </a:p>
+          <a:p>
+            <a:endParaRPr lang="en-US" sz="800" dirty="0" smtClean="0">
+              <a:solidFill>
+                <a:schemeClr val="tx1"/>
+              </a:solidFill>
+            </a:endParaRPr>
+          </a:p>
+          <a:p>
+            <a:r>
+              <a:rPr lang="en-US" sz="800" dirty="0" smtClean="0">
+                <a:solidFill>
+                  <a:schemeClr val="tx1"/>
+                </a:solidFill>
+              </a:rPr>
+              <a:t>Ice1_0,</a:t>
+            </a:r>
+          </a:p>
+          <a:p>
+            <a:r>
+              <a:rPr lang="en-US" sz="800" dirty="0" smtClean="0">
+                <a:solidFill>
+                  <a:schemeClr val="tx1"/>
+                </a:solidFill>
+              </a:rPr>
+              <a:t>Area1_0, Abandoned Shelter, stg0, </a:t>
+            </a:r>
+            <a:r>
+              <a:rPr lang="en-US" sz="800" dirty="0" err="1" smtClean="0">
+                <a:solidFill>
+                  <a:schemeClr val="tx1"/>
+                </a:solidFill>
+              </a:rPr>
+              <a:t>ShelterImg</a:t>
+            </a:r>
+            <a:r>
+              <a:rPr lang="en-US" sz="800" dirty="0" smtClean="0">
+                <a:solidFill>
+                  <a:schemeClr val="tx1"/>
+                </a:solidFill>
+              </a:rPr>
+              <a:t>, </a:t>
+            </a:r>
+            <a:r>
+              <a:rPr lang="en-US" sz="800" dirty="0" err="1" smtClean="0">
+                <a:solidFill>
+                  <a:schemeClr val="tx1"/>
+                </a:solidFill>
+              </a:rPr>
+              <a:t>Inspect|Search|Leave</a:t>
+            </a:r>
+            <a:r>
+              <a:rPr lang="en-US" sz="800" dirty="0" smtClean="0">
+                <a:solidFill>
+                  <a:schemeClr val="tx1"/>
+                </a:solidFill>
+              </a:rPr>
+              <a:t>|, </a:t>
+            </a:r>
+            <a:r>
+              <a:rPr lang="en-US" sz="800" dirty="0" err="1" smtClean="0">
+                <a:solidFill>
+                  <a:schemeClr val="tx1"/>
+                </a:solidFill>
+              </a:rPr>
+              <a:t>pct</a:t>
+            </a:r>
+            <a:r>
+              <a:rPr lang="en-US" sz="800" dirty="0" smtClean="0">
+                <a:solidFill>
+                  <a:schemeClr val="tx1"/>
+                </a:solidFill>
+              </a:rPr>
+              <a:t>*50|reportIcon*1|actnPnt*-1, </a:t>
+            </a:r>
+            <a:r>
+              <a:rPr lang="en-US" sz="800" dirty="0" err="1" smtClean="0">
+                <a:solidFill>
+                  <a:schemeClr val="tx1"/>
+                </a:solidFill>
+              </a:rPr>
+              <a:t>pct</a:t>
+            </a:r>
+            <a:r>
+              <a:rPr lang="en-US" sz="800" dirty="0" smtClean="0">
+                <a:solidFill>
+                  <a:schemeClr val="tx1"/>
+                </a:solidFill>
+              </a:rPr>
+              <a:t>*50|cree*-1|actnPnt*-1</a:t>
+            </a:r>
+          </a:p>
+          <a:p>
+            <a:endParaRPr lang="en-US" sz="800" dirty="0" smtClean="0">
+              <a:solidFill>
+                <a:schemeClr val="tx1"/>
+              </a:solidFill>
+            </a:endParaRPr>
+          </a:p>
+          <a:p>
+            <a:endParaRPr lang="en-US" sz="800" dirty="0">
+              <a:solidFill>
+                <a:schemeClr val="tx1"/>
+              </a:solidFill>
+            </a:endParaRPr>
+          </a:p>
+          <a:p>
+            <a:endParaRPr lang="en-US" sz="800" dirty="0" smtClean="0">
+              <a:solidFill>
+                <a:schemeClr val="tx1"/>
+              </a:solidFill>
+            </a:endParaRPr>
+          </a:p>
+          <a:p>
+            <a:endParaRPr lang="en-US" sz="800" dirty="0">
+              <a:solidFill>
+                <a:schemeClr val="tx1"/>
+              </a:solidFill>
+            </a:endParaRPr>
+          </a:p>
+        </p:txBody>
+      </p:sp>
+      <p:sp>
+        <p:nvSpPr>
+          <p:cNvPr id="148" name="Rectangle 147"/>
+          <p:cNvSpPr>
+            <a:spLocks/>
+          </p:cNvSpPr>
+          <p:nvPr/>
+        </p:nvSpPr>
+        <p:spPr>
+          <a:xfrm>
+            <a:off x="6445497" y="206779"/>
+            <a:ext cx="1005840" cy="310503"/>
+          </a:xfrm>
+          <a:prstGeom prst="rect">
+            <a:avLst/>
+          </a:prstGeom>
+          <a:noFill/>
+          <a:ln w="12700">
+            <a:solidFill>
+              <a:schemeClr val="tx1"/>
+            </a:solidFill>
+          </a:ln>
+        </p:spPr>
+        <p:style>
+          <a:lnRef idx="2">
+            <a:schemeClr val="accent1">
+              <a:shade val="50000"/>
+            </a:schemeClr>
+          </a:lnRef>
+          <a:fillRef idx="1">
+            <a:schemeClr val="accent1"/>
+          </a:fillRef>
+          <a:effectRef idx="0">
+            <a:schemeClr val="accent1"/>
+          </a:effectRef>
+          <a:fontRef idx="minor">
+            <a:schemeClr val="lt1"/>
+          </a:fontRef>
+        </p:style>
+        <p:txBody>
+          <a:bodyPr rtlCol="0" anchor="ctr"/>
+          <a:lstStyle/>
+          <a:p>
+            <a:pPr algn="ctr"/>
+            <a:r>
+              <a:rPr lang="en-US" sz="1000" dirty="0" smtClean="0">
+                <a:solidFill>
+                  <a:schemeClr val="tx1"/>
+                </a:solidFill>
+              </a:rPr>
+              <a:t>Stage Initiate</a:t>
+            </a:r>
+            <a:endParaRPr lang="en-US" sz="1000" dirty="0">
+              <a:solidFill>
+                <a:schemeClr val="tx1"/>
+              </a:solidFill>
+            </a:endParaRPr>
+          </a:p>
+        </p:txBody>
+      </p:sp>
+      <p:sp>
+        <p:nvSpPr>
+          <p:cNvPr id="149" name="Rectangle 148"/>
+          <p:cNvSpPr>
+            <a:spLocks/>
+          </p:cNvSpPr>
+          <p:nvPr/>
+        </p:nvSpPr>
+        <p:spPr>
+          <a:xfrm>
+            <a:off x="6483584" y="1261932"/>
+            <a:ext cx="1005840" cy="192219"/>
+          </a:xfrm>
+          <a:prstGeom prst="rect">
+            <a:avLst/>
+          </a:prstGeom>
+          <a:noFill/>
+          <a:ln w="12700">
+            <a:solidFill>
+              <a:schemeClr val="tx1"/>
+            </a:solidFill>
+          </a:ln>
+        </p:spPr>
+        <p:style>
+          <a:lnRef idx="2">
+            <a:schemeClr val="accent1">
+              <a:shade val="50000"/>
+            </a:schemeClr>
+          </a:lnRef>
+          <a:fillRef idx="1">
+            <a:schemeClr val="accent1"/>
+          </a:fillRef>
+          <a:effectRef idx="0">
+            <a:schemeClr val="accent1"/>
+          </a:effectRef>
+          <a:fontRef idx="minor">
+            <a:schemeClr val="lt1"/>
+          </a:fontRef>
+        </p:style>
+        <p:txBody>
+          <a:bodyPr rtlCol="0" anchor="ctr"/>
+          <a:lstStyle/>
+          <a:p>
+            <a:pPr algn="ctr"/>
+            <a:r>
+              <a:rPr lang="en-US" sz="1000" dirty="0" smtClean="0">
+                <a:solidFill>
+                  <a:schemeClr val="tx1"/>
+                </a:solidFill>
+              </a:rPr>
+              <a:t>Stage State</a:t>
+            </a:r>
+            <a:endParaRPr lang="en-US" sz="1000" dirty="0">
+              <a:solidFill>
+                <a:schemeClr val="tx1"/>
+              </a:solidFill>
+            </a:endParaRPr>
+          </a:p>
+        </p:txBody>
+      </p:sp>
+      <p:sp>
+        <p:nvSpPr>
+          <p:cNvPr id="152" name="Rectangle 151"/>
+          <p:cNvSpPr>
+            <a:spLocks/>
+          </p:cNvSpPr>
+          <p:nvPr/>
+        </p:nvSpPr>
+        <p:spPr>
+          <a:xfrm>
+            <a:off x="8143031" y="204863"/>
+            <a:ext cx="773437" cy="310503"/>
+          </a:xfrm>
+          <a:prstGeom prst="rect">
+            <a:avLst/>
+          </a:prstGeom>
+          <a:noFill/>
+          <a:ln w="12700">
+            <a:solidFill>
+              <a:schemeClr val="tx1"/>
+            </a:solidFill>
+          </a:ln>
+        </p:spPr>
+        <p:style>
+          <a:lnRef idx="2">
+            <a:schemeClr val="accent1">
+              <a:shade val="50000"/>
+            </a:schemeClr>
+          </a:lnRef>
+          <a:fillRef idx="1">
+            <a:schemeClr val="accent1"/>
+          </a:fillRef>
+          <a:effectRef idx="0">
+            <a:schemeClr val="accent1"/>
+          </a:effectRef>
+          <a:fontRef idx="minor">
+            <a:schemeClr val="lt1"/>
+          </a:fontRef>
+        </p:style>
+        <p:txBody>
+          <a:bodyPr rtlCol="0" anchor="ctr"/>
+          <a:lstStyle/>
+          <a:p>
+            <a:pPr algn="ctr"/>
+            <a:r>
+              <a:rPr lang="en-US" sz="1000" dirty="0" smtClean="0">
+                <a:solidFill>
+                  <a:schemeClr val="tx1"/>
+                </a:solidFill>
+              </a:rPr>
+              <a:t>Inspect</a:t>
+            </a:r>
+            <a:endParaRPr lang="en-US" sz="1000" dirty="0">
+              <a:solidFill>
+                <a:schemeClr val="tx1"/>
+              </a:solidFill>
+            </a:endParaRPr>
+          </a:p>
+        </p:txBody>
+      </p:sp>
+      <p:sp>
+        <p:nvSpPr>
+          <p:cNvPr id="153" name="Rectangle 152"/>
+          <p:cNvSpPr>
+            <a:spLocks/>
+          </p:cNvSpPr>
+          <p:nvPr/>
+        </p:nvSpPr>
+        <p:spPr>
+          <a:xfrm>
+            <a:off x="8578063" y="935031"/>
+            <a:ext cx="773437" cy="310503"/>
+          </a:xfrm>
+          <a:prstGeom prst="rect">
+            <a:avLst/>
+          </a:prstGeom>
+          <a:noFill/>
+          <a:ln w="12700">
+            <a:solidFill>
+              <a:schemeClr val="tx1"/>
+            </a:solidFill>
+          </a:ln>
+        </p:spPr>
+        <p:style>
+          <a:lnRef idx="2">
+            <a:schemeClr val="accent1">
+              <a:shade val="50000"/>
+            </a:schemeClr>
+          </a:lnRef>
+          <a:fillRef idx="1">
+            <a:schemeClr val="accent1"/>
+          </a:fillRef>
+          <a:effectRef idx="0">
+            <a:schemeClr val="accent1"/>
+          </a:effectRef>
+          <a:fontRef idx="minor">
+            <a:schemeClr val="lt1"/>
+          </a:fontRef>
+        </p:style>
+        <p:txBody>
+          <a:bodyPr rtlCol="0" anchor="ctr"/>
+          <a:lstStyle/>
+          <a:p>
+            <a:pPr algn="ctr"/>
+            <a:r>
+              <a:rPr lang="en-US" sz="1000" dirty="0" smtClean="0">
+                <a:solidFill>
+                  <a:schemeClr val="tx1"/>
+                </a:solidFill>
+              </a:rPr>
+              <a:t>Success</a:t>
+            </a:r>
+            <a:endParaRPr lang="en-US" sz="1000" dirty="0">
+              <a:solidFill>
+                <a:schemeClr val="tx1"/>
+              </a:solidFill>
+            </a:endParaRPr>
+          </a:p>
+        </p:txBody>
+      </p:sp>
+      <p:sp>
+        <p:nvSpPr>
+          <p:cNvPr id="154" name="Rectangle 153"/>
+          <p:cNvSpPr>
+            <a:spLocks/>
+          </p:cNvSpPr>
+          <p:nvPr/>
+        </p:nvSpPr>
+        <p:spPr>
+          <a:xfrm>
+            <a:off x="7707995" y="935031"/>
+            <a:ext cx="773437" cy="310503"/>
+          </a:xfrm>
+          <a:prstGeom prst="rect">
+            <a:avLst/>
+          </a:prstGeom>
+          <a:noFill/>
+          <a:ln w="12700">
+            <a:solidFill>
+              <a:schemeClr val="tx1"/>
+            </a:solidFill>
+          </a:ln>
+        </p:spPr>
+        <p:style>
+          <a:lnRef idx="2">
+            <a:schemeClr val="accent1">
+              <a:shade val="50000"/>
+            </a:schemeClr>
+          </a:lnRef>
+          <a:fillRef idx="1">
+            <a:schemeClr val="accent1"/>
+          </a:fillRef>
+          <a:effectRef idx="0">
+            <a:schemeClr val="accent1"/>
+          </a:effectRef>
+          <a:fontRef idx="minor">
+            <a:schemeClr val="lt1"/>
+          </a:fontRef>
+        </p:style>
+        <p:txBody>
+          <a:bodyPr rtlCol="0" anchor="ctr"/>
+          <a:lstStyle/>
+          <a:p>
+            <a:pPr algn="ctr"/>
+            <a:r>
+              <a:rPr lang="en-US" sz="1000" dirty="0" smtClean="0">
+                <a:solidFill>
+                  <a:schemeClr val="tx1"/>
+                </a:solidFill>
+              </a:rPr>
+              <a:t>Fail</a:t>
+            </a:r>
+            <a:endParaRPr lang="en-US" sz="1000" dirty="0">
+              <a:solidFill>
+                <a:schemeClr val="tx1"/>
+              </a:solidFill>
+            </a:endParaRPr>
+          </a:p>
+        </p:txBody>
+      </p:sp>
+      <p:sp>
+        <p:nvSpPr>
+          <p:cNvPr id="155" name="Rectangle 154"/>
+          <p:cNvSpPr>
+            <a:spLocks/>
+          </p:cNvSpPr>
+          <p:nvPr/>
+        </p:nvSpPr>
+        <p:spPr>
+          <a:xfrm>
+            <a:off x="9883165" y="204862"/>
+            <a:ext cx="773437" cy="310503"/>
+          </a:xfrm>
+          <a:prstGeom prst="rect">
+            <a:avLst/>
+          </a:prstGeom>
+          <a:noFill/>
+          <a:ln w="12700">
+            <a:solidFill>
+              <a:schemeClr val="tx1"/>
+            </a:solidFill>
+          </a:ln>
+        </p:spPr>
+        <p:style>
+          <a:lnRef idx="2">
+            <a:schemeClr val="accent1">
+              <a:shade val="50000"/>
+            </a:schemeClr>
+          </a:lnRef>
+          <a:fillRef idx="1">
+            <a:schemeClr val="accent1"/>
+          </a:fillRef>
+          <a:effectRef idx="0">
+            <a:schemeClr val="accent1"/>
+          </a:effectRef>
+          <a:fontRef idx="minor">
+            <a:schemeClr val="lt1"/>
+          </a:fontRef>
+        </p:style>
+        <p:txBody>
+          <a:bodyPr rtlCol="0" anchor="ctr"/>
+          <a:lstStyle/>
+          <a:p>
+            <a:pPr algn="ctr"/>
+            <a:r>
+              <a:rPr lang="en-US" sz="1000" dirty="0" smtClean="0">
+                <a:solidFill>
+                  <a:schemeClr val="tx1"/>
+                </a:solidFill>
+              </a:rPr>
+              <a:t>Search</a:t>
+            </a:r>
+            <a:endParaRPr lang="en-US" sz="1000" dirty="0">
+              <a:solidFill>
+                <a:schemeClr val="tx1"/>
+              </a:solidFill>
+            </a:endParaRPr>
+          </a:p>
+        </p:txBody>
+      </p:sp>
+      <p:sp>
+        <p:nvSpPr>
+          <p:cNvPr id="156" name="Rectangle 155"/>
+          <p:cNvSpPr>
+            <a:spLocks/>
+          </p:cNvSpPr>
+          <p:nvPr/>
+        </p:nvSpPr>
+        <p:spPr>
+          <a:xfrm>
+            <a:off x="11188265" y="178950"/>
+            <a:ext cx="773437" cy="310503"/>
+          </a:xfrm>
+          <a:prstGeom prst="rect">
+            <a:avLst/>
+          </a:prstGeom>
+          <a:noFill/>
+          <a:ln w="12700">
+            <a:solidFill>
+              <a:schemeClr val="tx1"/>
+            </a:solidFill>
+          </a:ln>
+        </p:spPr>
+        <p:style>
+          <a:lnRef idx="2">
+            <a:schemeClr val="accent1">
+              <a:shade val="50000"/>
+            </a:schemeClr>
+          </a:lnRef>
+          <a:fillRef idx="1">
+            <a:schemeClr val="accent1"/>
+          </a:fillRef>
+          <a:effectRef idx="0">
+            <a:schemeClr val="accent1"/>
+          </a:effectRef>
+          <a:fontRef idx="minor">
+            <a:schemeClr val="lt1"/>
+          </a:fontRef>
+        </p:style>
+        <p:txBody>
+          <a:bodyPr rtlCol="0" anchor="ctr"/>
+          <a:lstStyle/>
+          <a:p>
+            <a:pPr algn="ctr"/>
+            <a:r>
+              <a:rPr lang="en-US" sz="1000" dirty="0" smtClean="0">
+                <a:solidFill>
+                  <a:schemeClr val="tx1"/>
+                </a:solidFill>
+              </a:rPr>
+              <a:t>Leave</a:t>
+            </a:r>
+            <a:endParaRPr lang="en-US" sz="1000" dirty="0">
+              <a:solidFill>
+                <a:schemeClr val="tx1"/>
+              </a:solidFill>
+            </a:endParaRPr>
+          </a:p>
+        </p:txBody>
+      </p:sp>
+      <p:cxnSp>
+        <p:nvCxnSpPr>
+          <p:cNvPr id="159" name="Elbow Connector 158"/>
+          <p:cNvCxnSpPr>
+            <a:stCxn id="152" idx="2"/>
+            <a:endCxn id="154" idx="0"/>
+          </p:cNvCxnSpPr>
+          <p:nvPr/>
+        </p:nvCxnSpPr>
+        <p:spPr>
+          <a:xfrm rot="5400000">
+            <a:off x="8102400" y="507680"/>
+            <a:ext cx="419665" cy="435036"/>
+          </a:xfrm>
+          <a:prstGeom prst="bentConnector3">
+            <a:avLst>
+              <a:gd name="adj1" fmla="val 50000"/>
+            </a:avLst>
+          </a:prstGeom>
+          <a:ln>
+            <a:solidFill>
+              <a:srgbClr val="7030A0"/>
+            </a:solidFill>
+            <a:tailEnd type="triangle"/>
+          </a:ln>
+        </p:spPr>
+        <p:style>
+          <a:lnRef idx="1">
+            <a:schemeClr val="accent1"/>
+          </a:lnRef>
+          <a:fillRef idx="0">
+            <a:schemeClr val="accent1"/>
+          </a:fillRef>
+          <a:effectRef idx="0">
+            <a:schemeClr val="accent1"/>
+          </a:effectRef>
+          <a:fontRef idx="minor">
+            <a:schemeClr val="tx1"/>
+          </a:fontRef>
+        </p:style>
+      </p:cxnSp>
+      <p:cxnSp>
+        <p:nvCxnSpPr>
+          <p:cNvPr id="160" name="Elbow Connector 159"/>
+          <p:cNvCxnSpPr>
+            <a:stCxn id="152" idx="2"/>
+            <a:endCxn id="153" idx="0"/>
+          </p:cNvCxnSpPr>
+          <p:nvPr/>
+        </p:nvCxnSpPr>
+        <p:spPr>
+          <a:xfrm rot="16200000" flipH="1">
+            <a:off x="8537434" y="507682"/>
+            <a:ext cx="419665" cy="435032"/>
+          </a:xfrm>
+          <a:prstGeom prst="bentConnector3">
+            <a:avLst>
+              <a:gd name="adj1" fmla="val 50000"/>
+            </a:avLst>
+          </a:prstGeom>
+          <a:ln>
+            <a:solidFill>
+              <a:srgbClr val="7030A0"/>
+            </a:solidFill>
+            <a:tailEnd type="triangle"/>
+          </a:ln>
+        </p:spPr>
+        <p:style>
+          <a:lnRef idx="1">
+            <a:schemeClr val="accent1"/>
+          </a:lnRef>
+          <a:fillRef idx="0">
+            <a:schemeClr val="accent1"/>
+          </a:fillRef>
+          <a:effectRef idx="0">
+            <a:schemeClr val="accent1"/>
+          </a:effectRef>
+          <a:fontRef idx="minor">
+            <a:schemeClr val="tx1"/>
+          </a:fontRef>
+        </p:style>
+      </p:cxnSp>
+      <p:sp>
+        <p:nvSpPr>
+          <p:cNvPr id="161" name="Rectangle 160"/>
+          <p:cNvSpPr>
+            <a:spLocks/>
+          </p:cNvSpPr>
+          <p:nvPr/>
+        </p:nvSpPr>
+        <p:spPr>
+          <a:xfrm>
+            <a:off x="11188265" y="937894"/>
+            <a:ext cx="773437" cy="310503"/>
+          </a:xfrm>
+          <a:prstGeom prst="rect">
+            <a:avLst/>
+          </a:prstGeom>
+          <a:noFill/>
+          <a:ln w="12700">
+            <a:solidFill>
+              <a:schemeClr val="tx1"/>
+            </a:solidFill>
+          </a:ln>
+        </p:spPr>
+        <p:style>
+          <a:lnRef idx="2">
+            <a:schemeClr val="accent1">
+              <a:shade val="50000"/>
+            </a:schemeClr>
+          </a:lnRef>
+          <a:fillRef idx="1">
+            <a:schemeClr val="accent1"/>
+          </a:fillRef>
+          <a:effectRef idx="0">
+            <a:schemeClr val="accent1"/>
+          </a:effectRef>
+          <a:fontRef idx="minor">
+            <a:schemeClr val="lt1"/>
+          </a:fontRef>
+        </p:style>
+        <p:txBody>
+          <a:bodyPr rtlCol="0" anchor="ctr"/>
+          <a:lstStyle/>
+          <a:p>
+            <a:pPr algn="ctr"/>
+            <a:r>
+              <a:rPr lang="en-US" sz="1000" dirty="0" smtClean="0">
+                <a:solidFill>
+                  <a:schemeClr val="tx1"/>
+                </a:solidFill>
+              </a:rPr>
+              <a:t>Exit</a:t>
+            </a:r>
+            <a:endParaRPr lang="en-US" sz="1000" dirty="0">
+              <a:solidFill>
+                <a:schemeClr val="tx1"/>
+              </a:solidFill>
+            </a:endParaRPr>
+          </a:p>
+        </p:txBody>
+      </p:sp>
+      <p:cxnSp>
+        <p:nvCxnSpPr>
+          <p:cNvPr id="23" name="Straight Arrow Connector 22"/>
+          <p:cNvCxnSpPr>
+            <a:stCxn id="156" idx="2"/>
+            <a:endCxn id="161" idx="0"/>
+          </p:cNvCxnSpPr>
+          <p:nvPr/>
+        </p:nvCxnSpPr>
+        <p:spPr>
+          <a:xfrm>
+            <a:off x="11574984" y="489453"/>
+            <a:ext cx="0" cy="448441"/>
+          </a:xfrm>
+          <a:prstGeom prst="straightConnector1">
+            <a:avLst/>
+          </a:prstGeom>
+          <a:ln>
+            <a:solidFill>
+              <a:srgbClr val="7030A0"/>
+            </a:solidFill>
+            <a:tailEnd type="triangle"/>
+          </a:ln>
+        </p:spPr>
+        <p:style>
+          <a:lnRef idx="1">
+            <a:schemeClr val="accent1"/>
+          </a:lnRef>
+          <a:fillRef idx="0">
+            <a:schemeClr val="accent1"/>
+          </a:fillRef>
+          <a:effectRef idx="0">
+            <a:schemeClr val="accent1"/>
+          </a:effectRef>
+          <a:fontRef idx="minor">
+            <a:schemeClr val="tx1"/>
+          </a:fontRef>
+        </p:style>
+      </p:cxnSp>
+      <p:sp>
+        <p:nvSpPr>
+          <p:cNvPr id="164" name="Rectangle 163"/>
+          <p:cNvSpPr>
+            <a:spLocks/>
+          </p:cNvSpPr>
+          <p:nvPr/>
+        </p:nvSpPr>
+        <p:spPr>
+          <a:xfrm>
+            <a:off x="10318199" y="935031"/>
+            <a:ext cx="773437" cy="310503"/>
+          </a:xfrm>
+          <a:prstGeom prst="rect">
+            <a:avLst/>
+          </a:prstGeom>
+          <a:noFill/>
+          <a:ln w="12700">
+            <a:solidFill>
+              <a:schemeClr val="tx1"/>
+            </a:solidFill>
+          </a:ln>
+        </p:spPr>
+        <p:style>
+          <a:lnRef idx="2">
+            <a:schemeClr val="accent1">
+              <a:shade val="50000"/>
+            </a:schemeClr>
+          </a:lnRef>
+          <a:fillRef idx="1">
+            <a:schemeClr val="accent1"/>
+          </a:fillRef>
+          <a:effectRef idx="0">
+            <a:schemeClr val="accent1"/>
+          </a:effectRef>
+          <a:fontRef idx="minor">
+            <a:schemeClr val="lt1"/>
+          </a:fontRef>
+        </p:style>
+        <p:txBody>
+          <a:bodyPr rtlCol="0" anchor="ctr"/>
+          <a:lstStyle/>
+          <a:p>
+            <a:pPr algn="ctr"/>
+            <a:r>
+              <a:rPr lang="en-US" sz="1000" dirty="0" smtClean="0">
+                <a:solidFill>
+                  <a:schemeClr val="tx1"/>
+                </a:solidFill>
+              </a:rPr>
+              <a:t>Success</a:t>
+            </a:r>
+            <a:endParaRPr lang="en-US" sz="1000" dirty="0">
+              <a:solidFill>
+                <a:schemeClr val="tx1"/>
+              </a:solidFill>
+            </a:endParaRPr>
+          </a:p>
+        </p:txBody>
+      </p:sp>
+      <p:sp>
+        <p:nvSpPr>
+          <p:cNvPr id="165" name="Rectangle 164"/>
+          <p:cNvSpPr>
+            <a:spLocks/>
+          </p:cNvSpPr>
+          <p:nvPr/>
+        </p:nvSpPr>
+        <p:spPr>
+          <a:xfrm>
+            <a:off x="9448131" y="935031"/>
+            <a:ext cx="773437" cy="310503"/>
+          </a:xfrm>
+          <a:prstGeom prst="rect">
+            <a:avLst/>
+          </a:prstGeom>
+          <a:noFill/>
+          <a:ln w="12700">
+            <a:solidFill>
+              <a:schemeClr val="tx1"/>
+            </a:solidFill>
+          </a:ln>
+        </p:spPr>
+        <p:style>
+          <a:lnRef idx="2">
+            <a:schemeClr val="accent1">
+              <a:shade val="50000"/>
+            </a:schemeClr>
+          </a:lnRef>
+          <a:fillRef idx="1">
+            <a:schemeClr val="accent1"/>
+          </a:fillRef>
+          <a:effectRef idx="0">
+            <a:schemeClr val="accent1"/>
+          </a:effectRef>
+          <a:fontRef idx="minor">
+            <a:schemeClr val="lt1"/>
+          </a:fontRef>
+        </p:style>
+        <p:txBody>
+          <a:bodyPr rtlCol="0" anchor="ctr"/>
+          <a:lstStyle/>
+          <a:p>
+            <a:pPr algn="ctr"/>
+            <a:r>
+              <a:rPr lang="en-US" sz="1000" dirty="0" smtClean="0">
+                <a:solidFill>
+                  <a:schemeClr val="tx1"/>
+                </a:solidFill>
+              </a:rPr>
+              <a:t>Fail</a:t>
+            </a:r>
+            <a:endParaRPr lang="en-US" sz="1000" dirty="0">
+              <a:solidFill>
+                <a:schemeClr val="tx1"/>
+              </a:solidFill>
+            </a:endParaRPr>
+          </a:p>
+        </p:txBody>
+      </p:sp>
+      <p:cxnSp>
+        <p:nvCxnSpPr>
+          <p:cNvPr id="166" name="Elbow Connector 165"/>
+          <p:cNvCxnSpPr>
+            <a:stCxn id="155" idx="2"/>
+            <a:endCxn id="165" idx="0"/>
+          </p:cNvCxnSpPr>
+          <p:nvPr/>
+        </p:nvCxnSpPr>
+        <p:spPr>
+          <a:xfrm rot="5400000">
+            <a:off x="9842534" y="507681"/>
+            <a:ext cx="419666" cy="435034"/>
+          </a:xfrm>
+          <a:prstGeom prst="bentConnector3">
+            <a:avLst>
+              <a:gd name="adj1" fmla="val 50000"/>
+            </a:avLst>
+          </a:prstGeom>
+          <a:ln>
+            <a:solidFill>
+              <a:srgbClr val="7030A0"/>
+            </a:solidFill>
+            <a:tailEnd type="triangle"/>
+          </a:ln>
+        </p:spPr>
+        <p:style>
+          <a:lnRef idx="1">
+            <a:schemeClr val="accent1"/>
+          </a:lnRef>
+          <a:fillRef idx="0">
+            <a:schemeClr val="accent1"/>
+          </a:fillRef>
+          <a:effectRef idx="0">
+            <a:schemeClr val="accent1"/>
+          </a:effectRef>
+          <a:fontRef idx="minor">
+            <a:schemeClr val="tx1"/>
+          </a:fontRef>
+        </p:style>
+      </p:cxnSp>
+      <p:cxnSp>
+        <p:nvCxnSpPr>
+          <p:cNvPr id="167" name="Elbow Connector 166"/>
+          <p:cNvCxnSpPr>
+            <a:stCxn id="155" idx="2"/>
+            <a:endCxn id="164" idx="0"/>
+          </p:cNvCxnSpPr>
+          <p:nvPr/>
+        </p:nvCxnSpPr>
+        <p:spPr>
+          <a:xfrm rot="16200000" flipH="1">
+            <a:off x="10277568" y="507681"/>
+            <a:ext cx="419666" cy="435034"/>
+          </a:xfrm>
+          <a:prstGeom prst="bentConnector3">
+            <a:avLst>
+              <a:gd name="adj1" fmla="val 50000"/>
+            </a:avLst>
+          </a:prstGeom>
+          <a:ln>
+            <a:solidFill>
+              <a:srgbClr val="7030A0"/>
+            </a:solidFill>
+            <a:tailEnd type="triangle"/>
+          </a:ln>
+        </p:spPr>
+        <p:style>
+          <a:lnRef idx="1">
+            <a:schemeClr val="accent1"/>
+          </a:lnRef>
+          <a:fillRef idx="0">
+            <a:schemeClr val="accent1"/>
+          </a:fillRef>
+          <a:effectRef idx="0">
+            <a:schemeClr val="accent1"/>
+          </a:effectRef>
+          <a:fontRef idx="minor">
+            <a:schemeClr val="tx1"/>
+          </a:fontRef>
+        </p:style>
+      </p:cxnSp>
+      <p:sp>
+        <p:nvSpPr>
+          <p:cNvPr id="168" name="Rectangle 167"/>
+          <p:cNvSpPr>
+            <a:spLocks/>
+          </p:cNvSpPr>
+          <p:nvPr/>
+        </p:nvSpPr>
+        <p:spPr>
+          <a:xfrm>
+            <a:off x="7944919" y="1245534"/>
+            <a:ext cx="537566" cy="205925"/>
+          </a:xfrm>
+          <a:prstGeom prst="rect">
+            <a:avLst/>
+          </a:prstGeom>
+          <a:solidFill>
+            <a:schemeClr val="accent2"/>
+          </a:solidFill>
+          <a:ln w="12700">
+            <a:solidFill>
+              <a:schemeClr val="tx1"/>
+            </a:solidFill>
+          </a:ln>
+        </p:spPr>
+        <p:style>
+          <a:lnRef idx="2">
+            <a:schemeClr val="accent1">
+              <a:shade val="50000"/>
+            </a:schemeClr>
+          </a:lnRef>
+          <a:fillRef idx="1">
+            <a:schemeClr val="accent1"/>
+          </a:fillRef>
+          <a:effectRef idx="0">
+            <a:schemeClr val="accent1"/>
+          </a:effectRef>
+          <a:fontRef idx="minor">
+            <a:schemeClr val="lt1"/>
+          </a:fontRef>
+        </p:style>
+        <p:txBody>
+          <a:bodyPr rtlCol="0" anchor="t"/>
+          <a:lstStyle/>
+          <a:p>
+            <a:pPr algn="r"/>
+            <a:r>
+              <a:rPr lang="en-US" sz="800" b="1" dirty="0" smtClean="0">
+                <a:solidFill>
+                  <a:schemeClr val="tx1"/>
+                </a:solidFill>
+              </a:rPr>
+              <a:t>Area1_F</a:t>
+            </a:r>
+            <a:endParaRPr lang="en-US" sz="800" b="1" dirty="0">
+              <a:solidFill>
+                <a:schemeClr val="tx1"/>
+              </a:solidFill>
+            </a:endParaRPr>
+          </a:p>
+        </p:txBody>
+      </p:sp>
+      <p:sp>
+        <p:nvSpPr>
+          <p:cNvPr id="169" name="Rectangle 168"/>
+          <p:cNvSpPr>
+            <a:spLocks/>
+          </p:cNvSpPr>
+          <p:nvPr/>
+        </p:nvSpPr>
+        <p:spPr>
+          <a:xfrm>
+            <a:off x="9684002" y="1245533"/>
+            <a:ext cx="537566" cy="205925"/>
+          </a:xfrm>
+          <a:prstGeom prst="rect">
+            <a:avLst/>
+          </a:prstGeom>
+          <a:solidFill>
+            <a:schemeClr val="accent2"/>
+          </a:solidFill>
+          <a:ln w="12700">
+            <a:solidFill>
+              <a:schemeClr val="tx1"/>
+            </a:solidFill>
+          </a:ln>
+        </p:spPr>
+        <p:style>
+          <a:lnRef idx="2">
+            <a:schemeClr val="accent1">
+              <a:shade val="50000"/>
+            </a:schemeClr>
+          </a:lnRef>
+          <a:fillRef idx="1">
+            <a:schemeClr val="accent1"/>
+          </a:fillRef>
+          <a:effectRef idx="0">
+            <a:schemeClr val="accent1"/>
+          </a:effectRef>
+          <a:fontRef idx="minor">
+            <a:schemeClr val="lt1"/>
+          </a:fontRef>
+        </p:style>
+        <p:txBody>
+          <a:bodyPr rtlCol="0" anchor="t"/>
+          <a:lstStyle/>
+          <a:p>
+            <a:pPr algn="r"/>
+            <a:r>
+              <a:rPr lang="en-US" sz="800" b="1" dirty="0" smtClean="0">
+                <a:solidFill>
+                  <a:schemeClr val="tx1"/>
+                </a:solidFill>
+              </a:rPr>
+              <a:t>Area1_F</a:t>
+            </a:r>
+            <a:endParaRPr lang="en-US" sz="800" b="1" dirty="0">
+              <a:solidFill>
+                <a:schemeClr val="tx1"/>
+              </a:solidFill>
+            </a:endParaRPr>
+          </a:p>
+        </p:txBody>
+      </p:sp>
+      <p:sp>
+        <p:nvSpPr>
+          <p:cNvPr id="170" name="Rectangle 169"/>
+          <p:cNvSpPr>
+            <a:spLocks/>
+          </p:cNvSpPr>
+          <p:nvPr/>
+        </p:nvSpPr>
+        <p:spPr>
+          <a:xfrm>
+            <a:off x="8813934" y="1245532"/>
+            <a:ext cx="537566" cy="205925"/>
+          </a:xfrm>
+          <a:prstGeom prst="rect">
+            <a:avLst/>
+          </a:prstGeom>
+          <a:solidFill>
+            <a:schemeClr val="accent6"/>
+          </a:solidFill>
+          <a:ln w="12700">
+            <a:solidFill>
+              <a:schemeClr val="tx1"/>
+            </a:solidFill>
+          </a:ln>
+        </p:spPr>
+        <p:style>
+          <a:lnRef idx="2">
+            <a:schemeClr val="accent1">
+              <a:shade val="50000"/>
+            </a:schemeClr>
+          </a:lnRef>
+          <a:fillRef idx="1">
+            <a:schemeClr val="accent1"/>
+          </a:fillRef>
+          <a:effectRef idx="0">
+            <a:schemeClr val="accent1"/>
+          </a:effectRef>
+          <a:fontRef idx="minor">
+            <a:schemeClr val="lt1"/>
+          </a:fontRef>
+        </p:style>
+        <p:txBody>
+          <a:bodyPr rtlCol="0" anchor="t"/>
+          <a:lstStyle/>
+          <a:p>
+            <a:pPr algn="r"/>
+            <a:r>
+              <a:rPr lang="en-US" sz="800" b="1" dirty="0" smtClean="0">
+                <a:solidFill>
+                  <a:schemeClr val="tx1"/>
+                </a:solidFill>
+              </a:rPr>
+              <a:t>Area1_S</a:t>
+            </a:r>
+            <a:endParaRPr lang="en-US" sz="800" b="1" dirty="0">
+              <a:solidFill>
+                <a:schemeClr val="tx1"/>
+              </a:solidFill>
+            </a:endParaRPr>
+          </a:p>
+        </p:txBody>
+      </p:sp>
+      <p:sp>
+        <p:nvSpPr>
+          <p:cNvPr id="171" name="Rectangle 170"/>
+          <p:cNvSpPr>
+            <a:spLocks/>
+          </p:cNvSpPr>
+          <p:nvPr/>
+        </p:nvSpPr>
+        <p:spPr>
+          <a:xfrm>
+            <a:off x="10553017" y="1245531"/>
+            <a:ext cx="537566" cy="205925"/>
+          </a:xfrm>
+          <a:prstGeom prst="rect">
+            <a:avLst/>
+          </a:prstGeom>
+          <a:solidFill>
+            <a:schemeClr val="accent6"/>
+          </a:solidFill>
+          <a:ln w="12700">
+            <a:solidFill>
+              <a:schemeClr val="tx1"/>
+            </a:solidFill>
+          </a:ln>
+        </p:spPr>
+        <p:style>
+          <a:lnRef idx="2">
+            <a:schemeClr val="accent1">
+              <a:shade val="50000"/>
+            </a:schemeClr>
+          </a:lnRef>
+          <a:fillRef idx="1">
+            <a:schemeClr val="accent1"/>
+          </a:fillRef>
+          <a:effectRef idx="0">
+            <a:schemeClr val="accent1"/>
+          </a:effectRef>
+          <a:fontRef idx="minor">
+            <a:schemeClr val="lt1"/>
+          </a:fontRef>
+        </p:style>
+        <p:txBody>
+          <a:bodyPr rtlCol="0" anchor="t"/>
+          <a:lstStyle/>
+          <a:p>
+            <a:pPr algn="r"/>
+            <a:r>
+              <a:rPr lang="en-US" sz="800" b="1" dirty="0" smtClean="0">
+                <a:solidFill>
+                  <a:schemeClr val="tx1"/>
+                </a:solidFill>
+              </a:rPr>
+              <a:t>Area1_S</a:t>
+            </a:r>
+            <a:endParaRPr lang="en-US" sz="800" b="1" dirty="0">
+              <a:solidFill>
+                <a:schemeClr val="tx1"/>
+              </a:solidFill>
+            </a:endParaRPr>
+          </a:p>
+        </p:txBody>
+      </p:sp>
+      <p:grpSp>
+        <p:nvGrpSpPr>
+          <p:cNvPr id="38" name="Group 37"/>
+          <p:cNvGrpSpPr/>
+          <p:nvPr/>
+        </p:nvGrpSpPr>
+        <p:grpSpPr>
+          <a:xfrm>
+            <a:off x="5660243" y="3338496"/>
+            <a:ext cx="2661418" cy="2754800"/>
+            <a:chOff x="7162354" y="4498050"/>
+            <a:chExt cx="2661418" cy="2754800"/>
+          </a:xfrm>
+        </p:grpSpPr>
+        <p:sp>
+          <p:nvSpPr>
+            <p:cNvPr id="172" name="Rectangle 171"/>
+            <p:cNvSpPr>
+              <a:spLocks/>
+            </p:cNvSpPr>
+            <p:nvPr/>
+          </p:nvSpPr>
+          <p:spPr>
+            <a:xfrm>
+              <a:off x="7162354" y="4498050"/>
+              <a:ext cx="2661418" cy="2754800"/>
+            </a:xfrm>
+            <a:prstGeom prst="rect">
+              <a:avLst/>
+            </a:prstGeom>
+            <a:solidFill>
+              <a:schemeClr val="accent4">
+                <a:lumMod val="20000"/>
+                <a:lumOff val="80000"/>
+              </a:schemeClr>
+            </a:solidFill>
+            <a:ln w="38100">
+              <a:solidFill>
+                <a:schemeClr val="tx1"/>
+              </a:solidFill>
+            </a:ln>
+          </p:spPr>
+          <p:style>
+            <a:lnRef idx="2">
+              <a:schemeClr val="accent1">
+                <a:shade val="50000"/>
+              </a:schemeClr>
+            </a:lnRef>
+            <a:fillRef idx="1">
+              <a:schemeClr val="accent1"/>
+            </a:fillRef>
+            <a:effectRef idx="0">
+              <a:schemeClr val="accent1"/>
+            </a:effectRef>
+            <a:fontRef idx="minor">
+              <a:schemeClr val="lt1"/>
+            </a:fontRef>
+          </p:style>
+          <p:txBody>
+            <a:bodyPr rtlCol="0" anchor="ctr"/>
+            <a:lstStyle/>
+            <a:p>
+              <a:pPr algn="ctr"/>
+              <a:endParaRPr lang="en-US"/>
+            </a:p>
+          </p:txBody>
+        </p:sp>
+        <p:sp>
+          <p:nvSpPr>
+            <p:cNvPr id="173" name="TextBox 172"/>
+            <p:cNvSpPr txBox="1"/>
+            <p:nvPr/>
+          </p:nvSpPr>
+          <p:spPr>
+            <a:xfrm>
+              <a:off x="7279299" y="4608295"/>
+              <a:ext cx="2403750" cy="615553"/>
+            </a:xfrm>
+            <a:prstGeom prst="rect">
+              <a:avLst/>
+            </a:prstGeom>
+            <a:noFill/>
+          </p:spPr>
+          <p:txBody>
+            <a:bodyPr wrap="square" rtlCol="0">
+              <a:spAutoFit/>
+            </a:bodyPr>
+            <a:lstStyle/>
+            <a:p>
+              <a:r>
+                <a:rPr lang="en-US" sz="1000" b="1" dirty="0">
+                  <a:latin typeface="Bell MT" panose="02020503060305020303" pitchFamily="18" charset="0"/>
+                </a:rPr>
+                <a:t>Abandoned Shelter</a:t>
+              </a:r>
+            </a:p>
+            <a:p>
+              <a:endParaRPr lang="en-US" sz="800" dirty="0">
+                <a:latin typeface="Bell MT" panose="02020503060305020303" pitchFamily="18" charset="0"/>
+              </a:endParaRPr>
+            </a:p>
+            <a:p>
+              <a:r>
+                <a:rPr lang="en-US" sz="800" dirty="0">
+                  <a:latin typeface="Bell MT" panose="02020503060305020303" pitchFamily="18" charset="0"/>
+                </a:rPr>
+                <a:t>The </a:t>
+              </a:r>
+              <a:r>
+                <a:rPr lang="en-US" sz="800" dirty="0" smtClean="0">
+                  <a:latin typeface="Bell MT" panose="02020503060305020303" pitchFamily="18" charset="0"/>
+                </a:rPr>
+                <a:t>search </a:t>
+              </a:r>
+              <a:r>
+                <a:rPr lang="en-US" sz="800" dirty="0">
+                  <a:latin typeface="Bell MT" panose="02020503060305020303" pitchFamily="18" charset="0"/>
+                </a:rPr>
+                <a:t>was a </a:t>
+              </a:r>
+              <a:r>
+                <a:rPr lang="en-US" sz="800" b="1" dirty="0">
+                  <a:solidFill>
+                    <a:srgbClr val="00B050"/>
+                  </a:solidFill>
+                  <a:latin typeface="Bell MT" panose="02020503060305020303" pitchFamily="18" charset="0"/>
+                </a:rPr>
+                <a:t>success</a:t>
+              </a:r>
+              <a:r>
+                <a:rPr lang="en-US" sz="800" dirty="0">
+                  <a:latin typeface="Bell MT" panose="02020503060305020303" pitchFamily="18" charset="0"/>
+                </a:rPr>
+                <a:t>, </a:t>
+              </a:r>
+              <a:r>
+                <a:rPr lang="en-US" sz="800" dirty="0" smtClean="0">
+                  <a:latin typeface="Bell MT" panose="02020503060305020303" pitchFamily="18" charset="0"/>
+                </a:rPr>
+                <a:t>in this process we gained x </a:t>
+              </a:r>
+              <a:r>
+                <a:rPr lang="en-US" sz="800" dirty="0">
+                  <a:latin typeface="Bell MT" panose="02020503060305020303" pitchFamily="18" charset="0"/>
+                </a:rPr>
+                <a:t>fuel and y </a:t>
+              </a:r>
+              <a:r>
+                <a:rPr lang="en-US" sz="800" dirty="0" smtClean="0">
+                  <a:latin typeface="Bell MT" panose="02020503060305020303" pitchFamily="18" charset="0"/>
+                </a:rPr>
+                <a:t>supplies.</a:t>
+              </a:r>
+              <a:endParaRPr lang="en-US" sz="800" dirty="0">
+                <a:latin typeface="Bell MT" panose="02020503060305020303" pitchFamily="18" charset="0"/>
+              </a:endParaRPr>
+            </a:p>
+          </p:txBody>
+        </p:sp>
+        <p:sp>
+          <p:nvSpPr>
+            <p:cNvPr id="174" name="TextBox 173"/>
+            <p:cNvSpPr txBox="1"/>
+            <p:nvPr/>
+          </p:nvSpPr>
+          <p:spPr>
+            <a:xfrm>
+              <a:off x="7374329" y="6054929"/>
+              <a:ext cx="712306" cy="167828"/>
+            </a:xfrm>
+            <a:prstGeom prst="rect">
+              <a:avLst/>
+            </a:prstGeom>
+            <a:noFill/>
+          </p:spPr>
+          <p:txBody>
+            <a:bodyPr wrap="square" rtlCol="0">
+              <a:spAutoFit/>
+            </a:bodyPr>
+            <a:lstStyle/>
+            <a:p>
+              <a:r>
+                <a:rPr lang="en-US" sz="800" dirty="0" smtClean="0">
+                  <a:latin typeface="Bell MT" panose="02020503060305020303" pitchFamily="18" charset="0"/>
+                </a:rPr>
+                <a:t>-</a:t>
+              </a:r>
+            </a:p>
+          </p:txBody>
+        </p:sp>
+        <p:sp>
+          <p:nvSpPr>
+            <p:cNvPr id="175" name="Rectangle 174"/>
+            <p:cNvSpPr>
+              <a:spLocks/>
+            </p:cNvSpPr>
+            <p:nvPr/>
+          </p:nvSpPr>
+          <p:spPr>
+            <a:xfrm>
+              <a:off x="7374329" y="5210884"/>
+              <a:ext cx="2248533" cy="591891"/>
+            </a:xfrm>
+            <a:prstGeom prst="rect">
+              <a:avLst/>
+            </a:prstGeom>
+            <a:solidFill>
+              <a:schemeClr val="accent1">
+                <a:lumMod val="20000"/>
+                <a:lumOff val="80000"/>
+              </a:schemeClr>
+            </a:solidFill>
+            <a:ln w="38100">
+              <a:solidFill>
+                <a:schemeClr val="tx1"/>
+              </a:solidFill>
+            </a:ln>
+          </p:spPr>
+          <p:style>
+            <a:lnRef idx="2">
+              <a:schemeClr val="accent1">
+                <a:shade val="50000"/>
+              </a:schemeClr>
+            </a:lnRef>
+            <a:fillRef idx="1">
+              <a:schemeClr val="accent1"/>
+            </a:fillRef>
+            <a:effectRef idx="0">
+              <a:schemeClr val="accent1"/>
+            </a:effectRef>
+            <a:fontRef idx="minor">
+              <a:schemeClr val="lt1"/>
+            </a:fontRef>
+          </p:style>
+          <p:txBody>
+            <a:bodyPr rtlCol="0" anchor="ctr"/>
+            <a:lstStyle/>
+            <a:p>
+              <a:pPr algn="ctr"/>
+              <a:endParaRPr lang="en-US"/>
+            </a:p>
+          </p:txBody>
+        </p:sp>
+        <p:sp>
+          <p:nvSpPr>
+            <p:cNvPr id="176" name="Rectangle 175"/>
+            <p:cNvSpPr>
+              <a:spLocks/>
+            </p:cNvSpPr>
+            <p:nvPr/>
+          </p:nvSpPr>
+          <p:spPr>
+            <a:xfrm>
+              <a:off x="7374329" y="5863237"/>
+              <a:ext cx="712306" cy="169627"/>
+            </a:xfrm>
+            <a:prstGeom prst="rect">
+              <a:avLst/>
+            </a:prstGeom>
+            <a:solidFill>
+              <a:schemeClr val="accent6">
+                <a:lumMod val="20000"/>
+                <a:lumOff val="80000"/>
+              </a:schemeClr>
+            </a:solidFill>
+            <a:ln w="38100">
+              <a:solidFill>
+                <a:schemeClr val="tx1"/>
+              </a:solidFill>
+            </a:ln>
+          </p:spPr>
+          <p:style>
+            <a:lnRef idx="2">
+              <a:schemeClr val="accent1">
+                <a:shade val="50000"/>
+              </a:schemeClr>
+            </a:lnRef>
+            <a:fillRef idx="1">
+              <a:schemeClr val="accent1"/>
+            </a:fillRef>
+            <a:effectRef idx="0">
+              <a:schemeClr val="accent1"/>
+            </a:effectRef>
+            <a:fontRef idx="minor">
+              <a:schemeClr val="lt1"/>
+            </a:fontRef>
+          </p:style>
+          <p:txBody>
+            <a:bodyPr rtlCol="0" anchor="ctr"/>
+            <a:lstStyle/>
+            <a:p>
+              <a:pPr algn="ctr"/>
+              <a:r>
+                <a:rPr lang="en-US" sz="1200" dirty="0" smtClean="0">
+                  <a:solidFill>
+                    <a:schemeClr val="tx1"/>
+                  </a:solidFill>
+                </a:rPr>
+                <a:t>-</a:t>
+              </a:r>
+              <a:endParaRPr lang="en-US" sz="1200" dirty="0">
+                <a:solidFill>
+                  <a:schemeClr val="tx1"/>
+                </a:solidFill>
+              </a:endParaRPr>
+            </a:p>
+          </p:txBody>
+        </p:sp>
+        <p:pic>
+          <p:nvPicPr>
+            <p:cNvPr id="177" name="Picture 176"/>
+            <p:cNvPicPr>
+              <a:picLocks noChangeAspect="1"/>
+            </p:cNvPicPr>
+            <p:nvPr/>
+          </p:nvPicPr>
+          <p:blipFill>
+            <a:blip r:embed="rId2"/>
+            <a:stretch>
+              <a:fillRect/>
+            </a:stretch>
+          </p:blipFill>
+          <p:spPr>
+            <a:xfrm>
+              <a:off x="8342288" y="5356054"/>
+              <a:ext cx="301549" cy="301550"/>
+            </a:xfrm>
+            <a:prstGeom prst="rect">
+              <a:avLst/>
+            </a:prstGeom>
+          </p:spPr>
+        </p:pic>
+        <p:sp>
+          <p:nvSpPr>
+            <p:cNvPr id="178" name="Rectangle 177"/>
+            <p:cNvSpPr>
+              <a:spLocks/>
+            </p:cNvSpPr>
+            <p:nvPr/>
+          </p:nvSpPr>
+          <p:spPr>
+            <a:xfrm>
+              <a:off x="8153846" y="5863237"/>
+              <a:ext cx="712306" cy="169627"/>
+            </a:xfrm>
+            <a:prstGeom prst="rect">
+              <a:avLst/>
+            </a:prstGeom>
+            <a:solidFill>
+              <a:schemeClr val="accent6">
+                <a:lumMod val="20000"/>
+                <a:lumOff val="80000"/>
+              </a:schemeClr>
+            </a:solidFill>
+            <a:ln w="38100">
+              <a:solidFill>
+                <a:schemeClr val="tx1"/>
+              </a:solidFill>
+            </a:ln>
+          </p:spPr>
+          <p:style>
+            <a:lnRef idx="2">
+              <a:schemeClr val="accent1">
+                <a:shade val="50000"/>
+              </a:schemeClr>
+            </a:lnRef>
+            <a:fillRef idx="1">
+              <a:schemeClr val="accent1"/>
+            </a:fillRef>
+            <a:effectRef idx="0">
+              <a:schemeClr val="accent1"/>
+            </a:effectRef>
+            <a:fontRef idx="minor">
+              <a:schemeClr val="lt1"/>
+            </a:fontRef>
+          </p:style>
+          <p:txBody>
+            <a:bodyPr rtlCol="0" anchor="ctr"/>
+            <a:lstStyle/>
+            <a:p>
+              <a:pPr algn="ctr"/>
+              <a:r>
+                <a:rPr lang="en-US" sz="800" dirty="0" smtClean="0">
+                  <a:solidFill>
+                    <a:schemeClr val="tx1"/>
+                  </a:solidFill>
+                </a:rPr>
+                <a:t>-</a:t>
+              </a:r>
+              <a:endParaRPr lang="en-US" sz="800" dirty="0">
+                <a:solidFill>
+                  <a:schemeClr val="tx1"/>
+                </a:solidFill>
+              </a:endParaRPr>
+            </a:p>
+          </p:txBody>
+        </p:sp>
+        <p:sp>
+          <p:nvSpPr>
+            <p:cNvPr id="179" name="Rectangle 178"/>
+            <p:cNvSpPr>
+              <a:spLocks/>
+            </p:cNvSpPr>
+            <p:nvPr/>
+          </p:nvSpPr>
+          <p:spPr>
+            <a:xfrm>
+              <a:off x="8910556" y="5863237"/>
+              <a:ext cx="712306" cy="169627"/>
+            </a:xfrm>
+            <a:prstGeom prst="rect">
+              <a:avLst/>
+            </a:prstGeom>
+            <a:solidFill>
+              <a:schemeClr val="accent6">
+                <a:lumMod val="20000"/>
+                <a:lumOff val="80000"/>
+              </a:schemeClr>
+            </a:solidFill>
+            <a:ln w="38100">
+              <a:solidFill>
+                <a:schemeClr val="tx1"/>
+              </a:solidFill>
+            </a:ln>
+          </p:spPr>
+          <p:style>
+            <a:lnRef idx="2">
+              <a:schemeClr val="accent1">
+                <a:shade val="50000"/>
+              </a:schemeClr>
+            </a:lnRef>
+            <a:fillRef idx="1">
+              <a:schemeClr val="accent1"/>
+            </a:fillRef>
+            <a:effectRef idx="0">
+              <a:schemeClr val="accent1"/>
+            </a:effectRef>
+            <a:fontRef idx="minor">
+              <a:schemeClr val="lt1"/>
+            </a:fontRef>
+          </p:style>
+          <p:txBody>
+            <a:bodyPr rtlCol="0" anchor="ctr"/>
+            <a:lstStyle/>
+            <a:p>
+              <a:pPr algn="ctr"/>
+              <a:r>
+                <a:rPr lang="en-US" sz="800" dirty="0" smtClean="0">
+                  <a:solidFill>
+                    <a:schemeClr val="tx1"/>
+                  </a:solidFill>
+                </a:rPr>
+                <a:t>Done</a:t>
+              </a:r>
+              <a:endParaRPr lang="en-US" sz="800" dirty="0">
+                <a:solidFill>
+                  <a:schemeClr val="tx1"/>
+                </a:solidFill>
+              </a:endParaRPr>
+            </a:p>
+          </p:txBody>
+        </p:sp>
+        <p:sp>
+          <p:nvSpPr>
+            <p:cNvPr id="180" name="TextBox 179"/>
+            <p:cNvSpPr txBox="1"/>
+            <p:nvPr/>
+          </p:nvSpPr>
+          <p:spPr>
+            <a:xfrm>
+              <a:off x="8153846" y="6052692"/>
+              <a:ext cx="712306" cy="184666"/>
+            </a:xfrm>
+            <a:prstGeom prst="rect">
+              <a:avLst/>
+            </a:prstGeom>
+            <a:noFill/>
+          </p:spPr>
+          <p:txBody>
+            <a:bodyPr wrap="square" rtlCol="0">
+              <a:spAutoFit/>
+            </a:bodyPr>
+            <a:lstStyle/>
+            <a:p>
+              <a:r>
+                <a:rPr lang="en-US" sz="600" dirty="0" smtClean="0">
+                  <a:latin typeface="Bell MT" panose="02020503060305020303" pitchFamily="18" charset="0"/>
+                </a:rPr>
+                <a:t>-</a:t>
+              </a:r>
+            </a:p>
+          </p:txBody>
+        </p:sp>
+        <p:sp>
+          <p:nvSpPr>
+            <p:cNvPr id="181" name="TextBox 180"/>
+            <p:cNvSpPr txBox="1"/>
+            <p:nvPr/>
+          </p:nvSpPr>
+          <p:spPr>
+            <a:xfrm>
+              <a:off x="8910556" y="6052692"/>
+              <a:ext cx="712306" cy="369332"/>
+            </a:xfrm>
+            <a:prstGeom prst="rect">
+              <a:avLst/>
+            </a:prstGeom>
+            <a:noFill/>
+          </p:spPr>
+          <p:txBody>
+            <a:bodyPr wrap="square" rtlCol="0">
+              <a:spAutoFit/>
+            </a:bodyPr>
+            <a:lstStyle/>
+            <a:p>
+              <a:r>
+                <a:rPr lang="en-US" sz="600" dirty="0" smtClean="0">
+                  <a:latin typeface="Bell MT" panose="02020503060305020303" pitchFamily="18" charset="0"/>
+                </a:rPr>
+                <a:t>Nothing left to do but leave the area.</a:t>
+              </a:r>
+            </a:p>
+          </p:txBody>
+        </p:sp>
+        <p:sp>
+          <p:nvSpPr>
+            <p:cNvPr id="183" name="Rectangle 182"/>
+            <p:cNvSpPr>
+              <a:spLocks/>
+            </p:cNvSpPr>
+            <p:nvPr/>
+          </p:nvSpPr>
+          <p:spPr>
+            <a:xfrm>
+              <a:off x="7172837" y="6741602"/>
+              <a:ext cx="712306" cy="169627"/>
+            </a:xfrm>
+            <a:prstGeom prst="rect">
+              <a:avLst/>
+            </a:prstGeom>
+            <a:solidFill>
+              <a:srgbClr val="00B050"/>
+            </a:solidFill>
+            <a:ln w="38100">
+              <a:solidFill>
+                <a:schemeClr val="tx1"/>
+              </a:solidFill>
+            </a:ln>
+          </p:spPr>
+          <p:style>
+            <a:lnRef idx="2">
+              <a:schemeClr val="accent1">
+                <a:shade val="50000"/>
+              </a:schemeClr>
+            </a:lnRef>
+            <a:fillRef idx="1">
+              <a:schemeClr val="accent1"/>
+            </a:fillRef>
+            <a:effectRef idx="0">
+              <a:schemeClr val="accent1"/>
+            </a:effectRef>
+            <a:fontRef idx="minor">
+              <a:schemeClr val="lt1"/>
+            </a:fontRef>
+          </p:style>
+          <p:txBody>
+            <a:bodyPr rtlCol="0" anchor="ctr"/>
+            <a:lstStyle/>
+            <a:p>
+              <a:pPr algn="ctr"/>
+              <a:r>
+                <a:rPr lang="en-US" sz="1200" dirty="0" smtClean="0">
+                  <a:solidFill>
+                    <a:schemeClr val="tx1"/>
+                  </a:solidFill>
+                </a:rPr>
+                <a:t>Success</a:t>
+              </a:r>
+              <a:endParaRPr lang="en-US" sz="1200" dirty="0">
+                <a:solidFill>
+                  <a:schemeClr val="tx1"/>
+                </a:solidFill>
+              </a:endParaRPr>
+            </a:p>
+          </p:txBody>
+        </p:sp>
+        <p:sp>
+          <p:nvSpPr>
+            <p:cNvPr id="184" name="Rectangle 183"/>
+            <p:cNvSpPr>
+              <a:spLocks/>
+            </p:cNvSpPr>
+            <p:nvPr/>
+          </p:nvSpPr>
+          <p:spPr>
+            <a:xfrm>
+              <a:off x="9100167" y="6741602"/>
+              <a:ext cx="712306" cy="169627"/>
+            </a:xfrm>
+            <a:prstGeom prst="rect">
+              <a:avLst/>
+            </a:prstGeom>
+            <a:solidFill>
+              <a:srgbClr val="FF0000"/>
+            </a:solidFill>
+            <a:ln w="38100">
+              <a:solidFill>
+                <a:schemeClr val="tx1"/>
+              </a:solidFill>
+            </a:ln>
+          </p:spPr>
+          <p:style>
+            <a:lnRef idx="2">
+              <a:schemeClr val="accent1">
+                <a:shade val="50000"/>
+              </a:schemeClr>
+            </a:lnRef>
+            <a:fillRef idx="1">
+              <a:schemeClr val="accent1"/>
+            </a:fillRef>
+            <a:effectRef idx="0">
+              <a:schemeClr val="accent1"/>
+            </a:effectRef>
+            <a:fontRef idx="minor">
+              <a:schemeClr val="lt1"/>
+            </a:fontRef>
+          </p:style>
+          <p:txBody>
+            <a:bodyPr rtlCol="0" anchor="ctr"/>
+            <a:lstStyle/>
+            <a:p>
+              <a:pPr algn="ctr"/>
+              <a:r>
+                <a:rPr lang="en-US" sz="1200" dirty="0" smtClean="0">
+                  <a:solidFill>
+                    <a:schemeClr val="tx1"/>
+                  </a:solidFill>
+                </a:rPr>
+                <a:t>Fail</a:t>
+              </a:r>
+              <a:endParaRPr lang="en-US" sz="1200" dirty="0">
+                <a:solidFill>
+                  <a:schemeClr val="tx1"/>
+                </a:solidFill>
+              </a:endParaRPr>
+            </a:p>
+          </p:txBody>
+        </p:sp>
+        <p:grpSp>
+          <p:nvGrpSpPr>
+            <p:cNvPr id="185" name="Group 184"/>
+            <p:cNvGrpSpPr/>
+            <p:nvPr/>
+          </p:nvGrpSpPr>
+          <p:grpSpPr>
+            <a:xfrm>
+              <a:off x="9471647" y="4659682"/>
+              <a:ext cx="211402" cy="225880"/>
+              <a:chOff x="2519086" y="4255462"/>
+              <a:chExt cx="309033" cy="330200"/>
+            </a:xfrm>
+          </p:grpSpPr>
+          <p:sp>
+            <p:nvSpPr>
+              <p:cNvPr id="186" name="Freeform 185"/>
+              <p:cNvSpPr/>
+              <p:nvPr/>
+            </p:nvSpPr>
+            <p:spPr>
+              <a:xfrm>
+                <a:off x="2519086" y="4255462"/>
+                <a:ext cx="309033" cy="330200"/>
+              </a:xfrm>
+              <a:custGeom>
+                <a:avLst/>
+                <a:gdLst>
+                  <a:gd name="connsiteX0" fmla="*/ 0 w 309033"/>
+                  <a:gd name="connsiteY0" fmla="*/ 0 h 330200"/>
+                  <a:gd name="connsiteX1" fmla="*/ 63500 w 309033"/>
+                  <a:gd name="connsiteY1" fmla="*/ 330200 h 330200"/>
+                  <a:gd name="connsiteX2" fmla="*/ 173567 w 309033"/>
+                  <a:gd name="connsiteY2" fmla="*/ 182033 h 330200"/>
+                  <a:gd name="connsiteX3" fmla="*/ 309033 w 309033"/>
+                  <a:gd name="connsiteY3" fmla="*/ 165100 h 330200"/>
+                  <a:gd name="connsiteX4" fmla="*/ 0 w 309033"/>
+                  <a:gd name="connsiteY4" fmla="*/ 0 h 330200"/>
+                </a:gdLst>
+                <a:ahLst/>
+                <a:cxnLst>
+                  <a:cxn ang="0">
+                    <a:pos x="connsiteX0" y="connsiteY0"/>
+                  </a:cxn>
+                  <a:cxn ang="0">
+                    <a:pos x="connsiteX1" y="connsiteY1"/>
+                  </a:cxn>
+                  <a:cxn ang="0">
+                    <a:pos x="connsiteX2" y="connsiteY2"/>
+                  </a:cxn>
+                  <a:cxn ang="0">
+                    <a:pos x="connsiteX3" y="connsiteY3"/>
+                  </a:cxn>
+                  <a:cxn ang="0">
+                    <a:pos x="connsiteX4" y="connsiteY4"/>
+                  </a:cxn>
+                </a:cxnLst>
+                <a:rect l="l" t="t" r="r" b="b"/>
+                <a:pathLst>
+                  <a:path w="309033" h="330200">
+                    <a:moveTo>
+                      <a:pt x="0" y="0"/>
+                    </a:moveTo>
+                    <a:lnTo>
+                      <a:pt x="63500" y="330200"/>
+                    </a:lnTo>
+                    <a:lnTo>
+                      <a:pt x="173567" y="182033"/>
+                    </a:lnTo>
+                    <a:lnTo>
+                      <a:pt x="309033" y="165100"/>
+                    </a:lnTo>
+                    <a:lnTo>
+                      <a:pt x="0" y="0"/>
+                    </a:lnTo>
+                    <a:close/>
+                  </a:path>
+                </a:pathLst>
+              </a:custGeom>
+              <a:ln w="28575">
+                <a:solidFill>
+                  <a:schemeClr val="tx1"/>
+                </a:solidFill>
+              </a:ln>
+            </p:spPr>
+            <p:style>
+              <a:lnRef idx="2">
+                <a:schemeClr val="accent1">
+                  <a:shade val="50000"/>
+                </a:schemeClr>
+              </a:lnRef>
+              <a:fillRef idx="1">
+                <a:schemeClr val="accent1"/>
+              </a:fillRef>
+              <a:effectRef idx="0">
+                <a:schemeClr val="accent1"/>
+              </a:effectRef>
+              <a:fontRef idx="minor">
+                <a:schemeClr val="lt1"/>
+              </a:fontRef>
+            </p:style>
+            <p:txBody>
+              <a:bodyPr rtlCol="0" anchor="ctr"/>
+              <a:lstStyle/>
+              <a:p>
+                <a:pPr algn="ctr"/>
+                <a:endParaRPr lang="en-US"/>
+              </a:p>
+            </p:txBody>
+          </p:sp>
+          <p:cxnSp>
+            <p:nvCxnSpPr>
+              <p:cNvPr id="187" name="Straight Connector 186"/>
+              <p:cNvCxnSpPr>
+                <a:stCxn id="186" idx="0"/>
+                <a:endCxn id="186" idx="2"/>
+              </p:cNvCxnSpPr>
+              <p:nvPr/>
+            </p:nvCxnSpPr>
+            <p:spPr>
+              <a:xfrm>
+                <a:off x="2519086" y="4255462"/>
+                <a:ext cx="173567" cy="182033"/>
+              </a:xfrm>
+              <a:prstGeom prst="line">
+                <a:avLst/>
+              </a:prstGeom>
+              <a:ln w="28575"/>
+            </p:spPr>
+            <p:style>
+              <a:lnRef idx="1">
+                <a:schemeClr val="dk1"/>
+              </a:lnRef>
+              <a:fillRef idx="0">
+                <a:schemeClr val="dk1"/>
+              </a:fillRef>
+              <a:effectRef idx="0">
+                <a:schemeClr val="dk1"/>
+              </a:effectRef>
+              <a:fontRef idx="minor">
+                <a:schemeClr val="tx1"/>
+              </a:fontRef>
+            </p:style>
+          </p:cxnSp>
+        </p:grpSp>
+        <p:sp>
+          <p:nvSpPr>
+            <p:cNvPr id="193" name="TextBox 192"/>
+            <p:cNvSpPr txBox="1"/>
+            <p:nvPr/>
+          </p:nvSpPr>
+          <p:spPr>
+            <a:xfrm>
+              <a:off x="7884963" y="6703305"/>
+              <a:ext cx="522196" cy="246221"/>
+            </a:xfrm>
+            <a:prstGeom prst="rect">
+              <a:avLst/>
+            </a:prstGeom>
+            <a:noFill/>
+          </p:spPr>
+          <p:txBody>
+            <a:bodyPr wrap="square" rtlCol="0">
+              <a:spAutoFit/>
+            </a:bodyPr>
+            <a:lstStyle/>
+            <a:p>
+              <a:pPr algn="ctr"/>
+              <a:r>
+                <a:rPr lang="en-US" sz="1000" dirty="0" smtClean="0">
+                  <a:solidFill>
+                    <a:srgbClr val="00B050"/>
+                  </a:solidFill>
+                  <a:latin typeface="Bell MT" panose="02020503060305020303" pitchFamily="18" charset="0"/>
+                </a:rPr>
+                <a:t>-</a:t>
+              </a:r>
+            </a:p>
+          </p:txBody>
+        </p:sp>
+        <p:sp>
+          <p:nvSpPr>
+            <p:cNvPr id="194" name="TextBox 193"/>
+            <p:cNvSpPr txBox="1"/>
+            <p:nvPr/>
+          </p:nvSpPr>
+          <p:spPr>
+            <a:xfrm>
+              <a:off x="8678869" y="6703305"/>
+              <a:ext cx="457200" cy="246221"/>
+            </a:xfrm>
+            <a:prstGeom prst="rect">
+              <a:avLst/>
+            </a:prstGeom>
+            <a:noFill/>
+          </p:spPr>
+          <p:txBody>
+            <a:bodyPr wrap="square" rtlCol="0">
+              <a:spAutoFit/>
+            </a:bodyPr>
+            <a:lstStyle/>
+            <a:p>
+              <a:pPr algn="ctr"/>
+              <a:r>
+                <a:rPr lang="en-US" sz="1000" dirty="0" smtClean="0">
+                  <a:solidFill>
+                    <a:srgbClr val="FF0000"/>
+                  </a:solidFill>
+                  <a:latin typeface="Bell MT" panose="02020503060305020303" pitchFamily="18" charset="0"/>
+                </a:rPr>
+                <a:t>-</a:t>
+              </a:r>
+            </a:p>
+          </p:txBody>
+        </p:sp>
+      </p:grpSp>
+      <p:cxnSp>
+        <p:nvCxnSpPr>
+          <p:cNvPr id="195" name="Elbow Connector 194"/>
+          <p:cNvCxnSpPr>
+            <a:stCxn id="58" idx="2"/>
+            <a:endCxn id="172" idx="2"/>
+          </p:cNvCxnSpPr>
+          <p:nvPr/>
+        </p:nvCxnSpPr>
+        <p:spPr>
+          <a:xfrm rot="16200000" flipH="1">
+            <a:off x="5597903" y="4700247"/>
+            <a:ext cx="12700" cy="2786097"/>
+          </a:xfrm>
+          <a:prstGeom prst="bentConnector3">
+            <a:avLst>
+              <a:gd name="adj1" fmla="val 1800000"/>
+            </a:avLst>
+          </a:prstGeom>
+          <a:ln>
+            <a:solidFill>
+              <a:srgbClr val="7030A0"/>
+            </a:solidFill>
+            <a:tailEnd type="triangle"/>
+          </a:ln>
+        </p:spPr>
+        <p:style>
+          <a:lnRef idx="1">
+            <a:schemeClr val="accent1"/>
+          </a:lnRef>
+          <a:fillRef idx="0">
+            <a:schemeClr val="accent1"/>
+          </a:fillRef>
+          <a:effectRef idx="0">
+            <a:schemeClr val="accent1"/>
+          </a:effectRef>
+          <a:fontRef idx="minor">
+            <a:schemeClr val="tx1"/>
+          </a:fontRef>
+        </p:style>
+      </p:cxnSp>
+      <p:sp>
+        <p:nvSpPr>
+          <p:cNvPr id="196" name="TextBox 195"/>
+          <p:cNvSpPr txBox="1"/>
+          <p:nvPr/>
+        </p:nvSpPr>
+        <p:spPr>
+          <a:xfrm>
+            <a:off x="6296338" y="6088367"/>
+            <a:ext cx="640532" cy="246221"/>
+          </a:xfrm>
+          <a:prstGeom prst="rect">
+            <a:avLst/>
+          </a:prstGeom>
+          <a:noFill/>
+        </p:spPr>
+        <p:txBody>
+          <a:bodyPr wrap="square" rtlCol="0">
+            <a:spAutoFit/>
+          </a:bodyPr>
+          <a:lstStyle/>
+          <a:p>
+            <a:r>
+              <a:rPr lang="en-US" sz="1000" b="1" dirty="0" smtClean="0">
+                <a:solidFill>
+                  <a:srgbClr val="00B050"/>
+                </a:solidFill>
+                <a:latin typeface="Bell MT" panose="02020503060305020303" pitchFamily="18" charset="0"/>
+              </a:rPr>
+              <a:t>Success</a:t>
+            </a:r>
+            <a:endParaRPr lang="en-US" sz="800" dirty="0">
+              <a:solidFill>
+                <a:srgbClr val="00B050"/>
+              </a:solidFill>
+              <a:latin typeface="Bell MT" panose="02020503060305020303" pitchFamily="18" charset="0"/>
+            </a:endParaRPr>
+          </a:p>
+        </p:txBody>
+      </p:sp>
+      <p:cxnSp>
+        <p:nvCxnSpPr>
+          <p:cNvPr id="197" name="Elbow Connector 196"/>
+          <p:cNvCxnSpPr>
+            <a:stCxn id="110" idx="2"/>
+            <a:endCxn id="172" idx="0"/>
+          </p:cNvCxnSpPr>
+          <p:nvPr/>
+        </p:nvCxnSpPr>
+        <p:spPr>
+          <a:xfrm rot="16200000" flipH="1">
+            <a:off x="5447666" y="1795209"/>
+            <a:ext cx="527339" cy="2559233"/>
+          </a:xfrm>
+          <a:prstGeom prst="bentConnector3">
+            <a:avLst>
+              <a:gd name="adj1" fmla="val 49197"/>
+            </a:avLst>
+          </a:prstGeom>
+          <a:ln>
+            <a:solidFill>
+              <a:srgbClr val="7030A0"/>
+            </a:solidFill>
+            <a:tailEnd type="triangle"/>
+          </a:ln>
+        </p:spPr>
+        <p:style>
+          <a:lnRef idx="1">
+            <a:schemeClr val="accent1"/>
+          </a:lnRef>
+          <a:fillRef idx="0">
+            <a:schemeClr val="accent1"/>
+          </a:fillRef>
+          <a:effectRef idx="0">
+            <a:schemeClr val="accent1"/>
+          </a:effectRef>
+          <a:fontRef idx="minor">
+            <a:schemeClr val="tx1"/>
+          </a:fontRef>
+        </p:style>
+      </p:cxnSp>
+      <p:sp>
+        <p:nvSpPr>
+          <p:cNvPr id="198" name="TextBox 197"/>
+          <p:cNvSpPr txBox="1"/>
+          <p:nvPr/>
+        </p:nvSpPr>
+        <p:spPr>
+          <a:xfrm>
+            <a:off x="6299552" y="3076857"/>
+            <a:ext cx="640532" cy="246221"/>
+          </a:xfrm>
+          <a:prstGeom prst="rect">
+            <a:avLst/>
+          </a:prstGeom>
+          <a:noFill/>
+        </p:spPr>
+        <p:txBody>
+          <a:bodyPr wrap="square" rtlCol="0">
+            <a:spAutoFit/>
+          </a:bodyPr>
+          <a:lstStyle/>
+          <a:p>
+            <a:r>
+              <a:rPr lang="en-US" sz="1000" b="1" dirty="0" smtClean="0">
+                <a:solidFill>
+                  <a:srgbClr val="00B050"/>
+                </a:solidFill>
+                <a:latin typeface="Bell MT" panose="02020503060305020303" pitchFamily="18" charset="0"/>
+              </a:rPr>
+              <a:t>Success</a:t>
+            </a:r>
+            <a:endParaRPr lang="en-US" sz="800" dirty="0">
+              <a:solidFill>
+                <a:srgbClr val="00B050"/>
+              </a:solidFill>
+              <a:latin typeface="Bell MT" panose="02020503060305020303" pitchFamily="18" charset="0"/>
+            </a:endParaRPr>
+          </a:p>
+        </p:txBody>
+      </p:sp>
+      <p:cxnSp>
+        <p:nvCxnSpPr>
+          <p:cNvPr id="199" name="Elbow Connector 198"/>
+          <p:cNvCxnSpPr>
+            <a:stCxn id="110" idx="2"/>
+            <a:endCxn id="201" idx="0"/>
+          </p:cNvCxnSpPr>
+          <p:nvPr/>
+        </p:nvCxnSpPr>
+        <p:spPr>
+          <a:xfrm rot="16200000" flipH="1">
+            <a:off x="6882130" y="360746"/>
+            <a:ext cx="496776" cy="5397598"/>
+          </a:xfrm>
+          <a:prstGeom prst="bentConnector3">
+            <a:avLst>
+              <a:gd name="adj1" fmla="val 52556"/>
+            </a:avLst>
+          </a:prstGeom>
+          <a:ln>
+            <a:solidFill>
+              <a:srgbClr val="7030A0"/>
+            </a:solidFill>
+            <a:tailEnd type="triangle"/>
+          </a:ln>
+        </p:spPr>
+        <p:style>
+          <a:lnRef idx="1">
+            <a:schemeClr val="accent1"/>
+          </a:lnRef>
+          <a:fillRef idx="0">
+            <a:schemeClr val="accent1"/>
+          </a:fillRef>
+          <a:effectRef idx="0">
+            <a:schemeClr val="accent1"/>
+          </a:effectRef>
+          <a:fontRef idx="minor">
+            <a:schemeClr val="tx1"/>
+          </a:fontRef>
+        </p:style>
+      </p:cxnSp>
+      <p:sp>
+        <p:nvSpPr>
+          <p:cNvPr id="201" name="Rectangle 200"/>
+          <p:cNvSpPr>
+            <a:spLocks/>
+          </p:cNvSpPr>
+          <p:nvPr/>
+        </p:nvSpPr>
+        <p:spPr>
+          <a:xfrm>
+            <a:off x="8498608" y="3307933"/>
+            <a:ext cx="2661418" cy="2754800"/>
+          </a:xfrm>
+          <a:prstGeom prst="rect">
+            <a:avLst/>
+          </a:prstGeom>
+          <a:solidFill>
+            <a:schemeClr val="accent4">
+              <a:lumMod val="20000"/>
+              <a:lumOff val="80000"/>
+            </a:schemeClr>
+          </a:solidFill>
+          <a:ln w="38100">
+            <a:solidFill>
+              <a:schemeClr val="tx1"/>
+            </a:solidFill>
+          </a:ln>
+        </p:spPr>
+        <p:style>
+          <a:lnRef idx="2">
+            <a:schemeClr val="accent1">
+              <a:shade val="50000"/>
+            </a:schemeClr>
+          </a:lnRef>
+          <a:fillRef idx="1">
+            <a:schemeClr val="accent1"/>
+          </a:fillRef>
+          <a:effectRef idx="0">
+            <a:schemeClr val="accent1"/>
+          </a:effectRef>
+          <a:fontRef idx="minor">
+            <a:schemeClr val="lt1"/>
+          </a:fontRef>
+        </p:style>
+        <p:txBody>
+          <a:bodyPr rtlCol="0" anchor="ctr"/>
+          <a:lstStyle/>
+          <a:p>
+            <a:pPr algn="ctr"/>
+            <a:endParaRPr lang="en-US"/>
+          </a:p>
+        </p:txBody>
+      </p:sp>
+      <p:sp>
+        <p:nvSpPr>
+          <p:cNvPr id="202" name="TextBox 201"/>
+          <p:cNvSpPr txBox="1"/>
+          <p:nvPr/>
+        </p:nvSpPr>
+        <p:spPr>
+          <a:xfrm>
+            <a:off x="8615553" y="3418178"/>
+            <a:ext cx="2403750" cy="615553"/>
+          </a:xfrm>
+          <a:prstGeom prst="rect">
+            <a:avLst/>
+          </a:prstGeom>
+          <a:noFill/>
+        </p:spPr>
+        <p:txBody>
+          <a:bodyPr wrap="square" rtlCol="0">
+            <a:spAutoFit/>
+          </a:bodyPr>
+          <a:lstStyle/>
+          <a:p>
+            <a:r>
+              <a:rPr lang="en-US" sz="1000" b="1" dirty="0">
+                <a:latin typeface="Bell MT" panose="02020503060305020303" pitchFamily="18" charset="0"/>
+              </a:rPr>
+              <a:t>Abandoned Shelter</a:t>
+            </a:r>
+          </a:p>
+          <a:p>
+            <a:endParaRPr lang="en-US" sz="800" dirty="0">
+              <a:latin typeface="Bell MT" panose="02020503060305020303" pitchFamily="18" charset="0"/>
+            </a:endParaRPr>
+          </a:p>
+          <a:p>
+            <a:r>
+              <a:rPr lang="en-US" sz="800" dirty="0">
+                <a:latin typeface="Bell MT" panose="02020503060305020303" pitchFamily="18" charset="0"/>
+              </a:rPr>
+              <a:t>The </a:t>
+            </a:r>
+            <a:r>
+              <a:rPr lang="en-US" sz="800" dirty="0" smtClean="0">
+                <a:latin typeface="Bell MT" panose="02020503060305020303" pitchFamily="18" charset="0"/>
+              </a:rPr>
+              <a:t>search </a:t>
+            </a:r>
+            <a:r>
+              <a:rPr lang="en-US" sz="800" dirty="0">
+                <a:latin typeface="Bell MT" panose="02020503060305020303" pitchFamily="18" charset="0"/>
+              </a:rPr>
+              <a:t>was a </a:t>
+            </a:r>
+            <a:r>
+              <a:rPr lang="en-US" sz="800" b="1" dirty="0" smtClean="0">
+                <a:solidFill>
+                  <a:srgbClr val="FF0000"/>
+                </a:solidFill>
+                <a:latin typeface="Bell MT" panose="02020503060305020303" pitchFamily="18" charset="0"/>
+              </a:rPr>
+              <a:t>fail</a:t>
+            </a:r>
+            <a:r>
+              <a:rPr lang="en-US" sz="800" dirty="0" smtClean="0">
+                <a:latin typeface="Bell MT" panose="02020503060305020303" pitchFamily="18" charset="0"/>
+              </a:rPr>
+              <a:t>, we lost x crew members to a polar bear. The rest barely made it out alive.</a:t>
+            </a:r>
+            <a:endParaRPr lang="en-US" sz="800" dirty="0">
+              <a:latin typeface="Bell MT" panose="02020503060305020303" pitchFamily="18" charset="0"/>
+            </a:endParaRPr>
+          </a:p>
+        </p:txBody>
+      </p:sp>
+      <p:sp>
+        <p:nvSpPr>
+          <p:cNvPr id="203" name="TextBox 202"/>
+          <p:cNvSpPr txBox="1"/>
+          <p:nvPr/>
+        </p:nvSpPr>
+        <p:spPr>
+          <a:xfrm>
+            <a:off x="8710583" y="4864812"/>
+            <a:ext cx="712306" cy="184666"/>
+          </a:xfrm>
+          <a:prstGeom prst="rect">
+            <a:avLst/>
+          </a:prstGeom>
+          <a:noFill/>
+        </p:spPr>
+        <p:txBody>
+          <a:bodyPr wrap="square" rtlCol="0">
+            <a:spAutoFit/>
+          </a:bodyPr>
+          <a:lstStyle/>
+          <a:p>
+            <a:r>
+              <a:rPr lang="en-US" sz="600" dirty="0" smtClean="0">
+                <a:latin typeface="Bell MT" panose="02020503060305020303" pitchFamily="18" charset="0"/>
+              </a:rPr>
+              <a:t>-</a:t>
+            </a:r>
+            <a:endParaRPr lang="en-US" sz="600" dirty="0">
+              <a:latin typeface="Bell MT" panose="02020503060305020303" pitchFamily="18" charset="0"/>
+            </a:endParaRPr>
+          </a:p>
+        </p:txBody>
+      </p:sp>
+      <p:sp>
+        <p:nvSpPr>
+          <p:cNvPr id="204" name="Rectangle 203"/>
+          <p:cNvSpPr>
+            <a:spLocks/>
+          </p:cNvSpPr>
+          <p:nvPr/>
+        </p:nvSpPr>
+        <p:spPr>
+          <a:xfrm>
+            <a:off x="8710583" y="4020767"/>
+            <a:ext cx="2248533" cy="591891"/>
+          </a:xfrm>
+          <a:prstGeom prst="rect">
+            <a:avLst/>
+          </a:prstGeom>
+          <a:solidFill>
+            <a:schemeClr val="accent1">
+              <a:lumMod val="20000"/>
+              <a:lumOff val="80000"/>
+            </a:schemeClr>
+          </a:solidFill>
+          <a:ln w="38100">
+            <a:solidFill>
+              <a:schemeClr val="tx1"/>
+            </a:solidFill>
+          </a:ln>
+        </p:spPr>
+        <p:style>
+          <a:lnRef idx="2">
+            <a:schemeClr val="accent1">
+              <a:shade val="50000"/>
+            </a:schemeClr>
+          </a:lnRef>
+          <a:fillRef idx="1">
+            <a:schemeClr val="accent1"/>
+          </a:fillRef>
+          <a:effectRef idx="0">
+            <a:schemeClr val="accent1"/>
+          </a:effectRef>
+          <a:fontRef idx="minor">
+            <a:schemeClr val="lt1"/>
+          </a:fontRef>
+        </p:style>
+        <p:txBody>
+          <a:bodyPr rtlCol="0" anchor="ctr"/>
+          <a:lstStyle/>
+          <a:p>
+            <a:pPr algn="ctr"/>
+            <a:endParaRPr lang="en-US"/>
+          </a:p>
+        </p:txBody>
+      </p:sp>
+      <p:sp>
+        <p:nvSpPr>
+          <p:cNvPr id="205" name="Rectangle 204"/>
+          <p:cNvSpPr>
+            <a:spLocks/>
+          </p:cNvSpPr>
+          <p:nvPr/>
+        </p:nvSpPr>
+        <p:spPr>
+          <a:xfrm>
+            <a:off x="8710583" y="4673120"/>
+            <a:ext cx="712306" cy="169627"/>
+          </a:xfrm>
+          <a:prstGeom prst="rect">
+            <a:avLst/>
+          </a:prstGeom>
+          <a:solidFill>
+            <a:schemeClr val="accent6">
+              <a:lumMod val="20000"/>
+              <a:lumOff val="80000"/>
+            </a:schemeClr>
+          </a:solidFill>
+          <a:ln w="38100">
+            <a:solidFill>
+              <a:schemeClr val="tx1"/>
+            </a:solidFill>
+          </a:ln>
+        </p:spPr>
+        <p:style>
+          <a:lnRef idx="2">
+            <a:schemeClr val="accent1">
+              <a:shade val="50000"/>
+            </a:schemeClr>
+          </a:lnRef>
+          <a:fillRef idx="1">
+            <a:schemeClr val="accent1"/>
+          </a:fillRef>
+          <a:effectRef idx="0">
+            <a:schemeClr val="accent1"/>
+          </a:effectRef>
+          <a:fontRef idx="minor">
+            <a:schemeClr val="lt1"/>
+          </a:fontRef>
+        </p:style>
+        <p:txBody>
+          <a:bodyPr rtlCol="0" anchor="ctr"/>
+          <a:lstStyle/>
+          <a:p>
+            <a:pPr algn="ctr"/>
+            <a:r>
+              <a:rPr lang="en-US" sz="800" dirty="0" smtClean="0">
+                <a:solidFill>
+                  <a:schemeClr val="tx1"/>
+                </a:solidFill>
+              </a:rPr>
+              <a:t>-</a:t>
+            </a:r>
+            <a:endParaRPr lang="en-US" sz="800" dirty="0">
+              <a:solidFill>
+                <a:schemeClr val="tx1"/>
+              </a:solidFill>
+            </a:endParaRPr>
+          </a:p>
+        </p:txBody>
+      </p:sp>
+      <p:pic>
+        <p:nvPicPr>
+          <p:cNvPr id="206" name="Picture 205"/>
+          <p:cNvPicPr>
+            <a:picLocks noChangeAspect="1"/>
+          </p:cNvPicPr>
+          <p:nvPr/>
+        </p:nvPicPr>
+        <p:blipFill>
+          <a:blip r:embed="rId2"/>
+          <a:stretch>
+            <a:fillRect/>
+          </a:stretch>
+        </p:blipFill>
+        <p:spPr>
+          <a:xfrm>
+            <a:off x="9678542" y="4165937"/>
+            <a:ext cx="301549" cy="301550"/>
+          </a:xfrm>
+          <a:prstGeom prst="rect">
+            <a:avLst/>
+          </a:prstGeom>
+        </p:spPr>
+      </p:pic>
+      <p:sp>
+        <p:nvSpPr>
+          <p:cNvPr id="207" name="Rectangle 206"/>
+          <p:cNvSpPr>
+            <a:spLocks/>
+          </p:cNvSpPr>
+          <p:nvPr/>
+        </p:nvSpPr>
+        <p:spPr>
+          <a:xfrm>
+            <a:off x="9490100" y="4673120"/>
+            <a:ext cx="712306" cy="169627"/>
+          </a:xfrm>
+          <a:prstGeom prst="rect">
+            <a:avLst/>
+          </a:prstGeom>
+          <a:solidFill>
+            <a:schemeClr val="accent6">
+              <a:lumMod val="20000"/>
+              <a:lumOff val="80000"/>
+            </a:schemeClr>
+          </a:solidFill>
+          <a:ln w="38100">
+            <a:solidFill>
+              <a:schemeClr val="tx1"/>
+            </a:solidFill>
+          </a:ln>
+        </p:spPr>
+        <p:style>
+          <a:lnRef idx="2">
+            <a:schemeClr val="accent1">
+              <a:shade val="50000"/>
+            </a:schemeClr>
+          </a:lnRef>
+          <a:fillRef idx="1">
+            <a:schemeClr val="accent1"/>
+          </a:fillRef>
+          <a:effectRef idx="0">
+            <a:schemeClr val="accent1"/>
+          </a:effectRef>
+          <a:fontRef idx="minor">
+            <a:schemeClr val="lt1"/>
+          </a:fontRef>
+        </p:style>
+        <p:txBody>
+          <a:bodyPr rtlCol="0" anchor="ctr"/>
+          <a:lstStyle/>
+          <a:p>
+            <a:pPr algn="ctr"/>
+            <a:r>
+              <a:rPr lang="en-US" sz="800" dirty="0" smtClean="0">
+                <a:solidFill>
+                  <a:schemeClr val="tx1"/>
+                </a:solidFill>
+              </a:rPr>
+              <a:t>-</a:t>
+            </a:r>
+            <a:endParaRPr lang="en-US" sz="800" dirty="0">
+              <a:solidFill>
+                <a:schemeClr val="tx1"/>
+              </a:solidFill>
+            </a:endParaRPr>
+          </a:p>
+        </p:txBody>
+      </p:sp>
+      <p:sp>
+        <p:nvSpPr>
+          <p:cNvPr id="208" name="Rectangle 207"/>
+          <p:cNvSpPr>
+            <a:spLocks/>
+          </p:cNvSpPr>
+          <p:nvPr/>
+        </p:nvSpPr>
+        <p:spPr>
+          <a:xfrm>
+            <a:off x="10246810" y="4673120"/>
+            <a:ext cx="712306" cy="169627"/>
+          </a:xfrm>
+          <a:prstGeom prst="rect">
+            <a:avLst/>
+          </a:prstGeom>
+          <a:solidFill>
+            <a:schemeClr val="accent6">
+              <a:lumMod val="20000"/>
+              <a:lumOff val="80000"/>
+            </a:schemeClr>
+          </a:solidFill>
+          <a:ln w="38100">
+            <a:solidFill>
+              <a:schemeClr val="tx1"/>
+            </a:solidFill>
+          </a:ln>
+        </p:spPr>
+        <p:style>
+          <a:lnRef idx="2">
+            <a:schemeClr val="accent1">
+              <a:shade val="50000"/>
+            </a:schemeClr>
+          </a:lnRef>
+          <a:fillRef idx="1">
+            <a:schemeClr val="accent1"/>
+          </a:fillRef>
+          <a:effectRef idx="0">
+            <a:schemeClr val="accent1"/>
+          </a:effectRef>
+          <a:fontRef idx="minor">
+            <a:schemeClr val="lt1"/>
+          </a:fontRef>
+        </p:style>
+        <p:txBody>
+          <a:bodyPr rtlCol="0" anchor="ctr"/>
+          <a:lstStyle/>
+          <a:p>
+            <a:pPr algn="ctr"/>
+            <a:r>
+              <a:rPr lang="en-US" sz="800" dirty="0" smtClean="0">
+                <a:solidFill>
+                  <a:schemeClr val="tx1"/>
+                </a:solidFill>
+              </a:rPr>
+              <a:t>Flee</a:t>
+            </a:r>
+            <a:endParaRPr lang="en-US" sz="800" dirty="0">
+              <a:solidFill>
+                <a:schemeClr val="tx1"/>
+              </a:solidFill>
+            </a:endParaRPr>
+          </a:p>
+        </p:txBody>
+      </p:sp>
+      <p:sp>
+        <p:nvSpPr>
+          <p:cNvPr id="209" name="TextBox 208"/>
+          <p:cNvSpPr txBox="1"/>
+          <p:nvPr/>
+        </p:nvSpPr>
+        <p:spPr>
+          <a:xfrm>
+            <a:off x="9490100" y="4862575"/>
+            <a:ext cx="712306" cy="184666"/>
+          </a:xfrm>
+          <a:prstGeom prst="rect">
+            <a:avLst/>
+          </a:prstGeom>
+          <a:noFill/>
+        </p:spPr>
+        <p:txBody>
+          <a:bodyPr wrap="square" rtlCol="0">
+            <a:spAutoFit/>
+          </a:bodyPr>
+          <a:lstStyle/>
+          <a:p>
+            <a:r>
+              <a:rPr lang="en-US" sz="600" dirty="0" smtClean="0">
+                <a:latin typeface="Bell MT" panose="02020503060305020303" pitchFamily="18" charset="0"/>
+              </a:rPr>
+              <a:t>-</a:t>
+            </a:r>
+          </a:p>
+        </p:txBody>
+      </p:sp>
+      <p:sp>
+        <p:nvSpPr>
+          <p:cNvPr id="210" name="TextBox 209"/>
+          <p:cNvSpPr txBox="1"/>
+          <p:nvPr/>
+        </p:nvSpPr>
+        <p:spPr>
+          <a:xfrm>
+            <a:off x="10246810" y="4862575"/>
+            <a:ext cx="712306" cy="461665"/>
+          </a:xfrm>
+          <a:prstGeom prst="rect">
+            <a:avLst/>
+          </a:prstGeom>
+          <a:noFill/>
+        </p:spPr>
+        <p:txBody>
+          <a:bodyPr wrap="square" rtlCol="0">
+            <a:spAutoFit/>
+          </a:bodyPr>
+          <a:lstStyle/>
+          <a:p>
+            <a:r>
+              <a:rPr lang="en-US" sz="600" dirty="0" smtClean="0">
+                <a:latin typeface="Bell MT" panose="02020503060305020303" pitchFamily="18" charset="0"/>
+              </a:rPr>
+              <a:t>Well that was catastrophic but could have been worse.</a:t>
+            </a:r>
+          </a:p>
+        </p:txBody>
+      </p:sp>
+      <p:sp>
+        <p:nvSpPr>
+          <p:cNvPr id="212" name="Rectangle 211"/>
+          <p:cNvSpPr>
+            <a:spLocks/>
+          </p:cNvSpPr>
+          <p:nvPr/>
+        </p:nvSpPr>
+        <p:spPr>
+          <a:xfrm>
+            <a:off x="8509091" y="5551485"/>
+            <a:ext cx="712306" cy="169627"/>
+          </a:xfrm>
+          <a:prstGeom prst="rect">
+            <a:avLst/>
+          </a:prstGeom>
+          <a:solidFill>
+            <a:srgbClr val="00B050"/>
+          </a:solidFill>
+          <a:ln w="38100">
+            <a:solidFill>
+              <a:schemeClr val="tx1"/>
+            </a:solidFill>
+          </a:ln>
+        </p:spPr>
+        <p:style>
+          <a:lnRef idx="2">
+            <a:schemeClr val="accent1">
+              <a:shade val="50000"/>
+            </a:schemeClr>
+          </a:lnRef>
+          <a:fillRef idx="1">
+            <a:schemeClr val="accent1"/>
+          </a:fillRef>
+          <a:effectRef idx="0">
+            <a:schemeClr val="accent1"/>
+          </a:effectRef>
+          <a:fontRef idx="minor">
+            <a:schemeClr val="lt1"/>
+          </a:fontRef>
+        </p:style>
+        <p:txBody>
+          <a:bodyPr rtlCol="0" anchor="ctr"/>
+          <a:lstStyle/>
+          <a:p>
+            <a:pPr algn="ctr"/>
+            <a:r>
+              <a:rPr lang="en-US" sz="1200" dirty="0" smtClean="0">
+                <a:solidFill>
+                  <a:schemeClr val="tx1"/>
+                </a:solidFill>
+              </a:rPr>
+              <a:t>Success</a:t>
+            </a:r>
+            <a:endParaRPr lang="en-US" sz="1200" dirty="0">
+              <a:solidFill>
+                <a:schemeClr val="tx1"/>
+              </a:solidFill>
+            </a:endParaRPr>
+          </a:p>
+        </p:txBody>
+      </p:sp>
+      <p:sp>
+        <p:nvSpPr>
+          <p:cNvPr id="213" name="Rectangle 212"/>
+          <p:cNvSpPr>
+            <a:spLocks/>
+          </p:cNvSpPr>
+          <p:nvPr/>
+        </p:nvSpPr>
+        <p:spPr>
+          <a:xfrm>
+            <a:off x="10436421" y="5551485"/>
+            <a:ext cx="712306" cy="169627"/>
+          </a:xfrm>
+          <a:prstGeom prst="rect">
+            <a:avLst/>
+          </a:prstGeom>
+          <a:solidFill>
+            <a:srgbClr val="FF0000"/>
+          </a:solidFill>
+          <a:ln w="38100">
+            <a:solidFill>
+              <a:schemeClr val="tx1"/>
+            </a:solidFill>
+          </a:ln>
+        </p:spPr>
+        <p:style>
+          <a:lnRef idx="2">
+            <a:schemeClr val="accent1">
+              <a:shade val="50000"/>
+            </a:schemeClr>
+          </a:lnRef>
+          <a:fillRef idx="1">
+            <a:schemeClr val="accent1"/>
+          </a:fillRef>
+          <a:effectRef idx="0">
+            <a:schemeClr val="accent1"/>
+          </a:effectRef>
+          <a:fontRef idx="minor">
+            <a:schemeClr val="lt1"/>
+          </a:fontRef>
+        </p:style>
+        <p:txBody>
+          <a:bodyPr rtlCol="0" anchor="ctr"/>
+          <a:lstStyle/>
+          <a:p>
+            <a:pPr algn="ctr"/>
+            <a:r>
+              <a:rPr lang="en-US" sz="1200" dirty="0" smtClean="0">
+                <a:solidFill>
+                  <a:schemeClr val="tx1"/>
+                </a:solidFill>
+              </a:rPr>
+              <a:t>Fail</a:t>
+            </a:r>
+            <a:endParaRPr lang="en-US" sz="1200" dirty="0">
+              <a:solidFill>
+                <a:schemeClr val="tx1"/>
+              </a:solidFill>
+            </a:endParaRPr>
+          </a:p>
+        </p:txBody>
+      </p:sp>
+      <p:grpSp>
+        <p:nvGrpSpPr>
+          <p:cNvPr id="214" name="Group 213"/>
+          <p:cNvGrpSpPr/>
+          <p:nvPr/>
+        </p:nvGrpSpPr>
+        <p:grpSpPr>
+          <a:xfrm>
+            <a:off x="10822222" y="3475309"/>
+            <a:ext cx="211402" cy="225880"/>
+            <a:chOff x="2519086" y="4255462"/>
+            <a:chExt cx="309033" cy="330200"/>
+          </a:xfrm>
+        </p:grpSpPr>
+        <p:sp>
+          <p:nvSpPr>
+            <p:cNvPr id="215" name="Freeform 214"/>
+            <p:cNvSpPr/>
+            <p:nvPr/>
+          </p:nvSpPr>
+          <p:spPr>
+            <a:xfrm>
+              <a:off x="2519086" y="4255462"/>
+              <a:ext cx="309033" cy="330200"/>
+            </a:xfrm>
+            <a:custGeom>
+              <a:avLst/>
+              <a:gdLst>
+                <a:gd name="connsiteX0" fmla="*/ 0 w 309033"/>
+                <a:gd name="connsiteY0" fmla="*/ 0 h 330200"/>
+                <a:gd name="connsiteX1" fmla="*/ 63500 w 309033"/>
+                <a:gd name="connsiteY1" fmla="*/ 330200 h 330200"/>
+                <a:gd name="connsiteX2" fmla="*/ 173567 w 309033"/>
+                <a:gd name="connsiteY2" fmla="*/ 182033 h 330200"/>
+                <a:gd name="connsiteX3" fmla="*/ 309033 w 309033"/>
+                <a:gd name="connsiteY3" fmla="*/ 165100 h 330200"/>
+                <a:gd name="connsiteX4" fmla="*/ 0 w 309033"/>
+                <a:gd name="connsiteY4" fmla="*/ 0 h 330200"/>
+              </a:gdLst>
+              <a:ahLst/>
+              <a:cxnLst>
+                <a:cxn ang="0">
+                  <a:pos x="connsiteX0" y="connsiteY0"/>
+                </a:cxn>
+                <a:cxn ang="0">
+                  <a:pos x="connsiteX1" y="connsiteY1"/>
+                </a:cxn>
+                <a:cxn ang="0">
+                  <a:pos x="connsiteX2" y="connsiteY2"/>
+                </a:cxn>
+                <a:cxn ang="0">
+                  <a:pos x="connsiteX3" y="connsiteY3"/>
+                </a:cxn>
+                <a:cxn ang="0">
+                  <a:pos x="connsiteX4" y="connsiteY4"/>
+                </a:cxn>
+              </a:cxnLst>
+              <a:rect l="l" t="t" r="r" b="b"/>
+              <a:pathLst>
+                <a:path w="309033" h="330200">
+                  <a:moveTo>
+                    <a:pt x="0" y="0"/>
+                  </a:moveTo>
+                  <a:lnTo>
+                    <a:pt x="63500" y="330200"/>
+                  </a:lnTo>
+                  <a:lnTo>
+                    <a:pt x="173567" y="182033"/>
+                  </a:lnTo>
+                  <a:lnTo>
+                    <a:pt x="309033" y="165100"/>
+                  </a:lnTo>
+                  <a:lnTo>
+                    <a:pt x="0" y="0"/>
+                  </a:lnTo>
+                  <a:close/>
+                </a:path>
+              </a:pathLst>
+            </a:custGeom>
+            <a:ln w="28575">
+              <a:solidFill>
+                <a:schemeClr val="tx1"/>
+              </a:solidFill>
+            </a:ln>
+          </p:spPr>
+          <p:style>
+            <a:lnRef idx="2">
+              <a:schemeClr val="accent1">
+                <a:shade val="50000"/>
+              </a:schemeClr>
+            </a:lnRef>
+            <a:fillRef idx="1">
+              <a:schemeClr val="accent1"/>
+            </a:fillRef>
+            <a:effectRef idx="0">
+              <a:schemeClr val="accent1"/>
+            </a:effectRef>
+            <a:fontRef idx="minor">
+              <a:schemeClr val="lt1"/>
+            </a:fontRef>
+          </p:style>
+          <p:txBody>
+            <a:bodyPr rtlCol="0" anchor="ctr"/>
+            <a:lstStyle/>
+            <a:p>
+              <a:pPr algn="ctr"/>
+              <a:endParaRPr lang="en-US"/>
+            </a:p>
+          </p:txBody>
+        </p:sp>
+        <p:cxnSp>
+          <p:nvCxnSpPr>
+            <p:cNvPr id="216" name="Straight Connector 215"/>
+            <p:cNvCxnSpPr>
+              <a:stCxn id="215" idx="0"/>
+              <a:endCxn id="215" idx="2"/>
+            </p:cNvCxnSpPr>
+            <p:nvPr/>
+          </p:nvCxnSpPr>
+          <p:spPr>
+            <a:xfrm>
+              <a:off x="2519086" y="4255462"/>
+              <a:ext cx="173567" cy="182033"/>
+            </a:xfrm>
+            <a:prstGeom prst="line">
+              <a:avLst/>
+            </a:prstGeom>
+            <a:ln w="28575"/>
+          </p:spPr>
+          <p:style>
+            <a:lnRef idx="1">
+              <a:schemeClr val="dk1"/>
+            </a:lnRef>
+            <a:fillRef idx="0">
+              <a:schemeClr val="dk1"/>
+            </a:fillRef>
+            <a:effectRef idx="0">
+              <a:schemeClr val="dk1"/>
+            </a:effectRef>
+            <a:fontRef idx="minor">
+              <a:schemeClr val="tx1"/>
+            </a:fontRef>
+          </p:style>
+        </p:cxnSp>
+      </p:grpSp>
+      <p:sp>
+        <p:nvSpPr>
+          <p:cNvPr id="226" name="TextBox 225"/>
+          <p:cNvSpPr txBox="1"/>
+          <p:nvPr/>
+        </p:nvSpPr>
+        <p:spPr>
+          <a:xfrm>
+            <a:off x="9245005" y="5513188"/>
+            <a:ext cx="457200" cy="246221"/>
+          </a:xfrm>
+          <a:prstGeom prst="rect">
+            <a:avLst/>
+          </a:prstGeom>
+          <a:noFill/>
+        </p:spPr>
+        <p:txBody>
+          <a:bodyPr wrap="square" rtlCol="0">
+            <a:spAutoFit/>
+          </a:bodyPr>
+          <a:lstStyle/>
+          <a:p>
+            <a:pPr algn="ctr"/>
+            <a:r>
+              <a:rPr lang="en-US" sz="1000" dirty="0" smtClean="0">
+                <a:solidFill>
+                  <a:srgbClr val="00B050"/>
+                </a:solidFill>
+                <a:latin typeface="Bell MT" panose="02020503060305020303" pitchFamily="18" charset="0"/>
+              </a:rPr>
+              <a:t>-</a:t>
+            </a:r>
+          </a:p>
+        </p:txBody>
+      </p:sp>
+      <p:sp>
+        <p:nvSpPr>
+          <p:cNvPr id="227" name="TextBox 226"/>
+          <p:cNvSpPr txBox="1"/>
+          <p:nvPr/>
+        </p:nvSpPr>
+        <p:spPr>
+          <a:xfrm>
+            <a:off x="10007466" y="5513188"/>
+            <a:ext cx="457200" cy="246221"/>
+          </a:xfrm>
+          <a:prstGeom prst="rect">
+            <a:avLst/>
+          </a:prstGeom>
+          <a:noFill/>
+        </p:spPr>
+        <p:txBody>
+          <a:bodyPr wrap="square" rtlCol="0">
+            <a:spAutoFit/>
+          </a:bodyPr>
+          <a:lstStyle/>
+          <a:p>
+            <a:pPr algn="ctr"/>
+            <a:r>
+              <a:rPr lang="en-US" sz="1000" dirty="0" smtClean="0">
+                <a:solidFill>
+                  <a:srgbClr val="FF0000"/>
+                </a:solidFill>
+                <a:latin typeface="Bell MT" panose="02020503060305020303" pitchFamily="18" charset="0"/>
+              </a:rPr>
+              <a:t>-</a:t>
+            </a:r>
+          </a:p>
+        </p:txBody>
+      </p:sp>
+      <p:sp>
+        <p:nvSpPr>
+          <p:cNvPr id="230" name="TextBox 229"/>
+          <p:cNvSpPr txBox="1"/>
+          <p:nvPr/>
+        </p:nvSpPr>
+        <p:spPr>
+          <a:xfrm>
+            <a:off x="9331653" y="3076857"/>
+            <a:ext cx="404312" cy="246221"/>
+          </a:xfrm>
+          <a:prstGeom prst="rect">
+            <a:avLst/>
+          </a:prstGeom>
+          <a:noFill/>
+        </p:spPr>
+        <p:txBody>
+          <a:bodyPr wrap="square" rtlCol="0">
+            <a:spAutoFit/>
+          </a:bodyPr>
+          <a:lstStyle/>
+          <a:p>
+            <a:r>
+              <a:rPr lang="en-US" sz="1000" b="1" dirty="0" smtClean="0">
+                <a:solidFill>
+                  <a:srgbClr val="FF0000"/>
+                </a:solidFill>
+                <a:latin typeface="Bell MT" panose="02020503060305020303" pitchFamily="18" charset="0"/>
+              </a:rPr>
+              <a:t>Fail</a:t>
+            </a:r>
+            <a:endParaRPr lang="en-US" sz="800" dirty="0">
+              <a:solidFill>
+                <a:srgbClr val="FF0000"/>
+              </a:solidFill>
+              <a:latin typeface="Bell MT" panose="02020503060305020303" pitchFamily="18" charset="0"/>
+            </a:endParaRPr>
+          </a:p>
+        </p:txBody>
+      </p:sp>
+      <p:cxnSp>
+        <p:nvCxnSpPr>
+          <p:cNvPr id="233" name="Elbow Connector 232"/>
+          <p:cNvCxnSpPr>
+            <a:stCxn id="81" idx="2"/>
+            <a:endCxn id="201" idx="2"/>
+          </p:cNvCxnSpPr>
+          <p:nvPr/>
+        </p:nvCxnSpPr>
+        <p:spPr>
+          <a:xfrm rot="5400000" flipH="1" flipV="1">
+            <a:off x="5591798" y="1855778"/>
+            <a:ext cx="30563" cy="8444474"/>
+          </a:xfrm>
+          <a:prstGeom prst="bentConnector3">
+            <a:avLst>
+              <a:gd name="adj1" fmla="val -2091532"/>
+            </a:avLst>
+          </a:prstGeom>
+          <a:ln>
+            <a:solidFill>
+              <a:srgbClr val="7030A0"/>
+            </a:solidFill>
+            <a:tailEnd type="triangle"/>
+          </a:ln>
+        </p:spPr>
+        <p:style>
+          <a:lnRef idx="1">
+            <a:schemeClr val="accent1"/>
+          </a:lnRef>
+          <a:fillRef idx="0">
+            <a:schemeClr val="accent1"/>
+          </a:fillRef>
+          <a:effectRef idx="0">
+            <a:schemeClr val="accent1"/>
+          </a:effectRef>
+          <a:fontRef idx="minor">
+            <a:schemeClr val="tx1"/>
+          </a:fontRef>
+        </p:style>
+      </p:cxnSp>
+      <p:sp>
+        <p:nvSpPr>
+          <p:cNvPr id="237" name="TextBox 236"/>
+          <p:cNvSpPr txBox="1"/>
+          <p:nvPr/>
+        </p:nvSpPr>
+        <p:spPr>
+          <a:xfrm>
+            <a:off x="9402701" y="6086055"/>
+            <a:ext cx="404312" cy="246221"/>
+          </a:xfrm>
+          <a:prstGeom prst="rect">
+            <a:avLst/>
+          </a:prstGeom>
+          <a:noFill/>
+        </p:spPr>
+        <p:txBody>
+          <a:bodyPr wrap="square" rtlCol="0">
+            <a:spAutoFit/>
+          </a:bodyPr>
+          <a:lstStyle/>
+          <a:p>
+            <a:r>
+              <a:rPr lang="en-US" sz="1000" b="1" dirty="0" smtClean="0">
+                <a:solidFill>
+                  <a:srgbClr val="FF0000"/>
+                </a:solidFill>
+                <a:latin typeface="Bell MT" panose="02020503060305020303" pitchFamily="18" charset="0"/>
+              </a:rPr>
+              <a:t>Fail</a:t>
+            </a:r>
+            <a:endParaRPr lang="en-US" sz="800" dirty="0">
+              <a:solidFill>
+                <a:srgbClr val="FF0000"/>
+              </a:solidFill>
+              <a:latin typeface="Bell MT" panose="02020503060305020303" pitchFamily="18" charset="0"/>
+            </a:endParaRPr>
+          </a:p>
+        </p:txBody>
+      </p:sp>
+      <p:cxnSp>
+        <p:nvCxnSpPr>
+          <p:cNvPr id="238" name="Elbow Connector 237"/>
+          <p:cNvCxnSpPr>
+            <a:stCxn id="81" idx="2"/>
+            <a:endCxn id="172" idx="2"/>
+          </p:cNvCxnSpPr>
+          <p:nvPr/>
+        </p:nvCxnSpPr>
+        <p:spPr>
+          <a:xfrm rot="16200000" flipH="1">
+            <a:off x="4187897" y="3290241"/>
+            <a:ext cx="12700" cy="5606109"/>
+          </a:xfrm>
+          <a:prstGeom prst="bentConnector3">
+            <a:avLst>
+              <a:gd name="adj1" fmla="val 2666669"/>
+            </a:avLst>
+          </a:prstGeom>
+          <a:ln>
+            <a:solidFill>
+              <a:srgbClr val="7030A0"/>
+            </a:solidFill>
+            <a:tailEnd type="triangle"/>
+          </a:ln>
+        </p:spPr>
+        <p:style>
+          <a:lnRef idx="1">
+            <a:schemeClr val="accent1"/>
+          </a:lnRef>
+          <a:fillRef idx="0">
+            <a:schemeClr val="accent1"/>
+          </a:fillRef>
+          <a:effectRef idx="0">
+            <a:schemeClr val="accent1"/>
+          </a:effectRef>
+          <a:fontRef idx="minor">
+            <a:schemeClr val="tx1"/>
+          </a:fontRef>
+        </p:style>
+      </p:cxnSp>
+      <p:cxnSp>
+        <p:nvCxnSpPr>
+          <p:cNvPr id="248" name="Elbow Connector 247"/>
+          <p:cNvCxnSpPr>
+            <a:stCxn id="168" idx="2"/>
+            <a:endCxn id="169" idx="2"/>
+          </p:cNvCxnSpPr>
+          <p:nvPr/>
+        </p:nvCxnSpPr>
+        <p:spPr>
+          <a:xfrm rot="5400000" flipH="1" flipV="1">
+            <a:off x="9083242" y="581917"/>
+            <a:ext cx="1" cy="1739083"/>
+          </a:xfrm>
+          <a:prstGeom prst="bentConnector3">
+            <a:avLst>
+              <a:gd name="adj1" fmla="val -22860000000"/>
+            </a:avLst>
+          </a:prstGeom>
+          <a:ln>
+            <a:solidFill>
+              <a:srgbClr val="7030A0"/>
+            </a:solidFill>
+            <a:tailEnd type="triangle"/>
+          </a:ln>
+        </p:spPr>
+        <p:style>
+          <a:lnRef idx="1">
+            <a:schemeClr val="accent1"/>
+          </a:lnRef>
+          <a:fillRef idx="0">
+            <a:schemeClr val="accent1"/>
+          </a:fillRef>
+          <a:effectRef idx="0">
+            <a:schemeClr val="accent1"/>
+          </a:effectRef>
+          <a:fontRef idx="minor">
+            <a:schemeClr val="tx1"/>
+          </a:fontRef>
+        </p:style>
+      </p:cxnSp>
+      <p:cxnSp>
+        <p:nvCxnSpPr>
+          <p:cNvPr id="264" name="Elbow Connector 263"/>
+          <p:cNvCxnSpPr>
+            <a:stCxn id="168" idx="2"/>
+            <a:endCxn id="171" idx="2"/>
+          </p:cNvCxnSpPr>
+          <p:nvPr/>
+        </p:nvCxnSpPr>
+        <p:spPr>
+          <a:xfrm rot="5400000" flipH="1" flipV="1">
+            <a:off x="9517749" y="147409"/>
+            <a:ext cx="3" cy="2608098"/>
+          </a:xfrm>
+          <a:prstGeom prst="bentConnector3">
+            <a:avLst>
+              <a:gd name="adj1" fmla="val -7620000000"/>
+            </a:avLst>
+          </a:prstGeom>
+          <a:ln>
+            <a:solidFill>
+              <a:srgbClr val="7030A0"/>
+            </a:solidFill>
+            <a:tailEnd type="triangle"/>
+          </a:ln>
+        </p:spPr>
+        <p:style>
+          <a:lnRef idx="1">
+            <a:schemeClr val="accent1"/>
+          </a:lnRef>
+          <a:fillRef idx="0">
+            <a:schemeClr val="accent1"/>
+          </a:fillRef>
+          <a:effectRef idx="0">
+            <a:schemeClr val="accent1"/>
+          </a:effectRef>
+          <a:fontRef idx="minor">
+            <a:schemeClr val="tx1"/>
+          </a:fontRef>
+        </p:style>
+      </p:cxnSp>
+      <p:cxnSp>
+        <p:nvCxnSpPr>
+          <p:cNvPr id="267" name="Elbow Connector 266"/>
+          <p:cNvCxnSpPr>
+            <a:stCxn id="170" idx="2"/>
+            <a:endCxn id="171" idx="3"/>
+          </p:cNvCxnSpPr>
+          <p:nvPr/>
+        </p:nvCxnSpPr>
+        <p:spPr>
+          <a:xfrm rot="5400000" flipH="1" flipV="1">
+            <a:off x="10035168" y="396043"/>
+            <a:ext cx="102963" cy="2007866"/>
+          </a:xfrm>
+          <a:prstGeom prst="bentConnector4">
+            <a:avLst>
+              <a:gd name="adj1" fmla="val -337146"/>
+              <a:gd name="adj2" fmla="val 111385"/>
+            </a:avLst>
+          </a:prstGeom>
+          <a:ln>
+            <a:solidFill>
+              <a:srgbClr val="7030A0"/>
+            </a:solidFill>
+            <a:tailEnd type="triangle"/>
+          </a:ln>
+        </p:spPr>
+        <p:style>
+          <a:lnRef idx="1">
+            <a:schemeClr val="accent1"/>
+          </a:lnRef>
+          <a:fillRef idx="0">
+            <a:schemeClr val="accent1"/>
+          </a:fillRef>
+          <a:effectRef idx="0">
+            <a:schemeClr val="accent1"/>
+          </a:effectRef>
+          <a:fontRef idx="minor">
+            <a:schemeClr val="tx1"/>
+          </a:fontRef>
+        </p:style>
+      </p:cxnSp>
+      <p:cxnSp>
+        <p:nvCxnSpPr>
+          <p:cNvPr id="273" name="Elbow Connector 272"/>
+          <p:cNvCxnSpPr>
+            <a:stCxn id="168" idx="2"/>
+            <a:endCxn id="168" idx="1"/>
+          </p:cNvCxnSpPr>
+          <p:nvPr/>
+        </p:nvCxnSpPr>
+        <p:spPr>
+          <a:xfrm rot="5400000" flipH="1">
+            <a:off x="8027830" y="1265587"/>
+            <a:ext cx="102962" cy="268783"/>
+          </a:xfrm>
+          <a:prstGeom prst="bentConnector4">
+            <a:avLst>
+              <a:gd name="adj1" fmla="val -222024"/>
+              <a:gd name="adj2" fmla="val 185050"/>
+            </a:avLst>
+          </a:prstGeom>
+          <a:ln>
+            <a:solidFill>
+              <a:srgbClr val="7030A0"/>
+            </a:solidFill>
+            <a:tailEnd type="triangle"/>
+          </a:ln>
+        </p:spPr>
+        <p:style>
+          <a:lnRef idx="1">
+            <a:schemeClr val="accent1"/>
+          </a:lnRef>
+          <a:fillRef idx="0">
+            <a:schemeClr val="accent1"/>
+          </a:fillRef>
+          <a:effectRef idx="0">
+            <a:schemeClr val="accent1"/>
+          </a:effectRef>
+          <a:fontRef idx="minor">
+            <a:schemeClr val="tx1"/>
+          </a:fontRef>
+        </p:style>
+      </p:cxnSp>
+      <p:cxnSp>
+        <p:nvCxnSpPr>
+          <p:cNvPr id="276" name="Elbow Connector 275"/>
+          <p:cNvCxnSpPr>
+            <a:stCxn id="168" idx="3"/>
+            <a:endCxn id="170" idx="1"/>
+          </p:cNvCxnSpPr>
+          <p:nvPr/>
+        </p:nvCxnSpPr>
+        <p:spPr>
+          <a:xfrm flipV="1">
+            <a:off x="8482485" y="1348495"/>
+            <a:ext cx="331449" cy="2"/>
+          </a:xfrm>
+          <a:prstGeom prst="bentConnector3">
+            <a:avLst>
+              <a:gd name="adj1" fmla="val 50000"/>
+            </a:avLst>
+          </a:prstGeom>
+          <a:ln>
+            <a:solidFill>
+              <a:srgbClr val="7030A0"/>
+            </a:solidFill>
+            <a:tailEnd type="triangle"/>
+          </a:ln>
+        </p:spPr>
+        <p:style>
+          <a:lnRef idx="1">
+            <a:schemeClr val="accent1"/>
+          </a:lnRef>
+          <a:fillRef idx="0">
+            <a:schemeClr val="accent1"/>
+          </a:fillRef>
+          <a:effectRef idx="0">
+            <a:schemeClr val="accent1"/>
+          </a:effectRef>
+          <a:fontRef idx="minor">
+            <a:schemeClr val="tx1"/>
+          </a:fontRef>
+        </p:style>
+      </p:cxnSp>
+    </p:spTree>
+    <p:extLst>
+      <p:ext uri="{BB962C8B-B14F-4D97-AF65-F5344CB8AC3E}">
+        <p14:creationId xmlns:p14="http://schemas.microsoft.com/office/powerpoint/2010/main" val="3939345489"/>
+      </p:ext>
+    </p:extLst>
+  </p:cSld>
+  <p:clrMapOvr>
+    <a:masterClrMapping/>
+  </p:clrMapOvr>
+</p:sld>
+</file>
+
 <file path=ppt/theme/theme1.xml><?xml version="1.0" encoding="utf-8"?>
 <a:theme xmlns:a="http://schemas.openxmlformats.org/drawingml/2006/main" name="Office Theme">
   <a:themeElements>

--- a/gameJamName/gameJamName - Image Files/gameJamName - Image Initializer.pptx
+++ b/gameJamName/gameJamName - Image Files/gameJamName - Image Initializer.pptx
@@ -245,7 +245,7 @@
           <a:p>
             <a:fld id="{1CB1AD02-714A-4324-8EFD-214DDF861471}" type="datetimeFigureOut">
               <a:rPr lang="en-US" smtClean="0"/>
-              <a:t>9/15/2022</a:t>
+              <a:t>9/16/2022</a:t>
             </a:fld>
             <a:endParaRPr lang="en-US"/>
           </a:p>
@@ -415,7 +415,7 @@
           <a:p>
             <a:fld id="{1CB1AD02-714A-4324-8EFD-214DDF861471}" type="datetimeFigureOut">
               <a:rPr lang="en-US" smtClean="0"/>
-              <a:t>9/15/2022</a:t>
+              <a:t>9/16/2022</a:t>
             </a:fld>
             <a:endParaRPr lang="en-US"/>
           </a:p>
@@ -595,7 +595,7 @@
           <a:p>
             <a:fld id="{1CB1AD02-714A-4324-8EFD-214DDF861471}" type="datetimeFigureOut">
               <a:rPr lang="en-US" smtClean="0"/>
-              <a:t>9/15/2022</a:t>
+              <a:t>9/16/2022</a:t>
             </a:fld>
             <a:endParaRPr lang="en-US"/>
           </a:p>
@@ -765,7 +765,7 @@
           <a:p>
             <a:fld id="{1CB1AD02-714A-4324-8EFD-214DDF861471}" type="datetimeFigureOut">
               <a:rPr lang="en-US" smtClean="0"/>
-              <a:t>9/15/2022</a:t>
+              <a:t>9/16/2022</a:t>
             </a:fld>
             <a:endParaRPr lang="en-US"/>
           </a:p>
@@ -1011,7 +1011,7 @@
           <a:p>
             <a:fld id="{1CB1AD02-714A-4324-8EFD-214DDF861471}" type="datetimeFigureOut">
               <a:rPr lang="en-US" smtClean="0"/>
-              <a:t>9/15/2022</a:t>
+              <a:t>9/16/2022</a:t>
             </a:fld>
             <a:endParaRPr lang="en-US"/>
           </a:p>
@@ -1243,7 +1243,7 @@
           <a:p>
             <a:fld id="{1CB1AD02-714A-4324-8EFD-214DDF861471}" type="datetimeFigureOut">
               <a:rPr lang="en-US" smtClean="0"/>
-              <a:t>9/15/2022</a:t>
+              <a:t>9/16/2022</a:t>
             </a:fld>
             <a:endParaRPr lang="en-US"/>
           </a:p>
@@ -1610,7 +1610,7 @@
           <a:p>
             <a:fld id="{1CB1AD02-714A-4324-8EFD-214DDF861471}" type="datetimeFigureOut">
               <a:rPr lang="en-US" smtClean="0"/>
-              <a:t>9/15/2022</a:t>
+              <a:t>9/16/2022</a:t>
             </a:fld>
             <a:endParaRPr lang="en-US"/>
           </a:p>
@@ -1728,7 +1728,7 @@
           <a:p>
             <a:fld id="{1CB1AD02-714A-4324-8EFD-214DDF861471}" type="datetimeFigureOut">
               <a:rPr lang="en-US" smtClean="0"/>
-              <a:t>9/15/2022</a:t>
+              <a:t>9/16/2022</a:t>
             </a:fld>
             <a:endParaRPr lang="en-US"/>
           </a:p>
@@ -1823,7 +1823,7 @@
           <a:p>
             <a:fld id="{1CB1AD02-714A-4324-8EFD-214DDF861471}" type="datetimeFigureOut">
               <a:rPr lang="en-US" smtClean="0"/>
-              <a:t>9/15/2022</a:t>
+              <a:t>9/16/2022</a:t>
             </a:fld>
             <a:endParaRPr lang="en-US"/>
           </a:p>
@@ -2100,7 +2100,7 @@
           <a:p>
             <a:fld id="{1CB1AD02-714A-4324-8EFD-214DDF861471}" type="datetimeFigureOut">
               <a:rPr lang="en-US" smtClean="0"/>
-              <a:t>9/15/2022</a:t>
+              <a:t>9/16/2022</a:t>
             </a:fld>
             <a:endParaRPr lang="en-US"/>
           </a:p>
@@ -2353,7 +2353,7 @@
           <a:p>
             <a:fld id="{1CB1AD02-714A-4324-8EFD-214DDF861471}" type="datetimeFigureOut">
               <a:rPr lang="en-US" smtClean="0"/>
-              <a:t>9/15/2022</a:t>
+              <a:t>9/16/2022</a:t>
             </a:fld>
             <a:endParaRPr lang="en-US"/>
           </a:p>
@@ -2566,7 +2566,7 @@
           <a:p>
             <a:fld id="{1CB1AD02-714A-4324-8EFD-214DDF861471}" type="datetimeFigureOut">
               <a:rPr lang="en-US" smtClean="0"/>
-              <a:t>9/15/2022</a:t>
+              <a:t>9/16/2022</a:t>
             </a:fld>
             <a:endParaRPr lang="en-US"/>
           </a:p>
@@ -6547,6 +6547,546 @@
           </a:p>
         </p:txBody>
       </p:sp>
+      <p:grpSp>
+        <p:nvGrpSpPr>
+          <p:cNvPr id="32" name="Group 31"/>
+          <p:cNvGrpSpPr/>
+          <p:nvPr/>
+        </p:nvGrpSpPr>
+        <p:grpSpPr>
+          <a:xfrm>
+            <a:off x="5954395" y="3063875"/>
+            <a:ext cx="1188720" cy="1188720"/>
+            <a:chOff x="6370320" y="3105150"/>
+            <a:chExt cx="1371600" cy="1371600"/>
+          </a:xfrm>
+        </p:grpSpPr>
+        <p:sp>
+          <p:nvSpPr>
+            <p:cNvPr id="2" name="Oval 1"/>
+            <p:cNvSpPr/>
+            <p:nvPr/>
+          </p:nvSpPr>
+          <p:spPr>
+            <a:xfrm>
+              <a:off x="6370320" y="3105150"/>
+              <a:ext cx="1371600" cy="1371600"/>
+            </a:xfrm>
+            <a:prstGeom prst="ellipse">
+              <a:avLst/>
+            </a:prstGeom>
+            <a:solidFill>
+              <a:schemeClr val="accent4"/>
+            </a:solidFill>
+            <a:ln w="38100">
+              <a:solidFill>
+                <a:schemeClr val="tx1"/>
+              </a:solidFill>
+            </a:ln>
+          </p:spPr>
+          <p:style>
+            <a:lnRef idx="2">
+              <a:schemeClr val="accent1">
+                <a:shade val="50000"/>
+              </a:schemeClr>
+            </a:lnRef>
+            <a:fillRef idx="1">
+              <a:schemeClr val="accent1"/>
+            </a:fillRef>
+            <a:effectRef idx="0">
+              <a:schemeClr val="accent1"/>
+            </a:effectRef>
+            <a:fontRef idx="minor">
+              <a:schemeClr val="lt1"/>
+            </a:fontRef>
+          </p:style>
+          <p:txBody>
+            <a:bodyPr rtlCol="0" anchor="ctr"/>
+            <a:lstStyle/>
+            <a:p>
+              <a:pPr algn="ctr"/>
+              <a:endParaRPr lang="en-US"/>
+            </a:p>
+          </p:txBody>
+        </p:sp>
+        <p:sp>
+          <p:nvSpPr>
+            <p:cNvPr id="20" name="Oval 19"/>
+            <p:cNvSpPr/>
+            <p:nvPr/>
+          </p:nvSpPr>
+          <p:spPr>
+            <a:xfrm>
+              <a:off x="6461760" y="3196590"/>
+              <a:ext cx="1188720" cy="1188720"/>
+            </a:xfrm>
+            <a:prstGeom prst="ellipse">
+              <a:avLst/>
+            </a:prstGeom>
+            <a:solidFill>
+              <a:schemeClr val="bg2">
+                <a:lumMod val="90000"/>
+              </a:schemeClr>
+            </a:solidFill>
+            <a:ln w="38100">
+              <a:solidFill>
+                <a:schemeClr val="tx1"/>
+              </a:solidFill>
+            </a:ln>
+          </p:spPr>
+          <p:style>
+            <a:lnRef idx="2">
+              <a:schemeClr val="accent1">
+                <a:shade val="50000"/>
+              </a:schemeClr>
+            </a:lnRef>
+            <a:fillRef idx="1">
+              <a:schemeClr val="accent1"/>
+            </a:fillRef>
+            <a:effectRef idx="0">
+              <a:schemeClr val="accent1"/>
+            </a:effectRef>
+            <a:fontRef idx="minor">
+              <a:schemeClr val="lt1"/>
+            </a:fontRef>
+          </p:style>
+          <p:txBody>
+            <a:bodyPr rtlCol="0" anchor="ctr"/>
+            <a:lstStyle/>
+            <a:p>
+              <a:pPr algn="ctr"/>
+              <a:endParaRPr lang="en-US"/>
+            </a:p>
+          </p:txBody>
+        </p:sp>
+        <p:grpSp>
+          <p:nvGrpSpPr>
+            <p:cNvPr id="24" name="Group 23"/>
+            <p:cNvGrpSpPr/>
+            <p:nvPr/>
+          </p:nvGrpSpPr>
+          <p:grpSpPr>
+            <a:xfrm>
+              <a:off x="6461760" y="3196590"/>
+              <a:ext cx="1188720" cy="1188720"/>
+              <a:chOff x="6461760" y="3198706"/>
+              <a:chExt cx="1188720" cy="1188720"/>
+            </a:xfrm>
+          </p:grpSpPr>
+          <p:sp>
+            <p:nvSpPr>
+              <p:cNvPr id="22" name="Freeform 21"/>
+              <p:cNvSpPr/>
+              <p:nvPr/>
+            </p:nvSpPr>
+            <p:spPr>
+              <a:xfrm>
+                <a:off x="6461760" y="3198706"/>
+                <a:ext cx="1188720" cy="594360"/>
+              </a:xfrm>
+              <a:custGeom>
+                <a:avLst/>
+                <a:gdLst>
+                  <a:gd name="connsiteX0" fmla="*/ 594360 w 1188720"/>
+                  <a:gd name="connsiteY0" fmla="*/ 0 h 594360"/>
+                  <a:gd name="connsiteX1" fmla="*/ 1188720 w 1188720"/>
+                  <a:gd name="connsiteY1" fmla="*/ 594360 h 594360"/>
+                  <a:gd name="connsiteX2" fmla="*/ 0 w 1188720"/>
+                  <a:gd name="connsiteY2" fmla="*/ 594360 h 594360"/>
+                  <a:gd name="connsiteX3" fmla="*/ 594360 w 1188720"/>
+                  <a:gd name="connsiteY3" fmla="*/ 0 h 594360"/>
+                </a:gdLst>
+                <a:ahLst/>
+                <a:cxnLst>
+                  <a:cxn ang="0">
+                    <a:pos x="connsiteX0" y="connsiteY0"/>
+                  </a:cxn>
+                  <a:cxn ang="0">
+                    <a:pos x="connsiteX1" y="connsiteY1"/>
+                  </a:cxn>
+                  <a:cxn ang="0">
+                    <a:pos x="connsiteX2" y="connsiteY2"/>
+                  </a:cxn>
+                  <a:cxn ang="0">
+                    <a:pos x="connsiteX3" y="connsiteY3"/>
+                  </a:cxn>
+                </a:cxnLst>
+                <a:rect l="l" t="t" r="r" b="b"/>
+                <a:pathLst>
+                  <a:path w="1188720" h="594360">
+                    <a:moveTo>
+                      <a:pt x="594360" y="0"/>
+                    </a:moveTo>
+                    <a:cubicBezTo>
+                      <a:pt x="922616" y="0"/>
+                      <a:pt x="1188720" y="266104"/>
+                      <a:pt x="1188720" y="594360"/>
+                    </a:cubicBezTo>
+                    <a:lnTo>
+                      <a:pt x="0" y="594360"/>
+                    </a:lnTo>
+                    <a:cubicBezTo>
+                      <a:pt x="0" y="266104"/>
+                      <a:pt x="266104" y="0"/>
+                      <a:pt x="594360" y="0"/>
+                    </a:cubicBezTo>
+                    <a:close/>
+                  </a:path>
+                </a:pathLst>
+              </a:custGeom>
+              <a:solidFill>
+                <a:schemeClr val="accent4">
+                  <a:lumMod val="20000"/>
+                  <a:lumOff val="80000"/>
+                </a:schemeClr>
+              </a:solidFill>
+              <a:ln w="38100">
+                <a:noFill/>
+              </a:ln>
+            </p:spPr>
+            <p:style>
+              <a:lnRef idx="2">
+                <a:schemeClr val="accent1">
+                  <a:shade val="50000"/>
+                </a:schemeClr>
+              </a:lnRef>
+              <a:fillRef idx="1">
+                <a:schemeClr val="accent1"/>
+              </a:fillRef>
+              <a:effectRef idx="0">
+                <a:schemeClr val="accent1"/>
+              </a:effectRef>
+              <a:fontRef idx="minor">
+                <a:schemeClr val="lt1"/>
+              </a:fontRef>
+            </p:style>
+            <p:txBody>
+              <a:bodyPr rtlCol="0" anchor="ctr"/>
+              <a:lstStyle/>
+              <a:p>
+                <a:pPr algn="ctr"/>
+                <a:endParaRPr lang="en-US"/>
+              </a:p>
+            </p:txBody>
+          </p:sp>
+          <p:sp>
+            <p:nvSpPr>
+              <p:cNvPr id="23" name="Freeform 22"/>
+              <p:cNvSpPr/>
+              <p:nvPr/>
+            </p:nvSpPr>
+            <p:spPr>
+              <a:xfrm rot="10800000">
+                <a:off x="6461760" y="3793066"/>
+                <a:ext cx="1188720" cy="594360"/>
+              </a:xfrm>
+              <a:custGeom>
+                <a:avLst/>
+                <a:gdLst>
+                  <a:gd name="connsiteX0" fmla="*/ 594360 w 1188720"/>
+                  <a:gd name="connsiteY0" fmla="*/ 0 h 594360"/>
+                  <a:gd name="connsiteX1" fmla="*/ 1188720 w 1188720"/>
+                  <a:gd name="connsiteY1" fmla="*/ 594360 h 594360"/>
+                  <a:gd name="connsiteX2" fmla="*/ 0 w 1188720"/>
+                  <a:gd name="connsiteY2" fmla="*/ 594360 h 594360"/>
+                  <a:gd name="connsiteX3" fmla="*/ 594360 w 1188720"/>
+                  <a:gd name="connsiteY3" fmla="*/ 0 h 594360"/>
+                </a:gdLst>
+                <a:ahLst/>
+                <a:cxnLst>
+                  <a:cxn ang="0">
+                    <a:pos x="connsiteX0" y="connsiteY0"/>
+                  </a:cxn>
+                  <a:cxn ang="0">
+                    <a:pos x="connsiteX1" y="connsiteY1"/>
+                  </a:cxn>
+                  <a:cxn ang="0">
+                    <a:pos x="connsiteX2" y="connsiteY2"/>
+                  </a:cxn>
+                  <a:cxn ang="0">
+                    <a:pos x="connsiteX3" y="connsiteY3"/>
+                  </a:cxn>
+                </a:cxnLst>
+                <a:rect l="l" t="t" r="r" b="b"/>
+                <a:pathLst>
+                  <a:path w="1188720" h="594360">
+                    <a:moveTo>
+                      <a:pt x="594360" y="0"/>
+                    </a:moveTo>
+                    <a:cubicBezTo>
+                      <a:pt x="922616" y="0"/>
+                      <a:pt x="1188720" y="266104"/>
+                      <a:pt x="1188720" y="594360"/>
+                    </a:cubicBezTo>
+                    <a:lnTo>
+                      <a:pt x="0" y="594360"/>
+                    </a:lnTo>
+                    <a:cubicBezTo>
+                      <a:pt x="0" y="266104"/>
+                      <a:pt x="266104" y="0"/>
+                      <a:pt x="594360" y="0"/>
+                    </a:cubicBezTo>
+                    <a:close/>
+                  </a:path>
+                </a:pathLst>
+              </a:custGeom>
+              <a:solidFill>
+                <a:schemeClr val="accent1">
+                  <a:lumMod val="20000"/>
+                  <a:lumOff val="80000"/>
+                </a:schemeClr>
+              </a:solidFill>
+              <a:ln w="38100">
+                <a:noFill/>
+              </a:ln>
+            </p:spPr>
+            <p:style>
+              <a:lnRef idx="2">
+                <a:schemeClr val="accent1">
+                  <a:shade val="50000"/>
+                </a:schemeClr>
+              </a:lnRef>
+              <a:fillRef idx="1">
+                <a:schemeClr val="accent1"/>
+              </a:fillRef>
+              <a:effectRef idx="0">
+                <a:schemeClr val="accent1"/>
+              </a:effectRef>
+              <a:fontRef idx="minor">
+                <a:schemeClr val="lt1"/>
+              </a:fontRef>
+            </p:style>
+            <p:txBody>
+              <a:bodyPr rtlCol="0" anchor="ctr"/>
+              <a:lstStyle/>
+              <a:p>
+                <a:pPr algn="ctr"/>
+                <a:endParaRPr lang="en-US"/>
+              </a:p>
+            </p:txBody>
+          </p:sp>
+        </p:grpSp>
+        <p:sp>
+          <p:nvSpPr>
+            <p:cNvPr id="25" name="Oval 24"/>
+            <p:cNvSpPr/>
+            <p:nvPr/>
+          </p:nvSpPr>
+          <p:spPr>
+            <a:xfrm>
+              <a:off x="6951345" y="3684270"/>
+              <a:ext cx="209550" cy="213360"/>
+            </a:xfrm>
+            <a:prstGeom prst="ellipse">
+              <a:avLst/>
+            </a:prstGeom>
+            <a:solidFill>
+              <a:schemeClr val="accent4"/>
+            </a:solidFill>
+            <a:ln w="38100">
+              <a:solidFill>
+                <a:schemeClr val="tx1"/>
+              </a:solidFill>
+            </a:ln>
+          </p:spPr>
+          <p:style>
+            <a:lnRef idx="2">
+              <a:schemeClr val="accent1">
+                <a:shade val="50000"/>
+              </a:schemeClr>
+            </a:lnRef>
+            <a:fillRef idx="1">
+              <a:schemeClr val="accent1"/>
+            </a:fillRef>
+            <a:effectRef idx="0">
+              <a:schemeClr val="accent1"/>
+            </a:effectRef>
+            <a:fontRef idx="minor">
+              <a:schemeClr val="lt1"/>
+            </a:fontRef>
+          </p:style>
+          <p:txBody>
+            <a:bodyPr rtlCol="0" anchor="ctr"/>
+            <a:lstStyle/>
+            <a:p>
+              <a:pPr algn="ctr"/>
+              <a:endParaRPr lang="en-US"/>
+            </a:p>
+          </p:txBody>
+        </p:sp>
+        <p:sp>
+          <p:nvSpPr>
+            <p:cNvPr id="27" name="Diamond 26"/>
+            <p:cNvSpPr/>
+            <p:nvPr/>
+          </p:nvSpPr>
+          <p:spPr>
+            <a:xfrm>
+              <a:off x="6971821" y="3427274"/>
+              <a:ext cx="168594" cy="329962"/>
+            </a:xfrm>
+            <a:prstGeom prst="diamond">
+              <a:avLst/>
+            </a:prstGeom>
+            <a:solidFill>
+              <a:schemeClr val="accent4"/>
+            </a:solidFill>
+            <a:ln w="38100">
+              <a:solidFill>
+                <a:schemeClr val="tx1"/>
+              </a:solidFill>
+            </a:ln>
+          </p:spPr>
+          <p:style>
+            <a:lnRef idx="2">
+              <a:schemeClr val="accent1">
+                <a:shade val="50000"/>
+              </a:schemeClr>
+            </a:lnRef>
+            <a:fillRef idx="1">
+              <a:schemeClr val="accent1"/>
+            </a:fillRef>
+            <a:effectRef idx="0">
+              <a:schemeClr val="accent1"/>
+            </a:effectRef>
+            <a:fontRef idx="minor">
+              <a:schemeClr val="lt1"/>
+            </a:fontRef>
+          </p:style>
+          <p:txBody>
+            <a:bodyPr rtlCol="0" anchor="ctr"/>
+            <a:lstStyle/>
+            <a:p>
+              <a:pPr algn="ctr"/>
+              <a:endParaRPr lang="en-US"/>
+            </a:p>
+          </p:txBody>
+        </p:sp>
+        <p:sp>
+          <p:nvSpPr>
+            <p:cNvPr id="28" name="TextBox 27"/>
+            <p:cNvSpPr txBox="1"/>
+            <p:nvPr/>
+          </p:nvSpPr>
+          <p:spPr>
+            <a:xfrm>
+              <a:off x="6908481" y="3211830"/>
+              <a:ext cx="295275" cy="195320"/>
+            </a:xfrm>
+            <a:prstGeom prst="rect">
+              <a:avLst/>
+            </a:prstGeom>
+            <a:noFill/>
+          </p:spPr>
+          <p:txBody>
+            <a:bodyPr wrap="square" rtlCol="0">
+              <a:spAutoFit/>
+            </a:bodyPr>
+            <a:lstStyle/>
+            <a:p>
+              <a:pPr algn="ctr"/>
+              <a:r>
+                <a:rPr lang="en-US" sz="500" dirty="0" smtClean="0"/>
+                <a:t>XII</a:t>
+              </a:r>
+              <a:endParaRPr lang="en-US" sz="500" dirty="0"/>
+            </a:p>
+          </p:txBody>
+        </p:sp>
+        <p:sp>
+          <p:nvSpPr>
+            <p:cNvPr id="29" name="TextBox 28"/>
+            <p:cNvSpPr txBox="1"/>
+            <p:nvPr/>
+          </p:nvSpPr>
+          <p:spPr>
+            <a:xfrm>
+              <a:off x="6908481" y="4097262"/>
+              <a:ext cx="295275" cy="195320"/>
+            </a:xfrm>
+            <a:prstGeom prst="rect">
+              <a:avLst/>
+            </a:prstGeom>
+            <a:noFill/>
+          </p:spPr>
+          <p:txBody>
+            <a:bodyPr wrap="square" rtlCol="0">
+              <a:spAutoFit/>
+            </a:bodyPr>
+            <a:lstStyle/>
+            <a:p>
+              <a:pPr algn="ctr"/>
+              <a:r>
+                <a:rPr lang="en-US" sz="500" dirty="0" smtClean="0"/>
+                <a:t>VI</a:t>
+              </a:r>
+              <a:endParaRPr lang="en-US" sz="500" dirty="0"/>
+            </a:p>
+          </p:txBody>
+        </p:sp>
+        <p:sp>
+          <p:nvSpPr>
+            <p:cNvPr id="30" name="TextBox 29"/>
+            <p:cNvSpPr txBox="1"/>
+            <p:nvPr/>
+          </p:nvSpPr>
+          <p:spPr>
+            <a:xfrm>
+              <a:off x="6433898" y="3690213"/>
+              <a:ext cx="295275" cy="195320"/>
+            </a:xfrm>
+            <a:prstGeom prst="rect">
+              <a:avLst/>
+            </a:prstGeom>
+            <a:noFill/>
+          </p:spPr>
+          <p:txBody>
+            <a:bodyPr wrap="square" rtlCol="0">
+              <a:spAutoFit/>
+            </a:bodyPr>
+            <a:lstStyle/>
+            <a:p>
+              <a:pPr algn="ctr"/>
+              <a:r>
+                <a:rPr lang="en-US" sz="500" dirty="0" smtClean="0"/>
+                <a:t>IX</a:t>
+              </a:r>
+              <a:endParaRPr lang="en-US" sz="500" dirty="0"/>
+            </a:p>
+          </p:txBody>
+        </p:sp>
+        <p:sp>
+          <p:nvSpPr>
+            <p:cNvPr id="31" name="TextBox 30"/>
+            <p:cNvSpPr txBox="1"/>
+            <p:nvPr/>
+          </p:nvSpPr>
+          <p:spPr>
+            <a:xfrm>
+              <a:off x="7330678" y="3690213"/>
+              <a:ext cx="295275" cy="195320"/>
+            </a:xfrm>
+            <a:prstGeom prst="rect">
+              <a:avLst/>
+            </a:prstGeom>
+            <a:noFill/>
+          </p:spPr>
+          <p:txBody>
+            <a:bodyPr wrap="square" rtlCol="0">
+              <a:spAutoFit/>
+            </a:bodyPr>
+            <a:lstStyle/>
+            <a:p>
+              <a:pPr algn="ctr"/>
+              <a:r>
+                <a:rPr lang="en-US" sz="500" dirty="0" smtClean="0"/>
+                <a:t>III</a:t>
+              </a:r>
+              <a:endParaRPr lang="en-US" sz="500" dirty="0"/>
+            </a:p>
+          </p:txBody>
+        </p:sp>
+      </p:grpSp>
     </p:spTree>
     <p:extLst>
       <p:ext uri="{BB962C8B-B14F-4D97-AF65-F5344CB8AC3E}">

--- a/gameJamName/gameJamName - Image Files/gameJamName - Image Initializer.pptx
+++ b/gameJamName/gameJamName - Image Files/gameJamName - Image Initializer.pptx
@@ -245,7 +245,7 @@
           <a:p>
             <a:fld id="{1CB1AD02-714A-4324-8EFD-214DDF861471}" type="datetimeFigureOut">
               <a:rPr lang="en-US" smtClean="0"/>
-              <a:t>9/16/2022</a:t>
+              <a:t>9/17/2022</a:t>
             </a:fld>
             <a:endParaRPr lang="en-US"/>
           </a:p>
@@ -415,7 +415,7 @@
           <a:p>
             <a:fld id="{1CB1AD02-714A-4324-8EFD-214DDF861471}" type="datetimeFigureOut">
               <a:rPr lang="en-US" smtClean="0"/>
-              <a:t>9/16/2022</a:t>
+              <a:t>9/17/2022</a:t>
             </a:fld>
             <a:endParaRPr lang="en-US"/>
           </a:p>
@@ -595,7 +595,7 @@
           <a:p>
             <a:fld id="{1CB1AD02-714A-4324-8EFD-214DDF861471}" type="datetimeFigureOut">
               <a:rPr lang="en-US" smtClean="0"/>
-              <a:t>9/16/2022</a:t>
+              <a:t>9/17/2022</a:t>
             </a:fld>
             <a:endParaRPr lang="en-US"/>
           </a:p>
@@ -765,7 +765,7 @@
           <a:p>
             <a:fld id="{1CB1AD02-714A-4324-8EFD-214DDF861471}" type="datetimeFigureOut">
               <a:rPr lang="en-US" smtClean="0"/>
-              <a:t>9/16/2022</a:t>
+              <a:t>9/17/2022</a:t>
             </a:fld>
             <a:endParaRPr lang="en-US"/>
           </a:p>
@@ -1011,7 +1011,7 @@
           <a:p>
             <a:fld id="{1CB1AD02-714A-4324-8EFD-214DDF861471}" type="datetimeFigureOut">
               <a:rPr lang="en-US" smtClean="0"/>
-              <a:t>9/16/2022</a:t>
+              <a:t>9/17/2022</a:t>
             </a:fld>
             <a:endParaRPr lang="en-US"/>
           </a:p>
@@ -1243,7 +1243,7 @@
           <a:p>
             <a:fld id="{1CB1AD02-714A-4324-8EFD-214DDF861471}" type="datetimeFigureOut">
               <a:rPr lang="en-US" smtClean="0"/>
-              <a:t>9/16/2022</a:t>
+              <a:t>9/17/2022</a:t>
             </a:fld>
             <a:endParaRPr lang="en-US"/>
           </a:p>
@@ -1610,7 +1610,7 @@
           <a:p>
             <a:fld id="{1CB1AD02-714A-4324-8EFD-214DDF861471}" type="datetimeFigureOut">
               <a:rPr lang="en-US" smtClean="0"/>
-              <a:t>9/16/2022</a:t>
+              <a:t>9/17/2022</a:t>
             </a:fld>
             <a:endParaRPr lang="en-US"/>
           </a:p>
@@ -1728,7 +1728,7 @@
           <a:p>
             <a:fld id="{1CB1AD02-714A-4324-8EFD-214DDF861471}" type="datetimeFigureOut">
               <a:rPr lang="en-US" smtClean="0"/>
-              <a:t>9/16/2022</a:t>
+              <a:t>9/17/2022</a:t>
             </a:fld>
             <a:endParaRPr lang="en-US"/>
           </a:p>
@@ -1823,7 +1823,7 @@
           <a:p>
             <a:fld id="{1CB1AD02-714A-4324-8EFD-214DDF861471}" type="datetimeFigureOut">
               <a:rPr lang="en-US" smtClean="0"/>
-              <a:t>9/16/2022</a:t>
+              <a:t>9/17/2022</a:t>
             </a:fld>
             <a:endParaRPr lang="en-US"/>
           </a:p>
@@ -2100,7 +2100,7 @@
           <a:p>
             <a:fld id="{1CB1AD02-714A-4324-8EFD-214DDF861471}" type="datetimeFigureOut">
               <a:rPr lang="en-US" smtClean="0"/>
-              <a:t>9/16/2022</a:t>
+              <a:t>9/17/2022</a:t>
             </a:fld>
             <a:endParaRPr lang="en-US"/>
           </a:p>
@@ -2353,7 +2353,7 @@
           <a:p>
             <a:fld id="{1CB1AD02-714A-4324-8EFD-214DDF861471}" type="datetimeFigureOut">
               <a:rPr lang="en-US" smtClean="0"/>
-              <a:t>9/16/2022</a:t>
+              <a:t>9/17/2022</a:t>
             </a:fld>
             <a:endParaRPr lang="en-US"/>
           </a:p>
@@ -2566,7 +2566,7 @@
           <a:p>
             <a:fld id="{1CB1AD02-714A-4324-8EFD-214DDF861471}" type="datetimeFigureOut">
               <a:rPr lang="en-US" smtClean="0"/>
-              <a:t>9/16/2022</a:t>
+              <a:t>9/17/2022</a:t>
             </a:fld>
             <a:endParaRPr lang="en-US"/>
           </a:p>
@@ -6549,16 +6549,16 @@
       </p:sp>
       <p:grpSp>
         <p:nvGrpSpPr>
-          <p:cNvPr id="32" name="Group 31"/>
+          <p:cNvPr id="26" name="Group 25"/>
           <p:cNvGrpSpPr/>
           <p:nvPr/>
         </p:nvGrpSpPr>
         <p:grpSpPr>
           <a:xfrm>
-            <a:off x="5954395" y="3063875"/>
-            <a:ext cx="1188720" cy="1188720"/>
-            <a:chOff x="6370320" y="3105150"/>
-            <a:chExt cx="1371600" cy="1371600"/>
+            <a:off x="6106576" y="3216056"/>
+            <a:ext cx="884358" cy="884358"/>
+            <a:chOff x="6106576" y="3216056"/>
+            <a:chExt cx="884358" cy="884358"/>
           </a:xfrm>
         </p:grpSpPr>
         <p:sp>
@@ -6569,8 +6569,8 @@
           </p:nvSpPr>
           <p:spPr>
             <a:xfrm>
-              <a:off x="6370320" y="3105150"/>
-              <a:ext cx="1371600" cy="1371600"/>
+              <a:off x="6106576" y="3216056"/>
+              <a:ext cx="884358" cy="884358"/>
             </a:xfrm>
             <a:prstGeom prst="ellipse">
               <a:avLst/>
@@ -6578,7 +6578,7 @@
             <a:solidFill>
               <a:schemeClr val="accent4"/>
             </a:solidFill>
-            <a:ln w="38100">
+            <a:ln w="28575">
               <a:solidFill>
                 <a:schemeClr val="tx1"/>
               </a:solidFill>
@@ -6617,8 +6617,8 @@
           </p:nvSpPr>
           <p:spPr>
             <a:xfrm>
-              <a:off x="6461760" y="3196590"/>
-              <a:ext cx="1188720" cy="1188720"/>
+              <a:off x="6165533" y="3275013"/>
+              <a:ext cx="766444" cy="766444"/>
             </a:xfrm>
             <a:prstGeom prst="ellipse">
               <a:avLst/>
@@ -6667,8 +6667,8 @@
           </p:nvGrpSpPr>
           <p:grpSpPr>
             <a:xfrm>
-              <a:off x="6461760" y="3196590"/>
-              <a:ext cx="1188720" cy="1188720"/>
+              <a:off x="6165533" y="3275013"/>
+              <a:ext cx="766444" cy="766444"/>
               <a:chOff x="6461760" y="3198706"/>
               <a:chExt cx="1188720" cy="1188720"/>
             </a:xfrm>
@@ -6874,8 +6874,8 @@
           </p:nvSpPr>
           <p:spPr>
             <a:xfrm>
-              <a:off x="6951345" y="3684270"/>
-              <a:ext cx="209550" cy="213360"/>
+              <a:off x="6485572" y="3593903"/>
+              <a:ext cx="126366" cy="128664"/>
             </a:xfrm>
             <a:prstGeom prst="ellipse">
               <a:avLst/>
@@ -6883,7 +6883,7 @@
             <a:solidFill>
               <a:schemeClr val="accent4"/>
             </a:solidFill>
-            <a:ln w="38100">
+            <a:ln w="19050">
               <a:solidFill>
                 <a:schemeClr val="tx1"/>
               </a:solidFill>
@@ -6922,8 +6922,8 @@
           </p:nvSpPr>
           <p:spPr>
             <a:xfrm>
-              <a:off x="6971821" y="3427274"/>
-              <a:ext cx="168594" cy="329962"/>
+              <a:off x="6497920" y="3444028"/>
+              <a:ext cx="101668" cy="198979"/>
             </a:xfrm>
             <a:prstGeom prst="diamond">
               <a:avLst/>
@@ -6931,7 +6931,7 @@
             <a:solidFill>
               <a:schemeClr val="accent4"/>
             </a:solidFill>
-            <a:ln w="38100">
+            <a:ln w="19050">
               <a:solidFill>
                 <a:schemeClr val="tx1"/>
               </a:solidFill>
@@ -6970,8 +6970,8 @@
           </p:nvSpPr>
           <p:spPr>
             <a:xfrm>
-              <a:off x="6908481" y="3211830"/>
-              <a:ext cx="295275" cy="195320"/>
+              <a:off x="6420801" y="3255801"/>
+              <a:ext cx="255905" cy="169277"/>
             </a:xfrm>
             <a:prstGeom prst="rect">
               <a:avLst/>
@@ -7001,8 +7001,8 @@
           </p:nvSpPr>
           <p:spPr>
             <a:xfrm>
-              <a:off x="6908481" y="4097262"/>
-              <a:ext cx="295275" cy="195320"/>
+              <a:off x="6420801" y="3853595"/>
+              <a:ext cx="255905" cy="169277"/>
             </a:xfrm>
             <a:prstGeom prst="rect">
               <a:avLst/>
@@ -7032,8 +7032,8 @@
           </p:nvSpPr>
           <p:spPr>
             <a:xfrm>
-              <a:off x="6433898" y="3690213"/>
-              <a:ext cx="295275" cy="195320"/>
+              <a:off x="6107889" y="3570930"/>
+              <a:ext cx="255905" cy="169277"/>
             </a:xfrm>
             <a:prstGeom prst="rect">
               <a:avLst/>
@@ -7063,8 +7063,5948 @@
           </p:nvSpPr>
           <p:spPr>
             <a:xfrm>
-              <a:off x="7330678" y="3690213"/>
-              <a:ext cx="295275" cy="195320"/>
+              <a:off x="6708139" y="3570930"/>
+              <a:ext cx="255905" cy="169277"/>
+            </a:xfrm>
+            <a:prstGeom prst="rect">
+              <a:avLst/>
+            </a:prstGeom>
+            <a:noFill/>
+          </p:spPr>
+          <p:txBody>
+            <a:bodyPr wrap="square" rtlCol="0">
+              <a:spAutoFit/>
+            </a:bodyPr>
+            <a:lstStyle/>
+            <a:p>
+              <a:pPr algn="ctr"/>
+              <a:r>
+                <a:rPr lang="en-US" sz="500" dirty="0" smtClean="0"/>
+                <a:t>III</a:t>
+              </a:r>
+              <a:endParaRPr lang="en-US" sz="500" dirty="0"/>
+            </a:p>
+          </p:txBody>
+        </p:sp>
+      </p:grpSp>
+      <p:grpSp>
+        <p:nvGrpSpPr>
+          <p:cNvPr id="21" name="Group 20"/>
+          <p:cNvGrpSpPr/>
+          <p:nvPr/>
+        </p:nvGrpSpPr>
+        <p:grpSpPr>
+          <a:xfrm>
+            <a:off x="7085000" y="3233696"/>
+            <a:ext cx="884358" cy="884358"/>
+            <a:chOff x="7085000" y="3233696"/>
+            <a:chExt cx="884358" cy="884358"/>
+          </a:xfrm>
+        </p:grpSpPr>
+        <p:sp>
+          <p:nvSpPr>
+            <p:cNvPr id="45" name="Oval 44"/>
+            <p:cNvSpPr/>
+            <p:nvPr/>
+          </p:nvSpPr>
+          <p:spPr>
+            <a:xfrm>
+              <a:off x="7085000" y="3233696"/>
+              <a:ext cx="884358" cy="884358"/>
+            </a:xfrm>
+            <a:prstGeom prst="ellipse">
+              <a:avLst/>
+            </a:prstGeom>
+            <a:solidFill>
+              <a:schemeClr val="accent4"/>
+            </a:solidFill>
+            <a:ln w="28575">
+              <a:solidFill>
+                <a:schemeClr val="tx1"/>
+              </a:solidFill>
+            </a:ln>
+          </p:spPr>
+          <p:style>
+            <a:lnRef idx="2">
+              <a:schemeClr val="accent1">
+                <a:shade val="50000"/>
+              </a:schemeClr>
+            </a:lnRef>
+            <a:fillRef idx="1">
+              <a:schemeClr val="accent1"/>
+            </a:fillRef>
+            <a:effectRef idx="0">
+              <a:schemeClr val="accent1"/>
+            </a:effectRef>
+            <a:fontRef idx="minor">
+              <a:schemeClr val="lt1"/>
+            </a:fontRef>
+          </p:style>
+          <p:txBody>
+            <a:bodyPr rtlCol="0" anchor="ctr"/>
+            <a:lstStyle/>
+            <a:p>
+              <a:pPr algn="ctr"/>
+              <a:endParaRPr lang="en-US"/>
+            </a:p>
+          </p:txBody>
+        </p:sp>
+        <p:sp>
+          <p:nvSpPr>
+            <p:cNvPr id="46" name="Oval 45"/>
+            <p:cNvSpPr/>
+            <p:nvPr/>
+          </p:nvSpPr>
+          <p:spPr>
+            <a:xfrm>
+              <a:off x="7143957" y="3292653"/>
+              <a:ext cx="766444" cy="766444"/>
+            </a:xfrm>
+            <a:prstGeom prst="ellipse">
+              <a:avLst/>
+            </a:prstGeom>
+            <a:solidFill>
+              <a:schemeClr val="bg2">
+                <a:lumMod val="90000"/>
+              </a:schemeClr>
+            </a:solidFill>
+            <a:ln w="38100">
+              <a:solidFill>
+                <a:schemeClr val="tx1"/>
+              </a:solidFill>
+            </a:ln>
+          </p:spPr>
+          <p:style>
+            <a:lnRef idx="2">
+              <a:schemeClr val="accent1">
+                <a:shade val="50000"/>
+              </a:schemeClr>
+            </a:lnRef>
+            <a:fillRef idx="1">
+              <a:schemeClr val="accent1"/>
+            </a:fillRef>
+            <a:effectRef idx="0">
+              <a:schemeClr val="accent1"/>
+            </a:effectRef>
+            <a:fontRef idx="minor">
+              <a:schemeClr val="lt1"/>
+            </a:fontRef>
+          </p:style>
+          <p:txBody>
+            <a:bodyPr rtlCol="0" anchor="ctr"/>
+            <a:lstStyle/>
+            <a:p>
+              <a:pPr algn="ctr"/>
+              <a:endParaRPr lang="en-US"/>
+            </a:p>
+          </p:txBody>
+        </p:sp>
+        <p:grpSp>
+          <p:nvGrpSpPr>
+            <p:cNvPr id="47" name="Group 46"/>
+            <p:cNvGrpSpPr/>
+            <p:nvPr/>
+          </p:nvGrpSpPr>
+          <p:grpSpPr>
+            <a:xfrm>
+              <a:off x="7143957" y="3292653"/>
+              <a:ext cx="766444" cy="766444"/>
+              <a:chOff x="6461760" y="3198706"/>
+              <a:chExt cx="1188720" cy="1188720"/>
+            </a:xfrm>
+          </p:grpSpPr>
+          <p:sp>
+            <p:nvSpPr>
+              <p:cNvPr id="48" name="Freeform 47"/>
+              <p:cNvSpPr/>
+              <p:nvPr/>
+            </p:nvSpPr>
+            <p:spPr>
+              <a:xfrm>
+                <a:off x="6461760" y="3198706"/>
+                <a:ext cx="1188720" cy="594360"/>
+              </a:xfrm>
+              <a:custGeom>
+                <a:avLst/>
+                <a:gdLst>
+                  <a:gd name="connsiteX0" fmla="*/ 594360 w 1188720"/>
+                  <a:gd name="connsiteY0" fmla="*/ 0 h 594360"/>
+                  <a:gd name="connsiteX1" fmla="*/ 1188720 w 1188720"/>
+                  <a:gd name="connsiteY1" fmla="*/ 594360 h 594360"/>
+                  <a:gd name="connsiteX2" fmla="*/ 0 w 1188720"/>
+                  <a:gd name="connsiteY2" fmla="*/ 594360 h 594360"/>
+                  <a:gd name="connsiteX3" fmla="*/ 594360 w 1188720"/>
+                  <a:gd name="connsiteY3" fmla="*/ 0 h 594360"/>
+                </a:gdLst>
+                <a:ahLst/>
+                <a:cxnLst>
+                  <a:cxn ang="0">
+                    <a:pos x="connsiteX0" y="connsiteY0"/>
+                  </a:cxn>
+                  <a:cxn ang="0">
+                    <a:pos x="connsiteX1" y="connsiteY1"/>
+                  </a:cxn>
+                  <a:cxn ang="0">
+                    <a:pos x="connsiteX2" y="connsiteY2"/>
+                  </a:cxn>
+                  <a:cxn ang="0">
+                    <a:pos x="connsiteX3" y="connsiteY3"/>
+                  </a:cxn>
+                </a:cxnLst>
+                <a:rect l="l" t="t" r="r" b="b"/>
+                <a:pathLst>
+                  <a:path w="1188720" h="594360">
+                    <a:moveTo>
+                      <a:pt x="594360" y="0"/>
+                    </a:moveTo>
+                    <a:cubicBezTo>
+                      <a:pt x="922616" y="0"/>
+                      <a:pt x="1188720" y="266104"/>
+                      <a:pt x="1188720" y="594360"/>
+                    </a:cubicBezTo>
+                    <a:lnTo>
+                      <a:pt x="0" y="594360"/>
+                    </a:lnTo>
+                    <a:cubicBezTo>
+                      <a:pt x="0" y="266104"/>
+                      <a:pt x="266104" y="0"/>
+                      <a:pt x="594360" y="0"/>
+                    </a:cubicBezTo>
+                    <a:close/>
+                  </a:path>
+                </a:pathLst>
+              </a:custGeom>
+              <a:solidFill>
+                <a:schemeClr val="accent4">
+                  <a:lumMod val="20000"/>
+                  <a:lumOff val="80000"/>
+                </a:schemeClr>
+              </a:solidFill>
+              <a:ln w="38100">
+                <a:noFill/>
+              </a:ln>
+            </p:spPr>
+            <p:style>
+              <a:lnRef idx="2">
+                <a:schemeClr val="accent1">
+                  <a:shade val="50000"/>
+                </a:schemeClr>
+              </a:lnRef>
+              <a:fillRef idx="1">
+                <a:schemeClr val="accent1"/>
+              </a:fillRef>
+              <a:effectRef idx="0">
+                <a:schemeClr val="accent1"/>
+              </a:effectRef>
+              <a:fontRef idx="minor">
+                <a:schemeClr val="lt1"/>
+              </a:fontRef>
+            </p:style>
+            <p:txBody>
+              <a:bodyPr rtlCol="0" anchor="ctr"/>
+              <a:lstStyle/>
+              <a:p>
+                <a:pPr algn="ctr"/>
+                <a:endParaRPr lang="en-US"/>
+              </a:p>
+            </p:txBody>
+          </p:sp>
+          <p:sp>
+            <p:nvSpPr>
+              <p:cNvPr id="49" name="Freeform 48"/>
+              <p:cNvSpPr/>
+              <p:nvPr/>
+            </p:nvSpPr>
+            <p:spPr>
+              <a:xfrm rot="10800000">
+                <a:off x="6461760" y="3793066"/>
+                <a:ext cx="1188720" cy="594360"/>
+              </a:xfrm>
+              <a:custGeom>
+                <a:avLst/>
+                <a:gdLst>
+                  <a:gd name="connsiteX0" fmla="*/ 594360 w 1188720"/>
+                  <a:gd name="connsiteY0" fmla="*/ 0 h 594360"/>
+                  <a:gd name="connsiteX1" fmla="*/ 1188720 w 1188720"/>
+                  <a:gd name="connsiteY1" fmla="*/ 594360 h 594360"/>
+                  <a:gd name="connsiteX2" fmla="*/ 0 w 1188720"/>
+                  <a:gd name="connsiteY2" fmla="*/ 594360 h 594360"/>
+                  <a:gd name="connsiteX3" fmla="*/ 594360 w 1188720"/>
+                  <a:gd name="connsiteY3" fmla="*/ 0 h 594360"/>
+                </a:gdLst>
+                <a:ahLst/>
+                <a:cxnLst>
+                  <a:cxn ang="0">
+                    <a:pos x="connsiteX0" y="connsiteY0"/>
+                  </a:cxn>
+                  <a:cxn ang="0">
+                    <a:pos x="connsiteX1" y="connsiteY1"/>
+                  </a:cxn>
+                  <a:cxn ang="0">
+                    <a:pos x="connsiteX2" y="connsiteY2"/>
+                  </a:cxn>
+                  <a:cxn ang="0">
+                    <a:pos x="connsiteX3" y="connsiteY3"/>
+                  </a:cxn>
+                </a:cxnLst>
+                <a:rect l="l" t="t" r="r" b="b"/>
+                <a:pathLst>
+                  <a:path w="1188720" h="594360">
+                    <a:moveTo>
+                      <a:pt x="594360" y="0"/>
+                    </a:moveTo>
+                    <a:cubicBezTo>
+                      <a:pt x="922616" y="0"/>
+                      <a:pt x="1188720" y="266104"/>
+                      <a:pt x="1188720" y="594360"/>
+                    </a:cubicBezTo>
+                    <a:lnTo>
+                      <a:pt x="0" y="594360"/>
+                    </a:lnTo>
+                    <a:cubicBezTo>
+                      <a:pt x="0" y="266104"/>
+                      <a:pt x="266104" y="0"/>
+                      <a:pt x="594360" y="0"/>
+                    </a:cubicBezTo>
+                    <a:close/>
+                  </a:path>
+                </a:pathLst>
+              </a:custGeom>
+              <a:solidFill>
+                <a:schemeClr val="accent1">
+                  <a:lumMod val="20000"/>
+                  <a:lumOff val="80000"/>
+                </a:schemeClr>
+              </a:solidFill>
+              <a:ln w="38100">
+                <a:noFill/>
+              </a:ln>
+            </p:spPr>
+            <p:style>
+              <a:lnRef idx="2">
+                <a:schemeClr val="accent1">
+                  <a:shade val="50000"/>
+                </a:schemeClr>
+              </a:lnRef>
+              <a:fillRef idx="1">
+                <a:schemeClr val="accent1"/>
+              </a:fillRef>
+              <a:effectRef idx="0">
+                <a:schemeClr val="accent1"/>
+              </a:effectRef>
+              <a:fontRef idx="minor">
+                <a:schemeClr val="lt1"/>
+              </a:fontRef>
+            </p:style>
+            <p:txBody>
+              <a:bodyPr rtlCol="0" anchor="ctr"/>
+              <a:lstStyle/>
+              <a:p>
+                <a:pPr algn="ctr"/>
+                <a:endParaRPr lang="en-US"/>
+              </a:p>
+            </p:txBody>
+          </p:sp>
+        </p:grpSp>
+        <p:sp>
+          <p:nvSpPr>
+            <p:cNvPr id="50" name="Oval 49"/>
+            <p:cNvSpPr/>
+            <p:nvPr/>
+          </p:nvSpPr>
+          <p:spPr>
+            <a:xfrm>
+              <a:off x="7463996" y="3611543"/>
+              <a:ext cx="126366" cy="128664"/>
+            </a:xfrm>
+            <a:prstGeom prst="ellipse">
+              <a:avLst/>
+            </a:prstGeom>
+            <a:solidFill>
+              <a:schemeClr val="accent4"/>
+            </a:solidFill>
+            <a:ln w="19050">
+              <a:solidFill>
+                <a:schemeClr val="tx1"/>
+              </a:solidFill>
+            </a:ln>
+          </p:spPr>
+          <p:style>
+            <a:lnRef idx="2">
+              <a:schemeClr val="accent1">
+                <a:shade val="50000"/>
+              </a:schemeClr>
+            </a:lnRef>
+            <a:fillRef idx="1">
+              <a:schemeClr val="accent1"/>
+            </a:fillRef>
+            <a:effectRef idx="0">
+              <a:schemeClr val="accent1"/>
+            </a:effectRef>
+            <a:fontRef idx="minor">
+              <a:schemeClr val="lt1"/>
+            </a:fontRef>
+          </p:style>
+          <p:txBody>
+            <a:bodyPr rtlCol="0" anchor="ctr"/>
+            <a:lstStyle/>
+            <a:p>
+              <a:pPr algn="ctr"/>
+              <a:endParaRPr lang="en-US"/>
+            </a:p>
+          </p:txBody>
+        </p:sp>
+        <p:sp>
+          <p:nvSpPr>
+            <p:cNvPr id="51" name="Diamond 50"/>
+            <p:cNvSpPr/>
+            <p:nvPr/>
+          </p:nvSpPr>
+          <p:spPr>
+            <a:xfrm rot="1800000">
+              <a:off x="7529470" y="3478343"/>
+              <a:ext cx="101668" cy="198979"/>
+            </a:xfrm>
+            <a:prstGeom prst="diamond">
+              <a:avLst/>
+            </a:prstGeom>
+            <a:solidFill>
+              <a:schemeClr val="accent4"/>
+            </a:solidFill>
+            <a:ln w="19050">
+              <a:solidFill>
+                <a:schemeClr val="tx1"/>
+              </a:solidFill>
+            </a:ln>
+          </p:spPr>
+          <p:style>
+            <a:lnRef idx="2">
+              <a:schemeClr val="accent1">
+                <a:shade val="50000"/>
+              </a:schemeClr>
+            </a:lnRef>
+            <a:fillRef idx="1">
+              <a:schemeClr val="accent1"/>
+            </a:fillRef>
+            <a:effectRef idx="0">
+              <a:schemeClr val="accent1"/>
+            </a:effectRef>
+            <a:fontRef idx="minor">
+              <a:schemeClr val="lt1"/>
+            </a:fontRef>
+          </p:style>
+          <p:txBody>
+            <a:bodyPr rtlCol="0" anchor="ctr"/>
+            <a:lstStyle/>
+            <a:p>
+              <a:pPr algn="ctr"/>
+              <a:endParaRPr lang="en-US"/>
+            </a:p>
+          </p:txBody>
+        </p:sp>
+        <p:sp>
+          <p:nvSpPr>
+            <p:cNvPr id="52" name="TextBox 51"/>
+            <p:cNvSpPr txBox="1"/>
+            <p:nvPr/>
+          </p:nvSpPr>
+          <p:spPr>
+            <a:xfrm>
+              <a:off x="7399225" y="3273441"/>
+              <a:ext cx="255905" cy="169277"/>
+            </a:xfrm>
+            <a:prstGeom prst="rect">
+              <a:avLst/>
+            </a:prstGeom>
+            <a:noFill/>
+          </p:spPr>
+          <p:txBody>
+            <a:bodyPr wrap="square" rtlCol="0">
+              <a:spAutoFit/>
+            </a:bodyPr>
+            <a:lstStyle/>
+            <a:p>
+              <a:pPr algn="ctr"/>
+              <a:r>
+                <a:rPr lang="en-US" sz="500" dirty="0" smtClean="0"/>
+                <a:t>XII</a:t>
+              </a:r>
+              <a:endParaRPr lang="en-US" sz="500" dirty="0"/>
+            </a:p>
+          </p:txBody>
+        </p:sp>
+        <p:sp>
+          <p:nvSpPr>
+            <p:cNvPr id="53" name="TextBox 52"/>
+            <p:cNvSpPr txBox="1"/>
+            <p:nvPr/>
+          </p:nvSpPr>
+          <p:spPr>
+            <a:xfrm>
+              <a:off x="7399225" y="3871235"/>
+              <a:ext cx="255905" cy="169277"/>
+            </a:xfrm>
+            <a:prstGeom prst="rect">
+              <a:avLst/>
+            </a:prstGeom>
+            <a:noFill/>
+          </p:spPr>
+          <p:txBody>
+            <a:bodyPr wrap="square" rtlCol="0">
+              <a:spAutoFit/>
+            </a:bodyPr>
+            <a:lstStyle/>
+            <a:p>
+              <a:pPr algn="ctr"/>
+              <a:r>
+                <a:rPr lang="en-US" sz="500" dirty="0" smtClean="0"/>
+                <a:t>VI</a:t>
+              </a:r>
+              <a:endParaRPr lang="en-US" sz="500" dirty="0"/>
+            </a:p>
+          </p:txBody>
+        </p:sp>
+        <p:sp>
+          <p:nvSpPr>
+            <p:cNvPr id="54" name="TextBox 53"/>
+            <p:cNvSpPr txBox="1"/>
+            <p:nvPr/>
+          </p:nvSpPr>
+          <p:spPr>
+            <a:xfrm>
+              <a:off x="7086313" y="3588570"/>
+              <a:ext cx="255905" cy="169277"/>
+            </a:xfrm>
+            <a:prstGeom prst="rect">
+              <a:avLst/>
+            </a:prstGeom>
+            <a:noFill/>
+          </p:spPr>
+          <p:txBody>
+            <a:bodyPr wrap="square" rtlCol="0">
+              <a:spAutoFit/>
+            </a:bodyPr>
+            <a:lstStyle/>
+            <a:p>
+              <a:pPr algn="ctr"/>
+              <a:r>
+                <a:rPr lang="en-US" sz="500" dirty="0" smtClean="0"/>
+                <a:t>IX</a:t>
+              </a:r>
+              <a:endParaRPr lang="en-US" sz="500" dirty="0"/>
+            </a:p>
+          </p:txBody>
+        </p:sp>
+        <p:sp>
+          <p:nvSpPr>
+            <p:cNvPr id="55" name="TextBox 54"/>
+            <p:cNvSpPr txBox="1"/>
+            <p:nvPr/>
+          </p:nvSpPr>
+          <p:spPr>
+            <a:xfrm>
+              <a:off x="7686563" y="3588570"/>
+              <a:ext cx="255905" cy="169277"/>
+            </a:xfrm>
+            <a:prstGeom prst="rect">
+              <a:avLst/>
+            </a:prstGeom>
+            <a:noFill/>
+          </p:spPr>
+          <p:txBody>
+            <a:bodyPr wrap="square" rtlCol="0">
+              <a:spAutoFit/>
+            </a:bodyPr>
+            <a:lstStyle/>
+            <a:p>
+              <a:pPr algn="ctr"/>
+              <a:r>
+                <a:rPr lang="en-US" sz="500" dirty="0" smtClean="0"/>
+                <a:t>III</a:t>
+              </a:r>
+              <a:endParaRPr lang="en-US" sz="500" dirty="0"/>
+            </a:p>
+          </p:txBody>
+        </p:sp>
+      </p:grpSp>
+      <p:grpSp>
+        <p:nvGrpSpPr>
+          <p:cNvPr id="7" name="Group 6"/>
+          <p:cNvGrpSpPr/>
+          <p:nvPr/>
+        </p:nvGrpSpPr>
+        <p:grpSpPr>
+          <a:xfrm>
+            <a:off x="9022744" y="3233696"/>
+            <a:ext cx="884358" cy="884358"/>
+            <a:chOff x="9022744" y="3233696"/>
+            <a:chExt cx="884358" cy="884358"/>
+          </a:xfrm>
+        </p:grpSpPr>
+        <p:sp>
+          <p:nvSpPr>
+            <p:cNvPr id="67" name="Oval 66"/>
+            <p:cNvSpPr/>
+            <p:nvPr/>
+          </p:nvSpPr>
+          <p:spPr>
+            <a:xfrm>
+              <a:off x="9022744" y="3233696"/>
+              <a:ext cx="884358" cy="884358"/>
+            </a:xfrm>
+            <a:prstGeom prst="ellipse">
+              <a:avLst/>
+            </a:prstGeom>
+            <a:solidFill>
+              <a:schemeClr val="accent4"/>
+            </a:solidFill>
+            <a:ln w="28575">
+              <a:solidFill>
+                <a:schemeClr val="tx1"/>
+              </a:solidFill>
+            </a:ln>
+          </p:spPr>
+          <p:style>
+            <a:lnRef idx="2">
+              <a:schemeClr val="accent1">
+                <a:shade val="50000"/>
+              </a:schemeClr>
+            </a:lnRef>
+            <a:fillRef idx="1">
+              <a:schemeClr val="accent1"/>
+            </a:fillRef>
+            <a:effectRef idx="0">
+              <a:schemeClr val="accent1"/>
+            </a:effectRef>
+            <a:fontRef idx="minor">
+              <a:schemeClr val="lt1"/>
+            </a:fontRef>
+          </p:style>
+          <p:txBody>
+            <a:bodyPr rtlCol="0" anchor="ctr"/>
+            <a:lstStyle/>
+            <a:p>
+              <a:pPr algn="ctr"/>
+              <a:endParaRPr lang="en-US"/>
+            </a:p>
+          </p:txBody>
+        </p:sp>
+        <p:sp>
+          <p:nvSpPr>
+            <p:cNvPr id="68" name="Oval 67"/>
+            <p:cNvSpPr/>
+            <p:nvPr/>
+          </p:nvSpPr>
+          <p:spPr>
+            <a:xfrm>
+              <a:off x="9081701" y="3292653"/>
+              <a:ext cx="766444" cy="766444"/>
+            </a:xfrm>
+            <a:prstGeom prst="ellipse">
+              <a:avLst/>
+            </a:prstGeom>
+            <a:solidFill>
+              <a:schemeClr val="bg2">
+                <a:lumMod val="90000"/>
+              </a:schemeClr>
+            </a:solidFill>
+            <a:ln w="38100">
+              <a:solidFill>
+                <a:schemeClr val="tx1"/>
+              </a:solidFill>
+            </a:ln>
+          </p:spPr>
+          <p:style>
+            <a:lnRef idx="2">
+              <a:schemeClr val="accent1">
+                <a:shade val="50000"/>
+              </a:schemeClr>
+            </a:lnRef>
+            <a:fillRef idx="1">
+              <a:schemeClr val="accent1"/>
+            </a:fillRef>
+            <a:effectRef idx="0">
+              <a:schemeClr val="accent1"/>
+            </a:effectRef>
+            <a:fontRef idx="minor">
+              <a:schemeClr val="lt1"/>
+            </a:fontRef>
+          </p:style>
+          <p:txBody>
+            <a:bodyPr rtlCol="0" anchor="ctr"/>
+            <a:lstStyle/>
+            <a:p>
+              <a:pPr algn="ctr"/>
+              <a:endParaRPr lang="en-US"/>
+            </a:p>
+          </p:txBody>
+        </p:sp>
+        <p:grpSp>
+          <p:nvGrpSpPr>
+            <p:cNvPr id="69" name="Group 68"/>
+            <p:cNvGrpSpPr/>
+            <p:nvPr/>
+          </p:nvGrpSpPr>
+          <p:grpSpPr>
+            <a:xfrm>
+              <a:off x="9081701" y="3292653"/>
+              <a:ext cx="766444" cy="766444"/>
+              <a:chOff x="6461760" y="3198706"/>
+              <a:chExt cx="1188720" cy="1188720"/>
+            </a:xfrm>
+          </p:grpSpPr>
+          <p:sp>
+            <p:nvSpPr>
+              <p:cNvPr id="70" name="Freeform 69"/>
+              <p:cNvSpPr/>
+              <p:nvPr/>
+            </p:nvSpPr>
+            <p:spPr>
+              <a:xfrm>
+                <a:off x="6461760" y="3198706"/>
+                <a:ext cx="1188720" cy="594360"/>
+              </a:xfrm>
+              <a:custGeom>
+                <a:avLst/>
+                <a:gdLst>
+                  <a:gd name="connsiteX0" fmla="*/ 594360 w 1188720"/>
+                  <a:gd name="connsiteY0" fmla="*/ 0 h 594360"/>
+                  <a:gd name="connsiteX1" fmla="*/ 1188720 w 1188720"/>
+                  <a:gd name="connsiteY1" fmla="*/ 594360 h 594360"/>
+                  <a:gd name="connsiteX2" fmla="*/ 0 w 1188720"/>
+                  <a:gd name="connsiteY2" fmla="*/ 594360 h 594360"/>
+                  <a:gd name="connsiteX3" fmla="*/ 594360 w 1188720"/>
+                  <a:gd name="connsiteY3" fmla="*/ 0 h 594360"/>
+                </a:gdLst>
+                <a:ahLst/>
+                <a:cxnLst>
+                  <a:cxn ang="0">
+                    <a:pos x="connsiteX0" y="connsiteY0"/>
+                  </a:cxn>
+                  <a:cxn ang="0">
+                    <a:pos x="connsiteX1" y="connsiteY1"/>
+                  </a:cxn>
+                  <a:cxn ang="0">
+                    <a:pos x="connsiteX2" y="connsiteY2"/>
+                  </a:cxn>
+                  <a:cxn ang="0">
+                    <a:pos x="connsiteX3" y="connsiteY3"/>
+                  </a:cxn>
+                </a:cxnLst>
+                <a:rect l="l" t="t" r="r" b="b"/>
+                <a:pathLst>
+                  <a:path w="1188720" h="594360">
+                    <a:moveTo>
+                      <a:pt x="594360" y="0"/>
+                    </a:moveTo>
+                    <a:cubicBezTo>
+                      <a:pt x="922616" y="0"/>
+                      <a:pt x="1188720" y="266104"/>
+                      <a:pt x="1188720" y="594360"/>
+                    </a:cubicBezTo>
+                    <a:lnTo>
+                      <a:pt x="0" y="594360"/>
+                    </a:lnTo>
+                    <a:cubicBezTo>
+                      <a:pt x="0" y="266104"/>
+                      <a:pt x="266104" y="0"/>
+                      <a:pt x="594360" y="0"/>
+                    </a:cubicBezTo>
+                    <a:close/>
+                  </a:path>
+                </a:pathLst>
+              </a:custGeom>
+              <a:solidFill>
+                <a:schemeClr val="accent4">
+                  <a:lumMod val="20000"/>
+                  <a:lumOff val="80000"/>
+                </a:schemeClr>
+              </a:solidFill>
+              <a:ln w="38100">
+                <a:noFill/>
+              </a:ln>
+            </p:spPr>
+            <p:style>
+              <a:lnRef idx="2">
+                <a:schemeClr val="accent1">
+                  <a:shade val="50000"/>
+                </a:schemeClr>
+              </a:lnRef>
+              <a:fillRef idx="1">
+                <a:schemeClr val="accent1"/>
+              </a:fillRef>
+              <a:effectRef idx="0">
+                <a:schemeClr val="accent1"/>
+              </a:effectRef>
+              <a:fontRef idx="minor">
+                <a:schemeClr val="lt1"/>
+              </a:fontRef>
+            </p:style>
+            <p:txBody>
+              <a:bodyPr rtlCol="0" anchor="ctr"/>
+              <a:lstStyle/>
+              <a:p>
+                <a:pPr algn="ctr"/>
+                <a:endParaRPr lang="en-US"/>
+              </a:p>
+            </p:txBody>
+          </p:sp>
+          <p:sp>
+            <p:nvSpPr>
+              <p:cNvPr id="71" name="Freeform 70"/>
+              <p:cNvSpPr/>
+              <p:nvPr/>
+            </p:nvSpPr>
+            <p:spPr>
+              <a:xfrm rot="10800000">
+                <a:off x="6461760" y="3793066"/>
+                <a:ext cx="1188720" cy="594360"/>
+              </a:xfrm>
+              <a:custGeom>
+                <a:avLst/>
+                <a:gdLst>
+                  <a:gd name="connsiteX0" fmla="*/ 594360 w 1188720"/>
+                  <a:gd name="connsiteY0" fmla="*/ 0 h 594360"/>
+                  <a:gd name="connsiteX1" fmla="*/ 1188720 w 1188720"/>
+                  <a:gd name="connsiteY1" fmla="*/ 594360 h 594360"/>
+                  <a:gd name="connsiteX2" fmla="*/ 0 w 1188720"/>
+                  <a:gd name="connsiteY2" fmla="*/ 594360 h 594360"/>
+                  <a:gd name="connsiteX3" fmla="*/ 594360 w 1188720"/>
+                  <a:gd name="connsiteY3" fmla="*/ 0 h 594360"/>
+                </a:gdLst>
+                <a:ahLst/>
+                <a:cxnLst>
+                  <a:cxn ang="0">
+                    <a:pos x="connsiteX0" y="connsiteY0"/>
+                  </a:cxn>
+                  <a:cxn ang="0">
+                    <a:pos x="connsiteX1" y="connsiteY1"/>
+                  </a:cxn>
+                  <a:cxn ang="0">
+                    <a:pos x="connsiteX2" y="connsiteY2"/>
+                  </a:cxn>
+                  <a:cxn ang="0">
+                    <a:pos x="connsiteX3" y="connsiteY3"/>
+                  </a:cxn>
+                </a:cxnLst>
+                <a:rect l="l" t="t" r="r" b="b"/>
+                <a:pathLst>
+                  <a:path w="1188720" h="594360">
+                    <a:moveTo>
+                      <a:pt x="594360" y="0"/>
+                    </a:moveTo>
+                    <a:cubicBezTo>
+                      <a:pt x="922616" y="0"/>
+                      <a:pt x="1188720" y="266104"/>
+                      <a:pt x="1188720" y="594360"/>
+                    </a:cubicBezTo>
+                    <a:lnTo>
+                      <a:pt x="0" y="594360"/>
+                    </a:lnTo>
+                    <a:cubicBezTo>
+                      <a:pt x="0" y="266104"/>
+                      <a:pt x="266104" y="0"/>
+                      <a:pt x="594360" y="0"/>
+                    </a:cubicBezTo>
+                    <a:close/>
+                  </a:path>
+                </a:pathLst>
+              </a:custGeom>
+              <a:solidFill>
+                <a:schemeClr val="accent1">
+                  <a:lumMod val="20000"/>
+                  <a:lumOff val="80000"/>
+                </a:schemeClr>
+              </a:solidFill>
+              <a:ln w="38100">
+                <a:noFill/>
+              </a:ln>
+            </p:spPr>
+            <p:style>
+              <a:lnRef idx="2">
+                <a:schemeClr val="accent1">
+                  <a:shade val="50000"/>
+                </a:schemeClr>
+              </a:lnRef>
+              <a:fillRef idx="1">
+                <a:schemeClr val="accent1"/>
+              </a:fillRef>
+              <a:effectRef idx="0">
+                <a:schemeClr val="accent1"/>
+              </a:effectRef>
+              <a:fontRef idx="minor">
+                <a:schemeClr val="lt1"/>
+              </a:fontRef>
+            </p:style>
+            <p:txBody>
+              <a:bodyPr rtlCol="0" anchor="ctr"/>
+              <a:lstStyle/>
+              <a:p>
+                <a:pPr algn="ctr"/>
+                <a:endParaRPr lang="en-US"/>
+              </a:p>
+            </p:txBody>
+          </p:sp>
+        </p:grpSp>
+        <p:sp>
+          <p:nvSpPr>
+            <p:cNvPr id="72" name="Oval 71"/>
+            <p:cNvSpPr/>
+            <p:nvPr/>
+          </p:nvSpPr>
+          <p:spPr>
+            <a:xfrm>
+              <a:off x="9401740" y="3611543"/>
+              <a:ext cx="126366" cy="128664"/>
+            </a:xfrm>
+            <a:prstGeom prst="ellipse">
+              <a:avLst/>
+            </a:prstGeom>
+            <a:solidFill>
+              <a:schemeClr val="accent4"/>
+            </a:solidFill>
+            <a:ln w="19050">
+              <a:solidFill>
+                <a:schemeClr val="tx1"/>
+              </a:solidFill>
+            </a:ln>
+          </p:spPr>
+          <p:style>
+            <a:lnRef idx="2">
+              <a:schemeClr val="accent1">
+                <a:shade val="50000"/>
+              </a:schemeClr>
+            </a:lnRef>
+            <a:fillRef idx="1">
+              <a:schemeClr val="accent1"/>
+            </a:fillRef>
+            <a:effectRef idx="0">
+              <a:schemeClr val="accent1"/>
+            </a:effectRef>
+            <a:fontRef idx="minor">
+              <a:schemeClr val="lt1"/>
+            </a:fontRef>
+          </p:style>
+          <p:txBody>
+            <a:bodyPr rtlCol="0" anchor="ctr"/>
+            <a:lstStyle/>
+            <a:p>
+              <a:pPr algn="ctr"/>
+              <a:endParaRPr lang="en-US"/>
+            </a:p>
+          </p:txBody>
+        </p:sp>
+        <p:sp>
+          <p:nvSpPr>
+            <p:cNvPr id="73" name="Diamond 72"/>
+            <p:cNvSpPr/>
+            <p:nvPr/>
+          </p:nvSpPr>
+          <p:spPr>
+            <a:xfrm rot="5400000">
+              <a:off x="9542039" y="3576387"/>
+              <a:ext cx="101668" cy="198979"/>
+            </a:xfrm>
+            <a:prstGeom prst="diamond">
+              <a:avLst/>
+            </a:prstGeom>
+            <a:solidFill>
+              <a:schemeClr val="accent4"/>
+            </a:solidFill>
+            <a:ln w="19050">
+              <a:solidFill>
+                <a:schemeClr val="tx1"/>
+              </a:solidFill>
+            </a:ln>
+          </p:spPr>
+          <p:style>
+            <a:lnRef idx="2">
+              <a:schemeClr val="accent1">
+                <a:shade val="50000"/>
+              </a:schemeClr>
+            </a:lnRef>
+            <a:fillRef idx="1">
+              <a:schemeClr val="accent1"/>
+            </a:fillRef>
+            <a:effectRef idx="0">
+              <a:schemeClr val="accent1"/>
+            </a:effectRef>
+            <a:fontRef idx="minor">
+              <a:schemeClr val="lt1"/>
+            </a:fontRef>
+          </p:style>
+          <p:txBody>
+            <a:bodyPr rtlCol="0" anchor="ctr"/>
+            <a:lstStyle/>
+            <a:p>
+              <a:pPr algn="ctr"/>
+              <a:endParaRPr lang="en-US"/>
+            </a:p>
+          </p:txBody>
+        </p:sp>
+        <p:sp>
+          <p:nvSpPr>
+            <p:cNvPr id="74" name="TextBox 73"/>
+            <p:cNvSpPr txBox="1"/>
+            <p:nvPr/>
+          </p:nvSpPr>
+          <p:spPr>
+            <a:xfrm>
+              <a:off x="9336969" y="3273441"/>
+              <a:ext cx="255905" cy="169277"/>
+            </a:xfrm>
+            <a:prstGeom prst="rect">
+              <a:avLst/>
+            </a:prstGeom>
+            <a:noFill/>
+          </p:spPr>
+          <p:txBody>
+            <a:bodyPr wrap="square" rtlCol="0">
+              <a:spAutoFit/>
+            </a:bodyPr>
+            <a:lstStyle/>
+            <a:p>
+              <a:pPr algn="ctr"/>
+              <a:r>
+                <a:rPr lang="en-US" sz="500" dirty="0" smtClean="0"/>
+                <a:t>XII</a:t>
+              </a:r>
+              <a:endParaRPr lang="en-US" sz="500" dirty="0"/>
+            </a:p>
+          </p:txBody>
+        </p:sp>
+        <p:sp>
+          <p:nvSpPr>
+            <p:cNvPr id="75" name="TextBox 74"/>
+            <p:cNvSpPr txBox="1"/>
+            <p:nvPr/>
+          </p:nvSpPr>
+          <p:spPr>
+            <a:xfrm>
+              <a:off x="9336969" y="3871235"/>
+              <a:ext cx="255905" cy="169277"/>
+            </a:xfrm>
+            <a:prstGeom prst="rect">
+              <a:avLst/>
+            </a:prstGeom>
+            <a:noFill/>
+          </p:spPr>
+          <p:txBody>
+            <a:bodyPr wrap="square" rtlCol="0">
+              <a:spAutoFit/>
+            </a:bodyPr>
+            <a:lstStyle/>
+            <a:p>
+              <a:pPr algn="ctr"/>
+              <a:r>
+                <a:rPr lang="en-US" sz="500" dirty="0" smtClean="0"/>
+                <a:t>VI</a:t>
+              </a:r>
+              <a:endParaRPr lang="en-US" sz="500" dirty="0"/>
+            </a:p>
+          </p:txBody>
+        </p:sp>
+        <p:sp>
+          <p:nvSpPr>
+            <p:cNvPr id="76" name="TextBox 75"/>
+            <p:cNvSpPr txBox="1"/>
+            <p:nvPr/>
+          </p:nvSpPr>
+          <p:spPr>
+            <a:xfrm>
+              <a:off x="9024057" y="3588570"/>
+              <a:ext cx="255905" cy="169277"/>
+            </a:xfrm>
+            <a:prstGeom prst="rect">
+              <a:avLst/>
+            </a:prstGeom>
+            <a:noFill/>
+          </p:spPr>
+          <p:txBody>
+            <a:bodyPr wrap="square" rtlCol="0">
+              <a:spAutoFit/>
+            </a:bodyPr>
+            <a:lstStyle/>
+            <a:p>
+              <a:pPr algn="ctr"/>
+              <a:r>
+                <a:rPr lang="en-US" sz="500" dirty="0" smtClean="0"/>
+                <a:t>IX</a:t>
+              </a:r>
+              <a:endParaRPr lang="en-US" sz="500" dirty="0"/>
+            </a:p>
+          </p:txBody>
+        </p:sp>
+        <p:sp>
+          <p:nvSpPr>
+            <p:cNvPr id="77" name="TextBox 76"/>
+            <p:cNvSpPr txBox="1"/>
+            <p:nvPr/>
+          </p:nvSpPr>
+          <p:spPr>
+            <a:xfrm>
+              <a:off x="9624307" y="3588570"/>
+              <a:ext cx="255905" cy="169277"/>
+            </a:xfrm>
+            <a:prstGeom prst="rect">
+              <a:avLst/>
+            </a:prstGeom>
+            <a:noFill/>
+          </p:spPr>
+          <p:txBody>
+            <a:bodyPr wrap="square" rtlCol="0">
+              <a:spAutoFit/>
+            </a:bodyPr>
+            <a:lstStyle/>
+            <a:p>
+              <a:pPr algn="ctr"/>
+              <a:r>
+                <a:rPr lang="en-US" sz="500" dirty="0" smtClean="0"/>
+                <a:t>III</a:t>
+              </a:r>
+              <a:endParaRPr lang="en-US" sz="500" dirty="0"/>
+            </a:p>
+          </p:txBody>
+        </p:sp>
+      </p:grpSp>
+      <p:grpSp>
+        <p:nvGrpSpPr>
+          <p:cNvPr id="166" name="Group 165"/>
+          <p:cNvGrpSpPr/>
+          <p:nvPr/>
+        </p:nvGrpSpPr>
+        <p:grpSpPr>
+          <a:xfrm>
+            <a:off x="6106576" y="4207108"/>
+            <a:ext cx="884358" cy="884358"/>
+            <a:chOff x="6106576" y="4207108"/>
+            <a:chExt cx="884358" cy="884358"/>
+          </a:xfrm>
+        </p:grpSpPr>
+        <p:sp>
+          <p:nvSpPr>
+            <p:cNvPr id="78" name="Oval 77"/>
+            <p:cNvSpPr/>
+            <p:nvPr/>
+          </p:nvSpPr>
+          <p:spPr>
+            <a:xfrm>
+              <a:off x="6106576" y="4207108"/>
+              <a:ext cx="884358" cy="884358"/>
+            </a:xfrm>
+            <a:prstGeom prst="ellipse">
+              <a:avLst/>
+            </a:prstGeom>
+            <a:solidFill>
+              <a:schemeClr val="accent4"/>
+            </a:solidFill>
+            <a:ln w="28575">
+              <a:solidFill>
+                <a:schemeClr val="tx1"/>
+              </a:solidFill>
+            </a:ln>
+          </p:spPr>
+          <p:style>
+            <a:lnRef idx="2">
+              <a:schemeClr val="accent1">
+                <a:shade val="50000"/>
+              </a:schemeClr>
+            </a:lnRef>
+            <a:fillRef idx="1">
+              <a:schemeClr val="accent1"/>
+            </a:fillRef>
+            <a:effectRef idx="0">
+              <a:schemeClr val="accent1"/>
+            </a:effectRef>
+            <a:fontRef idx="minor">
+              <a:schemeClr val="lt1"/>
+            </a:fontRef>
+          </p:style>
+          <p:txBody>
+            <a:bodyPr rtlCol="0" anchor="ctr"/>
+            <a:lstStyle/>
+            <a:p>
+              <a:pPr algn="ctr"/>
+              <a:endParaRPr lang="en-US"/>
+            </a:p>
+          </p:txBody>
+        </p:sp>
+        <p:sp>
+          <p:nvSpPr>
+            <p:cNvPr id="79" name="Oval 78"/>
+            <p:cNvSpPr/>
+            <p:nvPr/>
+          </p:nvSpPr>
+          <p:spPr>
+            <a:xfrm>
+              <a:off x="6165533" y="4266065"/>
+              <a:ext cx="766444" cy="766444"/>
+            </a:xfrm>
+            <a:prstGeom prst="ellipse">
+              <a:avLst/>
+            </a:prstGeom>
+            <a:solidFill>
+              <a:schemeClr val="bg2">
+                <a:lumMod val="90000"/>
+              </a:schemeClr>
+            </a:solidFill>
+            <a:ln w="38100">
+              <a:solidFill>
+                <a:schemeClr val="tx1"/>
+              </a:solidFill>
+            </a:ln>
+          </p:spPr>
+          <p:style>
+            <a:lnRef idx="2">
+              <a:schemeClr val="accent1">
+                <a:shade val="50000"/>
+              </a:schemeClr>
+            </a:lnRef>
+            <a:fillRef idx="1">
+              <a:schemeClr val="accent1"/>
+            </a:fillRef>
+            <a:effectRef idx="0">
+              <a:schemeClr val="accent1"/>
+            </a:effectRef>
+            <a:fontRef idx="minor">
+              <a:schemeClr val="lt1"/>
+            </a:fontRef>
+          </p:style>
+          <p:txBody>
+            <a:bodyPr rtlCol="0" anchor="ctr"/>
+            <a:lstStyle/>
+            <a:p>
+              <a:pPr algn="ctr"/>
+              <a:endParaRPr lang="en-US"/>
+            </a:p>
+          </p:txBody>
+        </p:sp>
+        <p:grpSp>
+          <p:nvGrpSpPr>
+            <p:cNvPr id="80" name="Group 79"/>
+            <p:cNvGrpSpPr/>
+            <p:nvPr/>
+          </p:nvGrpSpPr>
+          <p:grpSpPr>
+            <a:xfrm>
+              <a:off x="6165533" y="4266065"/>
+              <a:ext cx="766444" cy="766444"/>
+              <a:chOff x="6461760" y="3198706"/>
+              <a:chExt cx="1188720" cy="1188720"/>
+            </a:xfrm>
+          </p:grpSpPr>
+          <p:sp>
+            <p:nvSpPr>
+              <p:cNvPr id="81" name="Freeform 80"/>
+              <p:cNvSpPr/>
+              <p:nvPr/>
+            </p:nvSpPr>
+            <p:spPr>
+              <a:xfrm>
+                <a:off x="6461760" y="3198706"/>
+                <a:ext cx="1188720" cy="594360"/>
+              </a:xfrm>
+              <a:custGeom>
+                <a:avLst/>
+                <a:gdLst>
+                  <a:gd name="connsiteX0" fmla="*/ 594360 w 1188720"/>
+                  <a:gd name="connsiteY0" fmla="*/ 0 h 594360"/>
+                  <a:gd name="connsiteX1" fmla="*/ 1188720 w 1188720"/>
+                  <a:gd name="connsiteY1" fmla="*/ 594360 h 594360"/>
+                  <a:gd name="connsiteX2" fmla="*/ 0 w 1188720"/>
+                  <a:gd name="connsiteY2" fmla="*/ 594360 h 594360"/>
+                  <a:gd name="connsiteX3" fmla="*/ 594360 w 1188720"/>
+                  <a:gd name="connsiteY3" fmla="*/ 0 h 594360"/>
+                </a:gdLst>
+                <a:ahLst/>
+                <a:cxnLst>
+                  <a:cxn ang="0">
+                    <a:pos x="connsiteX0" y="connsiteY0"/>
+                  </a:cxn>
+                  <a:cxn ang="0">
+                    <a:pos x="connsiteX1" y="connsiteY1"/>
+                  </a:cxn>
+                  <a:cxn ang="0">
+                    <a:pos x="connsiteX2" y="connsiteY2"/>
+                  </a:cxn>
+                  <a:cxn ang="0">
+                    <a:pos x="connsiteX3" y="connsiteY3"/>
+                  </a:cxn>
+                </a:cxnLst>
+                <a:rect l="l" t="t" r="r" b="b"/>
+                <a:pathLst>
+                  <a:path w="1188720" h="594360">
+                    <a:moveTo>
+                      <a:pt x="594360" y="0"/>
+                    </a:moveTo>
+                    <a:cubicBezTo>
+                      <a:pt x="922616" y="0"/>
+                      <a:pt x="1188720" y="266104"/>
+                      <a:pt x="1188720" y="594360"/>
+                    </a:cubicBezTo>
+                    <a:lnTo>
+                      <a:pt x="0" y="594360"/>
+                    </a:lnTo>
+                    <a:cubicBezTo>
+                      <a:pt x="0" y="266104"/>
+                      <a:pt x="266104" y="0"/>
+                      <a:pt x="594360" y="0"/>
+                    </a:cubicBezTo>
+                    <a:close/>
+                  </a:path>
+                </a:pathLst>
+              </a:custGeom>
+              <a:solidFill>
+                <a:schemeClr val="accent4">
+                  <a:lumMod val="20000"/>
+                  <a:lumOff val="80000"/>
+                </a:schemeClr>
+              </a:solidFill>
+              <a:ln w="38100">
+                <a:noFill/>
+              </a:ln>
+            </p:spPr>
+            <p:style>
+              <a:lnRef idx="2">
+                <a:schemeClr val="accent1">
+                  <a:shade val="50000"/>
+                </a:schemeClr>
+              </a:lnRef>
+              <a:fillRef idx="1">
+                <a:schemeClr val="accent1"/>
+              </a:fillRef>
+              <a:effectRef idx="0">
+                <a:schemeClr val="accent1"/>
+              </a:effectRef>
+              <a:fontRef idx="minor">
+                <a:schemeClr val="lt1"/>
+              </a:fontRef>
+            </p:style>
+            <p:txBody>
+              <a:bodyPr rtlCol="0" anchor="ctr"/>
+              <a:lstStyle/>
+              <a:p>
+                <a:pPr algn="ctr"/>
+                <a:endParaRPr lang="en-US"/>
+              </a:p>
+            </p:txBody>
+          </p:sp>
+          <p:sp>
+            <p:nvSpPr>
+              <p:cNvPr id="82" name="Freeform 81"/>
+              <p:cNvSpPr/>
+              <p:nvPr/>
+            </p:nvSpPr>
+            <p:spPr>
+              <a:xfrm rot="10800000">
+                <a:off x="6461760" y="3793066"/>
+                <a:ext cx="1188720" cy="594360"/>
+              </a:xfrm>
+              <a:custGeom>
+                <a:avLst/>
+                <a:gdLst>
+                  <a:gd name="connsiteX0" fmla="*/ 594360 w 1188720"/>
+                  <a:gd name="connsiteY0" fmla="*/ 0 h 594360"/>
+                  <a:gd name="connsiteX1" fmla="*/ 1188720 w 1188720"/>
+                  <a:gd name="connsiteY1" fmla="*/ 594360 h 594360"/>
+                  <a:gd name="connsiteX2" fmla="*/ 0 w 1188720"/>
+                  <a:gd name="connsiteY2" fmla="*/ 594360 h 594360"/>
+                  <a:gd name="connsiteX3" fmla="*/ 594360 w 1188720"/>
+                  <a:gd name="connsiteY3" fmla="*/ 0 h 594360"/>
+                </a:gdLst>
+                <a:ahLst/>
+                <a:cxnLst>
+                  <a:cxn ang="0">
+                    <a:pos x="connsiteX0" y="connsiteY0"/>
+                  </a:cxn>
+                  <a:cxn ang="0">
+                    <a:pos x="connsiteX1" y="connsiteY1"/>
+                  </a:cxn>
+                  <a:cxn ang="0">
+                    <a:pos x="connsiteX2" y="connsiteY2"/>
+                  </a:cxn>
+                  <a:cxn ang="0">
+                    <a:pos x="connsiteX3" y="connsiteY3"/>
+                  </a:cxn>
+                </a:cxnLst>
+                <a:rect l="l" t="t" r="r" b="b"/>
+                <a:pathLst>
+                  <a:path w="1188720" h="594360">
+                    <a:moveTo>
+                      <a:pt x="594360" y="0"/>
+                    </a:moveTo>
+                    <a:cubicBezTo>
+                      <a:pt x="922616" y="0"/>
+                      <a:pt x="1188720" y="266104"/>
+                      <a:pt x="1188720" y="594360"/>
+                    </a:cubicBezTo>
+                    <a:lnTo>
+                      <a:pt x="0" y="594360"/>
+                    </a:lnTo>
+                    <a:cubicBezTo>
+                      <a:pt x="0" y="266104"/>
+                      <a:pt x="266104" y="0"/>
+                      <a:pt x="594360" y="0"/>
+                    </a:cubicBezTo>
+                    <a:close/>
+                  </a:path>
+                </a:pathLst>
+              </a:custGeom>
+              <a:solidFill>
+                <a:schemeClr val="accent1">
+                  <a:lumMod val="20000"/>
+                  <a:lumOff val="80000"/>
+                </a:schemeClr>
+              </a:solidFill>
+              <a:ln w="38100">
+                <a:noFill/>
+              </a:ln>
+            </p:spPr>
+            <p:style>
+              <a:lnRef idx="2">
+                <a:schemeClr val="accent1">
+                  <a:shade val="50000"/>
+                </a:schemeClr>
+              </a:lnRef>
+              <a:fillRef idx="1">
+                <a:schemeClr val="accent1"/>
+              </a:fillRef>
+              <a:effectRef idx="0">
+                <a:schemeClr val="accent1"/>
+              </a:effectRef>
+              <a:fontRef idx="minor">
+                <a:schemeClr val="lt1"/>
+              </a:fontRef>
+            </p:style>
+            <p:txBody>
+              <a:bodyPr rtlCol="0" anchor="ctr"/>
+              <a:lstStyle/>
+              <a:p>
+                <a:pPr algn="ctr"/>
+                <a:endParaRPr lang="en-US"/>
+              </a:p>
+            </p:txBody>
+          </p:sp>
+        </p:grpSp>
+        <p:sp>
+          <p:nvSpPr>
+            <p:cNvPr id="83" name="Oval 82"/>
+            <p:cNvSpPr/>
+            <p:nvPr/>
+          </p:nvSpPr>
+          <p:spPr>
+            <a:xfrm>
+              <a:off x="6485572" y="4584955"/>
+              <a:ext cx="126366" cy="128664"/>
+            </a:xfrm>
+            <a:prstGeom prst="ellipse">
+              <a:avLst/>
+            </a:prstGeom>
+            <a:solidFill>
+              <a:schemeClr val="accent4"/>
+            </a:solidFill>
+            <a:ln w="19050">
+              <a:solidFill>
+                <a:schemeClr val="tx1"/>
+              </a:solidFill>
+            </a:ln>
+          </p:spPr>
+          <p:style>
+            <a:lnRef idx="2">
+              <a:schemeClr val="accent1">
+                <a:shade val="50000"/>
+              </a:schemeClr>
+            </a:lnRef>
+            <a:fillRef idx="1">
+              <a:schemeClr val="accent1"/>
+            </a:fillRef>
+            <a:effectRef idx="0">
+              <a:schemeClr val="accent1"/>
+            </a:effectRef>
+            <a:fontRef idx="minor">
+              <a:schemeClr val="lt1"/>
+            </a:fontRef>
+          </p:style>
+          <p:txBody>
+            <a:bodyPr rtlCol="0" anchor="ctr"/>
+            <a:lstStyle/>
+            <a:p>
+              <a:pPr algn="ctr"/>
+              <a:endParaRPr lang="en-US"/>
+            </a:p>
+          </p:txBody>
+        </p:sp>
+        <p:sp>
+          <p:nvSpPr>
+            <p:cNvPr id="84" name="Diamond 83"/>
+            <p:cNvSpPr/>
+            <p:nvPr/>
+          </p:nvSpPr>
+          <p:spPr>
+            <a:xfrm rot="6300000">
+              <a:off x="6644298" y="4596662"/>
+              <a:ext cx="101668" cy="198979"/>
+            </a:xfrm>
+            <a:prstGeom prst="diamond">
+              <a:avLst/>
+            </a:prstGeom>
+            <a:solidFill>
+              <a:schemeClr val="accent4"/>
+            </a:solidFill>
+            <a:ln w="19050">
+              <a:solidFill>
+                <a:schemeClr val="tx1"/>
+              </a:solidFill>
+            </a:ln>
+          </p:spPr>
+          <p:style>
+            <a:lnRef idx="2">
+              <a:schemeClr val="accent1">
+                <a:shade val="50000"/>
+              </a:schemeClr>
+            </a:lnRef>
+            <a:fillRef idx="1">
+              <a:schemeClr val="accent1"/>
+            </a:fillRef>
+            <a:effectRef idx="0">
+              <a:schemeClr val="accent1"/>
+            </a:effectRef>
+            <a:fontRef idx="minor">
+              <a:schemeClr val="lt1"/>
+            </a:fontRef>
+          </p:style>
+          <p:txBody>
+            <a:bodyPr rtlCol="0" anchor="ctr"/>
+            <a:lstStyle/>
+            <a:p>
+              <a:pPr algn="ctr"/>
+              <a:endParaRPr lang="en-US"/>
+            </a:p>
+          </p:txBody>
+        </p:sp>
+        <p:sp>
+          <p:nvSpPr>
+            <p:cNvPr id="85" name="TextBox 84"/>
+            <p:cNvSpPr txBox="1"/>
+            <p:nvPr/>
+          </p:nvSpPr>
+          <p:spPr>
+            <a:xfrm>
+              <a:off x="6420801" y="4246853"/>
+              <a:ext cx="255905" cy="169277"/>
+            </a:xfrm>
+            <a:prstGeom prst="rect">
+              <a:avLst/>
+            </a:prstGeom>
+            <a:noFill/>
+          </p:spPr>
+          <p:txBody>
+            <a:bodyPr wrap="square" rtlCol="0">
+              <a:spAutoFit/>
+            </a:bodyPr>
+            <a:lstStyle/>
+            <a:p>
+              <a:pPr algn="ctr"/>
+              <a:r>
+                <a:rPr lang="en-US" sz="500" dirty="0" smtClean="0"/>
+                <a:t>XII</a:t>
+              </a:r>
+              <a:endParaRPr lang="en-US" sz="500" dirty="0"/>
+            </a:p>
+          </p:txBody>
+        </p:sp>
+        <p:sp>
+          <p:nvSpPr>
+            <p:cNvPr id="86" name="TextBox 85"/>
+            <p:cNvSpPr txBox="1"/>
+            <p:nvPr/>
+          </p:nvSpPr>
+          <p:spPr>
+            <a:xfrm>
+              <a:off x="6420801" y="4844647"/>
+              <a:ext cx="255905" cy="169277"/>
+            </a:xfrm>
+            <a:prstGeom prst="rect">
+              <a:avLst/>
+            </a:prstGeom>
+            <a:noFill/>
+          </p:spPr>
+          <p:txBody>
+            <a:bodyPr wrap="square" rtlCol="0">
+              <a:spAutoFit/>
+            </a:bodyPr>
+            <a:lstStyle/>
+            <a:p>
+              <a:pPr algn="ctr"/>
+              <a:r>
+                <a:rPr lang="en-US" sz="500" dirty="0" smtClean="0"/>
+                <a:t>VI</a:t>
+              </a:r>
+              <a:endParaRPr lang="en-US" sz="500" dirty="0"/>
+            </a:p>
+          </p:txBody>
+        </p:sp>
+        <p:sp>
+          <p:nvSpPr>
+            <p:cNvPr id="87" name="TextBox 86"/>
+            <p:cNvSpPr txBox="1"/>
+            <p:nvPr/>
+          </p:nvSpPr>
+          <p:spPr>
+            <a:xfrm>
+              <a:off x="6107889" y="4561982"/>
+              <a:ext cx="255905" cy="169277"/>
+            </a:xfrm>
+            <a:prstGeom prst="rect">
+              <a:avLst/>
+            </a:prstGeom>
+            <a:noFill/>
+          </p:spPr>
+          <p:txBody>
+            <a:bodyPr wrap="square" rtlCol="0">
+              <a:spAutoFit/>
+            </a:bodyPr>
+            <a:lstStyle/>
+            <a:p>
+              <a:pPr algn="ctr"/>
+              <a:r>
+                <a:rPr lang="en-US" sz="500" dirty="0" smtClean="0"/>
+                <a:t>IX</a:t>
+              </a:r>
+              <a:endParaRPr lang="en-US" sz="500" dirty="0"/>
+            </a:p>
+          </p:txBody>
+        </p:sp>
+        <p:sp>
+          <p:nvSpPr>
+            <p:cNvPr id="88" name="TextBox 87"/>
+            <p:cNvSpPr txBox="1"/>
+            <p:nvPr/>
+          </p:nvSpPr>
+          <p:spPr>
+            <a:xfrm>
+              <a:off x="6708139" y="4561982"/>
+              <a:ext cx="255905" cy="169277"/>
+            </a:xfrm>
+            <a:prstGeom prst="rect">
+              <a:avLst/>
+            </a:prstGeom>
+            <a:noFill/>
+          </p:spPr>
+          <p:txBody>
+            <a:bodyPr wrap="square" rtlCol="0">
+              <a:spAutoFit/>
+            </a:bodyPr>
+            <a:lstStyle/>
+            <a:p>
+              <a:pPr algn="ctr"/>
+              <a:r>
+                <a:rPr lang="en-US" sz="500" dirty="0" smtClean="0"/>
+                <a:t>III</a:t>
+              </a:r>
+              <a:endParaRPr lang="en-US" sz="500" dirty="0"/>
+            </a:p>
+          </p:txBody>
+        </p:sp>
+      </p:grpSp>
+      <p:grpSp>
+        <p:nvGrpSpPr>
+          <p:cNvPr id="170" name="Group 169"/>
+          <p:cNvGrpSpPr/>
+          <p:nvPr/>
+        </p:nvGrpSpPr>
+        <p:grpSpPr>
+          <a:xfrm>
+            <a:off x="7112712" y="4222337"/>
+            <a:ext cx="884358" cy="884358"/>
+            <a:chOff x="7112712" y="4222337"/>
+            <a:chExt cx="884358" cy="884358"/>
+          </a:xfrm>
+        </p:grpSpPr>
+        <p:sp>
+          <p:nvSpPr>
+            <p:cNvPr id="89" name="Oval 88"/>
+            <p:cNvSpPr/>
+            <p:nvPr/>
+          </p:nvSpPr>
+          <p:spPr>
+            <a:xfrm>
+              <a:off x="7112712" y="4222337"/>
+              <a:ext cx="884358" cy="884358"/>
+            </a:xfrm>
+            <a:prstGeom prst="ellipse">
+              <a:avLst/>
+            </a:prstGeom>
+            <a:solidFill>
+              <a:schemeClr val="accent4"/>
+            </a:solidFill>
+            <a:ln w="28575">
+              <a:solidFill>
+                <a:schemeClr val="tx1"/>
+              </a:solidFill>
+            </a:ln>
+          </p:spPr>
+          <p:style>
+            <a:lnRef idx="2">
+              <a:schemeClr val="accent1">
+                <a:shade val="50000"/>
+              </a:schemeClr>
+            </a:lnRef>
+            <a:fillRef idx="1">
+              <a:schemeClr val="accent1"/>
+            </a:fillRef>
+            <a:effectRef idx="0">
+              <a:schemeClr val="accent1"/>
+            </a:effectRef>
+            <a:fontRef idx="minor">
+              <a:schemeClr val="lt1"/>
+            </a:fontRef>
+          </p:style>
+          <p:txBody>
+            <a:bodyPr rtlCol="0" anchor="ctr"/>
+            <a:lstStyle/>
+            <a:p>
+              <a:pPr algn="ctr"/>
+              <a:endParaRPr lang="en-US"/>
+            </a:p>
+          </p:txBody>
+        </p:sp>
+        <p:sp>
+          <p:nvSpPr>
+            <p:cNvPr id="90" name="Oval 89"/>
+            <p:cNvSpPr/>
+            <p:nvPr/>
+          </p:nvSpPr>
+          <p:spPr>
+            <a:xfrm>
+              <a:off x="7171669" y="4281294"/>
+              <a:ext cx="766444" cy="766444"/>
+            </a:xfrm>
+            <a:prstGeom prst="ellipse">
+              <a:avLst/>
+            </a:prstGeom>
+            <a:solidFill>
+              <a:schemeClr val="bg2">
+                <a:lumMod val="90000"/>
+              </a:schemeClr>
+            </a:solidFill>
+            <a:ln w="38100">
+              <a:solidFill>
+                <a:schemeClr val="tx1"/>
+              </a:solidFill>
+            </a:ln>
+          </p:spPr>
+          <p:style>
+            <a:lnRef idx="2">
+              <a:schemeClr val="accent1">
+                <a:shade val="50000"/>
+              </a:schemeClr>
+            </a:lnRef>
+            <a:fillRef idx="1">
+              <a:schemeClr val="accent1"/>
+            </a:fillRef>
+            <a:effectRef idx="0">
+              <a:schemeClr val="accent1"/>
+            </a:effectRef>
+            <a:fontRef idx="minor">
+              <a:schemeClr val="lt1"/>
+            </a:fontRef>
+          </p:style>
+          <p:txBody>
+            <a:bodyPr rtlCol="0" anchor="ctr"/>
+            <a:lstStyle/>
+            <a:p>
+              <a:pPr algn="ctr"/>
+              <a:endParaRPr lang="en-US"/>
+            </a:p>
+          </p:txBody>
+        </p:sp>
+        <p:grpSp>
+          <p:nvGrpSpPr>
+            <p:cNvPr id="91" name="Group 90"/>
+            <p:cNvGrpSpPr/>
+            <p:nvPr/>
+          </p:nvGrpSpPr>
+          <p:grpSpPr>
+            <a:xfrm>
+              <a:off x="7171669" y="4281294"/>
+              <a:ext cx="766444" cy="766444"/>
+              <a:chOff x="6461760" y="3198706"/>
+              <a:chExt cx="1188720" cy="1188720"/>
+            </a:xfrm>
+          </p:grpSpPr>
+          <p:sp>
+            <p:nvSpPr>
+              <p:cNvPr id="92" name="Freeform 91"/>
+              <p:cNvSpPr/>
+              <p:nvPr/>
+            </p:nvSpPr>
+            <p:spPr>
+              <a:xfrm>
+                <a:off x="6461760" y="3198706"/>
+                <a:ext cx="1188720" cy="594360"/>
+              </a:xfrm>
+              <a:custGeom>
+                <a:avLst/>
+                <a:gdLst>
+                  <a:gd name="connsiteX0" fmla="*/ 594360 w 1188720"/>
+                  <a:gd name="connsiteY0" fmla="*/ 0 h 594360"/>
+                  <a:gd name="connsiteX1" fmla="*/ 1188720 w 1188720"/>
+                  <a:gd name="connsiteY1" fmla="*/ 594360 h 594360"/>
+                  <a:gd name="connsiteX2" fmla="*/ 0 w 1188720"/>
+                  <a:gd name="connsiteY2" fmla="*/ 594360 h 594360"/>
+                  <a:gd name="connsiteX3" fmla="*/ 594360 w 1188720"/>
+                  <a:gd name="connsiteY3" fmla="*/ 0 h 594360"/>
+                </a:gdLst>
+                <a:ahLst/>
+                <a:cxnLst>
+                  <a:cxn ang="0">
+                    <a:pos x="connsiteX0" y="connsiteY0"/>
+                  </a:cxn>
+                  <a:cxn ang="0">
+                    <a:pos x="connsiteX1" y="connsiteY1"/>
+                  </a:cxn>
+                  <a:cxn ang="0">
+                    <a:pos x="connsiteX2" y="connsiteY2"/>
+                  </a:cxn>
+                  <a:cxn ang="0">
+                    <a:pos x="connsiteX3" y="connsiteY3"/>
+                  </a:cxn>
+                </a:cxnLst>
+                <a:rect l="l" t="t" r="r" b="b"/>
+                <a:pathLst>
+                  <a:path w="1188720" h="594360">
+                    <a:moveTo>
+                      <a:pt x="594360" y="0"/>
+                    </a:moveTo>
+                    <a:cubicBezTo>
+                      <a:pt x="922616" y="0"/>
+                      <a:pt x="1188720" y="266104"/>
+                      <a:pt x="1188720" y="594360"/>
+                    </a:cubicBezTo>
+                    <a:lnTo>
+                      <a:pt x="0" y="594360"/>
+                    </a:lnTo>
+                    <a:cubicBezTo>
+                      <a:pt x="0" y="266104"/>
+                      <a:pt x="266104" y="0"/>
+                      <a:pt x="594360" y="0"/>
+                    </a:cubicBezTo>
+                    <a:close/>
+                  </a:path>
+                </a:pathLst>
+              </a:custGeom>
+              <a:solidFill>
+                <a:schemeClr val="accent4">
+                  <a:lumMod val="20000"/>
+                  <a:lumOff val="80000"/>
+                </a:schemeClr>
+              </a:solidFill>
+              <a:ln w="38100">
+                <a:noFill/>
+              </a:ln>
+            </p:spPr>
+            <p:style>
+              <a:lnRef idx="2">
+                <a:schemeClr val="accent1">
+                  <a:shade val="50000"/>
+                </a:schemeClr>
+              </a:lnRef>
+              <a:fillRef idx="1">
+                <a:schemeClr val="accent1"/>
+              </a:fillRef>
+              <a:effectRef idx="0">
+                <a:schemeClr val="accent1"/>
+              </a:effectRef>
+              <a:fontRef idx="minor">
+                <a:schemeClr val="lt1"/>
+              </a:fontRef>
+            </p:style>
+            <p:txBody>
+              <a:bodyPr rtlCol="0" anchor="ctr"/>
+              <a:lstStyle/>
+              <a:p>
+                <a:pPr algn="ctr"/>
+                <a:endParaRPr lang="en-US"/>
+              </a:p>
+            </p:txBody>
+          </p:sp>
+          <p:sp>
+            <p:nvSpPr>
+              <p:cNvPr id="93" name="Freeform 92"/>
+              <p:cNvSpPr/>
+              <p:nvPr/>
+            </p:nvSpPr>
+            <p:spPr>
+              <a:xfrm rot="10800000">
+                <a:off x="6461760" y="3793066"/>
+                <a:ext cx="1188720" cy="594360"/>
+              </a:xfrm>
+              <a:custGeom>
+                <a:avLst/>
+                <a:gdLst>
+                  <a:gd name="connsiteX0" fmla="*/ 594360 w 1188720"/>
+                  <a:gd name="connsiteY0" fmla="*/ 0 h 594360"/>
+                  <a:gd name="connsiteX1" fmla="*/ 1188720 w 1188720"/>
+                  <a:gd name="connsiteY1" fmla="*/ 594360 h 594360"/>
+                  <a:gd name="connsiteX2" fmla="*/ 0 w 1188720"/>
+                  <a:gd name="connsiteY2" fmla="*/ 594360 h 594360"/>
+                  <a:gd name="connsiteX3" fmla="*/ 594360 w 1188720"/>
+                  <a:gd name="connsiteY3" fmla="*/ 0 h 594360"/>
+                </a:gdLst>
+                <a:ahLst/>
+                <a:cxnLst>
+                  <a:cxn ang="0">
+                    <a:pos x="connsiteX0" y="connsiteY0"/>
+                  </a:cxn>
+                  <a:cxn ang="0">
+                    <a:pos x="connsiteX1" y="connsiteY1"/>
+                  </a:cxn>
+                  <a:cxn ang="0">
+                    <a:pos x="connsiteX2" y="connsiteY2"/>
+                  </a:cxn>
+                  <a:cxn ang="0">
+                    <a:pos x="connsiteX3" y="connsiteY3"/>
+                  </a:cxn>
+                </a:cxnLst>
+                <a:rect l="l" t="t" r="r" b="b"/>
+                <a:pathLst>
+                  <a:path w="1188720" h="594360">
+                    <a:moveTo>
+                      <a:pt x="594360" y="0"/>
+                    </a:moveTo>
+                    <a:cubicBezTo>
+                      <a:pt x="922616" y="0"/>
+                      <a:pt x="1188720" y="266104"/>
+                      <a:pt x="1188720" y="594360"/>
+                    </a:cubicBezTo>
+                    <a:lnTo>
+                      <a:pt x="0" y="594360"/>
+                    </a:lnTo>
+                    <a:cubicBezTo>
+                      <a:pt x="0" y="266104"/>
+                      <a:pt x="266104" y="0"/>
+                      <a:pt x="594360" y="0"/>
+                    </a:cubicBezTo>
+                    <a:close/>
+                  </a:path>
+                </a:pathLst>
+              </a:custGeom>
+              <a:solidFill>
+                <a:schemeClr val="accent1">
+                  <a:lumMod val="20000"/>
+                  <a:lumOff val="80000"/>
+                </a:schemeClr>
+              </a:solidFill>
+              <a:ln w="38100">
+                <a:noFill/>
+              </a:ln>
+            </p:spPr>
+            <p:style>
+              <a:lnRef idx="2">
+                <a:schemeClr val="accent1">
+                  <a:shade val="50000"/>
+                </a:schemeClr>
+              </a:lnRef>
+              <a:fillRef idx="1">
+                <a:schemeClr val="accent1"/>
+              </a:fillRef>
+              <a:effectRef idx="0">
+                <a:schemeClr val="accent1"/>
+              </a:effectRef>
+              <a:fontRef idx="minor">
+                <a:schemeClr val="lt1"/>
+              </a:fontRef>
+            </p:style>
+            <p:txBody>
+              <a:bodyPr rtlCol="0" anchor="ctr"/>
+              <a:lstStyle/>
+              <a:p>
+                <a:pPr algn="ctr"/>
+                <a:endParaRPr lang="en-US"/>
+              </a:p>
+            </p:txBody>
+          </p:sp>
+        </p:grpSp>
+        <p:sp>
+          <p:nvSpPr>
+            <p:cNvPr id="94" name="Oval 93"/>
+            <p:cNvSpPr/>
+            <p:nvPr/>
+          </p:nvSpPr>
+          <p:spPr>
+            <a:xfrm>
+              <a:off x="7491708" y="4600184"/>
+              <a:ext cx="126366" cy="128664"/>
+            </a:xfrm>
+            <a:prstGeom prst="ellipse">
+              <a:avLst/>
+            </a:prstGeom>
+            <a:solidFill>
+              <a:schemeClr val="accent4"/>
+            </a:solidFill>
+            <a:ln w="19050">
+              <a:solidFill>
+                <a:schemeClr val="tx1"/>
+              </a:solidFill>
+            </a:ln>
+          </p:spPr>
+          <p:style>
+            <a:lnRef idx="2">
+              <a:schemeClr val="accent1">
+                <a:shade val="50000"/>
+              </a:schemeClr>
+            </a:lnRef>
+            <a:fillRef idx="1">
+              <a:schemeClr val="accent1"/>
+            </a:fillRef>
+            <a:effectRef idx="0">
+              <a:schemeClr val="accent1"/>
+            </a:effectRef>
+            <a:fontRef idx="minor">
+              <a:schemeClr val="lt1"/>
+            </a:fontRef>
+          </p:style>
+          <p:txBody>
+            <a:bodyPr rtlCol="0" anchor="ctr"/>
+            <a:lstStyle/>
+            <a:p>
+              <a:pPr algn="ctr"/>
+              <a:endParaRPr lang="en-US"/>
+            </a:p>
+          </p:txBody>
+        </p:sp>
+        <p:sp>
+          <p:nvSpPr>
+            <p:cNvPr id="95" name="Diamond 94"/>
+            <p:cNvSpPr/>
+            <p:nvPr/>
+          </p:nvSpPr>
+          <p:spPr>
+            <a:xfrm rot="8100000">
+              <a:off x="7610350" y="4671731"/>
+              <a:ext cx="101668" cy="198979"/>
+            </a:xfrm>
+            <a:prstGeom prst="diamond">
+              <a:avLst/>
+            </a:prstGeom>
+            <a:solidFill>
+              <a:schemeClr val="accent4"/>
+            </a:solidFill>
+            <a:ln w="19050">
+              <a:solidFill>
+                <a:schemeClr val="tx1"/>
+              </a:solidFill>
+            </a:ln>
+          </p:spPr>
+          <p:style>
+            <a:lnRef idx="2">
+              <a:schemeClr val="accent1">
+                <a:shade val="50000"/>
+              </a:schemeClr>
+            </a:lnRef>
+            <a:fillRef idx="1">
+              <a:schemeClr val="accent1"/>
+            </a:fillRef>
+            <a:effectRef idx="0">
+              <a:schemeClr val="accent1"/>
+            </a:effectRef>
+            <a:fontRef idx="minor">
+              <a:schemeClr val="lt1"/>
+            </a:fontRef>
+          </p:style>
+          <p:txBody>
+            <a:bodyPr rtlCol="0" anchor="ctr"/>
+            <a:lstStyle/>
+            <a:p>
+              <a:pPr algn="ctr"/>
+              <a:endParaRPr lang="en-US"/>
+            </a:p>
+          </p:txBody>
+        </p:sp>
+        <p:sp>
+          <p:nvSpPr>
+            <p:cNvPr id="96" name="TextBox 95"/>
+            <p:cNvSpPr txBox="1"/>
+            <p:nvPr/>
+          </p:nvSpPr>
+          <p:spPr>
+            <a:xfrm>
+              <a:off x="7426937" y="4262082"/>
+              <a:ext cx="255905" cy="169277"/>
+            </a:xfrm>
+            <a:prstGeom prst="rect">
+              <a:avLst/>
+            </a:prstGeom>
+            <a:noFill/>
+          </p:spPr>
+          <p:txBody>
+            <a:bodyPr wrap="square" rtlCol="0">
+              <a:spAutoFit/>
+            </a:bodyPr>
+            <a:lstStyle/>
+            <a:p>
+              <a:pPr algn="ctr"/>
+              <a:r>
+                <a:rPr lang="en-US" sz="500" dirty="0" smtClean="0"/>
+                <a:t>XII</a:t>
+              </a:r>
+              <a:endParaRPr lang="en-US" sz="500" dirty="0"/>
+            </a:p>
+          </p:txBody>
+        </p:sp>
+        <p:sp>
+          <p:nvSpPr>
+            <p:cNvPr id="97" name="TextBox 96"/>
+            <p:cNvSpPr txBox="1"/>
+            <p:nvPr/>
+          </p:nvSpPr>
+          <p:spPr>
+            <a:xfrm>
+              <a:off x="7426937" y="4859876"/>
+              <a:ext cx="255905" cy="169277"/>
+            </a:xfrm>
+            <a:prstGeom prst="rect">
+              <a:avLst/>
+            </a:prstGeom>
+            <a:noFill/>
+          </p:spPr>
+          <p:txBody>
+            <a:bodyPr wrap="square" rtlCol="0">
+              <a:spAutoFit/>
+            </a:bodyPr>
+            <a:lstStyle/>
+            <a:p>
+              <a:pPr algn="ctr"/>
+              <a:r>
+                <a:rPr lang="en-US" sz="500" dirty="0" smtClean="0"/>
+                <a:t>VI</a:t>
+              </a:r>
+              <a:endParaRPr lang="en-US" sz="500" dirty="0"/>
+            </a:p>
+          </p:txBody>
+        </p:sp>
+        <p:sp>
+          <p:nvSpPr>
+            <p:cNvPr id="98" name="TextBox 97"/>
+            <p:cNvSpPr txBox="1"/>
+            <p:nvPr/>
+          </p:nvSpPr>
+          <p:spPr>
+            <a:xfrm>
+              <a:off x="7114025" y="4577211"/>
+              <a:ext cx="255905" cy="169277"/>
+            </a:xfrm>
+            <a:prstGeom prst="rect">
+              <a:avLst/>
+            </a:prstGeom>
+            <a:noFill/>
+          </p:spPr>
+          <p:txBody>
+            <a:bodyPr wrap="square" rtlCol="0">
+              <a:spAutoFit/>
+            </a:bodyPr>
+            <a:lstStyle/>
+            <a:p>
+              <a:pPr algn="ctr"/>
+              <a:r>
+                <a:rPr lang="en-US" sz="500" dirty="0" smtClean="0"/>
+                <a:t>IX</a:t>
+              </a:r>
+              <a:endParaRPr lang="en-US" sz="500" dirty="0"/>
+            </a:p>
+          </p:txBody>
+        </p:sp>
+        <p:sp>
+          <p:nvSpPr>
+            <p:cNvPr id="99" name="TextBox 98"/>
+            <p:cNvSpPr txBox="1"/>
+            <p:nvPr/>
+          </p:nvSpPr>
+          <p:spPr>
+            <a:xfrm>
+              <a:off x="7714275" y="4577211"/>
+              <a:ext cx="255905" cy="169277"/>
+            </a:xfrm>
+            <a:prstGeom prst="rect">
+              <a:avLst/>
+            </a:prstGeom>
+            <a:noFill/>
+          </p:spPr>
+          <p:txBody>
+            <a:bodyPr wrap="square" rtlCol="0">
+              <a:spAutoFit/>
+            </a:bodyPr>
+            <a:lstStyle/>
+            <a:p>
+              <a:pPr algn="ctr"/>
+              <a:r>
+                <a:rPr lang="en-US" sz="500" dirty="0" smtClean="0"/>
+                <a:t>III</a:t>
+              </a:r>
+              <a:endParaRPr lang="en-US" sz="500" dirty="0"/>
+            </a:p>
+          </p:txBody>
+        </p:sp>
+      </p:grpSp>
+      <p:grpSp>
+        <p:nvGrpSpPr>
+          <p:cNvPr id="8" name="Group 7"/>
+          <p:cNvGrpSpPr/>
+          <p:nvPr/>
+        </p:nvGrpSpPr>
+        <p:grpSpPr>
+          <a:xfrm>
+            <a:off x="8042796" y="3233696"/>
+            <a:ext cx="884358" cy="1211198"/>
+            <a:chOff x="8042796" y="3233696"/>
+            <a:chExt cx="884358" cy="1211198"/>
+          </a:xfrm>
+        </p:grpSpPr>
+        <p:sp>
+          <p:nvSpPr>
+            <p:cNvPr id="56" name="Oval 55"/>
+            <p:cNvSpPr/>
+            <p:nvPr/>
+          </p:nvSpPr>
+          <p:spPr>
+            <a:xfrm>
+              <a:off x="8042796" y="3233696"/>
+              <a:ext cx="884358" cy="884358"/>
+            </a:xfrm>
+            <a:prstGeom prst="ellipse">
+              <a:avLst/>
+            </a:prstGeom>
+            <a:solidFill>
+              <a:schemeClr val="accent4"/>
+            </a:solidFill>
+            <a:ln w="28575">
+              <a:solidFill>
+                <a:schemeClr val="tx1"/>
+              </a:solidFill>
+            </a:ln>
+          </p:spPr>
+          <p:style>
+            <a:lnRef idx="2">
+              <a:schemeClr val="accent1">
+                <a:shade val="50000"/>
+              </a:schemeClr>
+            </a:lnRef>
+            <a:fillRef idx="1">
+              <a:schemeClr val="accent1"/>
+            </a:fillRef>
+            <a:effectRef idx="0">
+              <a:schemeClr val="accent1"/>
+            </a:effectRef>
+            <a:fontRef idx="minor">
+              <a:schemeClr val="lt1"/>
+            </a:fontRef>
+          </p:style>
+          <p:txBody>
+            <a:bodyPr rtlCol="0" anchor="ctr"/>
+            <a:lstStyle/>
+            <a:p>
+              <a:pPr algn="ctr"/>
+              <a:endParaRPr lang="en-US"/>
+            </a:p>
+          </p:txBody>
+        </p:sp>
+        <p:sp>
+          <p:nvSpPr>
+            <p:cNvPr id="57" name="Oval 56"/>
+            <p:cNvSpPr/>
+            <p:nvPr/>
+          </p:nvSpPr>
+          <p:spPr>
+            <a:xfrm>
+              <a:off x="8101753" y="3292653"/>
+              <a:ext cx="766444" cy="766444"/>
+            </a:xfrm>
+            <a:prstGeom prst="ellipse">
+              <a:avLst/>
+            </a:prstGeom>
+            <a:solidFill>
+              <a:schemeClr val="bg2">
+                <a:lumMod val="90000"/>
+              </a:schemeClr>
+            </a:solidFill>
+            <a:ln w="38100">
+              <a:solidFill>
+                <a:schemeClr val="tx1"/>
+              </a:solidFill>
+            </a:ln>
+          </p:spPr>
+          <p:style>
+            <a:lnRef idx="2">
+              <a:schemeClr val="accent1">
+                <a:shade val="50000"/>
+              </a:schemeClr>
+            </a:lnRef>
+            <a:fillRef idx="1">
+              <a:schemeClr val="accent1"/>
+            </a:fillRef>
+            <a:effectRef idx="0">
+              <a:schemeClr val="accent1"/>
+            </a:effectRef>
+            <a:fontRef idx="minor">
+              <a:schemeClr val="lt1"/>
+            </a:fontRef>
+          </p:style>
+          <p:txBody>
+            <a:bodyPr rtlCol="0" anchor="ctr"/>
+            <a:lstStyle/>
+            <a:p>
+              <a:pPr algn="ctr"/>
+              <a:endParaRPr lang="en-US"/>
+            </a:p>
+          </p:txBody>
+        </p:sp>
+        <p:grpSp>
+          <p:nvGrpSpPr>
+            <p:cNvPr id="58" name="Group 57"/>
+            <p:cNvGrpSpPr/>
+            <p:nvPr/>
+          </p:nvGrpSpPr>
+          <p:grpSpPr>
+            <a:xfrm>
+              <a:off x="8101753" y="3292653"/>
+              <a:ext cx="766444" cy="766444"/>
+              <a:chOff x="6461760" y="3198706"/>
+              <a:chExt cx="1188720" cy="1188720"/>
+            </a:xfrm>
+          </p:grpSpPr>
+          <p:sp>
+            <p:nvSpPr>
+              <p:cNvPr id="59" name="Freeform 58"/>
+              <p:cNvSpPr/>
+              <p:nvPr/>
+            </p:nvSpPr>
+            <p:spPr>
+              <a:xfrm>
+                <a:off x="6461760" y="3198706"/>
+                <a:ext cx="1188720" cy="594360"/>
+              </a:xfrm>
+              <a:custGeom>
+                <a:avLst/>
+                <a:gdLst>
+                  <a:gd name="connsiteX0" fmla="*/ 594360 w 1188720"/>
+                  <a:gd name="connsiteY0" fmla="*/ 0 h 594360"/>
+                  <a:gd name="connsiteX1" fmla="*/ 1188720 w 1188720"/>
+                  <a:gd name="connsiteY1" fmla="*/ 594360 h 594360"/>
+                  <a:gd name="connsiteX2" fmla="*/ 0 w 1188720"/>
+                  <a:gd name="connsiteY2" fmla="*/ 594360 h 594360"/>
+                  <a:gd name="connsiteX3" fmla="*/ 594360 w 1188720"/>
+                  <a:gd name="connsiteY3" fmla="*/ 0 h 594360"/>
+                </a:gdLst>
+                <a:ahLst/>
+                <a:cxnLst>
+                  <a:cxn ang="0">
+                    <a:pos x="connsiteX0" y="connsiteY0"/>
+                  </a:cxn>
+                  <a:cxn ang="0">
+                    <a:pos x="connsiteX1" y="connsiteY1"/>
+                  </a:cxn>
+                  <a:cxn ang="0">
+                    <a:pos x="connsiteX2" y="connsiteY2"/>
+                  </a:cxn>
+                  <a:cxn ang="0">
+                    <a:pos x="connsiteX3" y="connsiteY3"/>
+                  </a:cxn>
+                </a:cxnLst>
+                <a:rect l="l" t="t" r="r" b="b"/>
+                <a:pathLst>
+                  <a:path w="1188720" h="594360">
+                    <a:moveTo>
+                      <a:pt x="594360" y="0"/>
+                    </a:moveTo>
+                    <a:cubicBezTo>
+                      <a:pt x="922616" y="0"/>
+                      <a:pt x="1188720" y="266104"/>
+                      <a:pt x="1188720" y="594360"/>
+                    </a:cubicBezTo>
+                    <a:lnTo>
+                      <a:pt x="0" y="594360"/>
+                    </a:lnTo>
+                    <a:cubicBezTo>
+                      <a:pt x="0" y="266104"/>
+                      <a:pt x="266104" y="0"/>
+                      <a:pt x="594360" y="0"/>
+                    </a:cubicBezTo>
+                    <a:close/>
+                  </a:path>
+                </a:pathLst>
+              </a:custGeom>
+              <a:solidFill>
+                <a:schemeClr val="accent4">
+                  <a:lumMod val="20000"/>
+                  <a:lumOff val="80000"/>
+                </a:schemeClr>
+              </a:solidFill>
+              <a:ln w="38100">
+                <a:noFill/>
+              </a:ln>
+            </p:spPr>
+            <p:style>
+              <a:lnRef idx="2">
+                <a:schemeClr val="accent1">
+                  <a:shade val="50000"/>
+                </a:schemeClr>
+              </a:lnRef>
+              <a:fillRef idx="1">
+                <a:schemeClr val="accent1"/>
+              </a:fillRef>
+              <a:effectRef idx="0">
+                <a:schemeClr val="accent1"/>
+              </a:effectRef>
+              <a:fontRef idx="minor">
+                <a:schemeClr val="lt1"/>
+              </a:fontRef>
+            </p:style>
+            <p:txBody>
+              <a:bodyPr rtlCol="0" anchor="ctr"/>
+              <a:lstStyle/>
+              <a:p>
+                <a:pPr algn="ctr"/>
+                <a:endParaRPr lang="en-US"/>
+              </a:p>
+            </p:txBody>
+          </p:sp>
+          <p:sp>
+            <p:nvSpPr>
+              <p:cNvPr id="60" name="Freeform 59"/>
+              <p:cNvSpPr/>
+              <p:nvPr/>
+            </p:nvSpPr>
+            <p:spPr>
+              <a:xfrm rot="10800000">
+                <a:off x="6461760" y="3793066"/>
+                <a:ext cx="1188720" cy="594360"/>
+              </a:xfrm>
+              <a:custGeom>
+                <a:avLst/>
+                <a:gdLst>
+                  <a:gd name="connsiteX0" fmla="*/ 594360 w 1188720"/>
+                  <a:gd name="connsiteY0" fmla="*/ 0 h 594360"/>
+                  <a:gd name="connsiteX1" fmla="*/ 1188720 w 1188720"/>
+                  <a:gd name="connsiteY1" fmla="*/ 594360 h 594360"/>
+                  <a:gd name="connsiteX2" fmla="*/ 0 w 1188720"/>
+                  <a:gd name="connsiteY2" fmla="*/ 594360 h 594360"/>
+                  <a:gd name="connsiteX3" fmla="*/ 594360 w 1188720"/>
+                  <a:gd name="connsiteY3" fmla="*/ 0 h 594360"/>
+                </a:gdLst>
+                <a:ahLst/>
+                <a:cxnLst>
+                  <a:cxn ang="0">
+                    <a:pos x="connsiteX0" y="connsiteY0"/>
+                  </a:cxn>
+                  <a:cxn ang="0">
+                    <a:pos x="connsiteX1" y="connsiteY1"/>
+                  </a:cxn>
+                  <a:cxn ang="0">
+                    <a:pos x="connsiteX2" y="connsiteY2"/>
+                  </a:cxn>
+                  <a:cxn ang="0">
+                    <a:pos x="connsiteX3" y="connsiteY3"/>
+                  </a:cxn>
+                </a:cxnLst>
+                <a:rect l="l" t="t" r="r" b="b"/>
+                <a:pathLst>
+                  <a:path w="1188720" h="594360">
+                    <a:moveTo>
+                      <a:pt x="594360" y="0"/>
+                    </a:moveTo>
+                    <a:cubicBezTo>
+                      <a:pt x="922616" y="0"/>
+                      <a:pt x="1188720" y="266104"/>
+                      <a:pt x="1188720" y="594360"/>
+                    </a:cubicBezTo>
+                    <a:lnTo>
+                      <a:pt x="0" y="594360"/>
+                    </a:lnTo>
+                    <a:cubicBezTo>
+                      <a:pt x="0" y="266104"/>
+                      <a:pt x="266104" y="0"/>
+                      <a:pt x="594360" y="0"/>
+                    </a:cubicBezTo>
+                    <a:close/>
+                  </a:path>
+                </a:pathLst>
+              </a:custGeom>
+              <a:solidFill>
+                <a:schemeClr val="accent1">
+                  <a:lumMod val="20000"/>
+                  <a:lumOff val="80000"/>
+                </a:schemeClr>
+              </a:solidFill>
+              <a:ln w="38100">
+                <a:noFill/>
+              </a:ln>
+            </p:spPr>
+            <p:style>
+              <a:lnRef idx="2">
+                <a:schemeClr val="accent1">
+                  <a:shade val="50000"/>
+                </a:schemeClr>
+              </a:lnRef>
+              <a:fillRef idx="1">
+                <a:schemeClr val="accent1"/>
+              </a:fillRef>
+              <a:effectRef idx="0">
+                <a:schemeClr val="accent1"/>
+              </a:effectRef>
+              <a:fontRef idx="minor">
+                <a:schemeClr val="lt1"/>
+              </a:fontRef>
+            </p:style>
+            <p:txBody>
+              <a:bodyPr rtlCol="0" anchor="ctr"/>
+              <a:lstStyle/>
+              <a:p>
+                <a:pPr algn="ctr"/>
+                <a:endParaRPr lang="en-US"/>
+              </a:p>
+            </p:txBody>
+          </p:sp>
+        </p:grpSp>
+        <p:sp>
+          <p:nvSpPr>
+            <p:cNvPr id="61" name="Oval 60"/>
+            <p:cNvSpPr/>
+            <p:nvPr/>
+          </p:nvSpPr>
+          <p:spPr>
+            <a:xfrm>
+              <a:off x="8421792" y="3611543"/>
+              <a:ext cx="126366" cy="128664"/>
+            </a:xfrm>
+            <a:prstGeom prst="ellipse">
+              <a:avLst/>
+            </a:prstGeom>
+            <a:solidFill>
+              <a:schemeClr val="accent4"/>
+            </a:solidFill>
+            <a:ln w="19050">
+              <a:solidFill>
+                <a:schemeClr val="tx1"/>
+              </a:solidFill>
+            </a:ln>
+          </p:spPr>
+          <p:style>
+            <a:lnRef idx="2">
+              <a:schemeClr val="accent1">
+                <a:shade val="50000"/>
+              </a:schemeClr>
+            </a:lnRef>
+            <a:fillRef idx="1">
+              <a:schemeClr val="accent1"/>
+            </a:fillRef>
+            <a:effectRef idx="0">
+              <a:schemeClr val="accent1"/>
+            </a:effectRef>
+            <a:fontRef idx="minor">
+              <a:schemeClr val="lt1"/>
+            </a:fontRef>
+          </p:style>
+          <p:txBody>
+            <a:bodyPr rtlCol="0" anchor="ctr"/>
+            <a:lstStyle/>
+            <a:p>
+              <a:pPr algn="ctr"/>
+              <a:endParaRPr lang="en-US"/>
+            </a:p>
+          </p:txBody>
+        </p:sp>
+        <p:sp>
+          <p:nvSpPr>
+            <p:cNvPr id="62" name="Diamond 61"/>
+            <p:cNvSpPr/>
+            <p:nvPr/>
+          </p:nvSpPr>
+          <p:spPr>
+            <a:xfrm rot="3600000">
+              <a:off x="8527455" y="3525896"/>
+              <a:ext cx="101668" cy="198979"/>
+            </a:xfrm>
+            <a:prstGeom prst="diamond">
+              <a:avLst/>
+            </a:prstGeom>
+            <a:solidFill>
+              <a:schemeClr val="accent4"/>
+            </a:solidFill>
+            <a:ln w="19050">
+              <a:solidFill>
+                <a:schemeClr val="tx1"/>
+              </a:solidFill>
+            </a:ln>
+          </p:spPr>
+          <p:style>
+            <a:lnRef idx="2">
+              <a:schemeClr val="accent1">
+                <a:shade val="50000"/>
+              </a:schemeClr>
+            </a:lnRef>
+            <a:fillRef idx="1">
+              <a:schemeClr val="accent1"/>
+            </a:fillRef>
+            <a:effectRef idx="0">
+              <a:schemeClr val="accent1"/>
+            </a:effectRef>
+            <a:fontRef idx="minor">
+              <a:schemeClr val="lt1"/>
+            </a:fontRef>
+          </p:style>
+          <p:txBody>
+            <a:bodyPr rtlCol="0" anchor="ctr"/>
+            <a:lstStyle/>
+            <a:p>
+              <a:pPr algn="ctr"/>
+              <a:endParaRPr lang="en-US"/>
+            </a:p>
+          </p:txBody>
+        </p:sp>
+        <p:sp>
+          <p:nvSpPr>
+            <p:cNvPr id="63" name="TextBox 62"/>
+            <p:cNvSpPr txBox="1"/>
+            <p:nvPr/>
+          </p:nvSpPr>
+          <p:spPr>
+            <a:xfrm>
+              <a:off x="8357021" y="3273441"/>
+              <a:ext cx="255905" cy="169277"/>
+            </a:xfrm>
+            <a:prstGeom prst="rect">
+              <a:avLst/>
+            </a:prstGeom>
+            <a:noFill/>
+          </p:spPr>
+          <p:txBody>
+            <a:bodyPr wrap="square" rtlCol="0">
+              <a:spAutoFit/>
+            </a:bodyPr>
+            <a:lstStyle/>
+            <a:p>
+              <a:pPr algn="ctr"/>
+              <a:r>
+                <a:rPr lang="en-US" sz="500" dirty="0" smtClean="0"/>
+                <a:t>XII</a:t>
+              </a:r>
+              <a:endParaRPr lang="en-US" sz="500" dirty="0"/>
+            </a:p>
+          </p:txBody>
+        </p:sp>
+        <p:sp>
+          <p:nvSpPr>
+            <p:cNvPr id="64" name="TextBox 63"/>
+            <p:cNvSpPr txBox="1"/>
+            <p:nvPr/>
+          </p:nvSpPr>
+          <p:spPr>
+            <a:xfrm>
+              <a:off x="8357021" y="3871235"/>
+              <a:ext cx="255905" cy="169277"/>
+            </a:xfrm>
+            <a:prstGeom prst="rect">
+              <a:avLst/>
+            </a:prstGeom>
+            <a:noFill/>
+          </p:spPr>
+          <p:txBody>
+            <a:bodyPr wrap="square" rtlCol="0">
+              <a:spAutoFit/>
+            </a:bodyPr>
+            <a:lstStyle/>
+            <a:p>
+              <a:pPr algn="ctr"/>
+              <a:r>
+                <a:rPr lang="en-US" sz="500" dirty="0" smtClean="0"/>
+                <a:t>VI</a:t>
+              </a:r>
+              <a:endParaRPr lang="en-US" sz="500" dirty="0"/>
+            </a:p>
+          </p:txBody>
+        </p:sp>
+        <p:sp>
+          <p:nvSpPr>
+            <p:cNvPr id="65" name="TextBox 64"/>
+            <p:cNvSpPr txBox="1"/>
+            <p:nvPr/>
+          </p:nvSpPr>
+          <p:spPr>
+            <a:xfrm>
+              <a:off x="8044109" y="3588570"/>
+              <a:ext cx="255905" cy="169277"/>
+            </a:xfrm>
+            <a:prstGeom prst="rect">
+              <a:avLst/>
+            </a:prstGeom>
+            <a:noFill/>
+          </p:spPr>
+          <p:txBody>
+            <a:bodyPr wrap="square" rtlCol="0">
+              <a:spAutoFit/>
+            </a:bodyPr>
+            <a:lstStyle/>
+            <a:p>
+              <a:pPr algn="ctr"/>
+              <a:r>
+                <a:rPr lang="en-US" sz="500" dirty="0" smtClean="0"/>
+                <a:t>IX</a:t>
+              </a:r>
+              <a:endParaRPr lang="en-US" sz="500" dirty="0"/>
+            </a:p>
+          </p:txBody>
+        </p:sp>
+        <p:sp>
+          <p:nvSpPr>
+            <p:cNvPr id="66" name="TextBox 65"/>
+            <p:cNvSpPr txBox="1"/>
+            <p:nvPr/>
+          </p:nvSpPr>
+          <p:spPr>
+            <a:xfrm>
+              <a:off x="8644359" y="3588570"/>
+              <a:ext cx="255905" cy="169277"/>
+            </a:xfrm>
+            <a:prstGeom prst="rect">
+              <a:avLst/>
+            </a:prstGeom>
+            <a:noFill/>
+          </p:spPr>
+          <p:txBody>
+            <a:bodyPr wrap="square" rtlCol="0">
+              <a:spAutoFit/>
+            </a:bodyPr>
+            <a:lstStyle/>
+            <a:p>
+              <a:pPr algn="ctr"/>
+              <a:r>
+                <a:rPr lang="en-US" sz="500" dirty="0" smtClean="0"/>
+                <a:t>III</a:t>
+              </a:r>
+              <a:endParaRPr lang="en-US" sz="500" dirty="0"/>
+            </a:p>
+          </p:txBody>
+        </p:sp>
+        <p:sp>
+          <p:nvSpPr>
+            <p:cNvPr id="107" name="TextBox 106"/>
+            <p:cNvSpPr txBox="1"/>
+            <p:nvPr/>
+          </p:nvSpPr>
+          <p:spPr>
+            <a:xfrm>
+              <a:off x="8411724" y="4275617"/>
+              <a:ext cx="255905" cy="169277"/>
+            </a:xfrm>
+            <a:prstGeom prst="rect">
+              <a:avLst/>
+            </a:prstGeom>
+            <a:noFill/>
+          </p:spPr>
+          <p:txBody>
+            <a:bodyPr wrap="square" rtlCol="0">
+              <a:spAutoFit/>
+            </a:bodyPr>
+            <a:lstStyle/>
+            <a:p>
+              <a:pPr algn="ctr"/>
+              <a:r>
+                <a:rPr lang="en-US" sz="500" dirty="0" smtClean="0"/>
+                <a:t>XII</a:t>
+              </a:r>
+              <a:endParaRPr lang="en-US" sz="500" dirty="0"/>
+            </a:p>
+          </p:txBody>
+        </p:sp>
+      </p:grpSp>
+      <p:grpSp>
+        <p:nvGrpSpPr>
+          <p:cNvPr id="171" name="Group 170"/>
+          <p:cNvGrpSpPr/>
+          <p:nvPr/>
+        </p:nvGrpSpPr>
+        <p:grpSpPr>
+          <a:xfrm>
+            <a:off x="8097499" y="4235872"/>
+            <a:ext cx="884358" cy="884358"/>
+            <a:chOff x="8097499" y="4235872"/>
+            <a:chExt cx="884358" cy="884358"/>
+          </a:xfrm>
+        </p:grpSpPr>
+        <p:sp>
+          <p:nvSpPr>
+            <p:cNvPr id="100" name="Oval 99"/>
+            <p:cNvSpPr/>
+            <p:nvPr/>
+          </p:nvSpPr>
+          <p:spPr>
+            <a:xfrm>
+              <a:off x="8097499" y="4235872"/>
+              <a:ext cx="884358" cy="884358"/>
+            </a:xfrm>
+            <a:prstGeom prst="ellipse">
+              <a:avLst/>
+            </a:prstGeom>
+            <a:solidFill>
+              <a:schemeClr val="accent4"/>
+            </a:solidFill>
+            <a:ln w="28575">
+              <a:solidFill>
+                <a:schemeClr val="tx1"/>
+              </a:solidFill>
+            </a:ln>
+          </p:spPr>
+          <p:style>
+            <a:lnRef idx="2">
+              <a:schemeClr val="accent1">
+                <a:shade val="50000"/>
+              </a:schemeClr>
+            </a:lnRef>
+            <a:fillRef idx="1">
+              <a:schemeClr val="accent1"/>
+            </a:fillRef>
+            <a:effectRef idx="0">
+              <a:schemeClr val="accent1"/>
+            </a:effectRef>
+            <a:fontRef idx="minor">
+              <a:schemeClr val="lt1"/>
+            </a:fontRef>
+          </p:style>
+          <p:txBody>
+            <a:bodyPr rtlCol="0" anchor="ctr"/>
+            <a:lstStyle/>
+            <a:p>
+              <a:pPr algn="ctr"/>
+              <a:endParaRPr lang="en-US"/>
+            </a:p>
+          </p:txBody>
+        </p:sp>
+        <p:sp>
+          <p:nvSpPr>
+            <p:cNvPr id="101" name="Oval 100"/>
+            <p:cNvSpPr/>
+            <p:nvPr/>
+          </p:nvSpPr>
+          <p:spPr>
+            <a:xfrm>
+              <a:off x="8156456" y="4294829"/>
+              <a:ext cx="766444" cy="766444"/>
+            </a:xfrm>
+            <a:prstGeom prst="ellipse">
+              <a:avLst/>
+            </a:prstGeom>
+            <a:solidFill>
+              <a:schemeClr val="bg2">
+                <a:lumMod val="90000"/>
+              </a:schemeClr>
+            </a:solidFill>
+            <a:ln w="38100">
+              <a:solidFill>
+                <a:schemeClr val="tx1"/>
+              </a:solidFill>
+            </a:ln>
+          </p:spPr>
+          <p:style>
+            <a:lnRef idx="2">
+              <a:schemeClr val="accent1">
+                <a:shade val="50000"/>
+              </a:schemeClr>
+            </a:lnRef>
+            <a:fillRef idx="1">
+              <a:schemeClr val="accent1"/>
+            </a:fillRef>
+            <a:effectRef idx="0">
+              <a:schemeClr val="accent1"/>
+            </a:effectRef>
+            <a:fontRef idx="minor">
+              <a:schemeClr val="lt1"/>
+            </a:fontRef>
+          </p:style>
+          <p:txBody>
+            <a:bodyPr rtlCol="0" anchor="ctr"/>
+            <a:lstStyle/>
+            <a:p>
+              <a:pPr algn="ctr"/>
+              <a:endParaRPr lang="en-US"/>
+            </a:p>
+          </p:txBody>
+        </p:sp>
+        <p:grpSp>
+          <p:nvGrpSpPr>
+            <p:cNvPr id="102" name="Group 101"/>
+            <p:cNvGrpSpPr/>
+            <p:nvPr/>
+          </p:nvGrpSpPr>
+          <p:grpSpPr>
+            <a:xfrm>
+              <a:off x="8156456" y="4294829"/>
+              <a:ext cx="766444" cy="766444"/>
+              <a:chOff x="6461760" y="3198706"/>
+              <a:chExt cx="1188720" cy="1188720"/>
+            </a:xfrm>
+          </p:grpSpPr>
+          <p:sp>
+            <p:nvSpPr>
+              <p:cNvPr id="103" name="Freeform 102"/>
+              <p:cNvSpPr/>
+              <p:nvPr/>
+            </p:nvSpPr>
+            <p:spPr>
+              <a:xfrm>
+                <a:off x="6461760" y="3198706"/>
+                <a:ext cx="1188720" cy="594360"/>
+              </a:xfrm>
+              <a:custGeom>
+                <a:avLst/>
+                <a:gdLst>
+                  <a:gd name="connsiteX0" fmla="*/ 594360 w 1188720"/>
+                  <a:gd name="connsiteY0" fmla="*/ 0 h 594360"/>
+                  <a:gd name="connsiteX1" fmla="*/ 1188720 w 1188720"/>
+                  <a:gd name="connsiteY1" fmla="*/ 594360 h 594360"/>
+                  <a:gd name="connsiteX2" fmla="*/ 0 w 1188720"/>
+                  <a:gd name="connsiteY2" fmla="*/ 594360 h 594360"/>
+                  <a:gd name="connsiteX3" fmla="*/ 594360 w 1188720"/>
+                  <a:gd name="connsiteY3" fmla="*/ 0 h 594360"/>
+                </a:gdLst>
+                <a:ahLst/>
+                <a:cxnLst>
+                  <a:cxn ang="0">
+                    <a:pos x="connsiteX0" y="connsiteY0"/>
+                  </a:cxn>
+                  <a:cxn ang="0">
+                    <a:pos x="connsiteX1" y="connsiteY1"/>
+                  </a:cxn>
+                  <a:cxn ang="0">
+                    <a:pos x="connsiteX2" y="connsiteY2"/>
+                  </a:cxn>
+                  <a:cxn ang="0">
+                    <a:pos x="connsiteX3" y="connsiteY3"/>
+                  </a:cxn>
+                </a:cxnLst>
+                <a:rect l="l" t="t" r="r" b="b"/>
+                <a:pathLst>
+                  <a:path w="1188720" h="594360">
+                    <a:moveTo>
+                      <a:pt x="594360" y="0"/>
+                    </a:moveTo>
+                    <a:cubicBezTo>
+                      <a:pt x="922616" y="0"/>
+                      <a:pt x="1188720" y="266104"/>
+                      <a:pt x="1188720" y="594360"/>
+                    </a:cubicBezTo>
+                    <a:lnTo>
+                      <a:pt x="0" y="594360"/>
+                    </a:lnTo>
+                    <a:cubicBezTo>
+                      <a:pt x="0" y="266104"/>
+                      <a:pt x="266104" y="0"/>
+                      <a:pt x="594360" y="0"/>
+                    </a:cubicBezTo>
+                    <a:close/>
+                  </a:path>
+                </a:pathLst>
+              </a:custGeom>
+              <a:solidFill>
+                <a:schemeClr val="accent4">
+                  <a:lumMod val="20000"/>
+                  <a:lumOff val="80000"/>
+                </a:schemeClr>
+              </a:solidFill>
+              <a:ln w="38100">
+                <a:noFill/>
+              </a:ln>
+            </p:spPr>
+            <p:style>
+              <a:lnRef idx="2">
+                <a:schemeClr val="accent1">
+                  <a:shade val="50000"/>
+                </a:schemeClr>
+              </a:lnRef>
+              <a:fillRef idx="1">
+                <a:schemeClr val="accent1"/>
+              </a:fillRef>
+              <a:effectRef idx="0">
+                <a:schemeClr val="accent1"/>
+              </a:effectRef>
+              <a:fontRef idx="minor">
+                <a:schemeClr val="lt1"/>
+              </a:fontRef>
+            </p:style>
+            <p:txBody>
+              <a:bodyPr rtlCol="0" anchor="ctr"/>
+              <a:lstStyle/>
+              <a:p>
+                <a:pPr algn="ctr"/>
+                <a:endParaRPr lang="en-US"/>
+              </a:p>
+            </p:txBody>
+          </p:sp>
+          <p:sp>
+            <p:nvSpPr>
+              <p:cNvPr id="104" name="Freeform 103"/>
+              <p:cNvSpPr/>
+              <p:nvPr/>
+            </p:nvSpPr>
+            <p:spPr>
+              <a:xfrm rot="10800000">
+                <a:off x="6461760" y="3793066"/>
+                <a:ext cx="1188720" cy="594360"/>
+              </a:xfrm>
+              <a:custGeom>
+                <a:avLst/>
+                <a:gdLst>
+                  <a:gd name="connsiteX0" fmla="*/ 594360 w 1188720"/>
+                  <a:gd name="connsiteY0" fmla="*/ 0 h 594360"/>
+                  <a:gd name="connsiteX1" fmla="*/ 1188720 w 1188720"/>
+                  <a:gd name="connsiteY1" fmla="*/ 594360 h 594360"/>
+                  <a:gd name="connsiteX2" fmla="*/ 0 w 1188720"/>
+                  <a:gd name="connsiteY2" fmla="*/ 594360 h 594360"/>
+                  <a:gd name="connsiteX3" fmla="*/ 594360 w 1188720"/>
+                  <a:gd name="connsiteY3" fmla="*/ 0 h 594360"/>
+                </a:gdLst>
+                <a:ahLst/>
+                <a:cxnLst>
+                  <a:cxn ang="0">
+                    <a:pos x="connsiteX0" y="connsiteY0"/>
+                  </a:cxn>
+                  <a:cxn ang="0">
+                    <a:pos x="connsiteX1" y="connsiteY1"/>
+                  </a:cxn>
+                  <a:cxn ang="0">
+                    <a:pos x="connsiteX2" y="connsiteY2"/>
+                  </a:cxn>
+                  <a:cxn ang="0">
+                    <a:pos x="connsiteX3" y="connsiteY3"/>
+                  </a:cxn>
+                </a:cxnLst>
+                <a:rect l="l" t="t" r="r" b="b"/>
+                <a:pathLst>
+                  <a:path w="1188720" h="594360">
+                    <a:moveTo>
+                      <a:pt x="594360" y="0"/>
+                    </a:moveTo>
+                    <a:cubicBezTo>
+                      <a:pt x="922616" y="0"/>
+                      <a:pt x="1188720" y="266104"/>
+                      <a:pt x="1188720" y="594360"/>
+                    </a:cubicBezTo>
+                    <a:lnTo>
+                      <a:pt x="0" y="594360"/>
+                    </a:lnTo>
+                    <a:cubicBezTo>
+                      <a:pt x="0" y="266104"/>
+                      <a:pt x="266104" y="0"/>
+                      <a:pt x="594360" y="0"/>
+                    </a:cubicBezTo>
+                    <a:close/>
+                  </a:path>
+                </a:pathLst>
+              </a:custGeom>
+              <a:solidFill>
+                <a:schemeClr val="accent1">
+                  <a:lumMod val="20000"/>
+                  <a:lumOff val="80000"/>
+                </a:schemeClr>
+              </a:solidFill>
+              <a:ln w="38100">
+                <a:noFill/>
+              </a:ln>
+            </p:spPr>
+            <p:style>
+              <a:lnRef idx="2">
+                <a:schemeClr val="accent1">
+                  <a:shade val="50000"/>
+                </a:schemeClr>
+              </a:lnRef>
+              <a:fillRef idx="1">
+                <a:schemeClr val="accent1"/>
+              </a:fillRef>
+              <a:effectRef idx="0">
+                <a:schemeClr val="accent1"/>
+              </a:effectRef>
+              <a:fontRef idx="minor">
+                <a:schemeClr val="lt1"/>
+              </a:fontRef>
+            </p:style>
+            <p:txBody>
+              <a:bodyPr rtlCol="0" anchor="ctr"/>
+              <a:lstStyle/>
+              <a:p>
+                <a:pPr algn="ctr"/>
+                <a:endParaRPr lang="en-US"/>
+              </a:p>
+            </p:txBody>
+          </p:sp>
+        </p:grpSp>
+        <p:sp>
+          <p:nvSpPr>
+            <p:cNvPr id="105" name="Oval 104"/>
+            <p:cNvSpPr/>
+            <p:nvPr/>
+          </p:nvSpPr>
+          <p:spPr>
+            <a:xfrm>
+              <a:off x="8476495" y="4613719"/>
+              <a:ext cx="126366" cy="128664"/>
+            </a:xfrm>
+            <a:prstGeom prst="ellipse">
+              <a:avLst/>
+            </a:prstGeom>
+            <a:solidFill>
+              <a:schemeClr val="accent4"/>
+            </a:solidFill>
+            <a:ln w="19050">
+              <a:solidFill>
+                <a:schemeClr val="tx1"/>
+              </a:solidFill>
+            </a:ln>
+          </p:spPr>
+          <p:style>
+            <a:lnRef idx="2">
+              <a:schemeClr val="accent1">
+                <a:shade val="50000"/>
+              </a:schemeClr>
+            </a:lnRef>
+            <a:fillRef idx="1">
+              <a:schemeClr val="accent1"/>
+            </a:fillRef>
+            <a:effectRef idx="0">
+              <a:schemeClr val="accent1"/>
+            </a:effectRef>
+            <a:fontRef idx="minor">
+              <a:schemeClr val="lt1"/>
+            </a:fontRef>
+          </p:style>
+          <p:txBody>
+            <a:bodyPr rtlCol="0" anchor="ctr"/>
+            <a:lstStyle/>
+            <a:p>
+              <a:pPr algn="ctr"/>
+              <a:endParaRPr lang="en-US"/>
+            </a:p>
+          </p:txBody>
+        </p:sp>
+        <p:sp>
+          <p:nvSpPr>
+            <p:cNvPr id="106" name="Diamond 105"/>
+            <p:cNvSpPr/>
+            <p:nvPr/>
+          </p:nvSpPr>
+          <p:spPr>
+            <a:xfrm>
+              <a:off x="8488843" y="4712229"/>
+              <a:ext cx="101668" cy="198979"/>
+            </a:xfrm>
+            <a:prstGeom prst="diamond">
+              <a:avLst/>
+            </a:prstGeom>
+            <a:solidFill>
+              <a:schemeClr val="accent4"/>
+            </a:solidFill>
+            <a:ln w="19050">
+              <a:solidFill>
+                <a:schemeClr val="tx1"/>
+              </a:solidFill>
+            </a:ln>
+          </p:spPr>
+          <p:style>
+            <a:lnRef idx="2">
+              <a:schemeClr val="accent1">
+                <a:shade val="50000"/>
+              </a:schemeClr>
+            </a:lnRef>
+            <a:fillRef idx="1">
+              <a:schemeClr val="accent1"/>
+            </a:fillRef>
+            <a:effectRef idx="0">
+              <a:schemeClr val="accent1"/>
+            </a:effectRef>
+            <a:fontRef idx="minor">
+              <a:schemeClr val="lt1"/>
+            </a:fontRef>
+          </p:style>
+          <p:txBody>
+            <a:bodyPr rtlCol="0" anchor="ctr"/>
+            <a:lstStyle/>
+            <a:p>
+              <a:pPr algn="ctr"/>
+              <a:endParaRPr lang="en-US"/>
+            </a:p>
+          </p:txBody>
+        </p:sp>
+        <p:sp>
+          <p:nvSpPr>
+            <p:cNvPr id="108" name="TextBox 107"/>
+            <p:cNvSpPr txBox="1"/>
+            <p:nvPr/>
+          </p:nvSpPr>
+          <p:spPr>
+            <a:xfrm>
+              <a:off x="8411724" y="4873411"/>
+              <a:ext cx="255905" cy="169277"/>
+            </a:xfrm>
+            <a:prstGeom prst="rect">
+              <a:avLst/>
+            </a:prstGeom>
+            <a:noFill/>
+          </p:spPr>
+          <p:txBody>
+            <a:bodyPr wrap="square" rtlCol="0">
+              <a:spAutoFit/>
+            </a:bodyPr>
+            <a:lstStyle/>
+            <a:p>
+              <a:pPr algn="ctr"/>
+              <a:r>
+                <a:rPr lang="en-US" sz="500" dirty="0" smtClean="0"/>
+                <a:t>VI</a:t>
+              </a:r>
+              <a:endParaRPr lang="en-US" sz="500" dirty="0"/>
+            </a:p>
+          </p:txBody>
+        </p:sp>
+        <p:sp>
+          <p:nvSpPr>
+            <p:cNvPr id="109" name="TextBox 108"/>
+            <p:cNvSpPr txBox="1"/>
+            <p:nvPr/>
+          </p:nvSpPr>
+          <p:spPr>
+            <a:xfrm>
+              <a:off x="8098812" y="4590746"/>
+              <a:ext cx="255905" cy="169277"/>
+            </a:xfrm>
+            <a:prstGeom prst="rect">
+              <a:avLst/>
+            </a:prstGeom>
+            <a:noFill/>
+          </p:spPr>
+          <p:txBody>
+            <a:bodyPr wrap="square" rtlCol="0">
+              <a:spAutoFit/>
+            </a:bodyPr>
+            <a:lstStyle/>
+            <a:p>
+              <a:pPr algn="ctr"/>
+              <a:r>
+                <a:rPr lang="en-US" sz="500" dirty="0" smtClean="0"/>
+                <a:t>IX</a:t>
+              </a:r>
+              <a:endParaRPr lang="en-US" sz="500" dirty="0"/>
+            </a:p>
+          </p:txBody>
+        </p:sp>
+        <p:sp>
+          <p:nvSpPr>
+            <p:cNvPr id="110" name="TextBox 109"/>
+            <p:cNvSpPr txBox="1"/>
+            <p:nvPr/>
+          </p:nvSpPr>
+          <p:spPr>
+            <a:xfrm>
+              <a:off x="8699062" y="4590746"/>
+              <a:ext cx="255905" cy="169277"/>
+            </a:xfrm>
+            <a:prstGeom prst="rect">
+              <a:avLst/>
+            </a:prstGeom>
+            <a:noFill/>
+          </p:spPr>
+          <p:txBody>
+            <a:bodyPr wrap="square" rtlCol="0">
+              <a:spAutoFit/>
+            </a:bodyPr>
+            <a:lstStyle/>
+            <a:p>
+              <a:pPr algn="ctr"/>
+              <a:r>
+                <a:rPr lang="en-US" sz="500" dirty="0" smtClean="0"/>
+                <a:t>III</a:t>
+              </a:r>
+              <a:endParaRPr lang="en-US" sz="500" dirty="0"/>
+            </a:p>
+          </p:txBody>
+        </p:sp>
+      </p:grpSp>
+      <p:grpSp>
+        <p:nvGrpSpPr>
+          <p:cNvPr id="6" name="Group 5"/>
+          <p:cNvGrpSpPr/>
+          <p:nvPr/>
+        </p:nvGrpSpPr>
+        <p:grpSpPr>
+          <a:xfrm>
+            <a:off x="9103635" y="4222337"/>
+            <a:ext cx="884358" cy="884358"/>
+            <a:chOff x="9103635" y="4222337"/>
+            <a:chExt cx="884358" cy="884358"/>
+          </a:xfrm>
+        </p:grpSpPr>
+        <p:sp>
+          <p:nvSpPr>
+            <p:cNvPr id="111" name="Oval 110"/>
+            <p:cNvSpPr/>
+            <p:nvPr/>
+          </p:nvSpPr>
+          <p:spPr>
+            <a:xfrm>
+              <a:off x="9103635" y="4222337"/>
+              <a:ext cx="884358" cy="884358"/>
+            </a:xfrm>
+            <a:prstGeom prst="ellipse">
+              <a:avLst/>
+            </a:prstGeom>
+            <a:solidFill>
+              <a:schemeClr val="accent4"/>
+            </a:solidFill>
+            <a:ln w="28575">
+              <a:solidFill>
+                <a:schemeClr val="tx1"/>
+              </a:solidFill>
+            </a:ln>
+          </p:spPr>
+          <p:style>
+            <a:lnRef idx="2">
+              <a:schemeClr val="accent1">
+                <a:shade val="50000"/>
+              </a:schemeClr>
+            </a:lnRef>
+            <a:fillRef idx="1">
+              <a:schemeClr val="accent1"/>
+            </a:fillRef>
+            <a:effectRef idx="0">
+              <a:schemeClr val="accent1"/>
+            </a:effectRef>
+            <a:fontRef idx="minor">
+              <a:schemeClr val="lt1"/>
+            </a:fontRef>
+          </p:style>
+          <p:txBody>
+            <a:bodyPr rtlCol="0" anchor="ctr"/>
+            <a:lstStyle/>
+            <a:p>
+              <a:pPr algn="ctr"/>
+              <a:endParaRPr lang="en-US"/>
+            </a:p>
+          </p:txBody>
+        </p:sp>
+        <p:sp>
+          <p:nvSpPr>
+            <p:cNvPr id="112" name="Oval 111"/>
+            <p:cNvSpPr/>
+            <p:nvPr/>
+          </p:nvSpPr>
+          <p:spPr>
+            <a:xfrm>
+              <a:off x="9162592" y="4281294"/>
+              <a:ext cx="766444" cy="766444"/>
+            </a:xfrm>
+            <a:prstGeom prst="ellipse">
+              <a:avLst/>
+            </a:prstGeom>
+            <a:solidFill>
+              <a:schemeClr val="bg2">
+                <a:lumMod val="90000"/>
+              </a:schemeClr>
+            </a:solidFill>
+            <a:ln w="38100">
+              <a:solidFill>
+                <a:schemeClr val="tx1"/>
+              </a:solidFill>
+            </a:ln>
+          </p:spPr>
+          <p:style>
+            <a:lnRef idx="2">
+              <a:schemeClr val="accent1">
+                <a:shade val="50000"/>
+              </a:schemeClr>
+            </a:lnRef>
+            <a:fillRef idx="1">
+              <a:schemeClr val="accent1"/>
+            </a:fillRef>
+            <a:effectRef idx="0">
+              <a:schemeClr val="accent1"/>
+            </a:effectRef>
+            <a:fontRef idx="minor">
+              <a:schemeClr val="lt1"/>
+            </a:fontRef>
+          </p:style>
+          <p:txBody>
+            <a:bodyPr rtlCol="0" anchor="ctr"/>
+            <a:lstStyle/>
+            <a:p>
+              <a:pPr algn="ctr"/>
+              <a:endParaRPr lang="en-US"/>
+            </a:p>
+          </p:txBody>
+        </p:sp>
+        <p:grpSp>
+          <p:nvGrpSpPr>
+            <p:cNvPr id="113" name="Group 112"/>
+            <p:cNvGrpSpPr/>
+            <p:nvPr/>
+          </p:nvGrpSpPr>
+          <p:grpSpPr>
+            <a:xfrm>
+              <a:off x="9162592" y="4281294"/>
+              <a:ext cx="766444" cy="766444"/>
+              <a:chOff x="6461760" y="3198706"/>
+              <a:chExt cx="1188720" cy="1188720"/>
+            </a:xfrm>
+          </p:grpSpPr>
+          <p:sp>
+            <p:nvSpPr>
+              <p:cNvPr id="114" name="Freeform 113"/>
+              <p:cNvSpPr/>
+              <p:nvPr/>
+            </p:nvSpPr>
+            <p:spPr>
+              <a:xfrm>
+                <a:off x="6461760" y="3198706"/>
+                <a:ext cx="1188720" cy="594360"/>
+              </a:xfrm>
+              <a:custGeom>
+                <a:avLst/>
+                <a:gdLst>
+                  <a:gd name="connsiteX0" fmla="*/ 594360 w 1188720"/>
+                  <a:gd name="connsiteY0" fmla="*/ 0 h 594360"/>
+                  <a:gd name="connsiteX1" fmla="*/ 1188720 w 1188720"/>
+                  <a:gd name="connsiteY1" fmla="*/ 594360 h 594360"/>
+                  <a:gd name="connsiteX2" fmla="*/ 0 w 1188720"/>
+                  <a:gd name="connsiteY2" fmla="*/ 594360 h 594360"/>
+                  <a:gd name="connsiteX3" fmla="*/ 594360 w 1188720"/>
+                  <a:gd name="connsiteY3" fmla="*/ 0 h 594360"/>
+                </a:gdLst>
+                <a:ahLst/>
+                <a:cxnLst>
+                  <a:cxn ang="0">
+                    <a:pos x="connsiteX0" y="connsiteY0"/>
+                  </a:cxn>
+                  <a:cxn ang="0">
+                    <a:pos x="connsiteX1" y="connsiteY1"/>
+                  </a:cxn>
+                  <a:cxn ang="0">
+                    <a:pos x="connsiteX2" y="connsiteY2"/>
+                  </a:cxn>
+                  <a:cxn ang="0">
+                    <a:pos x="connsiteX3" y="connsiteY3"/>
+                  </a:cxn>
+                </a:cxnLst>
+                <a:rect l="l" t="t" r="r" b="b"/>
+                <a:pathLst>
+                  <a:path w="1188720" h="594360">
+                    <a:moveTo>
+                      <a:pt x="594360" y="0"/>
+                    </a:moveTo>
+                    <a:cubicBezTo>
+                      <a:pt x="922616" y="0"/>
+                      <a:pt x="1188720" y="266104"/>
+                      <a:pt x="1188720" y="594360"/>
+                    </a:cubicBezTo>
+                    <a:lnTo>
+                      <a:pt x="0" y="594360"/>
+                    </a:lnTo>
+                    <a:cubicBezTo>
+                      <a:pt x="0" y="266104"/>
+                      <a:pt x="266104" y="0"/>
+                      <a:pt x="594360" y="0"/>
+                    </a:cubicBezTo>
+                    <a:close/>
+                  </a:path>
+                </a:pathLst>
+              </a:custGeom>
+              <a:solidFill>
+                <a:schemeClr val="accent4">
+                  <a:lumMod val="20000"/>
+                  <a:lumOff val="80000"/>
+                </a:schemeClr>
+              </a:solidFill>
+              <a:ln w="38100">
+                <a:noFill/>
+              </a:ln>
+            </p:spPr>
+            <p:style>
+              <a:lnRef idx="2">
+                <a:schemeClr val="accent1">
+                  <a:shade val="50000"/>
+                </a:schemeClr>
+              </a:lnRef>
+              <a:fillRef idx="1">
+                <a:schemeClr val="accent1"/>
+              </a:fillRef>
+              <a:effectRef idx="0">
+                <a:schemeClr val="accent1"/>
+              </a:effectRef>
+              <a:fontRef idx="minor">
+                <a:schemeClr val="lt1"/>
+              </a:fontRef>
+            </p:style>
+            <p:txBody>
+              <a:bodyPr rtlCol="0" anchor="ctr"/>
+              <a:lstStyle/>
+              <a:p>
+                <a:pPr algn="ctr"/>
+                <a:endParaRPr lang="en-US"/>
+              </a:p>
+            </p:txBody>
+          </p:sp>
+          <p:sp>
+            <p:nvSpPr>
+              <p:cNvPr id="115" name="Freeform 114"/>
+              <p:cNvSpPr/>
+              <p:nvPr/>
+            </p:nvSpPr>
+            <p:spPr>
+              <a:xfrm rot="10800000">
+                <a:off x="6461760" y="3793066"/>
+                <a:ext cx="1188720" cy="594360"/>
+              </a:xfrm>
+              <a:custGeom>
+                <a:avLst/>
+                <a:gdLst>
+                  <a:gd name="connsiteX0" fmla="*/ 594360 w 1188720"/>
+                  <a:gd name="connsiteY0" fmla="*/ 0 h 594360"/>
+                  <a:gd name="connsiteX1" fmla="*/ 1188720 w 1188720"/>
+                  <a:gd name="connsiteY1" fmla="*/ 594360 h 594360"/>
+                  <a:gd name="connsiteX2" fmla="*/ 0 w 1188720"/>
+                  <a:gd name="connsiteY2" fmla="*/ 594360 h 594360"/>
+                  <a:gd name="connsiteX3" fmla="*/ 594360 w 1188720"/>
+                  <a:gd name="connsiteY3" fmla="*/ 0 h 594360"/>
+                </a:gdLst>
+                <a:ahLst/>
+                <a:cxnLst>
+                  <a:cxn ang="0">
+                    <a:pos x="connsiteX0" y="connsiteY0"/>
+                  </a:cxn>
+                  <a:cxn ang="0">
+                    <a:pos x="connsiteX1" y="connsiteY1"/>
+                  </a:cxn>
+                  <a:cxn ang="0">
+                    <a:pos x="connsiteX2" y="connsiteY2"/>
+                  </a:cxn>
+                  <a:cxn ang="0">
+                    <a:pos x="connsiteX3" y="connsiteY3"/>
+                  </a:cxn>
+                </a:cxnLst>
+                <a:rect l="l" t="t" r="r" b="b"/>
+                <a:pathLst>
+                  <a:path w="1188720" h="594360">
+                    <a:moveTo>
+                      <a:pt x="594360" y="0"/>
+                    </a:moveTo>
+                    <a:cubicBezTo>
+                      <a:pt x="922616" y="0"/>
+                      <a:pt x="1188720" y="266104"/>
+                      <a:pt x="1188720" y="594360"/>
+                    </a:cubicBezTo>
+                    <a:lnTo>
+                      <a:pt x="0" y="594360"/>
+                    </a:lnTo>
+                    <a:cubicBezTo>
+                      <a:pt x="0" y="266104"/>
+                      <a:pt x="266104" y="0"/>
+                      <a:pt x="594360" y="0"/>
+                    </a:cubicBezTo>
+                    <a:close/>
+                  </a:path>
+                </a:pathLst>
+              </a:custGeom>
+              <a:solidFill>
+                <a:schemeClr val="accent1">
+                  <a:lumMod val="20000"/>
+                  <a:lumOff val="80000"/>
+                </a:schemeClr>
+              </a:solidFill>
+              <a:ln w="38100">
+                <a:noFill/>
+              </a:ln>
+            </p:spPr>
+            <p:style>
+              <a:lnRef idx="2">
+                <a:schemeClr val="accent1">
+                  <a:shade val="50000"/>
+                </a:schemeClr>
+              </a:lnRef>
+              <a:fillRef idx="1">
+                <a:schemeClr val="accent1"/>
+              </a:fillRef>
+              <a:effectRef idx="0">
+                <a:schemeClr val="accent1"/>
+              </a:effectRef>
+              <a:fontRef idx="minor">
+                <a:schemeClr val="lt1"/>
+              </a:fontRef>
+            </p:style>
+            <p:txBody>
+              <a:bodyPr rtlCol="0" anchor="ctr"/>
+              <a:lstStyle/>
+              <a:p>
+                <a:pPr algn="ctr"/>
+                <a:endParaRPr lang="en-US"/>
+              </a:p>
+            </p:txBody>
+          </p:sp>
+        </p:grpSp>
+        <p:sp>
+          <p:nvSpPr>
+            <p:cNvPr id="116" name="Oval 115"/>
+            <p:cNvSpPr/>
+            <p:nvPr/>
+          </p:nvSpPr>
+          <p:spPr>
+            <a:xfrm>
+              <a:off x="9482631" y="4600184"/>
+              <a:ext cx="126366" cy="128664"/>
+            </a:xfrm>
+            <a:prstGeom prst="ellipse">
+              <a:avLst/>
+            </a:prstGeom>
+            <a:solidFill>
+              <a:schemeClr val="accent4"/>
+            </a:solidFill>
+            <a:ln w="19050">
+              <a:solidFill>
+                <a:schemeClr val="tx1"/>
+              </a:solidFill>
+            </a:ln>
+          </p:spPr>
+          <p:style>
+            <a:lnRef idx="2">
+              <a:schemeClr val="accent1">
+                <a:shade val="50000"/>
+              </a:schemeClr>
+            </a:lnRef>
+            <a:fillRef idx="1">
+              <a:schemeClr val="accent1"/>
+            </a:fillRef>
+            <a:effectRef idx="0">
+              <a:schemeClr val="accent1"/>
+            </a:effectRef>
+            <a:fontRef idx="minor">
+              <a:schemeClr val="lt1"/>
+            </a:fontRef>
+          </p:style>
+          <p:txBody>
+            <a:bodyPr rtlCol="0" anchor="ctr"/>
+            <a:lstStyle/>
+            <a:p>
+              <a:pPr algn="ctr"/>
+              <a:endParaRPr lang="en-US"/>
+            </a:p>
+          </p:txBody>
+        </p:sp>
+        <p:sp>
+          <p:nvSpPr>
+            <p:cNvPr id="117" name="Diamond 116"/>
+            <p:cNvSpPr/>
+            <p:nvPr/>
+          </p:nvSpPr>
+          <p:spPr>
+            <a:xfrm rot="1800000">
+              <a:off x="9439313" y="4686606"/>
+              <a:ext cx="101668" cy="198979"/>
+            </a:xfrm>
+            <a:prstGeom prst="diamond">
+              <a:avLst/>
+            </a:prstGeom>
+            <a:solidFill>
+              <a:schemeClr val="accent4"/>
+            </a:solidFill>
+            <a:ln w="19050">
+              <a:solidFill>
+                <a:schemeClr val="tx1"/>
+              </a:solidFill>
+            </a:ln>
+          </p:spPr>
+          <p:style>
+            <a:lnRef idx="2">
+              <a:schemeClr val="accent1">
+                <a:shade val="50000"/>
+              </a:schemeClr>
+            </a:lnRef>
+            <a:fillRef idx="1">
+              <a:schemeClr val="accent1"/>
+            </a:fillRef>
+            <a:effectRef idx="0">
+              <a:schemeClr val="accent1"/>
+            </a:effectRef>
+            <a:fontRef idx="minor">
+              <a:schemeClr val="lt1"/>
+            </a:fontRef>
+          </p:style>
+          <p:txBody>
+            <a:bodyPr rtlCol="0" anchor="ctr"/>
+            <a:lstStyle/>
+            <a:p>
+              <a:pPr algn="ctr"/>
+              <a:endParaRPr lang="en-US"/>
+            </a:p>
+          </p:txBody>
+        </p:sp>
+        <p:sp>
+          <p:nvSpPr>
+            <p:cNvPr id="118" name="TextBox 117"/>
+            <p:cNvSpPr txBox="1"/>
+            <p:nvPr/>
+          </p:nvSpPr>
+          <p:spPr>
+            <a:xfrm>
+              <a:off x="9417860" y="4262082"/>
+              <a:ext cx="255905" cy="169277"/>
+            </a:xfrm>
+            <a:prstGeom prst="rect">
+              <a:avLst/>
+            </a:prstGeom>
+            <a:noFill/>
+          </p:spPr>
+          <p:txBody>
+            <a:bodyPr wrap="square" rtlCol="0">
+              <a:spAutoFit/>
+            </a:bodyPr>
+            <a:lstStyle/>
+            <a:p>
+              <a:pPr algn="ctr"/>
+              <a:r>
+                <a:rPr lang="en-US" sz="500" dirty="0" smtClean="0"/>
+                <a:t>XII</a:t>
+              </a:r>
+              <a:endParaRPr lang="en-US" sz="500" dirty="0"/>
+            </a:p>
+          </p:txBody>
+        </p:sp>
+        <p:sp>
+          <p:nvSpPr>
+            <p:cNvPr id="119" name="TextBox 118"/>
+            <p:cNvSpPr txBox="1"/>
+            <p:nvPr/>
+          </p:nvSpPr>
+          <p:spPr>
+            <a:xfrm>
+              <a:off x="9417860" y="4859876"/>
+              <a:ext cx="255905" cy="169277"/>
+            </a:xfrm>
+            <a:prstGeom prst="rect">
+              <a:avLst/>
+            </a:prstGeom>
+            <a:noFill/>
+          </p:spPr>
+          <p:txBody>
+            <a:bodyPr wrap="square" rtlCol="0">
+              <a:spAutoFit/>
+            </a:bodyPr>
+            <a:lstStyle/>
+            <a:p>
+              <a:pPr algn="ctr"/>
+              <a:r>
+                <a:rPr lang="en-US" sz="500" dirty="0" smtClean="0"/>
+                <a:t>VI</a:t>
+              </a:r>
+              <a:endParaRPr lang="en-US" sz="500" dirty="0"/>
+            </a:p>
+          </p:txBody>
+        </p:sp>
+        <p:sp>
+          <p:nvSpPr>
+            <p:cNvPr id="120" name="TextBox 119"/>
+            <p:cNvSpPr txBox="1"/>
+            <p:nvPr/>
+          </p:nvSpPr>
+          <p:spPr>
+            <a:xfrm>
+              <a:off x="9104948" y="4577211"/>
+              <a:ext cx="255905" cy="169277"/>
+            </a:xfrm>
+            <a:prstGeom prst="rect">
+              <a:avLst/>
+            </a:prstGeom>
+            <a:noFill/>
+          </p:spPr>
+          <p:txBody>
+            <a:bodyPr wrap="square" rtlCol="0">
+              <a:spAutoFit/>
+            </a:bodyPr>
+            <a:lstStyle/>
+            <a:p>
+              <a:pPr algn="ctr"/>
+              <a:r>
+                <a:rPr lang="en-US" sz="500" dirty="0" smtClean="0"/>
+                <a:t>IX</a:t>
+              </a:r>
+              <a:endParaRPr lang="en-US" sz="500" dirty="0"/>
+            </a:p>
+          </p:txBody>
+        </p:sp>
+        <p:sp>
+          <p:nvSpPr>
+            <p:cNvPr id="121" name="TextBox 120"/>
+            <p:cNvSpPr txBox="1"/>
+            <p:nvPr/>
+          </p:nvSpPr>
+          <p:spPr>
+            <a:xfrm>
+              <a:off x="9705198" y="4577211"/>
+              <a:ext cx="255905" cy="169277"/>
+            </a:xfrm>
+            <a:prstGeom prst="rect">
+              <a:avLst/>
+            </a:prstGeom>
+            <a:noFill/>
+          </p:spPr>
+          <p:txBody>
+            <a:bodyPr wrap="square" rtlCol="0">
+              <a:spAutoFit/>
+            </a:bodyPr>
+            <a:lstStyle/>
+            <a:p>
+              <a:pPr algn="ctr"/>
+              <a:r>
+                <a:rPr lang="en-US" sz="500" dirty="0" smtClean="0"/>
+                <a:t>III</a:t>
+              </a:r>
+              <a:endParaRPr lang="en-US" sz="500" dirty="0"/>
+            </a:p>
+          </p:txBody>
+        </p:sp>
+      </p:grpSp>
+      <p:grpSp>
+        <p:nvGrpSpPr>
+          <p:cNvPr id="167" name="Group 166"/>
+          <p:cNvGrpSpPr/>
+          <p:nvPr/>
+        </p:nvGrpSpPr>
+        <p:grpSpPr>
+          <a:xfrm>
+            <a:off x="6127743" y="5179961"/>
+            <a:ext cx="884358" cy="884358"/>
+            <a:chOff x="6127743" y="5179961"/>
+            <a:chExt cx="884358" cy="884358"/>
+          </a:xfrm>
+        </p:grpSpPr>
+        <p:sp>
+          <p:nvSpPr>
+            <p:cNvPr id="122" name="Oval 121"/>
+            <p:cNvSpPr/>
+            <p:nvPr/>
+          </p:nvSpPr>
+          <p:spPr>
+            <a:xfrm>
+              <a:off x="6127743" y="5179961"/>
+              <a:ext cx="884358" cy="884358"/>
+            </a:xfrm>
+            <a:prstGeom prst="ellipse">
+              <a:avLst/>
+            </a:prstGeom>
+            <a:solidFill>
+              <a:schemeClr val="accent4"/>
+            </a:solidFill>
+            <a:ln w="28575">
+              <a:solidFill>
+                <a:schemeClr val="tx1"/>
+              </a:solidFill>
+            </a:ln>
+          </p:spPr>
+          <p:style>
+            <a:lnRef idx="2">
+              <a:schemeClr val="accent1">
+                <a:shade val="50000"/>
+              </a:schemeClr>
+            </a:lnRef>
+            <a:fillRef idx="1">
+              <a:schemeClr val="accent1"/>
+            </a:fillRef>
+            <a:effectRef idx="0">
+              <a:schemeClr val="accent1"/>
+            </a:effectRef>
+            <a:fontRef idx="minor">
+              <a:schemeClr val="lt1"/>
+            </a:fontRef>
+          </p:style>
+          <p:txBody>
+            <a:bodyPr rtlCol="0" anchor="ctr"/>
+            <a:lstStyle/>
+            <a:p>
+              <a:pPr algn="ctr"/>
+              <a:endParaRPr lang="en-US"/>
+            </a:p>
+          </p:txBody>
+        </p:sp>
+        <p:sp>
+          <p:nvSpPr>
+            <p:cNvPr id="123" name="Oval 122"/>
+            <p:cNvSpPr/>
+            <p:nvPr/>
+          </p:nvSpPr>
+          <p:spPr>
+            <a:xfrm>
+              <a:off x="6186700" y="5238918"/>
+              <a:ext cx="766444" cy="766444"/>
+            </a:xfrm>
+            <a:prstGeom prst="ellipse">
+              <a:avLst/>
+            </a:prstGeom>
+            <a:solidFill>
+              <a:schemeClr val="bg2">
+                <a:lumMod val="90000"/>
+              </a:schemeClr>
+            </a:solidFill>
+            <a:ln w="38100">
+              <a:solidFill>
+                <a:schemeClr val="tx1"/>
+              </a:solidFill>
+            </a:ln>
+          </p:spPr>
+          <p:style>
+            <a:lnRef idx="2">
+              <a:schemeClr val="accent1">
+                <a:shade val="50000"/>
+              </a:schemeClr>
+            </a:lnRef>
+            <a:fillRef idx="1">
+              <a:schemeClr val="accent1"/>
+            </a:fillRef>
+            <a:effectRef idx="0">
+              <a:schemeClr val="accent1"/>
+            </a:effectRef>
+            <a:fontRef idx="minor">
+              <a:schemeClr val="lt1"/>
+            </a:fontRef>
+          </p:style>
+          <p:txBody>
+            <a:bodyPr rtlCol="0" anchor="ctr"/>
+            <a:lstStyle/>
+            <a:p>
+              <a:pPr algn="ctr"/>
+              <a:endParaRPr lang="en-US"/>
+            </a:p>
+          </p:txBody>
+        </p:sp>
+        <p:grpSp>
+          <p:nvGrpSpPr>
+            <p:cNvPr id="124" name="Group 123"/>
+            <p:cNvGrpSpPr/>
+            <p:nvPr/>
+          </p:nvGrpSpPr>
+          <p:grpSpPr>
+            <a:xfrm>
+              <a:off x="6186700" y="5238918"/>
+              <a:ext cx="766444" cy="766444"/>
+              <a:chOff x="6461760" y="3198706"/>
+              <a:chExt cx="1188720" cy="1188720"/>
+            </a:xfrm>
+          </p:grpSpPr>
+          <p:sp>
+            <p:nvSpPr>
+              <p:cNvPr id="125" name="Freeform 124"/>
+              <p:cNvSpPr/>
+              <p:nvPr/>
+            </p:nvSpPr>
+            <p:spPr>
+              <a:xfrm>
+                <a:off x="6461760" y="3198706"/>
+                <a:ext cx="1188720" cy="594360"/>
+              </a:xfrm>
+              <a:custGeom>
+                <a:avLst/>
+                <a:gdLst>
+                  <a:gd name="connsiteX0" fmla="*/ 594360 w 1188720"/>
+                  <a:gd name="connsiteY0" fmla="*/ 0 h 594360"/>
+                  <a:gd name="connsiteX1" fmla="*/ 1188720 w 1188720"/>
+                  <a:gd name="connsiteY1" fmla="*/ 594360 h 594360"/>
+                  <a:gd name="connsiteX2" fmla="*/ 0 w 1188720"/>
+                  <a:gd name="connsiteY2" fmla="*/ 594360 h 594360"/>
+                  <a:gd name="connsiteX3" fmla="*/ 594360 w 1188720"/>
+                  <a:gd name="connsiteY3" fmla="*/ 0 h 594360"/>
+                </a:gdLst>
+                <a:ahLst/>
+                <a:cxnLst>
+                  <a:cxn ang="0">
+                    <a:pos x="connsiteX0" y="connsiteY0"/>
+                  </a:cxn>
+                  <a:cxn ang="0">
+                    <a:pos x="connsiteX1" y="connsiteY1"/>
+                  </a:cxn>
+                  <a:cxn ang="0">
+                    <a:pos x="connsiteX2" y="connsiteY2"/>
+                  </a:cxn>
+                  <a:cxn ang="0">
+                    <a:pos x="connsiteX3" y="connsiteY3"/>
+                  </a:cxn>
+                </a:cxnLst>
+                <a:rect l="l" t="t" r="r" b="b"/>
+                <a:pathLst>
+                  <a:path w="1188720" h="594360">
+                    <a:moveTo>
+                      <a:pt x="594360" y="0"/>
+                    </a:moveTo>
+                    <a:cubicBezTo>
+                      <a:pt x="922616" y="0"/>
+                      <a:pt x="1188720" y="266104"/>
+                      <a:pt x="1188720" y="594360"/>
+                    </a:cubicBezTo>
+                    <a:lnTo>
+                      <a:pt x="0" y="594360"/>
+                    </a:lnTo>
+                    <a:cubicBezTo>
+                      <a:pt x="0" y="266104"/>
+                      <a:pt x="266104" y="0"/>
+                      <a:pt x="594360" y="0"/>
+                    </a:cubicBezTo>
+                    <a:close/>
+                  </a:path>
+                </a:pathLst>
+              </a:custGeom>
+              <a:solidFill>
+                <a:schemeClr val="accent4">
+                  <a:lumMod val="20000"/>
+                  <a:lumOff val="80000"/>
+                </a:schemeClr>
+              </a:solidFill>
+              <a:ln w="38100">
+                <a:noFill/>
+              </a:ln>
+            </p:spPr>
+            <p:style>
+              <a:lnRef idx="2">
+                <a:schemeClr val="accent1">
+                  <a:shade val="50000"/>
+                </a:schemeClr>
+              </a:lnRef>
+              <a:fillRef idx="1">
+                <a:schemeClr val="accent1"/>
+              </a:fillRef>
+              <a:effectRef idx="0">
+                <a:schemeClr val="accent1"/>
+              </a:effectRef>
+              <a:fontRef idx="minor">
+                <a:schemeClr val="lt1"/>
+              </a:fontRef>
+            </p:style>
+            <p:txBody>
+              <a:bodyPr rtlCol="0" anchor="ctr"/>
+              <a:lstStyle/>
+              <a:p>
+                <a:pPr algn="ctr"/>
+                <a:endParaRPr lang="en-US"/>
+              </a:p>
+            </p:txBody>
+          </p:sp>
+          <p:sp>
+            <p:nvSpPr>
+              <p:cNvPr id="126" name="Freeform 125"/>
+              <p:cNvSpPr/>
+              <p:nvPr/>
+            </p:nvSpPr>
+            <p:spPr>
+              <a:xfrm rot="10800000">
+                <a:off x="6461760" y="3793066"/>
+                <a:ext cx="1188720" cy="594360"/>
+              </a:xfrm>
+              <a:custGeom>
+                <a:avLst/>
+                <a:gdLst>
+                  <a:gd name="connsiteX0" fmla="*/ 594360 w 1188720"/>
+                  <a:gd name="connsiteY0" fmla="*/ 0 h 594360"/>
+                  <a:gd name="connsiteX1" fmla="*/ 1188720 w 1188720"/>
+                  <a:gd name="connsiteY1" fmla="*/ 594360 h 594360"/>
+                  <a:gd name="connsiteX2" fmla="*/ 0 w 1188720"/>
+                  <a:gd name="connsiteY2" fmla="*/ 594360 h 594360"/>
+                  <a:gd name="connsiteX3" fmla="*/ 594360 w 1188720"/>
+                  <a:gd name="connsiteY3" fmla="*/ 0 h 594360"/>
+                </a:gdLst>
+                <a:ahLst/>
+                <a:cxnLst>
+                  <a:cxn ang="0">
+                    <a:pos x="connsiteX0" y="connsiteY0"/>
+                  </a:cxn>
+                  <a:cxn ang="0">
+                    <a:pos x="connsiteX1" y="connsiteY1"/>
+                  </a:cxn>
+                  <a:cxn ang="0">
+                    <a:pos x="connsiteX2" y="connsiteY2"/>
+                  </a:cxn>
+                  <a:cxn ang="0">
+                    <a:pos x="connsiteX3" y="connsiteY3"/>
+                  </a:cxn>
+                </a:cxnLst>
+                <a:rect l="l" t="t" r="r" b="b"/>
+                <a:pathLst>
+                  <a:path w="1188720" h="594360">
+                    <a:moveTo>
+                      <a:pt x="594360" y="0"/>
+                    </a:moveTo>
+                    <a:cubicBezTo>
+                      <a:pt x="922616" y="0"/>
+                      <a:pt x="1188720" y="266104"/>
+                      <a:pt x="1188720" y="594360"/>
+                    </a:cubicBezTo>
+                    <a:lnTo>
+                      <a:pt x="0" y="594360"/>
+                    </a:lnTo>
+                    <a:cubicBezTo>
+                      <a:pt x="0" y="266104"/>
+                      <a:pt x="266104" y="0"/>
+                      <a:pt x="594360" y="0"/>
+                    </a:cubicBezTo>
+                    <a:close/>
+                  </a:path>
+                </a:pathLst>
+              </a:custGeom>
+              <a:solidFill>
+                <a:schemeClr val="accent1">
+                  <a:lumMod val="20000"/>
+                  <a:lumOff val="80000"/>
+                </a:schemeClr>
+              </a:solidFill>
+              <a:ln w="38100">
+                <a:noFill/>
+              </a:ln>
+            </p:spPr>
+            <p:style>
+              <a:lnRef idx="2">
+                <a:schemeClr val="accent1">
+                  <a:shade val="50000"/>
+                </a:schemeClr>
+              </a:lnRef>
+              <a:fillRef idx="1">
+                <a:schemeClr val="accent1"/>
+              </a:fillRef>
+              <a:effectRef idx="0">
+                <a:schemeClr val="accent1"/>
+              </a:effectRef>
+              <a:fontRef idx="minor">
+                <a:schemeClr val="lt1"/>
+              </a:fontRef>
+            </p:style>
+            <p:txBody>
+              <a:bodyPr rtlCol="0" anchor="ctr"/>
+              <a:lstStyle/>
+              <a:p>
+                <a:pPr algn="ctr"/>
+                <a:endParaRPr lang="en-US"/>
+              </a:p>
+            </p:txBody>
+          </p:sp>
+        </p:grpSp>
+        <p:sp>
+          <p:nvSpPr>
+            <p:cNvPr id="127" name="Oval 126"/>
+            <p:cNvSpPr/>
+            <p:nvPr/>
+          </p:nvSpPr>
+          <p:spPr>
+            <a:xfrm>
+              <a:off x="6506739" y="5557808"/>
+              <a:ext cx="126366" cy="128664"/>
+            </a:xfrm>
+            <a:prstGeom prst="ellipse">
+              <a:avLst/>
+            </a:prstGeom>
+            <a:solidFill>
+              <a:schemeClr val="accent4"/>
+            </a:solidFill>
+            <a:ln w="19050">
+              <a:solidFill>
+                <a:schemeClr val="tx1"/>
+              </a:solidFill>
+            </a:ln>
+          </p:spPr>
+          <p:style>
+            <a:lnRef idx="2">
+              <a:schemeClr val="accent1">
+                <a:shade val="50000"/>
+              </a:schemeClr>
+            </a:lnRef>
+            <a:fillRef idx="1">
+              <a:schemeClr val="accent1"/>
+            </a:fillRef>
+            <a:effectRef idx="0">
+              <a:schemeClr val="accent1"/>
+            </a:effectRef>
+            <a:fontRef idx="minor">
+              <a:schemeClr val="lt1"/>
+            </a:fontRef>
+          </p:style>
+          <p:txBody>
+            <a:bodyPr rtlCol="0" anchor="ctr"/>
+            <a:lstStyle/>
+            <a:p>
+              <a:pPr algn="ctr"/>
+              <a:endParaRPr lang="en-US"/>
+            </a:p>
+          </p:txBody>
+        </p:sp>
+        <p:sp>
+          <p:nvSpPr>
+            <p:cNvPr id="128" name="Diamond 127"/>
+            <p:cNvSpPr/>
+            <p:nvPr/>
+          </p:nvSpPr>
+          <p:spPr>
+            <a:xfrm rot="3600000">
+              <a:off x="6430328" y="5592076"/>
+              <a:ext cx="101668" cy="198979"/>
+            </a:xfrm>
+            <a:prstGeom prst="diamond">
+              <a:avLst/>
+            </a:prstGeom>
+            <a:solidFill>
+              <a:schemeClr val="accent4"/>
+            </a:solidFill>
+            <a:ln w="19050">
+              <a:solidFill>
+                <a:schemeClr val="tx1"/>
+              </a:solidFill>
+            </a:ln>
+          </p:spPr>
+          <p:style>
+            <a:lnRef idx="2">
+              <a:schemeClr val="accent1">
+                <a:shade val="50000"/>
+              </a:schemeClr>
+            </a:lnRef>
+            <a:fillRef idx="1">
+              <a:schemeClr val="accent1"/>
+            </a:fillRef>
+            <a:effectRef idx="0">
+              <a:schemeClr val="accent1"/>
+            </a:effectRef>
+            <a:fontRef idx="minor">
+              <a:schemeClr val="lt1"/>
+            </a:fontRef>
+          </p:style>
+          <p:txBody>
+            <a:bodyPr rtlCol="0" anchor="ctr"/>
+            <a:lstStyle/>
+            <a:p>
+              <a:pPr algn="ctr"/>
+              <a:endParaRPr lang="en-US"/>
+            </a:p>
+          </p:txBody>
+        </p:sp>
+        <p:sp>
+          <p:nvSpPr>
+            <p:cNvPr id="129" name="TextBox 128"/>
+            <p:cNvSpPr txBox="1"/>
+            <p:nvPr/>
+          </p:nvSpPr>
+          <p:spPr>
+            <a:xfrm>
+              <a:off x="6441968" y="5219706"/>
+              <a:ext cx="255905" cy="169277"/>
+            </a:xfrm>
+            <a:prstGeom prst="rect">
+              <a:avLst/>
+            </a:prstGeom>
+            <a:noFill/>
+          </p:spPr>
+          <p:txBody>
+            <a:bodyPr wrap="square" rtlCol="0">
+              <a:spAutoFit/>
+            </a:bodyPr>
+            <a:lstStyle/>
+            <a:p>
+              <a:pPr algn="ctr"/>
+              <a:r>
+                <a:rPr lang="en-US" sz="500" dirty="0" smtClean="0"/>
+                <a:t>XII</a:t>
+              </a:r>
+              <a:endParaRPr lang="en-US" sz="500" dirty="0"/>
+            </a:p>
+          </p:txBody>
+        </p:sp>
+        <p:sp>
+          <p:nvSpPr>
+            <p:cNvPr id="130" name="TextBox 129"/>
+            <p:cNvSpPr txBox="1"/>
+            <p:nvPr/>
+          </p:nvSpPr>
+          <p:spPr>
+            <a:xfrm>
+              <a:off x="6441968" y="5817500"/>
+              <a:ext cx="255905" cy="169277"/>
+            </a:xfrm>
+            <a:prstGeom prst="rect">
+              <a:avLst/>
+            </a:prstGeom>
+            <a:noFill/>
+          </p:spPr>
+          <p:txBody>
+            <a:bodyPr wrap="square" rtlCol="0">
+              <a:spAutoFit/>
+            </a:bodyPr>
+            <a:lstStyle/>
+            <a:p>
+              <a:pPr algn="ctr"/>
+              <a:r>
+                <a:rPr lang="en-US" sz="500" dirty="0" smtClean="0"/>
+                <a:t>VI</a:t>
+              </a:r>
+              <a:endParaRPr lang="en-US" sz="500" dirty="0"/>
+            </a:p>
+          </p:txBody>
+        </p:sp>
+        <p:sp>
+          <p:nvSpPr>
+            <p:cNvPr id="131" name="TextBox 130"/>
+            <p:cNvSpPr txBox="1"/>
+            <p:nvPr/>
+          </p:nvSpPr>
+          <p:spPr>
+            <a:xfrm>
+              <a:off x="6129056" y="5534835"/>
+              <a:ext cx="255905" cy="169277"/>
+            </a:xfrm>
+            <a:prstGeom prst="rect">
+              <a:avLst/>
+            </a:prstGeom>
+            <a:noFill/>
+          </p:spPr>
+          <p:txBody>
+            <a:bodyPr wrap="square" rtlCol="0">
+              <a:spAutoFit/>
+            </a:bodyPr>
+            <a:lstStyle/>
+            <a:p>
+              <a:pPr algn="ctr"/>
+              <a:r>
+                <a:rPr lang="en-US" sz="500" dirty="0" smtClean="0"/>
+                <a:t>IX</a:t>
+              </a:r>
+              <a:endParaRPr lang="en-US" sz="500" dirty="0"/>
+            </a:p>
+          </p:txBody>
+        </p:sp>
+        <p:sp>
+          <p:nvSpPr>
+            <p:cNvPr id="132" name="TextBox 131"/>
+            <p:cNvSpPr txBox="1"/>
+            <p:nvPr/>
+          </p:nvSpPr>
+          <p:spPr>
+            <a:xfrm>
+              <a:off x="6729306" y="5534835"/>
+              <a:ext cx="255905" cy="169277"/>
+            </a:xfrm>
+            <a:prstGeom prst="rect">
+              <a:avLst/>
+            </a:prstGeom>
+            <a:noFill/>
+          </p:spPr>
+          <p:txBody>
+            <a:bodyPr wrap="square" rtlCol="0">
+              <a:spAutoFit/>
+            </a:bodyPr>
+            <a:lstStyle/>
+            <a:p>
+              <a:pPr algn="ctr"/>
+              <a:r>
+                <a:rPr lang="en-US" sz="500" dirty="0" smtClean="0"/>
+                <a:t>III</a:t>
+              </a:r>
+              <a:endParaRPr lang="en-US" sz="500" dirty="0"/>
+            </a:p>
+          </p:txBody>
+        </p:sp>
+      </p:grpSp>
+      <p:grpSp>
+        <p:nvGrpSpPr>
+          <p:cNvPr id="169" name="Group 168"/>
+          <p:cNvGrpSpPr/>
+          <p:nvPr/>
+        </p:nvGrpSpPr>
+        <p:grpSpPr>
+          <a:xfrm>
+            <a:off x="7132213" y="5237261"/>
+            <a:ext cx="884358" cy="884358"/>
+            <a:chOff x="7132213" y="5237261"/>
+            <a:chExt cx="884358" cy="884358"/>
+          </a:xfrm>
+        </p:grpSpPr>
+        <p:sp>
+          <p:nvSpPr>
+            <p:cNvPr id="133" name="Oval 132"/>
+            <p:cNvSpPr/>
+            <p:nvPr/>
+          </p:nvSpPr>
+          <p:spPr>
+            <a:xfrm>
+              <a:off x="7132213" y="5237261"/>
+              <a:ext cx="884358" cy="884358"/>
+            </a:xfrm>
+            <a:prstGeom prst="ellipse">
+              <a:avLst/>
+            </a:prstGeom>
+            <a:solidFill>
+              <a:schemeClr val="accent4"/>
+            </a:solidFill>
+            <a:ln w="28575">
+              <a:solidFill>
+                <a:schemeClr val="tx1"/>
+              </a:solidFill>
+            </a:ln>
+          </p:spPr>
+          <p:style>
+            <a:lnRef idx="2">
+              <a:schemeClr val="accent1">
+                <a:shade val="50000"/>
+              </a:schemeClr>
+            </a:lnRef>
+            <a:fillRef idx="1">
+              <a:schemeClr val="accent1"/>
+            </a:fillRef>
+            <a:effectRef idx="0">
+              <a:schemeClr val="accent1"/>
+            </a:effectRef>
+            <a:fontRef idx="minor">
+              <a:schemeClr val="lt1"/>
+            </a:fontRef>
+          </p:style>
+          <p:txBody>
+            <a:bodyPr rtlCol="0" anchor="ctr"/>
+            <a:lstStyle/>
+            <a:p>
+              <a:pPr algn="ctr"/>
+              <a:endParaRPr lang="en-US"/>
+            </a:p>
+          </p:txBody>
+        </p:sp>
+        <p:sp>
+          <p:nvSpPr>
+            <p:cNvPr id="134" name="Oval 133"/>
+            <p:cNvSpPr/>
+            <p:nvPr/>
+          </p:nvSpPr>
+          <p:spPr>
+            <a:xfrm>
+              <a:off x="7191170" y="5296218"/>
+              <a:ext cx="766444" cy="766444"/>
+            </a:xfrm>
+            <a:prstGeom prst="ellipse">
+              <a:avLst/>
+            </a:prstGeom>
+            <a:solidFill>
+              <a:schemeClr val="bg2">
+                <a:lumMod val="90000"/>
+              </a:schemeClr>
+            </a:solidFill>
+            <a:ln w="38100">
+              <a:solidFill>
+                <a:schemeClr val="tx1"/>
+              </a:solidFill>
+            </a:ln>
+          </p:spPr>
+          <p:style>
+            <a:lnRef idx="2">
+              <a:schemeClr val="accent1">
+                <a:shade val="50000"/>
+              </a:schemeClr>
+            </a:lnRef>
+            <a:fillRef idx="1">
+              <a:schemeClr val="accent1"/>
+            </a:fillRef>
+            <a:effectRef idx="0">
+              <a:schemeClr val="accent1"/>
+            </a:effectRef>
+            <a:fontRef idx="minor">
+              <a:schemeClr val="lt1"/>
+            </a:fontRef>
+          </p:style>
+          <p:txBody>
+            <a:bodyPr rtlCol="0" anchor="ctr"/>
+            <a:lstStyle/>
+            <a:p>
+              <a:pPr algn="ctr"/>
+              <a:endParaRPr lang="en-US"/>
+            </a:p>
+          </p:txBody>
+        </p:sp>
+        <p:grpSp>
+          <p:nvGrpSpPr>
+            <p:cNvPr id="135" name="Group 134"/>
+            <p:cNvGrpSpPr/>
+            <p:nvPr/>
+          </p:nvGrpSpPr>
+          <p:grpSpPr>
+            <a:xfrm>
+              <a:off x="7191170" y="5296218"/>
+              <a:ext cx="766444" cy="766444"/>
+              <a:chOff x="6461760" y="3198706"/>
+              <a:chExt cx="1188720" cy="1188720"/>
+            </a:xfrm>
+          </p:grpSpPr>
+          <p:sp>
+            <p:nvSpPr>
+              <p:cNvPr id="136" name="Freeform 135"/>
+              <p:cNvSpPr/>
+              <p:nvPr/>
+            </p:nvSpPr>
+            <p:spPr>
+              <a:xfrm>
+                <a:off x="6461760" y="3198706"/>
+                <a:ext cx="1188720" cy="594360"/>
+              </a:xfrm>
+              <a:custGeom>
+                <a:avLst/>
+                <a:gdLst>
+                  <a:gd name="connsiteX0" fmla="*/ 594360 w 1188720"/>
+                  <a:gd name="connsiteY0" fmla="*/ 0 h 594360"/>
+                  <a:gd name="connsiteX1" fmla="*/ 1188720 w 1188720"/>
+                  <a:gd name="connsiteY1" fmla="*/ 594360 h 594360"/>
+                  <a:gd name="connsiteX2" fmla="*/ 0 w 1188720"/>
+                  <a:gd name="connsiteY2" fmla="*/ 594360 h 594360"/>
+                  <a:gd name="connsiteX3" fmla="*/ 594360 w 1188720"/>
+                  <a:gd name="connsiteY3" fmla="*/ 0 h 594360"/>
+                </a:gdLst>
+                <a:ahLst/>
+                <a:cxnLst>
+                  <a:cxn ang="0">
+                    <a:pos x="connsiteX0" y="connsiteY0"/>
+                  </a:cxn>
+                  <a:cxn ang="0">
+                    <a:pos x="connsiteX1" y="connsiteY1"/>
+                  </a:cxn>
+                  <a:cxn ang="0">
+                    <a:pos x="connsiteX2" y="connsiteY2"/>
+                  </a:cxn>
+                  <a:cxn ang="0">
+                    <a:pos x="connsiteX3" y="connsiteY3"/>
+                  </a:cxn>
+                </a:cxnLst>
+                <a:rect l="l" t="t" r="r" b="b"/>
+                <a:pathLst>
+                  <a:path w="1188720" h="594360">
+                    <a:moveTo>
+                      <a:pt x="594360" y="0"/>
+                    </a:moveTo>
+                    <a:cubicBezTo>
+                      <a:pt x="922616" y="0"/>
+                      <a:pt x="1188720" y="266104"/>
+                      <a:pt x="1188720" y="594360"/>
+                    </a:cubicBezTo>
+                    <a:lnTo>
+                      <a:pt x="0" y="594360"/>
+                    </a:lnTo>
+                    <a:cubicBezTo>
+                      <a:pt x="0" y="266104"/>
+                      <a:pt x="266104" y="0"/>
+                      <a:pt x="594360" y="0"/>
+                    </a:cubicBezTo>
+                    <a:close/>
+                  </a:path>
+                </a:pathLst>
+              </a:custGeom>
+              <a:solidFill>
+                <a:schemeClr val="accent4">
+                  <a:lumMod val="20000"/>
+                  <a:lumOff val="80000"/>
+                </a:schemeClr>
+              </a:solidFill>
+              <a:ln w="38100">
+                <a:noFill/>
+              </a:ln>
+            </p:spPr>
+            <p:style>
+              <a:lnRef idx="2">
+                <a:schemeClr val="accent1">
+                  <a:shade val="50000"/>
+                </a:schemeClr>
+              </a:lnRef>
+              <a:fillRef idx="1">
+                <a:schemeClr val="accent1"/>
+              </a:fillRef>
+              <a:effectRef idx="0">
+                <a:schemeClr val="accent1"/>
+              </a:effectRef>
+              <a:fontRef idx="minor">
+                <a:schemeClr val="lt1"/>
+              </a:fontRef>
+            </p:style>
+            <p:txBody>
+              <a:bodyPr rtlCol="0" anchor="ctr"/>
+              <a:lstStyle/>
+              <a:p>
+                <a:pPr algn="ctr"/>
+                <a:endParaRPr lang="en-US"/>
+              </a:p>
+            </p:txBody>
+          </p:sp>
+          <p:sp>
+            <p:nvSpPr>
+              <p:cNvPr id="137" name="Freeform 136"/>
+              <p:cNvSpPr/>
+              <p:nvPr/>
+            </p:nvSpPr>
+            <p:spPr>
+              <a:xfrm rot="10800000">
+                <a:off x="6461760" y="3793066"/>
+                <a:ext cx="1188720" cy="594360"/>
+              </a:xfrm>
+              <a:custGeom>
+                <a:avLst/>
+                <a:gdLst>
+                  <a:gd name="connsiteX0" fmla="*/ 594360 w 1188720"/>
+                  <a:gd name="connsiteY0" fmla="*/ 0 h 594360"/>
+                  <a:gd name="connsiteX1" fmla="*/ 1188720 w 1188720"/>
+                  <a:gd name="connsiteY1" fmla="*/ 594360 h 594360"/>
+                  <a:gd name="connsiteX2" fmla="*/ 0 w 1188720"/>
+                  <a:gd name="connsiteY2" fmla="*/ 594360 h 594360"/>
+                  <a:gd name="connsiteX3" fmla="*/ 594360 w 1188720"/>
+                  <a:gd name="connsiteY3" fmla="*/ 0 h 594360"/>
+                </a:gdLst>
+                <a:ahLst/>
+                <a:cxnLst>
+                  <a:cxn ang="0">
+                    <a:pos x="connsiteX0" y="connsiteY0"/>
+                  </a:cxn>
+                  <a:cxn ang="0">
+                    <a:pos x="connsiteX1" y="connsiteY1"/>
+                  </a:cxn>
+                  <a:cxn ang="0">
+                    <a:pos x="connsiteX2" y="connsiteY2"/>
+                  </a:cxn>
+                  <a:cxn ang="0">
+                    <a:pos x="connsiteX3" y="connsiteY3"/>
+                  </a:cxn>
+                </a:cxnLst>
+                <a:rect l="l" t="t" r="r" b="b"/>
+                <a:pathLst>
+                  <a:path w="1188720" h="594360">
+                    <a:moveTo>
+                      <a:pt x="594360" y="0"/>
+                    </a:moveTo>
+                    <a:cubicBezTo>
+                      <a:pt x="922616" y="0"/>
+                      <a:pt x="1188720" y="266104"/>
+                      <a:pt x="1188720" y="594360"/>
+                    </a:cubicBezTo>
+                    <a:lnTo>
+                      <a:pt x="0" y="594360"/>
+                    </a:lnTo>
+                    <a:cubicBezTo>
+                      <a:pt x="0" y="266104"/>
+                      <a:pt x="266104" y="0"/>
+                      <a:pt x="594360" y="0"/>
+                    </a:cubicBezTo>
+                    <a:close/>
+                  </a:path>
+                </a:pathLst>
+              </a:custGeom>
+              <a:solidFill>
+                <a:schemeClr val="accent1">
+                  <a:lumMod val="20000"/>
+                  <a:lumOff val="80000"/>
+                </a:schemeClr>
+              </a:solidFill>
+              <a:ln w="38100">
+                <a:noFill/>
+              </a:ln>
+            </p:spPr>
+            <p:style>
+              <a:lnRef idx="2">
+                <a:schemeClr val="accent1">
+                  <a:shade val="50000"/>
+                </a:schemeClr>
+              </a:lnRef>
+              <a:fillRef idx="1">
+                <a:schemeClr val="accent1"/>
+              </a:fillRef>
+              <a:effectRef idx="0">
+                <a:schemeClr val="accent1"/>
+              </a:effectRef>
+              <a:fontRef idx="minor">
+                <a:schemeClr val="lt1"/>
+              </a:fontRef>
+            </p:style>
+            <p:txBody>
+              <a:bodyPr rtlCol="0" anchor="ctr"/>
+              <a:lstStyle/>
+              <a:p>
+                <a:pPr algn="ctr"/>
+                <a:endParaRPr lang="en-US"/>
+              </a:p>
+            </p:txBody>
+          </p:sp>
+        </p:grpSp>
+        <p:sp>
+          <p:nvSpPr>
+            <p:cNvPr id="138" name="Oval 137"/>
+            <p:cNvSpPr/>
+            <p:nvPr/>
+          </p:nvSpPr>
+          <p:spPr>
+            <a:xfrm>
+              <a:off x="7511209" y="5615108"/>
+              <a:ext cx="126366" cy="128664"/>
+            </a:xfrm>
+            <a:prstGeom prst="ellipse">
+              <a:avLst/>
+            </a:prstGeom>
+            <a:solidFill>
+              <a:schemeClr val="accent4"/>
+            </a:solidFill>
+            <a:ln w="19050">
+              <a:solidFill>
+                <a:schemeClr val="tx1"/>
+              </a:solidFill>
+            </a:ln>
+          </p:spPr>
+          <p:style>
+            <a:lnRef idx="2">
+              <a:schemeClr val="accent1">
+                <a:shade val="50000"/>
+              </a:schemeClr>
+            </a:lnRef>
+            <a:fillRef idx="1">
+              <a:schemeClr val="accent1"/>
+            </a:fillRef>
+            <a:effectRef idx="0">
+              <a:schemeClr val="accent1"/>
+            </a:effectRef>
+            <a:fontRef idx="minor">
+              <a:schemeClr val="lt1"/>
+            </a:fontRef>
+          </p:style>
+          <p:txBody>
+            <a:bodyPr rtlCol="0" anchor="ctr"/>
+            <a:lstStyle/>
+            <a:p>
+              <a:pPr algn="ctr"/>
+              <a:endParaRPr lang="en-US"/>
+            </a:p>
+          </p:txBody>
+        </p:sp>
+        <p:sp>
+          <p:nvSpPr>
+            <p:cNvPr id="139" name="Diamond 138"/>
+            <p:cNvSpPr/>
+            <p:nvPr/>
+          </p:nvSpPr>
+          <p:spPr>
+            <a:xfrm rot="16200000">
+              <a:off x="7401208" y="5577283"/>
+              <a:ext cx="101668" cy="198979"/>
+            </a:xfrm>
+            <a:prstGeom prst="diamond">
+              <a:avLst/>
+            </a:prstGeom>
+            <a:solidFill>
+              <a:schemeClr val="accent4"/>
+            </a:solidFill>
+            <a:ln w="19050">
+              <a:solidFill>
+                <a:schemeClr val="tx1"/>
+              </a:solidFill>
+            </a:ln>
+          </p:spPr>
+          <p:style>
+            <a:lnRef idx="2">
+              <a:schemeClr val="accent1">
+                <a:shade val="50000"/>
+              </a:schemeClr>
+            </a:lnRef>
+            <a:fillRef idx="1">
+              <a:schemeClr val="accent1"/>
+            </a:fillRef>
+            <a:effectRef idx="0">
+              <a:schemeClr val="accent1"/>
+            </a:effectRef>
+            <a:fontRef idx="minor">
+              <a:schemeClr val="lt1"/>
+            </a:fontRef>
+          </p:style>
+          <p:txBody>
+            <a:bodyPr rtlCol="0" anchor="ctr"/>
+            <a:lstStyle/>
+            <a:p>
+              <a:pPr algn="ctr"/>
+              <a:endParaRPr lang="en-US"/>
+            </a:p>
+          </p:txBody>
+        </p:sp>
+        <p:sp>
+          <p:nvSpPr>
+            <p:cNvPr id="140" name="TextBox 139"/>
+            <p:cNvSpPr txBox="1"/>
+            <p:nvPr/>
+          </p:nvSpPr>
+          <p:spPr>
+            <a:xfrm>
+              <a:off x="7446438" y="5277006"/>
+              <a:ext cx="255905" cy="169277"/>
+            </a:xfrm>
+            <a:prstGeom prst="rect">
+              <a:avLst/>
+            </a:prstGeom>
+            <a:noFill/>
+          </p:spPr>
+          <p:txBody>
+            <a:bodyPr wrap="square" rtlCol="0">
+              <a:spAutoFit/>
+            </a:bodyPr>
+            <a:lstStyle/>
+            <a:p>
+              <a:pPr algn="ctr"/>
+              <a:r>
+                <a:rPr lang="en-US" sz="500" dirty="0" smtClean="0"/>
+                <a:t>XII</a:t>
+              </a:r>
+              <a:endParaRPr lang="en-US" sz="500" dirty="0"/>
+            </a:p>
+          </p:txBody>
+        </p:sp>
+        <p:sp>
+          <p:nvSpPr>
+            <p:cNvPr id="141" name="TextBox 140"/>
+            <p:cNvSpPr txBox="1"/>
+            <p:nvPr/>
+          </p:nvSpPr>
+          <p:spPr>
+            <a:xfrm>
+              <a:off x="7446438" y="5874800"/>
+              <a:ext cx="255905" cy="169277"/>
+            </a:xfrm>
+            <a:prstGeom prst="rect">
+              <a:avLst/>
+            </a:prstGeom>
+            <a:noFill/>
+          </p:spPr>
+          <p:txBody>
+            <a:bodyPr wrap="square" rtlCol="0">
+              <a:spAutoFit/>
+            </a:bodyPr>
+            <a:lstStyle/>
+            <a:p>
+              <a:pPr algn="ctr"/>
+              <a:r>
+                <a:rPr lang="en-US" sz="500" dirty="0" smtClean="0"/>
+                <a:t>VI</a:t>
+              </a:r>
+              <a:endParaRPr lang="en-US" sz="500" dirty="0"/>
+            </a:p>
+          </p:txBody>
+        </p:sp>
+        <p:sp>
+          <p:nvSpPr>
+            <p:cNvPr id="142" name="TextBox 141"/>
+            <p:cNvSpPr txBox="1"/>
+            <p:nvPr/>
+          </p:nvSpPr>
+          <p:spPr>
+            <a:xfrm>
+              <a:off x="7133526" y="5592135"/>
+              <a:ext cx="255905" cy="169277"/>
+            </a:xfrm>
+            <a:prstGeom prst="rect">
+              <a:avLst/>
+            </a:prstGeom>
+            <a:noFill/>
+          </p:spPr>
+          <p:txBody>
+            <a:bodyPr wrap="square" rtlCol="0">
+              <a:spAutoFit/>
+            </a:bodyPr>
+            <a:lstStyle/>
+            <a:p>
+              <a:pPr algn="ctr"/>
+              <a:r>
+                <a:rPr lang="en-US" sz="500" dirty="0" smtClean="0"/>
+                <a:t>IX</a:t>
+              </a:r>
+              <a:endParaRPr lang="en-US" sz="500" dirty="0"/>
+            </a:p>
+          </p:txBody>
+        </p:sp>
+        <p:sp>
+          <p:nvSpPr>
+            <p:cNvPr id="143" name="TextBox 142"/>
+            <p:cNvSpPr txBox="1"/>
+            <p:nvPr/>
+          </p:nvSpPr>
+          <p:spPr>
+            <a:xfrm>
+              <a:off x="7733776" y="5592135"/>
+              <a:ext cx="255905" cy="169277"/>
+            </a:xfrm>
+            <a:prstGeom prst="rect">
+              <a:avLst/>
+            </a:prstGeom>
+            <a:noFill/>
+          </p:spPr>
+          <p:txBody>
+            <a:bodyPr wrap="square" rtlCol="0">
+              <a:spAutoFit/>
+            </a:bodyPr>
+            <a:lstStyle/>
+            <a:p>
+              <a:pPr algn="ctr"/>
+              <a:r>
+                <a:rPr lang="en-US" sz="500" dirty="0" smtClean="0"/>
+                <a:t>III</a:t>
+              </a:r>
+              <a:endParaRPr lang="en-US" sz="500" dirty="0"/>
+            </a:p>
+          </p:txBody>
+        </p:sp>
+      </p:grpSp>
+      <p:grpSp>
+        <p:nvGrpSpPr>
+          <p:cNvPr id="168" name="Group 167"/>
+          <p:cNvGrpSpPr/>
+          <p:nvPr/>
+        </p:nvGrpSpPr>
+        <p:grpSpPr>
+          <a:xfrm>
+            <a:off x="8113716" y="5251258"/>
+            <a:ext cx="884358" cy="884358"/>
+            <a:chOff x="8113716" y="5251258"/>
+            <a:chExt cx="884358" cy="884358"/>
+          </a:xfrm>
+        </p:grpSpPr>
+        <p:sp>
+          <p:nvSpPr>
+            <p:cNvPr id="144" name="Oval 143"/>
+            <p:cNvSpPr/>
+            <p:nvPr/>
+          </p:nvSpPr>
+          <p:spPr>
+            <a:xfrm>
+              <a:off x="8113716" y="5251258"/>
+              <a:ext cx="884358" cy="884358"/>
+            </a:xfrm>
+            <a:prstGeom prst="ellipse">
+              <a:avLst/>
+            </a:prstGeom>
+            <a:solidFill>
+              <a:schemeClr val="accent4"/>
+            </a:solidFill>
+            <a:ln w="28575">
+              <a:solidFill>
+                <a:schemeClr val="tx1"/>
+              </a:solidFill>
+            </a:ln>
+          </p:spPr>
+          <p:style>
+            <a:lnRef idx="2">
+              <a:schemeClr val="accent1">
+                <a:shade val="50000"/>
+              </a:schemeClr>
+            </a:lnRef>
+            <a:fillRef idx="1">
+              <a:schemeClr val="accent1"/>
+            </a:fillRef>
+            <a:effectRef idx="0">
+              <a:schemeClr val="accent1"/>
+            </a:effectRef>
+            <a:fontRef idx="minor">
+              <a:schemeClr val="lt1"/>
+            </a:fontRef>
+          </p:style>
+          <p:txBody>
+            <a:bodyPr rtlCol="0" anchor="ctr"/>
+            <a:lstStyle/>
+            <a:p>
+              <a:pPr algn="ctr"/>
+              <a:endParaRPr lang="en-US"/>
+            </a:p>
+          </p:txBody>
+        </p:sp>
+        <p:sp>
+          <p:nvSpPr>
+            <p:cNvPr id="145" name="Oval 144"/>
+            <p:cNvSpPr/>
+            <p:nvPr/>
+          </p:nvSpPr>
+          <p:spPr>
+            <a:xfrm>
+              <a:off x="8172673" y="5310215"/>
+              <a:ext cx="766444" cy="766444"/>
+            </a:xfrm>
+            <a:prstGeom prst="ellipse">
+              <a:avLst/>
+            </a:prstGeom>
+            <a:solidFill>
+              <a:schemeClr val="bg2">
+                <a:lumMod val="90000"/>
+              </a:schemeClr>
+            </a:solidFill>
+            <a:ln w="38100">
+              <a:solidFill>
+                <a:schemeClr val="tx1"/>
+              </a:solidFill>
+            </a:ln>
+          </p:spPr>
+          <p:style>
+            <a:lnRef idx="2">
+              <a:schemeClr val="accent1">
+                <a:shade val="50000"/>
+              </a:schemeClr>
+            </a:lnRef>
+            <a:fillRef idx="1">
+              <a:schemeClr val="accent1"/>
+            </a:fillRef>
+            <a:effectRef idx="0">
+              <a:schemeClr val="accent1"/>
+            </a:effectRef>
+            <a:fontRef idx="minor">
+              <a:schemeClr val="lt1"/>
+            </a:fontRef>
+          </p:style>
+          <p:txBody>
+            <a:bodyPr rtlCol="0" anchor="ctr"/>
+            <a:lstStyle/>
+            <a:p>
+              <a:pPr algn="ctr"/>
+              <a:endParaRPr lang="en-US"/>
+            </a:p>
+          </p:txBody>
+        </p:sp>
+        <p:grpSp>
+          <p:nvGrpSpPr>
+            <p:cNvPr id="146" name="Group 145"/>
+            <p:cNvGrpSpPr/>
+            <p:nvPr/>
+          </p:nvGrpSpPr>
+          <p:grpSpPr>
+            <a:xfrm>
+              <a:off x="8172673" y="5310215"/>
+              <a:ext cx="766444" cy="766444"/>
+              <a:chOff x="6461760" y="3198706"/>
+              <a:chExt cx="1188720" cy="1188720"/>
+            </a:xfrm>
+          </p:grpSpPr>
+          <p:sp>
+            <p:nvSpPr>
+              <p:cNvPr id="147" name="Freeform 146"/>
+              <p:cNvSpPr/>
+              <p:nvPr/>
+            </p:nvSpPr>
+            <p:spPr>
+              <a:xfrm>
+                <a:off x="6461760" y="3198706"/>
+                <a:ext cx="1188720" cy="594360"/>
+              </a:xfrm>
+              <a:custGeom>
+                <a:avLst/>
+                <a:gdLst>
+                  <a:gd name="connsiteX0" fmla="*/ 594360 w 1188720"/>
+                  <a:gd name="connsiteY0" fmla="*/ 0 h 594360"/>
+                  <a:gd name="connsiteX1" fmla="*/ 1188720 w 1188720"/>
+                  <a:gd name="connsiteY1" fmla="*/ 594360 h 594360"/>
+                  <a:gd name="connsiteX2" fmla="*/ 0 w 1188720"/>
+                  <a:gd name="connsiteY2" fmla="*/ 594360 h 594360"/>
+                  <a:gd name="connsiteX3" fmla="*/ 594360 w 1188720"/>
+                  <a:gd name="connsiteY3" fmla="*/ 0 h 594360"/>
+                </a:gdLst>
+                <a:ahLst/>
+                <a:cxnLst>
+                  <a:cxn ang="0">
+                    <a:pos x="connsiteX0" y="connsiteY0"/>
+                  </a:cxn>
+                  <a:cxn ang="0">
+                    <a:pos x="connsiteX1" y="connsiteY1"/>
+                  </a:cxn>
+                  <a:cxn ang="0">
+                    <a:pos x="connsiteX2" y="connsiteY2"/>
+                  </a:cxn>
+                  <a:cxn ang="0">
+                    <a:pos x="connsiteX3" y="connsiteY3"/>
+                  </a:cxn>
+                </a:cxnLst>
+                <a:rect l="l" t="t" r="r" b="b"/>
+                <a:pathLst>
+                  <a:path w="1188720" h="594360">
+                    <a:moveTo>
+                      <a:pt x="594360" y="0"/>
+                    </a:moveTo>
+                    <a:cubicBezTo>
+                      <a:pt x="922616" y="0"/>
+                      <a:pt x="1188720" y="266104"/>
+                      <a:pt x="1188720" y="594360"/>
+                    </a:cubicBezTo>
+                    <a:lnTo>
+                      <a:pt x="0" y="594360"/>
+                    </a:lnTo>
+                    <a:cubicBezTo>
+                      <a:pt x="0" y="266104"/>
+                      <a:pt x="266104" y="0"/>
+                      <a:pt x="594360" y="0"/>
+                    </a:cubicBezTo>
+                    <a:close/>
+                  </a:path>
+                </a:pathLst>
+              </a:custGeom>
+              <a:solidFill>
+                <a:schemeClr val="accent4">
+                  <a:lumMod val="20000"/>
+                  <a:lumOff val="80000"/>
+                </a:schemeClr>
+              </a:solidFill>
+              <a:ln w="38100">
+                <a:noFill/>
+              </a:ln>
+            </p:spPr>
+            <p:style>
+              <a:lnRef idx="2">
+                <a:schemeClr val="accent1">
+                  <a:shade val="50000"/>
+                </a:schemeClr>
+              </a:lnRef>
+              <a:fillRef idx="1">
+                <a:schemeClr val="accent1"/>
+              </a:fillRef>
+              <a:effectRef idx="0">
+                <a:schemeClr val="accent1"/>
+              </a:effectRef>
+              <a:fontRef idx="minor">
+                <a:schemeClr val="lt1"/>
+              </a:fontRef>
+            </p:style>
+            <p:txBody>
+              <a:bodyPr rtlCol="0" anchor="ctr"/>
+              <a:lstStyle/>
+              <a:p>
+                <a:pPr algn="ctr"/>
+                <a:endParaRPr lang="en-US"/>
+              </a:p>
+            </p:txBody>
+          </p:sp>
+          <p:sp>
+            <p:nvSpPr>
+              <p:cNvPr id="148" name="Freeform 147"/>
+              <p:cNvSpPr/>
+              <p:nvPr/>
+            </p:nvSpPr>
+            <p:spPr>
+              <a:xfrm rot="10800000">
+                <a:off x="6461760" y="3793066"/>
+                <a:ext cx="1188720" cy="594360"/>
+              </a:xfrm>
+              <a:custGeom>
+                <a:avLst/>
+                <a:gdLst>
+                  <a:gd name="connsiteX0" fmla="*/ 594360 w 1188720"/>
+                  <a:gd name="connsiteY0" fmla="*/ 0 h 594360"/>
+                  <a:gd name="connsiteX1" fmla="*/ 1188720 w 1188720"/>
+                  <a:gd name="connsiteY1" fmla="*/ 594360 h 594360"/>
+                  <a:gd name="connsiteX2" fmla="*/ 0 w 1188720"/>
+                  <a:gd name="connsiteY2" fmla="*/ 594360 h 594360"/>
+                  <a:gd name="connsiteX3" fmla="*/ 594360 w 1188720"/>
+                  <a:gd name="connsiteY3" fmla="*/ 0 h 594360"/>
+                </a:gdLst>
+                <a:ahLst/>
+                <a:cxnLst>
+                  <a:cxn ang="0">
+                    <a:pos x="connsiteX0" y="connsiteY0"/>
+                  </a:cxn>
+                  <a:cxn ang="0">
+                    <a:pos x="connsiteX1" y="connsiteY1"/>
+                  </a:cxn>
+                  <a:cxn ang="0">
+                    <a:pos x="connsiteX2" y="connsiteY2"/>
+                  </a:cxn>
+                  <a:cxn ang="0">
+                    <a:pos x="connsiteX3" y="connsiteY3"/>
+                  </a:cxn>
+                </a:cxnLst>
+                <a:rect l="l" t="t" r="r" b="b"/>
+                <a:pathLst>
+                  <a:path w="1188720" h="594360">
+                    <a:moveTo>
+                      <a:pt x="594360" y="0"/>
+                    </a:moveTo>
+                    <a:cubicBezTo>
+                      <a:pt x="922616" y="0"/>
+                      <a:pt x="1188720" y="266104"/>
+                      <a:pt x="1188720" y="594360"/>
+                    </a:cubicBezTo>
+                    <a:lnTo>
+                      <a:pt x="0" y="594360"/>
+                    </a:lnTo>
+                    <a:cubicBezTo>
+                      <a:pt x="0" y="266104"/>
+                      <a:pt x="266104" y="0"/>
+                      <a:pt x="594360" y="0"/>
+                    </a:cubicBezTo>
+                    <a:close/>
+                  </a:path>
+                </a:pathLst>
+              </a:custGeom>
+              <a:solidFill>
+                <a:schemeClr val="accent1">
+                  <a:lumMod val="20000"/>
+                  <a:lumOff val="80000"/>
+                </a:schemeClr>
+              </a:solidFill>
+              <a:ln w="38100">
+                <a:noFill/>
+              </a:ln>
+            </p:spPr>
+            <p:style>
+              <a:lnRef idx="2">
+                <a:schemeClr val="accent1">
+                  <a:shade val="50000"/>
+                </a:schemeClr>
+              </a:lnRef>
+              <a:fillRef idx="1">
+                <a:schemeClr val="accent1"/>
+              </a:fillRef>
+              <a:effectRef idx="0">
+                <a:schemeClr val="accent1"/>
+              </a:effectRef>
+              <a:fontRef idx="minor">
+                <a:schemeClr val="lt1"/>
+              </a:fontRef>
+            </p:style>
+            <p:txBody>
+              <a:bodyPr rtlCol="0" anchor="ctr"/>
+              <a:lstStyle/>
+              <a:p>
+                <a:pPr algn="ctr"/>
+                <a:endParaRPr lang="en-US"/>
+              </a:p>
+            </p:txBody>
+          </p:sp>
+        </p:grpSp>
+        <p:sp>
+          <p:nvSpPr>
+            <p:cNvPr id="149" name="Oval 148"/>
+            <p:cNvSpPr/>
+            <p:nvPr/>
+          </p:nvSpPr>
+          <p:spPr>
+            <a:xfrm>
+              <a:off x="8492712" y="5629105"/>
+              <a:ext cx="126366" cy="128664"/>
+            </a:xfrm>
+            <a:prstGeom prst="ellipse">
+              <a:avLst/>
+            </a:prstGeom>
+            <a:solidFill>
+              <a:schemeClr val="accent4"/>
+            </a:solidFill>
+            <a:ln w="19050">
+              <a:solidFill>
+                <a:schemeClr val="tx1"/>
+              </a:solidFill>
+            </a:ln>
+          </p:spPr>
+          <p:style>
+            <a:lnRef idx="2">
+              <a:schemeClr val="accent1">
+                <a:shade val="50000"/>
+              </a:schemeClr>
+            </a:lnRef>
+            <a:fillRef idx="1">
+              <a:schemeClr val="accent1"/>
+            </a:fillRef>
+            <a:effectRef idx="0">
+              <a:schemeClr val="accent1"/>
+            </a:effectRef>
+            <a:fontRef idx="minor">
+              <a:schemeClr val="lt1"/>
+            </a:fontRef>
+          </p:style>
+          <p:txBody>
+            <a:bodyPr rtlCol="0" anchor="ctr"/>
+            <a:lstStyle/>
+            <a:p>
+              <a:pPr algn="ctr"/>
+              <a:endParaRPr lang="en-US"/>
+            </a:p>
+          </p:txBody>
+        </p:sp>
+        <p:sp>
+          <p:nvSpPr>
+            <p:cNvPr id="150" name="Diamond 149"/>
+            <p:cNvSpPr/>
+            <p:nvPr/>
+          </p:nvSpPr>
+          <p:spPr>
+            <a:xfrm rot="18000000">
+              <a:off x="8407906" y="5531748"/>
+              <a:ext cx="101668" cy="198979"/>
+            </a:xfrm>
+            <a:prstGeom prst="diamond">
+              <a:avLst/>
+            </a:prstGeom>
+            <a:solidFill>
+              <a:schemeClr val="accent4"/>
+            </a:solidFill>
+            <a:ln w="19050">
+              <a:solidFill>
+                <a:schemeClr val="tx1"/>
+              </a:solidFill>
+            </a:ln>
+          </p:spPr>
+          <p:style>
+            <a:lnRef idx="2">
+              <a:schemeClr val="accent1">
+                <a:shade val="50000"/>
+              </a:schemeClr>
+            </a:lnRef>
+            <a:fillRef idx="1">
+              <a:schemeClr val="accent1"/>
+            </a:fillRef>
+            <a:effectRef idx="0">
+              <a:schemeClr val="accent1"/>
+            </a:effectRef>
+            <a:fontRef idx="minor">
+              <a:schemeClr val="lt1"/>
+            </a:fontRef>
+          </p:style>
+          <p:txBody>
+            <a:bodyPr rtlCol="0" anchor="ctr"/>
+            <a:lstStyle/>
+            <a:p>
+              <a:pPr algn="ctr"/>
+              <a:endParaRPr lang="en-US"/>
+            </a:p>
+          </p:txBody>
+        </p:sp>
+        <p:sp>
+          <p:nvSpPr>
+            <p:cNvPr id="151" name="TextBox 150"/>
+            <p:cNvSpPr txBox="1"/>
+            <p:nvPr/>
+          </p:nvSpPr>
+          <p:spPr>
+            <a:xfrm>
+              <a:off x="8427941" y="5291003"/>
+              <a:ext cx="255905" cy="169277"/>
+            </a:xfrm>
+            <a:prstGeom prst="rect">
+              <a:avLst/>
+            </a:prstGeom>
+            <a:noFill/>
+          </p:spPr>
+          <p:txBody>
+            <a:bodyPr wrap="square" rtlCol="0">
+              <a:spAutoFit/>
+            </a:bodyPr>
+            <a:lstStyle/>
+            <a:p>
+              <a:pPr algn="ctr"/>
+              <a:r>
+                <a:rPr lang="en-US" sz="500" dirty="0" smtClean="0"/>
+                <a:t>XII</a:t>
+              </a:r>
+              <a:endParaRPr lang="en-US" sz="500" dirty="0"/>
+            </a:p>
+          </p:txBody>
+        </p:sp>
+        <p:sp>
+          <p:nvSpPr>
+            <p:cNvPr id="152" name="TextBox 151"/>
+            <p:cNvSpPr txBox="1"/>
+            <p:nvPr/>
+          </p:nvSpPr>
+          <p:spPr>
+            <a:xfrm>
+              <a:off x="8427941" y="5888797"/>
+              <a:ext cx="255905" cy="169277"/>
+            </a:xfrm>
+            <a:prstGeom prst="rect">
+              <a:avLst/>
+            </a:prstGeom>
+            <a:noFill/>
+          </p:spPr>
+          <p:txBody>
+            <a:bodyPr wrap="square" rtlCol="0">
+              <a:spAutoFit/>
+            </a:bodyPr>
+            <a:lstStyle/>
+            <a:p>
+              <a:pPr algn="ctr"/>
+              <a:r>
+                <a:rPr lang="en-US" sz="500" dirty="0" smtClean="0"/>
+                <a:t>VI</a:t>
+              </a:r>
+              <a:endParaRPr lang="en-US" sz="500" dirty="0"/>
+            </a:p>
+          </p:txBody>
+        </p:sp>
+        <p:sp>
+          <p:nvSpPr>
+            <p:cNvPr id="153" name="TextBox 152"/>
+            <p:cNvSpPr txBox="1"/>
+            <p:nvPr/>
+          </p:nvSpPr>
+          <p:spPr>
+            <a:xfrm>
+              <a:off x="8115029" y="5606132"/>
+              <a:ext cx="255905" cy="169277"/>
+            </a:xfrm>
+            <a:prstGeom prst="rect">
+              <a:avLst/>
+            </a:prstGeom>
+            <a:noFill/>
+          </p:spPr>
+          <p:txBody>
+            <a:bodyPr wrap="square" rtlCol="0">
+              <a:spAutoFit/>
+            </a:bodyPr>
+            <a:lstStyle/>
+            <a:p>
+              <a:pPr algn="ctr"/>
+              <a:r>
+                <a:rPr lang="en-US" sz="500" dirty="0" smtClean="0"/>
+                <a:t>IX</a:t>
+              </a:r>
+              <a:endParaRPr lang="en-US" sz="500" dirty="0"/>
+            </a:p>
+          </p:txBody>
+        </p:sp>
+        <p:sp>
+          <p:nvSpPr>
+            <p:cNvPr id="154" name="TextBox 153"/>
+            <p:cNvSpPr txBox="1"/>
+            <p:nvPr/>
+          </p:nvSpPr>
+          <p:spPr>
+            <a:xfrm>
+              <a:off x="8715279" y="5606132"/>
+              <a:ext cx="255905" cy="169277"/>
+            </a:xfrm>
+            <a:prstGeom prst="rect">
+              <a:avLst/>
+            </a:prstGeom>
+            <a:noFill/>
+          </p:spPr>
+          <p:txBody>
+            <a:bodyPr wrap="square" rtlCol="0">
+              <a:spAutoFit/>
+            </a:bodyPr>
+            <a:lstStyle/>
+            <a:p>
+              <a:pPr algn="ctr"/>
+              <a:r>
+                <a:rPr lang="en-US" sz="500" dirty="0" smtClean="0"/>
+                <a:t>III</a:t>
+              </a:r>
+              <a:endParaRPr lang="en-US" sz="500" dirty="0"/>
+            </a:p>
+          </p:txBody>
+        </p:sp>
+      </p:grpSp>
+      <p:grpSp>
+        <p:nvGrpSpPr>
+          <p:cNvPr id="5" name="Group 4"/>
+          <p:cNvGrpSpPr/>
+          <p:nvPr/>
+        </p:nvGrpSpPr>
+        <p:grpSpPr>
+          <a:xfrm>
+            <a:off x="9113606" y="5261933"/>
+            <a:ext cx="884358" cy="884358"/>
+            <a:chOff x="9113606" y="5261933"/>
+            <a:chExt cx="884358" cy="884358"/>
+          </a:xfrm>
+        </p:grpSpPr>
+        <p:sp>
+          <p:nvSpPr>
+            <p:cNvPr id="155" name="Oval 154"/>
+            <p:cNvSpPr/>
+            <p:nvPr/>
+          </p:nvSpPr>
+          <p:spPr>
+            <a:xfrm>
+              <a:off x="9113606" y="5261933"/>
+              <a:ext cx="884358" cy="884358"/>
+            </a:xfrm>
+            <a:prstGeom prst="ellipse">
+              <a:avLst/>
+            </a:prstGeom>
+            <a:solidFill>
+              <a:schemeClr val="accent4"/>
+            </a:solidFill>
+            <a:ln w="28575">
+              <a:solidFill>
+                <a:schemeClr val="tx1"/>
+              </a:solidFill>
+            </a:ln>
+          </p:spPr>
+          <p:style>
+            <a:lnRef idx="2">
+              <a:schemeClr val="accent1">
+                <a:shade val="50000"/>
+              </a:schemeClr>
+            </a:lnRef>
+            <a:fillRef idx="1">
+              <a:schemeClr val="accent1"/>
+            </a:fillRef>
+            <a:effectRef idx="0">
+              <a:schemeClr val="accent1"/>
+            </a:effectRef>
+            <a:fontRef idx="minor">
+              <a:schemeClr val="lt1"/>
+            </a:fontRef>
+          </p:style>
+          <p:txBody>
+            <a:bodyPr rtlCol="0" anchor="ctr"/>
+            <a:lstStyle/>
+            <a:p>
+              <a:pPr algn="ctr"/>
+              <a:endParaRPr lang="en-US"/>
+            </a:p>
+          </p:txBody>
+        </p:sp>
+        <p:sp>
+          <p:nvSpPr>
+            <p:cNvPr id="156" name="Oval 155"/>
+            <p:cNvSpPr/>
+            <p:nvPr/>
+          </p:nvSpPr>
+          <p:spPr>
+            <a:xfrm>
+              <a:off x="9172563" y="5320890"/>
+              <a:ext cx="766444" cy="766444"/>
+            </a:xfrm>
+            <a:prstGeom prst="ellipse">
+              <a:avLst/>
+            </a:prstGeom>
+            <a:solidFill>
+              <a:schemeClr val="bg2">
+                <a:lumMod val="90000"/>
+              </a:schemeClr>
+            </a:solidFill>
+            <a:ln w="38100">
+              <a:solidFill>
+                <a:schemeClr val="tx1"/>
+              </a:solidFill>
+            </a:ln>
+          </p:spPr>
+          <p:style>
+            <a:lnRef idx="2">
+              <a:schemeClr val="accent1">
+                <a:shade val="50000"/>
+              </a:schemeClr>
+            </a:lnRef>
+            <a:fillRef idx="1">
+              <a:schemeClr val="accent1"/>
+            </a:fillRef>
+            <a:effectRef idx="0">
+              <a:schemeClr val="accent1"/>
+            </a:effectRef>
+            <a:fontRef idx="minor">
+              <a:schemeClr val="lt1"/>
+            </a:fontRef>
+          </p:style>
+          <p:txBody>
+            <a:bodyPr rtlCol="0" anchor="ctr"/>
+            <a:lstStyle/>
+            <a:p>
+              <a:pPr algn="ctr"/>
+              <a:endParaRPr lang="en-US"/>
+            </a:p>
+          </p:txBody>
+        </p:sp>
+        <p:grpSp>
+          <p:nvGrpSpPr>
+            <p:cNvPr id="157" name="Group 156"/>
+            <p:cNvGrpSpPr/>
+            <p:nvPr/>
+          </p:nvGrpSpPr>
+          <p:grpSpPr>
+            <a:xfrm>
+              <a:off x="9172563" y="5320890"/>
+              <a:ext cx="766444" cy="766444"/>
+              <a:chOff x="6461760" y="3198706"/>
+              <a:chExt cx="1188720" cy="1188720"/>
+            </a:xfrm>
+          </p:grpSpPr>
+          <p:sp>
+            <p:nvSpPr>
+              <p:cNvPr id="158" name="Freeform 157"/>
+              <p:cNvSpPr/>
+              <p:nvPr/>
+            </p:nvSpPr>
+            <p:spPr>
+              <a:xfrm>
+                <a:off x="6461760" y="3198706"/>
+                <a:ext cx="1188720" cy="594360"/>
+              </a:xfrm>
+              <a:custGeom>
+                <a:avLst/>
+                <a:gdLst>
+                  <a:gd name="connsiteX0" fmla="*/ 594360 w 1188720"/>
+                  <a:gd name="connsiteY0" fmla="*/ 0 h 594360"/>
+                  <a:gd name="connsiteX1" fmla="*/ 1188720 w 1188720"/>
+                  <a:gd name="connsiteY1" fmla="*/ 594360 h 594360"/>
+                  <a:gd name="connsiteX2" fmla="*/ 0 w 1188720"/>
+                  <a:gd name="connsiteY2" fmla="*/ 594360 h 594360"/>
+                  <a:gd name="connsiteX3" fmla="*/ 594360 w 1188720"/>
+                  <a:gd name="connsiteY3" fmla="*/ 0 h 594360"/>
+                </a:gdLst>
+                <a:ahLst/>
+                <a:cxnLst>
+                  <a:cxn ang="0">
+                    <a:pos x="connsiteX0" y="connsiteY0"/>
+                  </a:cxn>
+                  <a:cxn ang="0">
+                    <a:pos x="connsiteX1" y="connsiteY1"/>
+                  </a:cxn>
+                  <a:cxn ang="0">
+                    <a:pos x="connsiteX2" y="connsiteY2"/>
+                  </a:cxn>
+                  <a:cxn ang="0">
+                    <a:pos x="connsiteX3" y="connsiteY3"/>
+                  </a:cxn>
+                </a:cxnLst>
+                <a:rect l="l" t="t" r="r" b="b"/>
+                <a:pathLst>
+                  <a:path w="1188720" h="594360">
+                    <a:moveTo>
+                      <a:pt x="594360" y="0"/>
+                    </a:moveTo>
+                    <a:cubicBezTo>
+                      <a:pt x="922616" y="0"/>
+                      <a:pt x="1188720" y="266104"/>
+                      <a:pt x="1188720" y="594360"/>
+                    </a:cubicBezTo>
+                    <a:lnTo>
+                      <a:pt x="0" y="594360"/>
+                    </a:lnTo>
+                    <a:cubicBezTo>
+                      <a:pt x="0" y="266104"/>
+                      <a:pt x="266104" y="0"/>
+                      <a:pt x="594360" y="0"/>
+                    </a:cubicBezTo>
+                    <a:close/>
+                  </a:path>
+                </a:pathLst>
+              </a:custGeom>
+              <a:solidFill>
+                <a:schemeClr val="accent4">
+                  <a:lumMod val="20000"/>
+                  <a:lumOff val="80000"/>
+                </a:schemeClr>
+              </a:solidFill>
+              <a:ln w="38100">
+                <a:noFill/>
+              </a:ln>
+            </p:spPr>
+            <p:style>
+              <a:lnRef idx="2">
+                <a:schemeClr val="accent1">
+                  <a:shade val="50000"/>
+                </a:schemeClr>
+              </a:lnRef>
+              <a:fillRef idx="1">
+                <a:schemeClr val="accent1"/>
+              </a:fillRef>
+              <a:effectRef idx="0">
+                <a:schemeClr val="accent1"/>
+              </a:effectRef>
+              <a:fontRef idx="minor">
+                <a:schemeClr val="lt1"/>
+              </a:fontRef>
+            </p:style>
+            <p:txBody>
+              <a:bodyPr rtlCol="0" anchor="ctr"/>
+              <a:lstStyle/>
+              <a:p>
+                <a:pPr algn="ctr"/>
+                <a:endParaRPr lang="en-US"/>
+              </a:p>
+            </p:txBody>
+          </p:sp>
+          <p:sp>
+            <p:nvSpPr>
+              <p:cNvPr id="159" name="Freeform 158"/>
+              <p:cNvSpPr/>
+              <p:nvPr/>
+            </p:nvSpPr>
+            <p:spPr>
+              <a:xfrm rot="10800000">
+                <a:off x="6461760" y="3793066"/>
+                <a:ext cx="1188720" cy="594360"/>
+              </a:xfrm>
+              <a:custGeom>
+                <a:avLst/>
+                <a:gdLst>
+                  <a:gd name="connsiteX0" fmla="*/ 594360 w 1188720"/>
+                  <a:gd name="connsiteY0" fmla="*/ 0 h 594360"/>
+                  <a:gd name="connsiteX1" fmla="*/ 1188720 w 1188720"/>
+                  <a:gd name="connsiteY1" fmla="*/ 594360 h 594360"/>
+                  <a:gd name="connsiteX2" fmla="*/ 0 w 1188720"/>
+                  <a:gd name="connsiteY2" fmla="*/ 594360 h 594360"/>
+                  <a:gd name="connsiteX3" fmla="*/ 594360 w 1188720"/>
+                  <a:gd name="connsiteY3" fmla="*/ 0 h 594360"/>
+                </a:gdLst>
+                <a:ahLst/>
+                <a:cxnLst>
+                  <a:cxn ang="0">
+                    <a:pos x="connsiteX0" y="connsiteY0"/>
+                  </a:cxn>
+                  <a:cxn ang="0">
+                    <a:pos x="connsiteX1" y="connsiteY1"/>
+                  </a:cxn>
+                  <a:cxn ang="0">
+                    <a:pos x="connsiteX2" y="connsiteY2"/>
+                  </a:cxn>
+                  <a:cxn ang="0">
+                    <a:pos x="connsiteX3" y="connsiteY3"/>
+                  </a:cxn>
+                </a:cxnLst>
+                <a:rect l="l" t="t" r="r" b="b"/>
+                <a:pathLst>
+                  <a:path w="1188720" h="594360">
+                    <a:moveTo>
+                      <a:pt x="594360" y="0"/>
+                    </a:moveTo>
+                    <a:cubicBezTo>
+                      <a:pt x="922616" y="0"/>
+                      <a:pt x="1188720" y="266104"/>
+                      <a:pt x="1188720" y="594360"/>
+                    </a:cubicBezTo>
+                    <a:lnTo>
+                      <a:pt x="0" y="594360"/>
+                    </a:lnTo>
+                    <a:cubicBezTo>
+                      <a:pt x="0" y="266104"/>
+                      <a:pt x="266104" y="0"/>
+                      <a:pt x="594360" y="0"/>
+                    </a:cubicBezTo>
+                    <a:close/>
+                  </a:path>
+                </a:pathLst>
+              </a:custGeom>
+              <a:solidFill>
+                <a:schemeClr val="accent1">
+                  <a:lumMod val="20000"/>
+                  <a:lumOff val="80000"/>
+                </a:schemeClr>
+              </a:solidFill>
+              <a:ln w="38100">
+                <a:noFill/>
+              </a:ln>
+            </p:spPr>
+            <p:style>
+              <a:lnRef idx="2">
+                <a:schemeClr val="accent1">
+                  <a:shade val="50000"/>
+                </a:schemeClr>
+              </a:lnRef>
+              <a:fillRef idx="1">
+                <a:schemeClr val="accent1"/>
+              </a:fillRef>
+              <a:effectRef idx="0">
+                <a:schemeClr val="accent1"/>
+              </a:effectRef>
+              <a:fontRef idx="minor">
+                <a:schemeClr val="lt1"/>
+              </a:fontRef>
+            </p:style>
+            <p:txBody>
+              <a:bodyPr rtlCol="0" anchor="ctr"/>
+              <a:lstStyle/>
+              <a:p>
+                <a:pPr algn="ctr"/>
+                <a:endParaRPr lang="en-US"/>
+              </a:p>
+            </p:txBody>
+          </p:sp>
+        </p:grpSp>
+        <p:sp>
+          <p:nvSpPr>
+            <p:cNvPr id="160" name="Oval 159"/>
+            <p:cNvSpPr/>
+            <p:nvPr/>
+          </p:nvSpPr>
+          <p:spPr>
+            <a:xfrm>
+              <a:off x="9492602" y="5639780"/>
+              <a:ext cx="126366" cy="128664"/>
+            </a:xfrm>
+            <a:prstGeom prst="ellipse">
+              <a:avLst/>
+            </a:prstGeom>
+            <a:solidFill>
+              <a:schemeClr val="accent4"/>
+            </a:solidFill>
+            <a:ln w="19050">
+              <a:solidFill>
+                <a:schemeClr val="tx1"/>
+              </a:solidFill>
+            </a:ln>
+          </p:spPr>
+          <p:style>
+            <a:lnRef idx="2">
+              <a:schemeClr val="accent1">
+                <a:shade val="50000"/>
+              </a:schemeClr>
+            </a:lnRef>
+            <a:fillRef idx="1">
+              <a:schemeClr val="accent1"/>
+            </a:fillRef>
+            <a:effectRef idx="0">
+              <a:schemeClr val="accent1"/>
+            </a:effectRef>
+            <a:fontRef idx="minor">
+              <a:schemeClr val="lt1"/>
+            </a:fontRef>
+          </p:style>
+          <p:txBody>
+            <a:bodyPr rtlCol="0" anchor="ctr"/>
+            <a:lstStyle/>
+            <a:p>
+              <a:pPr algn="ctr"/>
+              <a:endParaRPr lang="en-US"/>
+            </a:p>
+          </p:txBody>
+        </p:sp>
+        <p:sp>
+          <p:nvSpPr>
+            <p:cNvPr id="161" name="Diamond 160"/>
+            <p:cNvSpPr/>
+            <p:nvPr/>
+          </p:nvSpPr>
+          <p:spPr>
+            <a:xfrm rot="19800000">
+              <a:off x="9439314" y="5490378"/>
+              <a:ext cx="101668" cy="198979"/>
+            </a:xfrm>
+            <a:prstGeom prst="diamond">
+              <a:avLst/>
+            </a:prstGeom>
+            <a:solidFill>
+              <a:schemeClr val="accent4"/>
+            </a:solidFill>
+            <a:ln w="19050">
+              <a:solidFill>
+                <a:schemeClr val="tx1"/>
+              </a:solidFill>
+            </a:ln>
+          </p:spPr>
+          <p:style>
+            <a:lnRef idx="2">
+              <a:schemeClr val="accent1">
+                <a:shade val="50000"/>
+              </a:schemeClr>
+            </a:lnRef>
+            <a:fillRef idx="1">
+              <a:schemeClr val="accent1"/>
+            </a:fillRef>
+            <a:effectRef idx="0">
+              <a:schemeClr val="accent1"/>
+            </a:effectRef>
+            <a:fontRef idx="minor">
+              <a:schemeClr val="lt1"/>
+            </a:fontRef>
+          </p:style>
+          <p:txBody>
+            <a:bodyPr rtlCol="0" anchor="ctr"/>
+            <a:lstStyle/>
+            <a:p>
+              <a:pPr algn="ctr"/>
+              <a:endParaRPr lang="en-US"/>
+            </a:p>
+          </p:txBody>
+        </p:sp>
+        <p:sp>
+          <p:nvSpPr>
+            <p:cNvPr id="162" name="TextBox 161"/>
+            <p:cNvSpPr txBox="1"/>
+            <p:nvPr/>
+          </p:nvSpPr>
+          <p:spPr>
+            <a:xfrm>
+              <a:off x="9427831" y="5301678"/>
+              <a:ext cx="255905" cy="169277"/>
+            </a:xfrm>
+            <a:prstGeom prst="rect">
+              <a:avLst/>
+            </a:prstGeom>
+            <a:noFill/>
+          </p:spPr>
+          <p:txBody>
+            <a:bodyPr wrap="square" rtlCol="0">
+              <a:spAutoFit/>
+            </a:bodyPr>
+            <a:lstStyle/>
+            <a:p>
+              <a:pPr algn="ctr"/>
+              <a:r>
+                <a:rPr lang="en-US" sz="500" dirty="0" smtClean="0"/>
+                <a:t>XII</a:t>
+              </a:r>
+              <a:endParaRPr lang="en-US" sz="500" dirty="0"/>
+            </a:p>
+          </p:txBody>
+        </p:sp>
+        <p:sp>
+          <p:nvSpPr>
+            <p:cNvPr id="163" name="TextBox 162"/>
+            <p:cNvSpPr txBox="1"/>
+            <p:nvPr/>
+          </p:nvSpPr>
+          <p:spPr>
+            <a:xfrm>
+              <a:off x="9427831" y="5899472"/>
+              <a:ext cx="255905" cy="169277"/>
+            </a:xfrm>
+            <a:prstGeom prst="rect">
+              <a:avLst/>
+            </a:prstGeom>
+            <a:noFill/>
+          </p:spPr>
+          <p:txBody>
+            <a:bodyPr wrap="square" rtlCol="0">
+              <a:spAutoFit/>
+            </a:bodyPr>
+            <a:lstStyle/>
+            <a:p>
+              <a:pPr algn="ctr"/>
+              <a:r>
+                <a:rPr lang="en-US" sz="500" dirty="0" smtClean="0"/>
+                <a:t>VI</a:t>
+              </a:r>
+              <a:endParaRPr lang="en-US" sz="500" dirty="0"/>
+            </a:p>
+          </p:txBody>
+        </p:sp>
+        <p:sp>
+          <p:nvSpPr>
+            <p:cNvPr id="164" name="TextBox 163"/>
+            <p:cNvSpPr txBox="1"/>
+            <p:nvPr/>
+          </p:nvSpPr>
+          <p:spPr>
+            <a:xfrm>
+              <a:off x="9114919" y="5616807"/>
+              <a:ext cx="255905" cy="169277"/>
+            </a:xfrm>
+            <a:prstGeom prst="rect">
+              <a:avLst/>
+            </a:prstGeom>
+            <a:noFill/>
+          </p:spPr>
+          <p:txBody>
+            <a:bodyPr wrap="square" rtlCol="0">
+              <a:spAutoFit/>
+            </a:bodyPr>
+            <a:lstStyle/>
+            <a:p>
+              <a:pPr algn="ctr"/>
+              <a:r>
+                <a:rPr lang="en-US" sz="500" dirty="0" smtClean="0"/>
+                <a:t>IX</a:t>
+              </a:r>
+              <a:endParaRPr lang="en-US" sz="500" dirty="0"/>
+            </a:p>
+          </p:txBody>
+        </p:sp>
+        <p:sp>
+          <p:nvSpPr>
+            <p:cNvPr id="165" name="TextBox 164"/>
+            <p:cNvSpPr txBox="1"/>
+            <p:nvPr/>
+          </p:nvSpPr>
+          <p:spPr>
+            <a:xfrm>
+              <a:off x="9715169" y="5616807"/>
+              <a:ext cx="255905" cy="169277"/>
             </a:xfrm>
             <a:prstGeom prst="rect">
               <a:avLst/>

--- a/gameJamName/gameJamName - Image Files/gameJamName - Image Initializer.pptx
+++ b/gameJamName/gameJamName - Image Files/gameJamName - Image Initializer.pptx
@@ -21008,6 +21008,30 @@
           </a:fontRef>
         </p:style>
       </p:cxnSp>
+      <p:pic>
+        <p:nvPicPr>
+          <p:cNvPr id="2" name="Picture 1"/>
+          <p:cNvPicPr>
+            <a:picLocks noChangeAspect="1"/>
+          </p:cNvPicPr>
+          <p:nvPr/>
+        </p:nvPicPr>
+        <p:blipFill>
+          <a:blip r:embed="rId8"/>
+          <a:stretch>
+            <a:fillRect/>
+          </a:stretch>
+        </p:blipFill>
+        <p:spPr>
+          <a:xfrm>
+            <a:off x="10821800" y="2219984"/>
+            <a:ext cx="329184" cy="329184"/>
+          </a:xfrm>
+          <a:prstGeom prst="rect">
+            <a:avLst/>
+          </a:prstGeom>
+        </p:spPr>
+      </p:pic>
     </p:spTree>
     <p:extLst>
       <p:ext uri="{BB962C8B-B14F-4D97-AF65-F5344CB8AC3E}">
